--- a/Spotiflop_ML.pptx
+++ b/Spotiflop_ML.pptx
@@ -5,28 +5,33 @@
     <p:sldMasterId id="2147483648" r:id="rId4"/>
   </p:sldMasterIdLst>
   <p:notesMasterIdLst>
-    <p:notesMasterId r:id="rId21"/>
+    <p:notesMasterId r:id="rId26"/>
   </p:notesMasterIdLst>
   <p:handoutMasterIdLst>
-    <p:handoutMasterId r:id="rId22"/>
+    <p:handoutMasterId r:id="rId27"/>
   </p:handoutMasterIdLst>
   <p:sldIdLst>
     <p:sldId id="256" r:id="rId5"/>
     <p:sldId id="279" r:id="rId6"/>
-    <p:sldId id="278" r:id="rId7"/>
-    <p:sldId id="281" r:id="rId8"/>
-    <p:sldId id="286" r:id="rId9"/>
-    <p:sldId id="258" r:id="rId10"/>
-    <p:sldId id="257" r:id="rId11"/>
-    <p:sldId id="283" r:id="rId12"/>
-    <p:sldId id="280" r:id="rId13"/>
-    <p:sldId id="282" r:id="rId14"/>
-    <p:sldId id="266" r:id="rId15"/>
-    <p:sldId id="284" r:id="rId16"/>
-    <p:sldId id="288" r:id="rId17"/>
-    <p:sldId id="287" r:id="rId18"/>
-    <p:sldId id="289" r:id="rId19"/>
-    <p:sldId id="271" r:id="rId20"/>
+    <p:sldId id="293" r:id="rId7"/>
+    <p:sldId id="292" r:id="rId8"/>
+    <p:sldId id="294" r:id="rId9"/>
+    <p:sldId id="291" r:id="rId10"/>
+    <p:sldId id="278" r:id="rId11"/>
+    <p:sldId id="290" r:id="rId12"/>
+    <p:sldId id="281" r:id="rId13"/>
+    <p:sldId id="286" r:id="rId14"/>
+    <p:sldId id="258" r:id="rId15"/>
+    <p:sldId id="257" r:id="rId16"/>
+    <p:sldId id="283" r:id="rId17"/>
+    <p:sldId id="280" r:id="rId18"/>
+    <p:sldId id="282" r:id="rId19"/>
+    <p:sldId id="266" r:id="rId20"/>
+    <p:sldId id="284" r:id="rId21"/>
+    <p:sldId id="288" r:id="rId22"/>
+    <p:sldId id="287" r:id="rId23"/>
+    <p:sldId id="289" r:id="rId24"/>
+    <p:sldId id="271" r:id="rId25"/>
   </p:sldIdLst>
   <p:sldSz cx="12192000" cy="6858000"/>
   <p:notesSz cx="6858000" cy="9144000"/>
@@ -319,7 +324,7 @@
           <a:p>
             <a:fld id="{28EEFA9E-C190-4F5C-8394-BD5F1CD55C02}" type="slidenum">
               <a:rPr lang="en-US" smtClean="0"/>
-              <a:t>‹#›</a:t>
+              <a:t>‹N°›</a:t>
             </a:fld>
             <a:endParaRPr lang="en-US" dirty="0"/>
           </a:p>
@@ -576,7 +581,7 @@
           <a:p>
             <a:fld id="{22289C57-55D7-40A4-A101-E74FAC7A092B}" type="slidenum">
               <a:rPr lang="en-US" smtClean="0"/>
-              <a:t>‹#›</a:t>
+              <a:t>‹N°›</a:t>
             </a:fld>
             <a:endParaRPr lang="en-US" dirty="0"/>
           </a:p>
@@ -813,6 +818,80 @@
           <a:bodyPr/>
           <a:lstStyle/>
           <a:p>
+            <a:r>
+              <a:rPr lang="en-US" b="0" i="0" dirty="0">
+                <a:solidFill>
+                  <a:srgbClr val="D1D5DB"/>
+                </a:solidFill>
+                <a:effectLst/>
+                <a:latin typeface="__Inter_d65c78"/>
+              </a:rPr>
+              <a:t>SVM aims to find the best boundaries that separates different classes in the data &amp; maximize the distance between the closest points of each class.</a:t>
+            </a:r>
+          </a:p>
+          <a:p>
+            <a:r>
+              <a:rPr lang="en-US" b="0" i="0" dirty="0">
+                <a:solidFill>
+                  <a:srgbClr val="D1D5DB"/>
+                </a:solidFill>
+                <a:effectLst/>
+                <a:latin typeface="__Inter_d65c78"/>
+              </a:rPr>
+              <a:t>The data points that are closest to theses boundaries are called support vectors</a:t>
+            </a:r>
+          </a:p>
+          <a:p>
+            <a:r>
+              <a:rPr lang="en-US" b="0" i="0" dirty="0">
+                <a:solidFill>
+                  <a:srgbClr val="D1D5DB"/>
+                </a:solidFill>
+                <a:effectLst/>
+                <a:latin typeface="__Inter_d65c78"/>
+              </a:rPr>
+              <a:t>This algorithm can handle complex data using a method called “kernel tricks” (se </a:t>
+            </a:r>
+            <a:r>
+              <a:rPr lang="en-US" b="0" i="0" dirty="0" err="1">
+                <a:solidFill>
+                  <a:srgbClr val="D1D5DB"/>
+                </a:solidFill>
+                <a:effectLst/>
+                <a:latin typeface="__Inter_d65c78"/>
+              </a:rPr>
+              <a:t>renseigner</a:t>
+            </a:r>
+            <a:r>
+              <a:rPr lang="en-US" b="0" i="0" dirty="0">
+                <a:solidFill>
+                  <a:srgbClr val="D1D5DB"/>
+                </a:solidFill>
+                <a:effectLst/>
+                <a:latin typeface="__Inter_d65c78"/>
+              </a:rPr>
+              <a:t> pour question </a:t>
+            </a:r>
+            <a:r>
+              <a:rPr lang="en-US" b="0" i="0" dirty="0" err="1">
+                <a:solidFill>
+                  <a:srgbClr val="D1D5DB"/>
+                </a:solidFill>
+                <a:effectLst/>
+                <a:latin typeface="__Inter_d65c78"/>
+              </a:rPr>
+              <a:t>orienté</a:t>
+            </a:r>
+            <a:r>
+              <a:rPr lang="en-US" b="0" i="0" dirty="0">
+                <a:solidFill>
+                  <a:srgbClr val="D1D5DB"/>
+                </a:solidFill>
+                <a:effectLst/>
+                <a:latin typeface="__Inter_d65c78"/>
+              </a:rPr>
+              <a:t> après)</a:t>
+            </a:r>
             <a:endParaRPr lang="en-US" dirty="0"/>
           </a:p>
         </p:txBody>
@@ -834,7 +913,7 @@
           <a:p>
             <a:fld id="{22289C57-55D7-40A4-A101-E74FAC7A092B}" type="slidenum">
               <a:rPr lang="en-US" smtClean="0"/>
-              <a:t>11</a:t>
+              <a:t>14</a:t>
             </a:fld>
             <a:endParaRPr lang="en-US" dirty="0"/>
           </a:p>
@@ -843,7 +922,7 @@
     </p:spTree>
     <p:extLst>
       <p:ext uri="{BB962C8B-B14F-4D97-AF65-F5344CB8AC3E}">
-        <p14:creationId xmlns:p14="http://schemas.microsoft.com/office/powerpoint/2010/main" val="3105683219"/>
+        <p14:creationId xmlns:p14="http://schemas.microsoft.com/office/powerpoint/2010/main" val="2066144023"/>
       </p:ext>
     </p:extLst>
   </p:cSld>
@@ -918,7 +997,7 @@
           <a:p>
             <a:fld id="{22289C57-55D7-40A4-A101-E74FAC7A092B}" type="slidenum">
               <a:rPr lang="en-US" smtClean="0"/>
-              <a:t>12</a:t>
+              <a:t>15</a:t>
             </a:fld>
             <a:endParaRPr lang="en-US" dirty="0"/>
           </a:p>
@@ -927,7 +1006,7 @@
     </p:spTree>
     <p:extLst>
       <p:ext uri="{BB962C8B-B14F-4D97-AF65-F5344CB8AC3E}">
-        <p14:creationId xmlns:p14="http://schemas.microsoft.com/office/powerpoint/2010/main" val="575465472"/>
+        <p14:creationId xmlns:p14="http://schemas.microsoft.com/office/powerpoint/2010/main" val="236659336"/>
       </p:ext>
     </p:extLst>
   </p:cSld>
@@ -1003,6 +1082,174 @@
             <a:fld id="{22289C57-55D7-40A4-A101-E74FAC7A092B}" type="slidenum">
               <a:rPr lang="en-US" smtClean="0"/>
               <a:t>16</a:t>
+            </a:fld>
+            <a:endParaRPr lang="en-US" dirty="0"/>
+          </a:p>
+        </p:txBody>
+      </p:sp>
+    </p:spTree>
+    <p:extLst>
+      <p:ext uri="{BB962C8B-B14F-4D97-AF65-F5344CB8AC3E}">
+        <p14:creationId xmlns:p14="http://schemas.microsoft.com/office/powerpoint/2010/main" val="3105683219"/>
+      </p:ext>
+    </p:extLst>
+  </p:cSld>
+  <p:clrMapOvr>
+    <a:masterClrMapping/>
+  </p:clrMapOvr>
+</p:notes>
+</file>
+
+<file path=ppt/notesSlides/notesSlide13.xml><?xml version="1.0" encoding="utf-8"?>
+<p:notes xmlns:a="http://schemas.openxmlformats.org/drawingml/2006/main" xmlns:r="http://schemas.openxmlformats.org/officeDocument/2006/relationships" xmlns:p="http://schemas.openxmlformats.org/presentationml/2006/main">
+  <p:cSld>
+    <p:spTree>
+      <p:nvGrpSpPr>
+        <p:cNvPr id="1" name=""/>
+        <p:cNvGrpSpPr/>
+        <p:nvPr/>
+      </p:nvGrpSpPr>
+      <p:grpSpPr>
+        <a:xfrm>
+          <a:off x="0" y="0"/>
+          <a:ext cx="0" cy="0"/>
+          <a:chOff x="0" y="0"/>
+          <a:chExt cx="0" cy="0"/>
+        </a:xfrm>
+      </p:grpSpPr>
+      <p:sp>
+        <p:nvSpPr>
+          <p:cNvPr id="2" name="Slide Image Placeholder 1"/>
+          <p:cNvSpPr>
+            <a:spLocks noGrp="1" noRot="1" noChangeAspect="1"/>
+          </p:cNvSpPr>
+          <p:nvPr>
+            <p:ph type="sldImg"/>
+          </p:nvPr>
+        </p:nvSpPr>
+        <p:spPr/>
+      </p:sp>
+      <p:sp>
+        <p:nvSpPr>
+          <p:cNvPr id="3" name="Notes Placeholder 2"/>
+          <p:cNvSpPr>
+            <a:spLocks noGrp="1"/>
+          </p:cNvSpPr>
+          <p:nvPr>
+            <p:ph type="body" idx="1"/>
+          </p:nvPr>
+        </p:nvSpPr>
+        <p:spPr/>
+        <p:txBody>
+          <a:bodyPr/>
+          <a:lstStyle/>
+          <a:p>
+            <a:endParaRPr lang="en-US" dirty="0"/>
+          </a:p>
+        </p:txBody>
+      </p:sp>
+      <p:sp>
+        <p:nvSpPr>
+          <p:cNvPr id="4" name="Slide Number Placeholder 3"/>
+          <p:cNvSpPr>
+            <a:spLocks noGrp="1"/>
+          </p:cNvSpPr>
+          <p:nvPr>
+            <p:ph type="sldNum" sz="quarter" idx="5"/>
+          </p:nvPr>
+        </p:nvSpPr>
+        <p:spPr/>
+        <p:txBody>
+          <a:bodyPr/>
+          <a:lstStyle/>
+          <a:p>
+            <a:fld id="{22289C57-55D7-40A4-A101-E74FAC7A092B}" type="slidenum">
+              <a:rPr lang="en-US" smtClean="0"/>
+              <a:t>17</a:t>
+            </a:fld>
+            <a:endParaRPr lang="en-US" dirty="0"/>
+          </a:p>
+        </p:txBody>
+      </p:sp>
+    </p:spTree>
+    <p:extLst>
+      <p:ext uri="{BB962C8B-B14F-4D97-AF65-F5344CB8AC3E}">
+        <p14:creationId xmlns:p14="http://schemas.microsoft.com/office/powerpoint/2010/main" val="575465472"/>
+      </p:ext>
+    </p:extLst>
+  </p:cSld>
+  <p:clrMapOvr>
+    <a:masterClrMapping/>
+  </p:clrMapOvr>
+</p:notes>
+</file>
+
+<file path=ppt/notesSlides/notesSlide14.xml><?xml version="1.0" encoding="utf-8"?>
+<p:notes xmlns:a="http://schemas.openxmlformats.org/drawingml/2006/main" xmlns:r="http://schemas.openxmlformats.org/officeDocument/2006/relationships" xmlns:p="http://schemas.openxmlformats.org/presentationml/2006/main">
+  <p:cSld>
+    <p:spTree>
+      <p:nvGrpSpPr>
+        <p:cNvPr id="1" name=""/>
+        <p:cNvGrpSpPr/>
+        <p:nvPr/>
+      </p:nvGrpSpPr>
+      <p:grpSpPr>
+        <a:xfrm>
+          <a:off x="0" y="0"/>
+          <a:ext cx="0" cy="0"/>
+          <a:chOff x="0" y="0"/>
+          <a:chExt cx="0" cy="0"/>
+        </a:xfrm>
+      </p:grpSpPr>
+      <p:sp>
+        <p:nvSpPr>
+          <p:cNvPr id="2" name="Slide Image Placeholder 1"/>
+          <p:cNvSpPr>
+            <a:spLocks noGrp="1" noRot="1" noChangeAspect="1"/>
+          </p:cNvSpPr>
+          <p:nvPr>
+            <p:ph type="sldImg"/>
+          </p:nvPr>
+        </p:nvSpPr>
+        <p:spPr/>
+      </p:sp>
+      <p:sp>
+        <p:nvSpPr>
+          <p:cNvPr id="3" name="Notes Placeholder 2"/>
+          <p:cNvSpPr>
+            <a:spLocks noGrp="1"/>
+          </p:cNvSpPr>
+          <p:nvPr>
+            <p:ph type="body" idx="1"/>
+          </p:nvPr>
+        </p:nvSpPr>
+        <p:spPr/>
+        <p:txBody>
+          <a:bodyPr/>
+          <a:lstStyle/>
+          <a:p>
+            <a:endParaRPr lang="en-US" dirty="0"/>
+          </a:p>
+        </p:txBody>
+      </p:sp>
+      <p:sp>
+        <p:nvSpPr>
+          <p:cNvPr id="4" name="Slide Number Placeholder 3"/>
+          <p:cNvSpPr>
+            <a:spLocks noGrp="1"/>
+          </p:cNvSpPr>
+          <p:nvPr>
+            <p:ph type="sldNum" sz="quarter" idx="5"/>
+          </p:nvPr>
+        </p:nvSpPr>
+        <p:spPr/>
+        <p:txBody>
+          <a:bodyPr/>
+          <a:lstStyle/>
+          <a:p>
+            <a:fld id="{22289C57-55D7-40A4-A101-E74FAC7A092B}" type="slidenum">
+              <a:rPr lang="en-US" smtClean="0"/>
+              <a:t>21</a:t>
             </a:fld>
             <a:endParaRPr lang="en-US" dirty="0"/>
           </a:p>
@@ -1110,7 +1357,13 @@
   <p:cSld>
     <p:spTree>
       <p:nvGrpSpPr>
-        <p:cNvPr id="1" name=""/>
+        <p:cNvPr id="1" name="">
+          <a:extLst>
+            <a:ext uri="{FF2B5EF4-FFF2-40B4-BE49-F238E27FC236}">
+              <a16:creationId xmlns:a16="http://schemas.microsoft.com/office/drawing/2014/main" id="{908F7BFD-858C-AF97-FE67-2871BEF02AD8}"/>
+            </a:ext>
+          </a:extLst>
+        </p:cNvPr>
         <p:cNvGrpSpPr/>
         <p:nvPr/>
       </p:nvGrpSpPr>
@@ -1124,7 +1377,13 @@
       </p:grpSpPr>
       <p:sp>
         <p:nvSpPr>
-          <p:cNvPr id="2" name="Slide Image Placeholder 1"/>
+          <p:cNvPr id="2" name="Slide Image Placeholder 1">
+            <a:extLst>
+              <a:ext uri="{FF2B5EF4-FFF2-40B4-BE49-F238E27FC236}">
+                <a16:creationId xmlns:a16="http://schemas.microsoft.com/office/drawing/2014/main" id="{30C06F45-831E-3C23-F1F9-CBF14D669D77}"/>
+              </a:ext>
+            </a:extLst>
+          </p:cNvPr>
           <p:cNvSpPr>
             <a:spLocks noGrp="1" noRot="1" noChangeAspect="1"/>
           </p:cNvSpPr>
@@ -1136,7 +1395,13 @@
       </p:sp>
       <p:sp>
         <p:nvSpPr>
-          <p:cNvPr id="3" name="Notes Placeholder 2"/>
+          <p:cNvPr id="3" name="Notes Placeholder 2">
+            <a:extLst>
+              <a:ext uri="{FF2B5EF4-FFF2-40B4-BE49-F238E27FC236}">
+                <a16:creationId xmlns:a16="http://schemas.microsoft.com/office/drawing/2014/main" id="{4D08908D-4749-A64C-B08D-D7246A11C878}"/>
+              </a:ext>
+            </a:extLst>
+          </p:cNvPr>
           <p:cNvSpPr>
             <a:spLocks noGrp="1"/>
           </p:cNvSpPr>
@@ -1155,7 +1420,13 @@
       </p:sp>
       <p:sp>
         <p:nvSpPr>
-          <p:cNvPr id="4" name="Slide Number Placeholder 3"/>
+          <p:cNvPr id="4" name="Slide Number Placeholder 3">
+            <a:extLst>
+              <a:ext uri="{FF2B5EF4-FFF2-40B4-BE49-F238E27FC236}">
+                <a16:creationId xmlns:a16="http://schemas.microsoft.com/office/drawing/2014/main" id="{87CA205A-C771-08D2-17C7-D1D05E11839A}"/>
+              </a:ext>
+            </a:extLst>
+          </p:cNvPr>
           <p:cNvSpPr>
             <a:spLocks noGrp="1"/>
           </p:cNvSpPr>
@@ -1170,7 +1441,7 @@
           <a:p>
             <a:fld id="{22289C57-55D7-40A4-A101-E74FAC7A092B}" type="slidenum">
               <a:rPr lang="en-US" smtClean="0"/>
-              <a:t>3</a:t>
+              <a:t>6</a:t>
             </a:fld>
             <a:endParaRPr lang="en-US" dirty="0"/>
           </a:p>
@@ -1179,7 +1450,7 @@
     </p:spTree>
     <p:extLst>
       <p:ext uri="{BB962C8B-B14F-4D97-AF65-F5344CB8AC3E}">
-        <p14:creationId xmlns:p14="http://schemas.microsoft.com/office/powerpoint/2010/main" val="2182522689"/>
+        <p14:creationId xmlns:p14="http://schemas.microsoft.com/office/powerpoint/2010/main" val="236173922"/>
       </p:ext>
     </p:extLst>
   </p:cSld>
@@ -1254,7 +1525,7 @@
           <a:p>
             <a:fld id="{22289C57-55D7-40A4-A101-E74FAC7A092B}" type="slidenum">
               <a:rPr lang="en-US" smtClean="0"/>
-              <a:t>4</a:t>
+              <a:t>7</a:t>
             </a:fld>
             <a:endParaRPr lang="en-US" dirty="0"/>
           </a:p>
@@ -1263,7 +1534,7 @@
     </p:spTree>
     <p:extLst>
       <p:ext uri="{BB962C8B-B14F-4D97-AF65-F5344CB8AC3E}">
-        <p14:creationId xmlns:p14="http://schemas.microsoft.com/office/powerpoint/2010/main" val="1025326889"/>
+        <p14:creationId xmlns:p14="http://schemas.microsoft.com/office/powerpoint/2010/main" val="2182522689"/>
       </p:ext>
     </p:extLst>
   </p:cSld>
@@ -1278,7 +1549,13 @@
   <p:cSld>
     <p:spTree>
       <p:nvGrpSpPr>
-        <p:cNvPr id="1" name=""/>
+        <p:cNvPr id="1" name="">
+          <a:extLst>
+            <a:ext uri="{FF2B5EF4-FFF2-40B4-BE49-F238E27FC236}">
+              <a16:creationId xmlns:a16="http://schemas.microsoft.com/office/drawing/2014/main" id="{ABB8A028-DC23-E523-8F90-663CCCC52E7A}"/>
+            </a:ext>
+          </a:extLst>
+        </p:cNvPr>
         <p:cNvGrpSpPr/>
         <p:nvPr/>
       </p:nvGrpSpPr>
@@ -1292,7 +1569,13 @@
       </p:grpSpPr>
       <p:sp>
         <p:nvSpPr>
-          <p:cNvPr id="2" name="Slide Image Placeholder 1"/>
+          <p:cNvPr id="2" name="Slide Image Placeholder 1">
+            <a:extLst>
+              <a:ext uri="{FF2B5EF4-FFF2-40B4-BE49-F238E27FC236}">
+                <a16:creationId xmlns:a16="http://schemas.microsoft.com/office/drawing/2014/main" id="{4FD937D3-FF1A-1DC3-018C-9511511B8CE6}"/>
+              </a:ext>
+            </a:extLst>
+          </p:cNvPr>
           <p:cNvSpPr>
             <a:spLocks noGrp="1" noRot="1" noChangeAspect="1"/>
           </p:cNvSpPr>
@@ -1304,7 +1587,13 @@
       </p:sp>
       <p:sp>
         <p:nvSpPr>
-          <p:cNvPr id="3" name="Notes Placeholder 2"/>
+          <p:cNvPr id="3" name="Notes Placeholder 2">
+            <a:extLst>
+              <a:ext uri="{FF2B5EF4-FFF2-40B4-BE49-F238E27FC236}">
+                <a16:creationId xmlns:a16="http://schemas.microsoft.com/office/drawing/2014/main" id="{A9602376-556C-1F01-EB99-93B307310C63}"/>
+              </a:ext>
+            </a:extLst>
+          </p:cNvPr>
           <p:cNvSpPr>
             <a:spLocks noGrp="1"/>
           </p:cNvSpPr>
@@ -1323,7 +1612,13 @@
       </p:sp>
       <p:sp>
         <p:nvSpPr>
-          <p:cNvPr id="4" name="Slide Number Placeholder 3"/>
+          <p:cNvPr id="4" name="Slide Number Placeholder 3">
+            <a:extLst>
+              <a:ext uri="{FF2B5EF4-FFF2-40B4-BE49-F238E27FC236}">
+                <a16:creationId xmlns:a16="http://schemas.microsoft.com/office/drawing/2014/main" id="{C1941DF2-DEE3-4085-E382-EF827A01075E}"/>
+              </a:ext>
+            </a:extLst>
+          </p:cNvPr>
           <p:cNvSpPr>
             <a:spLocks noGrp="1"/>
           </p:cNvSpPr>
@@ -1338,7 +1633,7 @@
           <a:p>
             <a:fld id="{22289C57-55D7-40A4-A101-E74FAC7A092B}" type="slidenum">
               <a:rPr lang="en-US" smtClean="0"/>
-              <a:t>6</a:t>
+              <a:t>8</a:t>
             </a:fld>
             <a:endParaRPr lang="en-US" dirty="0"/>
           </a:p>
@@ -1347,7 +1642,7 @@
     </p:spTree>
     <p:extLst>
       <p:ext uri="{BB962C8B-B14F-4D97-AF65-F5344CB8AC3E}">
-        <p14:creationId xmlns:p14="http://schemas.microsoft.com/office/powerpoint/2010/main" val="2843954456"/>
+        <p14:creationId xmlns:p14="http://schemas.microsoft.com/office/powerpoint/2010/main" val="1997386471"/>
       </p:ext>
     </p:extLst>
   </p:cSld>
@@ -1401,40 +1696,6 @@
           <a:bodyPr/>
           <a:lstStyle/>
           <a:p>
-            <a:r>
-              <a:rPr lang="en-US" b="0" i="0" dirty="0">
-                <a:solidFill>
-                  <a:srgbClr val="D1D5DB"/>
-                </a:solidFill>
-                <a:effectLst/>
-                <a:latin typeface="__Inter_d65c78"/>
-              </a:rPr>
-              <a:t>Random forest is an ensemble learning method that combines multiple decision trees to make predictions.</a:t>
-            </a:r>
-          </a:p>
-          <a:p>
-            <a:r>
-              <a:rPr lang="en-US" b="0" i="0" dirty="0">
-                <a:solidFill>
-                  <a:srgbClr val="D1D5DB"/>
-                </a:solidFill>
-                <a:effectLst/>
-                <a:latin typeface="__Inter_d65c78"/>
-              </a:rPr>
-              <a:t>Each tree is trained on a random subset of the data.</a:t>
-            </a:r>
-          </a:p>
-          <a:p>
-            <a:r>
-              <a:rPr lang="en-US" b="0" i="0" dirty="0">
-                <a:solidFill>
-                  <a:srgbClr val="D1D5DB"/>
-                </a:solidFill>
-                <a:effectLst/>
-                <a:latin typeface="__Inter_d65c78"/>
-              </a:rPr>
-              <a:t>The final prediction is made by aggregating the predictions of all trees just like an election.</a:t>
-            </a:r>
             <a:endParaRPr lang="en-US" dirty="0"/>
           </a:p>
         </p:txBody>
@@ -1456,7 +1717,7 @@
           <a:p>
             <a:fld id="{22289C57-55D7-40A4-A101-E74FAC7A092B}" type="slidenum">
               <a:rPr lang="en-US" smtClean="0"/>
-              <a:t>7</a:t>
+              <a:t>9</a:t>
             </a:fld>
             <a:endParaRPr lang="en-US" dirty="0"/>
           </a:p>
@@ -1465,7 +1726,7 @@
     </p:spTree>
     <p:extLst>
       <p:ext uri="{BB962C8B-B14F-4D97-AF65-F5344CB8AC3E}">
-        <p14:creationId xmlns:p14="http://schemas.microsoft.com/office/powerpoint/2010/main" val="4040438963"/>
+        <p14:creationId xmlns:p14="http://schemas.microsoft.com/office/powerpoint/2010/main" val="1025326889"/>
       </p:ext>
     </p:extLst>
   </p:cSld>
@@ -1519,50 +1780,7 @@
           <a:bodyPr/>
           <a:lstStyle/>
           <a:p>
-            <a:pPr marL="0" marR="0" lvl="0" indent="0" algn="l" defTabSz="914400" rtl="0" eaLnBrk="1" fontAlgn="auto" latinLnBrk="0" hangingPunct="1">
-              <a:lnSpc>
-                <a:spcPct val="100000"/>
-              </a:lnSpc>
-              <a:spcBef>
-                <a:spcPts val="0"/>
-              </a:spcBef>
-              <a:spcAft>
-                <a:spcPts val="0"/>
-              </a:spcAft>
-              <a:buClrTx/>
-              <a:buSzTx/>
-              <a:buFontTx/>
-              <a:buNone/>
-              <a:tabLst/>
-              <a:defRPr/>
-            </a:pPr>
-            <a:r>
-              <a:rPr lang="en-US" dirty="0"/>
-              <a:t>Good classes : Bollywood, Hip-Hop &amp; Instrumental</a:t>
-            </a:r>
-          </a:p>
-          <a:p>
-            <a:pPr marL="0" marR="0" lvl="0" indent="0" algn="l" defTabSz="914400" rtl="0" eaLnBrk="1" fontAlgn="auto" latinLnBrk="0" hangingPunct="1">
-              <a:lnSpc>
-                <a:spcPct val="100000"/>
-              </a:lnSpc>
-              <a:spcBef>
-                <a:spcPts val="0"/>
-              </a:spcBef>
-              <a:spcAft>
-                <a:spcPts val="0"/>
-              </a:spcAft>
-              <a:buClrTx/>
-              <a:buSzTx/>
-              <a:buFontTx/>
-              <a:buNone/>
-              <a:tabLst/>
-              <a:defRPr/>
-            </a:pPr>
-            <a:r>
-              <a:rPr lang="en-US" dirty="0"/>
-              <a:t>Bad classes : Rock, Blues, Country &amp; Alt</a:t>
-            </a:r>
+            <a:endParaRPr lang="en-US" dirty="0"/>
           </a:p>
         </p:txBody>
       </p:sp>
@@ -1583,7 +1801,7 @@
           <a:p>
             <a:fld id="{22289C57-55D7-40A4-A101-E74FAC7A092B}" type="slidenum">
               <a:rPr lang="en-US" smtClean="0"/>
-              <a:t>8</a:t>
+              <a:t>11</a:t>
             </a:fld>
             <a:endParaRPr lang="en-US" dirty="0"/>
           </a:p>
@@ -1592,7 +1810,7 @@
     </p:spTree>
     <p:extLst>
       <p:ext uri="{BB962C8B-B14F-4D97-AF65-F5344CB8AC3E}">
-        <p14:creationId xmlns:p14="http://schemas.microsoft.com/office/powerpoint/2010/main" val="840986708"/>
+        <p14:creationId xmlns:p14="http://schemas.microsoft.com/office/powerpoint/2010/main" val="2843954456"/>
       </p:ext>
     </p:extLst>
   </p:cSld>
@@ -1654,7 +1872,7 @@
                 <a:effectLst/>
                 <a:latin typeface="__Inter_d65c78"/>
               </a:rPr>
-              <a:t>SVM aims to find the best boundaries that separates different classes in the data &amp; maximize the distance between the closest points of each class.</a:t>
+              <a:t>Random forest is an ensemble learning method that combines multiple decision trees to make predictions.</a:t>
             </a:r>
           </a:p>
           <a:p>
@@ -1666,7 +1884,7 @@
                 <a:effectLst/>
                 <a:latin typeface="__Inter_d65c78"/>
               </a:rPr>
-              <a:t>The data points that are closest to theses boundaries are called support vectors</a:t>
+              <a:t>Each tree is trained on a random subset of the data.</a:t>
             </a:r>
           </a:p>
           <a:p>
@@ -1678,47 +1896,7 @@
                 <a:effectLst/>
                 <a:latin typeface="__Inter_d65c78"/>
               </a:rPr>
-              <a:t>This algorithm can handle complex data using a method called “kernel tricks” (se </a:t>
-            </a:r>
-            <a:r>
-              <a:rPr lang="en-US" b="0" i="0" dirty="0" err="1">
-                <a:solidFill>
-                  <a:srgbClr val="D1D5DB"/>
-                </a:solidFill>
-                <a:effectLst/>
-                <a:latin typeface="__Inter_d65c78"/>
-              </a:rPr>
-              <a:t>renseigner</a:t>
-            </a:r>
-            <a:r>
-              <a:rPr lang="en-US" b="0" i="0" dirty="0">
-                <a:solidFill>
-                  <a:srgbClr val="D1D5DB"/>
-                </a:solidFill>
-                <a:effectLst/>
-                <a:latin typeface="__Inter_d65c78"/>
-              </a:rPr>
-              <a:t> pour question </a:t>
-            </a:r>
-            <a:r>
-              <a:rPr lang="en-US" b="0" i="0" dirty="0" err="1">
-                <a:solidFill>
-                  <a:srgbClr val="D1D5DB"/>
-                </a:solidFill>
-                <a:effectLst/>
-                <a:latin typeface="__Inter_d65c78"/>
-              </a:rPr>
-              <a:t>orienté</a:t>
-            </a:r>
-            <a:r>
-              <a:rPr lang="en-US" b="0" i="0" dirty="0">
-                <a:solidFill>
-                  <a:srgbClr val="D1D5DB"/>
-                </a:solidFill>
-                <a:effectLst/>
-                <a:latin typeface="__Inter_d65c78"/>
-              </a:rPr>
-              <a:t> après)</a:t>
+              <a:t>The final prediction is made by aggregating the predictions of all trees just like an election.</a:t>
             </a:r>
             <a:endParaRPr lang="en-US" dirty="0"/>
           </a:p>
@@ -1741,7 +1919,7 @@
           <a:p>
             <a:fld id="{22289C57-55D7-40A4-A101-E74FAC7A092B}" type="slidenum">
               <a:rPr lang="en-US" smtClean="0"/>
-              <a:t>9</a:t>
+              <a:t>12</a:t>
             </a:fld>
             <a:endParaRPr lang="en-US" dirty="0"/>
           </a:p>
@@ -1750,7 +1928,7 @@
     </p:spTree>
     <p:extLst>
       <p:ext uri="{BB962C8B-B14F-4D97-AF65-F5344CB8AC3E}">
-        <p14:creationId xmlns:p14="http://schemas.microsoft.com/office/powerpoint/2010/main" val="2066144023"/>
+        <p14:creationId xmlns:p14="http://schemas.microsoft.com/office/powerpoint/2010/main" val="4040438963"/>
       </p:ext>
     </p:extLst>
   </p:cSld>
@@ -1804,7 +1982,50 @@
           <a:bodyPr/>
           <a:lstStyle/>
           <a:p>
-            <a:endParaRPr lang="en-US" dirty="0"/>
+            <a:pPr marL="0" marR="0" lvl="0" indent="0" algn="l" defTabSz="914400" rtl="0" eaLnBrk="1" fontAlgn="auto" latinLnBrk="0" hangingPunct="1">
+              <a:lnSpc>
+                <a:spcPct val="100000"/>
+              </a:lnSpc>
+              <a:spcBef>
+                <a:spcPts val="0"/>
+              </a:spcBef>
+              <a:spcAft>
+                <a:spcPts val="0"/>
+              </a:spcAft>
+              <a:buClrTx/>
+              <a:buSzTx/>
+              <a:buFontTx/>
+              <a:buNone/>
+              <a:tabLst/>
+              <a:defRPr/>
+            </a:pPr>
+            <a:r>
+              <a:rPr lang="en-US" dirty="0"/>
+              <a:t>Good classes : Bollywood, Hip-Hop &amp; Instrumental</a:t>
+            </a:r>
+          </a:p>
+          <a:p>
+            <a:pPr marL="0" marR="0" lvl="0" indent="0" algn="l" defTabSz="914400" rtl="0" eaLnBrk="1" fontAlgn="auto" latinLnBrk="0" hangingPunct="1">
+              <a:lnSpc>
+                <a:spcPct val="100000"/>
+              </a:lnSpc>
+              <a:spcBef>
+                <a:spcPts val="0"/>
+              </a:spcBef>
+              <a:spcAft>
+                <a:spcPts val="0"/>
+              </a:spcAft>
+              <a:buClrTx/>
+              <a:buSzTx/>
+              <a:buFontTx/>
+              <a:buNone/>
+              <a:tabLst/>
+              <a:defRPr/>
+            </a:pPr>
+            <a:r>
+              <a:rPr lang="en-US" dirty="0"/>
+              <a:t>Bad classes : Rock, Blues, Country &amp; Alt</a:t>
+            </a:r>
           </a:p>
         </p:txBody>
       </p:sp>
@@ -1825,7 +2046,7 @@
           <a:p>
             <a:fld id="{22289C57-55D7-40A4-A101-E74FAC7A092B}" type="slidenum">
               <a:rPr lang="en-US" smtClean="0"/>
-              <a:t>10</a:t>
+              <a:t>13</a:t>
             </a:fld>
             <a:endParaRPr lang="en-US" dirty="0"/>
           </a:p>
@@ -1834,7 +2055,7 @@
     </p:spTree>
     <p:extLst>
       <p:ext uri="{BB962C8B-B14F-4D97-AF65-F5344CB8AC3E}">
-        <p14:creationId xmlns:p14="http://schemas.microsoft.com/office/powerpoint/2010/main" val="236659336"/>
+        <p14:creationId xmlns:p14="http://schemas.microsoft.com/office/powerpoint/2010/main" val="840986708"/>
       </p:ext>
     </p:extLst>
   </p:cSld>
@@ -2247,7 +2468,7 @@
             <a:fld id="{A49DFD55-3C28-40EF-9E31-A92D2E4017FF}" type="slidenum">
               <a:rPr lang="en-US" smtClean="0"/>
               <a:pPr/>
-              <a:t>‹#›</a:t>
+              <a:t>‹N°›</a:t>
             </a:fld>
             <a:endParaRPr lang="en-US" dirty="0"/>
           </a:p>
@@ -2894,7 +3115,7 @@
             <a:fld id="{A49DFD55-3C28-40EF-9E31-A92D2E4017FF}" type="slidenum">
               <a:rPr lang="en-US" smtClean="0"/>
               <a:pPr/>
-              <a:t>‹#›</a:t>
+              <a:t>‹N°›</a:t>
             </a:fld>
             <a:endParaRPr lang="en-US" dirty="0"/>
           </a:p>
@@ -3240,7 +3461,7 @@
             <a:fld id="{A49DFD55-3C28-40EF-9E31-A92D2E4017FF}" type="slidenum">
               <a:rPr lang="en-US" smtClean="0"/>
               <a:pPr/>
-              <a:t>‹#›</a:t>
+              <a:t>‹N°›</a:t>
             </a:fld>
             <a:endParaRPr lang="en-US" dirty="0"/>
           </a:p>
@@ -3515,7 +3736,7 @@
             <a:fld id="{A49DFD55-3C28-40EF-9E31-A92D2E4017FF}" type="slidenum">
               <a:rPr lang="en-US" smtClean="0"/>
               <a:pPr/>
-              <a:t>‹#›</a:t>
+              <a:t>‹N°›</a:t>
             </a:fld>
             <a:endParaRPr lang="en-US" dirty="0"/>
           </a:p>
@@ -3845,7 +4066,7 @@
             <a:fld id="{A49DFD55-3C28-40EF-9E31-A92D2E4017FF}" type="slidenum">
               <a:rPr lang="en-US" smtClean="0"/>
               <a:pPr/>
-              <a:t>‹#›</a:t>
+              <a:t>‹N°›</a:t>
             </a:fld>
             <a:endParaRPr lang="en-US" dirty="0"/>
           </a:p>
@@ -4715,7 +4936,7 @@
             <a:fld id="{A49DFD55-3C28-40EF-9E31-A92D2E4017FF}" type="slidenum">
               <a:rPr lang="en-US" smtClean="0"/>
               <a:pPr/>
-              <a:t>‹#›</a:t>
+              <a:t>‹N°›</a:t>
             </a:fld>
             <a:endParaRPr lang="en-US" dirty="0"/>
           </a:p>
@@ -5427,7 +5648,7 @@
             <a:fld id="{A49DFD55-3C28-40EF-9E31-A92D2E4017FF}" type="slidenum">
               <a:rPr lang="en-US" smtClean="0"/>
               <a:pPr/>
-              <a:t>‹#›</a:t>
+              <a:t>‹N°›</a:t>
             </a:fld>
             <a:endParaRPr lang="en-US" dirty="0"/>
           </a:p>
@@ -6082,7 +6303,7 @@
             <a:fld id="{A49DFD55-3C28-40EF-9E31-A92D2E4017FF}" type="slidenum">
               <a:rPr lang="en-US" smtClean="0"/>
               <a:pPr/>
-              <a:t>‹#›</a:t>
+              <a:t>‹N°›</a:t>
             </a:fld>
             <a:endParaRPr lang="en-US" dirty="0"/>
           </a:p>
@@ -6471,7 +6692,7 @@
             <a:fld id="{A49DFD55-3C28-40EF-9E31-A92D2E4017FF}" type="slidenum">
               <a:rPr lang="en-US" smtClean="0"/>
               <a:pPr/>
-              <a:t>‹#›</a:t>
+              <a:t>‹N°›</a:t>
             </a:fld>
             <a:endParaRPr lang="en-US" dirty="0"/>
           </a:p>
@@ -6877,7 +7098,7 @@
           <a:p>
             <a:fld id="{A49DFD55-3C28-40EF-9E31-A92D2E4017FF}" type="slidenum">
               <a:rPr lang="en-US" smtClean="0"/>
-              <a:t>‹#›</a:t>
+              <a:t>‹N°›</a:t>
             </a:fld>
             <a:endParaRPr lang="en-US" dirty="0"/>
           </a:p>
@@ -7281,10 +7502,10 @@
       </p:grpSpPr>
       <p:sp>
         <p:nvSpPr>
-          <p:cNvPr id="2" name="Title 1">
-            <a:extLst>
-              <a:ext uri="{FF2B5EF4-FFF2-40B4-BE49-F238E27FC236}">
-                <a16:creationId xmlns:a16="http://schemas.microsoft.com/office/drawing/2014/main" id="{8B27D9B3-B64F-656A-0D99-161A6C0F518F}"/>
+          <p:cNvPr id="3" name="Text Placeholder 2">
+            <a:extLst>
+              <a:ext uri="{FF2B5EF4-FFF2-40B4-BE49-F238E27FC236}">
+                <a16:creationId xmlns:a16="http://schemas.microsoft.com/office/drawing/2014/main" id="{93FE2839-5C3F-FCD5-DF7A-F86E4ABF9642}"/>
               </a:ext>
             </a:extLst>
           </p:cNvPr>
@@ -7292,32 +7513,33 @@
             <a:spLocks noGrp="1"/>
           </p:cNvSpPr>
           <p:nvPr>
-            <p:ph type="title"/>
-          </p:nvPr>
-        </p:nvSpPr>
-        <p:spPr>
-          <a:xfrm>
-            <a:off x="7650470" y="2390319"/>
-            <a:ext cx="4094480" cy="653101"/>
+            <p:ph type="body" idx="1"/>
+          </p:nvPr>
+        </p:nvSpPr>
+        <p:spPr>
+          <a:xfrm>
+            <a:off x="4133850" y="815660"/>
+            <a:ext cx="3924300" cy="464499"/>
           </a:xfrm>
         </p:spPr>
         <p:txBody>
           <a:bodyPr/>
           <a:lstStyle/>
           <a:p>
+            <a:pPr algn="ctr"/>
             <a:r>
               <a:rPr lang="en-US" dirty="0"/>
-              <a:t>Confusion Matrix</a:t>
-            </a:r>
-          </a:p>
-        </p:txBody>
-      </p:sp>
-      <p:sp>
-        <p:nvSpPr>
-          <p:cNvPr id="68" name="Slide Number Placeholder 67">
-            <a:extLst>
-              <a:ext uri="{FF2B5EF4-FFF2-40B4-BE49-F238E27FC236}">
-                <a16:creationId xmlns:a16="http://schemas.microsoft.com/office/drawing/2014/main" id="{AA0ACADD-CC4E-851C-DA07-C22DB97FA23E}"/>
+              <a:t>Manhattan</a:t>
+            </a:r>
+          </a:p>
+        </p:txBody>
+      </p:sp>
+      <p:sp>
+        <p:nvSpPr>
+          <p:cNvPr id="7" name="Slide Number Placeholder 6">
+            <a:extLst>
+              <a:ext uri="{FF2B5EF4-FFF2-40B4-BE49-F238E27FC236}">
+                <a16:creationId xmlns:a16="http://schemas.microsoft.com/office/drawing/2014/main" id="{7704EEB3-8F34-BA8E-4FE1-E69BFCEA7AA3}"/>
               </a:ext>
             </a:extLst>
           </p:cNvPr>
@@ -7325,15 +7547,10 @@
             <a:spLocks noGrp="1"/>
           </p:cNvSpPr>
           <p:nvPr>
-            <p:ph type="sldNum" sz="quarter" idx="13"/>
-          </p:nvPr>
-        </p:nvSpPr>
-        <p:spPr>
-          <a:xfrm>
-            <a:off x="10373350" y="6356349"/>
-            <a:ext cx="987552" cy="365125"/>
-          </a:xfrm>
-        </p:spPr>
+            <p:ph type="sldNum" sz="quarter" idx="12"/>
+          </p:nvPr>
+        </p:nvSpPr>
+        <p:spPr/>
         <p:txBody>
           <a:bodyPr/>
           <a:lstStyle/>
@@ -7349,10 +7566,10 @@
       </p:sp>
       <p:sp>
         <p:nvSpPr>
-          <p:cNvPr id="11" name="Content Placeholder 5">
-            <a:extLst>
-              <a:ext uri="{FF2B5EF4-FFF2-40B4-BE49-F238E27FC236}">
-                <a16:creationId xmlns:a16="http://schemas.microsoft.com/office/drawing/2014/main" id="{C12BF580-EBBD-D37D-B851-EC641817357B}"/>
+          <p:cNvPr id="8" name="Title 1">
+            <a:extLst>
+              <a:ext uri="{FF2B5EF4-FFF2-40B4-BE49-F238E27FC236}">
+                <a16:creationId xmlns:a16="http://schemas.microsoft.com/office/drawing/2014/main" id="{9693C4F9-6474-76B4-EB2C-691D327D0AAC}"/>
               </a:ext>
             </a:extLst>
           </p:cNvPr>
@@ -7363,7 +7580,700 @@
         </p:nvSpPr>
         <p:spPr>
           <a:xfrm>
-            <a:off x="7650470" y="3332267"/>
+            <a:off x="2940802" y="233679"/>
+            <a:ext cx="8420100" cy="581981"/>
+          </a:xfrm>
+          <a:prstGeom prst="rect">
+            <a:avLst/>
+          </a:prstGeom>
+        </p:spPr>
+        <p:txBody>
+          <a:bodyPr vert="horz" lIns="91440" tIns="45720" rIns="91440" bIns="45720" rtlCol="0" anchor="b">
+            <a:normAutofit/>
+          </a:bodyPr>
+          <a:lstStyle>
+            <a:lvl1pPr algn="l" defTabSz="914400" rtl="0" eaLnBrk="1" latinLnBrk="0" hangingPunct="1">
+              <a:lnSpc>
+                <a:spcPct val="90000"/>
+              </a:lnSpc>
+              <a:spcBef>
+                <a:spcPct val="0"/>
+              </a:spcBef>
+              <a:buNone/>
+              <a:defRPr lang="en-US" sz="2800" kern="1200" cap="all" spc="150" baseline="0" dirty="0">
+                <a:solidFill>
+                  <a:schemeClr val="tx1"/>
+                </a:solidFill>
+                <a:latin typeface="+mj-lt"/>
+                <a:ea typeface="+mj-ea"/>
+                <a:cs typeface="+mj-cs"/>
+              </a:defRPr>
+            </a:lvl1pPr>
+          </a:lstStyle>
+          <a:p>
+            <a:r>
+              <a:rPr lang="en-US"/>
+              <a:t>Distances</a:t>
+            </a:r>
+          </a:p>
+        </p:txBody>
+      </p:sp>
+      <p:pic>
+        <p:nvPicPr>
+          <p:cNvPr id="9" name="Image 1" descr="Une image contenant texte, capture d’écran, Tracé, ligne&#10;&#10;Description générée automatiquement">
+            <a:extLst>
+              <a:ext uri="{FF2B5EF4-FFF2-40B4-BE49-F238E27FC236}">
+                <a16:creationId xmlns:a16="http://schemas.microsoft.com/office/drawing/2014/main" id="{21FB28AC-B328-1E59-A3BB-670D10CED8DA}"/>
+              </a:ext>
+            </a:extLst>
+          </p:cNvPr>
+          <p:cNvPicPr>
+            <a:picLocks noChangeAspect="1"/>
+          </p:cNvPicPr>
+          <p:nvPr/>
+        </p:nvPicPr>
+        <p:blipFill>
+          <a:blip r:embed="rId2"/>
+          <a:stretch>
+            <a:fillRect/>
+          </a:stretch>
+        </p:blipFill>
+        <p:spPr>
+          <a:xfrm>
+            <a:off x="637703" y="1280159"/>
+            <a:ext cx="10916594" cy="4797669"/>
+          </a:xfrm>
+          <a:prstGeom prst="rect">
+            <a:avLst/>
+          </a:prstGeom>
+        </p:spPr>
+      </p:pic>
+    </p:spTree>
+    <p:extLst>
+      <p:ext uri="{BB962C8B-B14F-4D97-AF65-F5344CB8AC3E}">
+        <p14:creationId xmlns:p14="http://schemas.microsoft.com/office/powerpoint/2010/main" val="2800015208"/>
+      </p:ext>
+    </p:extLst>
+  </p:cSld>
+  <p:clrMapOvr>
+    <a:masterClrMapping/>
+  </p:clrMapOvr>
+</p:sld>
+</file>
+
+<file path=ppt/slides/slide11.xml><?xml version="1.0" encoding="utf-8"?>
+<p:sld xmlns:a="http://schemas.openxmlformats.org/drawingml/2006/main" xmlns:r="http://schemas.openxmlformats.org/officeDocument/2006/relationships" xmlns:p="http://schemas.openxmlformats.org/presentationml/2006/main">
+  <p:cSld>
+    <p:spTree>
+      <p:nvGrpSpPr>
+        <p:cNvPr id="1" name=""/>
+        <p:cNvGrpSpPr/>
+        <p:nvPr/>
+      </p:nvGrpSpPr>
+      <p:grpSpPr>
+        <a:xfrm>
+          <a:off x="0" y="0"/>
+          <a:ext cx="0" cy="0"/>
+          <a:chOff x="0" y="0"/>
+          <a:chExt cx="0" cy="0"/>
+        </a:xfrm>
+      </p:grpSpPr>
+      <p:sp>
+        <p:nvSpPr>
+          <p:cNvPr id="2" name="Title 1">
+            <a:extLst>
+              <a:ext uri="{FF2B5EF4-FFF2-40B4-BE49-F238E27FC236}">
+                <a16:creationId xmlns:a16="http://schemas.microsoft.com/office/drawing/2014/main" id="{0A32731C-311B-46F7-A865-6C3AF6B09A47}"/>
+              </a:ext>
+            </a:extLst>
+          </p:cNvPr>
+          <p:cNvSpPr>
+            <a:spLocks noGrp="1"/>
+          </p:cNvSpPr>
+          <p:nvPr>
+            <p:ph type="title"/>
+          </p:nvPr>
+        </p:nvSpPr>
+        <p:spPr>
+          <a:xfrm>
+            <a:off x="7716761" y="0"/>
+            <a:ext cx="7288282" cy="2111745"/>
+          </a:xfrm>
+        </p:spPr>
+        <p:txBody>
+          <a:bodyPr/>
+          <a:lstStyle/>
+          <a:p>
+            <a:r>
+              <a:rPr lang="en-US" dirty="0"/>
+              <a:t>CONFUSION MATRIX</a:t>
+            </a:r>
+          </a:p>
+        </p:txBody>
+      </p:sp>
+      <p:sp>
+        <p:nvSpPr>
+          <p:cNvPr id="14" name="Slide Number Placeholder 5">
+            <a:extLst>
+              <a:ext uri="{FF2B5EF4-FFF2-40B4-BE49-F238E27FC236}">
+                <a16:creationId xmlns:a16="http://schemas.microsoft.com/office/drawing/2014/main" id="{ECE635A2-70B8-3EAB-6A18-952B02EBAA1E}"/>
+              </a:ext>
+            </a:extLst>
+          </p:cNvPr>
+          <p:cNvSpPr>
+            <a:spLocks noGrp="1"/>
+          </p:cNvSpPr>
+          <p:nvPr>
+            <p:ph type="sldNum" sz="quarter" idx="12"/>
+          </p:nvPr>
+        </p:nvSpPr>
+        <p:spPr>
+          <a:xfrm>
+            <a:off x="10373350" y="6356349"/>
+            <a:ext cx="987552" cy="365125"/>
+          </a:xfrm>
+        </p:spPr>
+        <p:txBody>
+          <a:bodyPr/>
+          <a:lstStyle/>
+          <a:p>
+            <a:fld id="{A49DFD55-3C28-40EF-9E31-A92D2E4017FF}" type="slidenum">
+              <a:rPr lang="en-US" sz="1400" smtClean="0"/>
+              <a:pPr/>
+              <a:t>11</a:t>
+            </a:fld>
+            <a:endParaRPr lang="en-US" sz="1400" dirty="0"/>
+          </a:p>
+        </p:txBody>
+      </p:sp>
+      <p:pic>
+        <p:nvPicPr>
+          <p:cNvPr id="6" name="Image 1" descr="Une image contenant texte, capture d’écran, Parallèle, nombre&#10;&#10;Description générée automatiquement">
+            <a:extLst>
+              <a:ext uri="{FF2B5EF4-FFF2-40B4-BE49-F238E27FC236}">
+                <a16:creationId xmlns:a16="http://schemas.microsoft.com/office/drawing/2014/main" id="{197802E8-7EE1-6558-CCB8-C706371F2944}"/>
+              </a:ext>
+            </a:extLst>
+          </p:cNvPr>
+          <p:cNvPicPr>
+            <a:picLocks noChangeAspect="1"/>
+          </p:cNvPicPr>
+          <p:nvPr/>
+        </p:nvPicPr>
+        <p:blipFill>
+          <a:blip r:embed="rId3"/>
+          <a:stretch>
+            <a:fillRect/>
+          </a:stretch>
+        </p:blipFill>
+        <p:spPr>
+          <a:xfrm>
+            <a:off x="0" y="0"/>
+            <a:ext cx="6334366" cy="6858000"/>
+          </a:xfrm>
+          <a:prstGeom prst="rect">
+            <a:avLst/>
+          </a:prstGeom>
+        </p:spPr>
+      </p:pic>
+    </p:spTree>
+    <p:extLst>
+      <p:ext uri="{BB962C8B-B14F-4D97-AF65-F5344CB8AC3E}">
+        <p14:creationId xmlns:p14="http://schemas.microsoft.com/office/powerpoint/2010/main" val="3571516367"/>
+      </p:ext>
+    </p:extLst>
+  </p:cSld>
+  <p:clrMapOvr>
+    <a:masterClrMapping/>
+  </p:clrMapOvr>
+</p:sld>
+</file>
+
+<file path=ppt/slides/slide12.xml><?xml version="1.0" encoding="utf-8"?>
+<p:sld xmlns:a="http://schemas.openxmlformats.org/drawingml/2006/main" xmlns:r="http://schemas.openxmlformats.org/officeDocument/2006/relationships" xmlns:p="http://schemas.openxmlformats.org/presentationml/2006/main">
+  <p:cSld>
+    <p:spTree>
+      <p:nvGrpSpPr>
+        <p:cNvPr id="1" name=""/>
+        <p:cNvGrpSpPr/>
+        <p:nvPr/>
+      </p:nvGrpSpPr>
+      <p:grpSpPr>
+        <a:xfrm>
+          <a:off x="0" y="0"/>
+          <a:ext cx="0" cy="0"/>
+          <a:chOff x="0" y="0"/>
+          <a:chExt cx="0" cy="0"/>
+        </a:xfrm>
+      </p:grpSpPr>
+      <p:sp>
+        <p:nvSpPr>
+          <p:cNvPr id="8" name="Title 7">
+            <a:extLst>
+              <a:ext uri="{FF2B5EF4-FFF2-40B4-BE49-F238E27FC236}">
+                <a16:creationId xmlns:a16="http://schemas.microsoft.com/office/drawing/2014/main" id="{906E9E3B-D912-124C-3C75-CF92A4452F89}"/>
+              </a:ext>
+            </a:extLst>
+          </p:cNvPr>
+          <p:cNvSpPr>
+            <a:spLocks noGrp="1"/>
+          </p:cNvSpPr>
+          <p:nvPr>
+            <p:ph type="title"/>
+          </p:nvPr>
+        </p:nvSpPr>
+        <p:spPr>
+          <a:xfrm>
+            <a:off x="5476874" y="1671639"/>
+            <a:ext cx="5884027" cy="1204912"/>
+          </a:xfrm>
+        </p:spPr>
+        <p:txBody>
+          <a:bodyPr anchor="b">
+            <a:normAutofit/>
+          </a:bodyPr>
+          <a:lstStyle/>
+          <a:p>
+            <a:r>
+              <a:rPr lang="en-US" dirty="0"/>
+              <a:t>Random forest classifier</a:t>
+            </a:r>
+          </a:p>
+        </p:txBody>
+      </p:sp>
+      <p:pic>
+        <p:nvPicPr>
+          <p:cNvPr id="1026" name="Picture 2" descr="Random Forest | Python Machine Learning">
+            <a:extLst>
+              <a:ext uri="{FF2B5EF4-FFF2-40B4-BE49-F238E27FC236}">
+                <a16:creationId xmlns:a16="http://schemas.microsoft.com/office/drawing/2014/main" id="{5CC5CB69-F7A7-A728-F797-6D6D4F39CD9C}"/>
+              </a:ext>
+            </a:extLst>
+          </p:cNvPr>
+          <p:cNvPicPr>
+            <a:picLocks noChangeAspect="1" noChangeArrowheads="1"/>
+          </p:cNvPicPr>
+          <p:nvPr/>
+        </p:nvPicPr>
+        <p:blipFill>
+          <a:blip r:embed="rId3">
+            <a:extLst>
+              <a:ext uri="{28A0092B-C50C-407E-A947-70E740481C1C}">
+                <a14:useLocalDpi xmlns:a14="http://schemas.microsoft.com/office/drawing/2010/main" val="0"/>
+              </a:ext>
+            </a:extLst>
+          </a:blip>
+          <a:srcRect l="29292" r="25577" b="2"/>
+          <a:stretch/>
+        </p:blipFill>
+        <p:spPr bwMode="auto">
+          <a:xfrm>
+            <a:off x="-28230" y="-9144"/>
+            <a:ext cx="5481955" cy="6876288"/>
+          </a:xfrm>
+          <a:custGeom>
+            <a:avLst/>
+            <a:gdLst>
+              <a:gd name="connsiteX0" fmla="*/ 0 w 5476875"/>
+              <a:gd name="connsiteY0" fmla="*/ 0 h 6858000"/>
+              <a:gd name="connsiteX1" fmla="*/ 5476875 w 5476875"/>
+              <a:gd name="connsiteY1" fmla="*/ 0 h 6858000"/>
+              <a:gd name="connsiteX2" fmla="*/ 5476875 w 5476875"/>
+              <a:gd name="connsiteY2" fmla="*/ 6858000 h 6858000"/>
+              <a:gd name="connsiteX3" fmla="*/ 0 w 5476875"/>
+              <a:gd name="connsiteY3" fmla="*/ 6858000 h 6858000"/>
+              <a:gd name="connsiteX4" fmla="*/ 0 w 5476875"/>
+              <a:gd name="connsiteY4" fmla="*/ 0 h 6858000"/>
+              <a:gd name="connsiteX0" fmla="*/ 0 w 5476875"/>
+              <a:gd name="connsiteY0" fmla="*/ 0 h 6858000"/>
+              <a:gd name="connsiteX1" fmla="*/ 2520315 w 5476875"/>
+              <a:gd name="connsiteY1" fmla="*/ 0 h 6858000"/>
+              <a:gd name="connsiteX2" fmla="*/ 5476875 w 5476875"/>
+              <a:gd name="connsiteY2" fmla="*/ 6858000 h 6858000"/>
+              <a:gd name="connsiteX3" fmla="*/ 0 w 5476875"/>
+              <a:gd name="connsiteY3" fmla="*/ 6858000 h 6858000"/>
+              <a:gd name="connsiteX4" fmla="*/ 0 w 5476875"/>
+              <a:gd name="connsiteY4" fmla="*/ 0 h 6858000"/>
+              <a:gd name="connsiteX0" fmla="*/ 5080 w 5481955"/>
+              <a:gd name="connsiteY0" fmla="*/ 0 h 6858000"/>
+              <a:gd name="connsiteX1" fmla="*/ 2525395 w 5481955"/>
+              <a:gd name="connsiteY1" fmla="*/ 0 h 6858000"/>
+              <a:gd name="connsiteX2" fmla="*/ 5481955 w 5481955"/>
+              <a:gd name="connsiteY2" fmla="*/ 6858000 h 6858000"/>
+              <a:gd name="connsiteX3" fmla="*/ 5080 w 5481955"/>
+              <a:gd name="connsiteY3" fmla="*/ 6858000 h 6858000"/>
+              <a:gd name="connsiteX4" fmla="*/ 0 w 5481955"/>
+              <a:gd name="connsiteY4" fmla="*/ 4805680 h 6858000"/>
+              <a:gd name="connsiteX5" fmla="*/ 5080 w 5481955"/>
+              <a:gd name="connsiteY5" fmla="*/ 0 h 6858000"/>
+              <a:gd name="connsiteX0" fmla="*/ 5080 w 5481955"/>
+              <a:gd name="connsiteY0" fmla="*/ 0 h 6863080"/>
+              <a:gd name="connsiteX1" fmla="*/ 2525395 w 5481955"/>
+              <a:gd name="connsiteY1" fmla="*/ 0 h 6863080"/>
+              <a:gd name="connsiteX2" fmla="*/ 5481955 w 5481955"/>
+              <a:gd name="connsiteY2" fmla="*/ 6858000 h 6863080"/>
+              <a:gd name="connsiteX3" fmla="*/ 899160 w 5481955"/>
+              <a:gd name="connsiteY3" fmla="*/ 6863080 h 6863080"/>
+              <a:gd name="connsiteX4" fmla="*/ 0 w 5481955"/>
+              <a:gd name="connsiteY4" fmla="*/ 4805680 h 6863080"/>
+              <a:gd name="connsiteX5" fmla="*/ 5080 w 5481955"/>
+              <a:gd name="connsiteY5" fmla="*/ 0 h 6863080"/>
+              <a:gd name="connsiteX0" fmla="*/ 5080 w 5481955"/>
+              <a:gd name="connsiteY0" fmla="*/ 0 h 6863080"/>
+              <a:gd name="connsiteX1" fmla="*/ 2525395 w 5481955"/>
+              <a:gd name="connsiteY1" fmla="*/ 0 h 6863080"/>
+              <a:gd name="connsiteX2" fmla="*/ 5481955 w 5481955"/>
+              <a:gd name="connsiteY2" fmla="*/ 6858000 h 6863080"/>
+              <a:gd name="connsiteX3" fmla="*/ 899160 w 5481955"/>
+              <a:gd name="connsiteY3" fmla="*/ 6863080 h 6863080"/>
+              <a:gd name="connsiteX4" fmla="*/ 0 w 5481955"/>
+              <a:gd name="connsiteY4" fmla="*/ 4805680 h 6863080"/>
+              <a:gd name="connsiteX5" fmla="*/ 5080 w 5481955"/>
+              <a:gd name="connsiteY5" fmla="*/ 0 h 6863080"/>
+              <a:gd name="connsiteX0" fmla="*/ 5080 w 5481955"/>
+              <a:gd name="connsiteY0" fmla="*/ 0 h 6863080"/>
+              <a:gd name="connsiteX1" fmla="*/ 2525395 w 5481955"/>
+              <a:gd name="connsiteY1" fmla="*/ 0 h 6863080"/>
+              <a:gd name="connsiteX2" fmla="*/ 5481955 w 5481955"/>
+              <a:gd name="connsiteY2" fmla="*/ 6858000 h 6863080"/>
+              <a:gd name="connsiteX3" fmla="*/ 899160 w 5481955"/>
+              <a:gd name="connsiteY3" fmla="*/ 6863080 h 6863080"/>
+              <a:gd name="connsiteX4" fmla="*/ 0 w 5481955"/>
+              <a:gd name="connsiteY4" fmla="*/ 4805680 h 6863080"/>
+              <a:gd name="connsiteX5" fmla="*/ 5080 w 5481955"/>
+              <a:gd name="connsiteY5" fmla="*/ 0 h 6863080"/>
+              <a:gd name="connsiteX0" fmla="*/ 5080 w 5481955"/>
+              <a:gd name="connsiteY0" fmla="*/ 0 h 6863080"/>
+              <a:gd name="connsiteX1" fmla="*/ 2525395 w 5481955"/>
+              <a:gd name="connsiteY1" fmla="*/ 0 h 6863080"/>
+              <a:gd name="connsiteX2" fmla="*/ 5481955 w 5481955"/>
+              <a:gd name="connsiteY2" fmla="*/ 6858000 h 6863080"/>
+              <a:gd name="connsiteX3" fmla="*/ 899160 w 5481955"/>
+              <a:gd name="connsiteY3" fmla="*/ 6863080 h 6863080"/>
+              <a:gd name="connsiteX4" fmla="*/ 0 w 5481955"/>
+              <a:gd name="connsiteY4" fmla="*/ 4759960 h 6863080"/>
+              <a:gd name="connsiteX5" fmla="*/ 5080 w 5481955"/>
+              <a:gd name="connsiteY5" fmla="*/ 0 h 6863080"/>
+              <a:gd name="connsiteX0" fmla="*/ 5080 w 5481955"/>
+              <a:gd name="connsiteY0" fmla="*/ 0 h 6863080"/>
+              <a:gd name="connsiteX1" fmla="*/ 2525395 w 5481955"/>
+              <a:gd name="connsiteY1" fmla="*/ 0 h 6863080"/>
+              <a:gd name="connsiteX2" fmla="*/ 5481955 w 5481955"/>
+              <a:gd name="connsiteY2" fmla="*/ 6858000 h 6863080"/>
+              <a:gd name="connsiteX3" fmla="*/ 899160 w 5481955"/>
+              <a:gd name="connsiteY3" fmla="*/ 6863080 h 6863080"/>
+              <a:gd name="connsiteX4" fmla="*/ 0 w 5481955"/>
+              <a:gd name="connsiteY4" fmla="*/ 4759960 h 6863080"/>
+              <a:gd name="connsiteX5" fmla="*/ 5080 w 5481955"/>
+              <a:gd name="connsiteY5" fmla="*/ 0 h 6863080"/>
+            </a:gdLst>
+            <a:ahLst/>
+            <a:cxnLst>
+              <a:cxn ang="0">
+                <a:pos x="connsiteX0" y="connsiteY0"/>
+              </a:cxn>
+              <a:cxn ang="0">
+                <a:pos x="connsiteX1" y="connsiteY1"/>
+              </a:cxn>
+              <a:cxn ang="0">
+                <a:pos x="connsiteX2" y="connsiteY2"/>
+              </a:cxn>
+              <a:cxn ang="0">
+                <a:pos x="connsiteX3" y="connsiteY3"/>
+              </a:cxn>
+              <a:cxn ang="0">
+                <a:pos x="connsiteX4" y="connsiteY4"/>
+              </a:cxn>
+              <a:cxn ang="0">
+                <a:pos x="connsiteX5" y="connsiteY5"/>
+              </a:cxn>
+            </a:cxnLst>
+            <a:rect l="l" t="t" r="r" b="b"/>
+            <a:pathLst>
+              <a:path w="5481955" h="6863080">
+                <a:moveTo>
+                  <a:pt x="5080" y="0"/>
+                </a:moveTo>
+                <a:lnTo>
+                  <a:pt x="2525395" y="0"/>
+                </a:lnTo>
+                <a:lnTo>
+                  <a:pt x="5481955" y="6858000"/>
+                </a:lnTo>
+                <a:lnTo>
+                  <a:pt x="899160" y="6863080"/>
+                </a:lnTo>
+                <a:cubicBezTo>
+                  <a:pt x="506307" y="5933440"/>
+                  <a:pt x="413173" y="5720080"/>
+                  <a:pt x="0" y="4759960"/>
+                </a:cubicBezTo>
+                <a:cubicBezTo>
+                  <a:pt x="1693" y="3158067"/>
+                  <a:pt x="3387" y="1601893"/>
+                  <a:pt x="5080" y="0"/>
+                </a:cubicBezTo>
+                <a:close/>
+              </a:path>
+            </a:pathLst>
+          </a:custGeom>
+          <a:solidFill>
+            <a:srgbClr val="FFFFFF"/>
+          </a:solidFill>
+        </p:spPr>
+      </p:pic>
+      <p:sp>
+        <p:nvSpPr>
+          <p:cNvPr id="5" name="Slide Number Placeholder 5">
+            <a:extLst>
+              <a:ext uri="{FF2B5EF4-FFF2-40B4-BE49-F238E27FC236}">
+                <a16:creationId xmlns:a16="http://schemas.microsoft.com/office/drawing/2014/main" id="{B02A8827-B1A1-2D2F-D6DD-E886B886C43E}"/>
+              </a:ext>
+            </a:extLst>
+          </p:cNvPr>
+          <p:cNvSpPr>
+            <a:spLocks noGrp="1"/>
+          </p:cNvSpPr>
+          <p:nvPr>
+            <p:ph type="sldNum" sz="quarter" idx="12"/>
+          </p:nvPr>
+        </p:nvSpPr>
+        <p:spPr>
+          <a:xfrm>
+            <a:off x="10373350" y="6356349"/>
+            <a:ext cx="987552" cy="365125"/>
+          </a:xfrm>
+        </p:spPr>
+        <p:txBody>
+          <a:bodyPr anchor="ctr">
+            <a:normAutofit/>
+          </a:bodyPr>
+          <a:lstStyle/>
+          <a:p>
+            <a:pPr>
+              <a:spcAft>
+                <a:spcPts val="600"/>
+              </a:spcAft>
+            </a:pPr>
+            <a:fld id="{A49DFD55-3C28-40EF-9E31-A92D2E4017FF}" type="slidenum">
+              <a:rPr lang="en-US" sz="1400" smtClean="0"/>
+              <a:pPr>
+                <a:spcAft>
+                  <a:spcPts val="600"/>
+                </a:spcAft>
+              </a:pPr>
+              <a:t>12</a:t>
+            </a:fld>
+            <a:endParaRPr lang="en-US" sz="1400"/>
+          </a:p>
+        </p:txBody>
+      </p:sp>
+      <p:sp>
+        <p:nvSpPr>
+          <p:cNvPr id="6" name="Content Placeholder 5">
+            <a:extLst>
+              <a:ext uri="{FF2B5EF4-FFF2-40B4-BE49-F238E27FC236}">
+                <a16:creationId xmlns:a16="http://schemas.microsoft.com/office/drawing/2014/main" id="{E31E7948-6FE5-FD0E-11E6-4D620A2A7D21}"/>
+              </a:ext>
+            </a:extLst>
+          </p:cNvPr>
+          <p:cNvSpPr>
+            <a:spLocks noGrp="1"/>
+          </p:cNvSpPr>
+          <p:nvPr>
+            <p:ph sz="half" idx="14"/>
+          </p:nvPr>
+        </p:nvSpPr>
+        <p:spPr>
+          <a:xfrm>
+            <a:off x="5453725" y="3660774"/>
+            <a:ext cx="5907176" cy="2536826"/>
+          </a:xfrm>
+        </p:spPr>
+        <p:txBody>
+          <a:bodyPr>
+            <a:normAutofit/>
+          </a:bodyPr>
+          <a:lstStyle/>
+          <a:p>
+            <a:pPr marL="285750" indent="-285750">
+              <a:buFontTx/>
+              <a:buChar char="-"/>
+            </a:pPr>
+            <a:r>
+              <a:rPr lang="en-US" dirty="0"/>
+              <a:t>Group of Decision Trees</a:t>
+            </a:r>
+          </a:p>
+          <a:p>
+            <a:pPr marL="285750" indent="-285750">
+              <a:buFontTx/>
+              <a:buChar char="-"/>
+            </a:pPr>
+            <a:r>
+              <a:rPr lang="en-US" dirty="0"/>
+              <a:t>Randomness</a:t>
+            </a:r>
+          </a:p>
+          <a:p>
+            <a:pPr marL="285750" indent="-285750">
+              <a:buFontTx/>
+              <a:buChar char="-"/>
+            </a:pPr>
+            <a:r>
+              <a:rPr lang="en-US" dirty="0"/>
+              <a:t>Vote</a:t>
+            </a:r>
+          </a:p>
+        </p:txBody>
+      </p:sp>
+    </p:spTree>
+    <p:extLst>
+      <p:ext uri="{BB962C8B-B14F-4D97-AF65-F5344CB8AC3E}">
+        <p14:creationId xmlns:p14="http://schemas.microsoft.com/office/powerpoint/2010/main" val="1713219598"/>
+      </p:ext>
+    </p:extLst>
+  </p:cSld>
+  <p:clrMapOvr>
+    <a:masterClrMapping/>
+  </p:clrMapOvr>
+</p:sld>
+</file>
+
+<file path=ppt/slides/slide13.xml><?xml version="1.0" encoding="utf-8"?>
+<p:sld xmlns:a="http://schemas.openxmlformats.org/drawingml/2006/main" xmlns:r="http://schemas.openxmlformats.org/officeDocument/2006/relationships" xmlns:p="http://schemas.openxmlformats.org/presentationml/2006/main">
+  <p:cSld>
+    <p:spTree>
+      <p:nvGrpSpPr>
+        <p:cNvPr id="1" name=""/>
+        <p:cNvGrpSpPr/>
+        <p:nvPr/>
+      </p:nvGrpSpPr>
+      <p:grpSpPr>
+        <a:xfrm>
+          <a:off x="0" y="0"/>
+          <a:ext cx="0" cy="0"/>
+          <a:chOff x="0" y="0"/>
+          <a:chExt cx="0" cy="0"/>
+        </a:xfrm>
+      </p:grpSpPr>
+      <p:sp>
+        <p:nvSpPr>
+          <p:cNvPr id="3" name="Title 2">
+            <a:extLst>
+              <a:ext uri="{FF2B5EF4-FFF2-40B4-BE49-F238E27FC236}">
+                <a16:creationId xmlns:a16="http://schemas.microsoft.com/office/drawing/2014/main" id="{4321055C-5E33-5D21-2A6E-21827FA88ED3}"/>
+              </a:ext>
+            </a:extLst>
+          </p:cNvPr>
+          <p:cNvSpPr>
+            <a:spLocks noGrp="1"/>
+          </p:cNvSpPr>
+          <p:nvPr>
+            <p:ph type="title"/>
+          </p:nvPr>
+        </p:nvSpPr>
+        <p:spPr>
+          <a:xfrm>
+            <a:off x="838201" y="895350"/>
+            <a:ext cx="3247662" cy="1917700"/>
+          </a:xfrm>
+        </p:spPr>
+        <p:txBody>
+          <a:bodyPr>
+            <a:normAutofit/>
+          </a:bodyPr>
+          <a:lstStyle/>
+          <a:p>
+            <a:r>
+              <a:rPr lang="en-US" dirty="0"/>
+              <a:t>Confusion Matrix</a:t>
+            </a:r>
+          </a:p>
+        </p:txBody>
+      </p:sp>
+      <p:sp>
+        <p:nvSpPr>
+          <p:cNvPr id="5" name="Slide Number Placeholder 4">
+            <a:extLst>
+              <a:ext uri="{FF2B5EF4-FFF2-40B4-BE49-F238E27FC236}">
+                <a16:creationId xmlns:a16="http://schemas.microsoft.com/office/drawing/2014/main" id="{E74B0ADB-527F-A58C-9372-D8502ED6F918}"/>
+              </a:ext>
+            </a:extLst>
+          </p:cNvPr>
+          <p:cNvSpPr>
+            <a:spLocks noGrp="1"/>
+          </p:cNvSpPr>
+          <p:nvPr>
+            <p:ph type="sldNum" sz="quarter" idx="12"/>
+          </p:nvPr>
+        </p:nvSpPr>
+        <p:spPr>
+          <a:xfrm>
+            <a:off x="344425" y="6252176"/>
+            <a:ext cx="987552" cy="365125"/>
+          </a:xfrm>
+        </p:spPr>
+        <p:txBody>
+          <a:bodyPr/>
+          <a:lstStyle/>
+          <a:p>
+            <a:fld id="{A49DFD55-3C28-40EF-9E31-A92D2E4017FF}" type="slidenum">
+              <a:rPr lang="en-US" sz="1400" smtClean="0"/>
+              <a:pPr/>
+              <a:t>13</a:t>
+            </a:fld>
+            <a:endParaRPr lang="en-US" sz="1400" dirty="0"/>
+          </a:p>
+        </p:txBody>
+      </p:sp>
+      <p:pic>
+        <p:nvPicPr>
+          <p:cNvPr id="9" name="Image 1" descr="Une image contenant texte, capture d’écran, Parallèle, carré&#10;&#10;Description générée automatiquement">
+            <a:extLst>
+              <a:ext uri="{FF2B5EF4-FFF2-40B4-BE49-F238E27FC236}">
+                <a16:creationId xmlns:a16="http://schemas.microsoft.com/office/drawing/2014/main" id="{B660041C-5326-4EEE-4DCC-63C0AF784C57}"/>
+              </a:ext>
+            </a:extLst>
+          </p:cNvPr>
+          <p:cNvPicPr>
+            <a:picLocks noChangeAspect="1"/>
+          </p:cNvPicPr>
+          <p:nvPr/>
+        </p:nvPicPr>
+        <p:blipFill>
+          <a:blip r:embed="rId3"/>
+          <a:stretch>
+            <a:fillRect/>
+          </a:stretch>
+        </p:blipFill>
+        <p:spPr>
+          <a:xfrm>
+            <a:off x="5813778" y="0"/>
+            <a:ext cx="6378222" cy="6862804"/>
+          </a:xfrm>
+          <a:prstGeom prst="rect">
+            <a:avLst/>
+          </a:prstGeom>
+        </p:spPr>
+      </p:pic>
+      <p:sp>
+        <p:nvSpPr>
+          <p:cNvPr id="11" name="Content Placeholder 5">
+            <a:extLst>
+              <a:ext uri="{FF2B5EF4-FFF2-40B4-BE49-F238E27FC236}">
+                <a16:creationId xmlns:a16="http://schemas.microsoft.com/office/drawing/2014/main" id="{EE388F9C-3D44-485B-ECB4-DD0DD2BAB0E6}"/>
+              </a:ext>
+            </a:extLst>
+          </p:cNvPr>
+          <p:cNvSpPr txBox="1">
+            <a:spLocks/>
+          </p:cNvSpPr>
+          <p:nvPr/>
+        </p:nvSpPr>
+        <p:spPr>
+          <a:xfrm>
+            <a:off x="838201" y="2610907"/>
             <a:ext cx="4207932" cy="2536826"/>
           </a:xfrm>
           <a:prstGeom prst="rect">
@@ -7539,20 +8449,13 @@
             </a:lvl9pPr>
           </a:lstStyle>
           <a:p>
-            <a:pPr algn="l"/>
-            <a:r>
-              <a:rPr lang="en-US" dirty="0"/>
-              <a:t>Same pattern :</a:t>
-            </a:r>
-          </a:p>
-          <a:p>
             <a:pPr marL="285750" indent="-285750" algn="l">
               <a:buFontTx/>
               <a:buChar char="-"/>
             </a:pPr>
             <a:r>
               <a:rPr lang="en-US" dirty="0"/>
-              <a:t>Indie</a:t>
+              <a:t>Indie concentration</a:t>
             </a:r>
           </a:p>
           <a:p>
@@ -7562,7 +8465,7 @@
             </a:pPr>
             <a:r>
               <a:rPr lang="en-US" dirty="0"/>
-              <a:t>Bollywood, Hip-Hop &amp; Instrumental</a:t>
+              <a:t>Good classes</a:t>
             </a:r>
           </a:p>
           <a:p>
@@ -7572,536 +8475,22 @@
             </a:pPr>
             <a:r>
               <a:rPr lang="en-US" dirty="0"/>
-              <a:t>Rock, Blues, Country &amp; Alt</a:t>
-            </a:r>
-          </a:p>
-        </p:txBody>
-      </p:sp>
-      <p:pic>
-        <p:nvPicPr>
-          <p:cNvPr id="12" name="Image 1" descr="Une image contenant texte, capture d’écran, Parallèle, nombre&#10;&#10;Description générée automatiquement">
-            <a:extLst>
-              <a:ext uri="{FF2B5EF4-FFF2-40B4-BE49-F238E27FC236}">
-                <a16:creationId xmlns:a16="http://schemas.microsoft.com/office/drawing/2014/main" id="{20D5D9BA-D3ED-4CE0-FBAD-0897FEFBCC32}"/>
-              </a:ext>
-            </a:extLst>
-          </p:cNvPr>
-          <p:cNvPicPr>
-            <a:picLocks noChangeAspect="1"/>
-          </p:cNvPicPr>
-          <p:nvPr/>
-        </p:nvPicPr>
-        <p:blipFill>
-          <a:blip r:embed="rId3"/>
-          <a:stretch>
-            <a:fillRect/>
-          </a:stretch>
-        </p:blipFill>
-        <p:spPr>
-          <a:xfrm>
-            <a:off x="0" y="-2255"/>
-            <a:ext cx="6336236" cy="6860255"/>
-          </a:xfrm>
-          <a:prstGeom prst="rect">
-            <a:avLst/>
-          </a:prstGeom>
-        </p:spPr>
-      </p:pic>
+              <a:t>Bad classes</a:t>
+            </a:r>
+          </a:p>
+          <a:p>
+            <a:pPr marL="285750" indent="-285750" algn="l">
+              <a:buFontTx/>
+              <a:buChar char="-"/>
+            </a:pPr>
+            <a:endParaRPr lang="en-US" dirty="0"/>
+          </a:p>
+        </p:txBody>
+      </p:sp>
     </p:spTree>
     <p:extLst>
       <p:ext uri="{BB962C8B-B14F-4D97-AF65-F5344CB8AC3E}">
-        <p14:creationId xmlns:p14="http://schemas.microsoft.com/office/powerpoint/2010/main" val="636929804"/>
-      </p:ext>
-    </p:extLst>
-  </p:cSld>
-  <p:clrMapOvr>
-    <a:masterClrMapping/>
-  </p:clrMapOvr>
-</p:sld>
-</file>
-
-<file path=ppt/slides/slide11.xml><?xml version="1.0" encoding="utf-8"?>
-<p:sld xmlns:a="http://schemas.openxmlformats.org/drawingml/2006/main" xmlns:r="http://schemas.openxmlformats.org/officeDocument/2006/relationships" xmlns:p="http://schemas.openxmlformats.org/presentationml/2006/main">
-  <p:cSld>
-    <p:spTree>
-      <p:nvGrpSpPr>
-        <p:cNvPr id="1" name=""/>
-        <p:cNvGrpSpPr/>
-        <p:nvPr/>
-      </p:nvGrpSpPr>
-      <p:grpSpPr>
-        <a:xfrm>
-          <a:off x="0" y="0"/>
-          <a:ext cx="0" cy="0"/>
-          <a:chOff x="0" y="0"/>
-          <a:chExt cx="0" cy="0"/>
-        </a:xfrm>
-      </p:grpSpPr>
-      <p:sp>
-        <p:nvSpPr>
-          <p:cNvPr id="2" name="Title 1">
-            <a:extLst>
-              <a:ext uri="{FF2B5EF4-FFF2-40B4-BE49-F238E27FC236}">
-                <a16:creationId xmlns:a16="http://schemas.microsoft.com/office/drawing/2014/main" id="{4518FC28-E0BD-4387-B8BE-9965D1A57FF1}"/>
-              </a:ext>
-            </a:extLst>
-          </p:cNvPr>
-          <p:cNvSpPr>
-            <a:spLocks noGrp="1"/>
-          </p:cNvSpPr>
-          <p:nvPr>
-            <p:ph type="title"/>
-          </p:nvPr>
-        </p:nvSpPr>
-        <p:spPr>
-          <a:xfrm>
-            <a:off x="5476874" y="1671639"/>
-            <a:ext cx="5884027" cy="1204912"/>
-          </a:xfrm>
-        </p:spPr>
-        <p:txBody>
-          <a:bodyPr/>
-          <a:lstStyle/>
-          <a:p>
-            <a:r>
-              <a:rPr lang="en-US" dirty="0"/>
-              <a:t>Comparisons</a:t>
-            </a:r>
-          </a:p>
-        </p:txBody>
-      </p:sp>
-      <p:sp>
-        <p:nvSpPr>
-          <p:cNvPr id="6" name="Slide Number Placeholder 5">
-            <a:extLst>
-              <a:ext uri="{FF2B5EF4-FFF2-40B4-BE49-F238E27FC236}">
-                <a16:creationId xmlns:a16="http://schemas.microsoft.com/office/drawing/2014/main" id="{7C4B8313-9270-4128-8674-3A3E42B806BC}"/>
-              </a:ext>
-            </a:extLst>
-          </p:cNvPr>
-          <p:cNvSpPr>
-            <a:spLocks noGrp="1"/>
-          </p:cNvSpPr>
-          <p:nvPr>
-            <p:ph type="sldNum" sz="quarter" idx="12"/>
-          </p:nvPr>
-        </p:nvSpPr>
-        <p:spPr>
-          <a:xfrm>
-            <a:off x="10373350" y="6356349"/>
-            <a:ext cx="987552" cy="365125"/>
-          </a:xfrm>
-        </p:spPr>
-        <p:txBody>
-          <a:bodyPr/>
-          <a:lstStyle/>
-          <a:p>
-            <a:fld id="{A49DFD55-3C28-40EF-9E31-A92D2E4017FF}" type="slidenum">
-              <a:rPr lang="en-US" sz="1400" smtClean="0"/>
-              <a:pPr/>
-              <a:t>11</a:t>
-            </a:fld>
-            <a:endParaRPr lang="en-US" sz="1400" dirty="0"/>
-          </a:p>
-        </p:txBody>
-      </p:sp>
-      <p:sp>
-        <p:nvSpPr>
-          <p:cNvPr id="3" name="Text Placeholder 2">
-            <a:extLst>
-              <a:ext uri="{FF2B5EF4-FFF2-40B4-BE49-F238E27FC236}">
-                <a16:creationId xmlns:a16="http://schemas.microsoft.com/office/drawing/2014/main" id="{FED19BCA-B61F-4EA6-A1FB-CCA3BD8506FB}"/>
-              </a:ext>
-            </a:extLst>
-          </p:cNvPr>
-          <p:cNvSpPr>
-            <a:spLocks noGrp="1"/>
-          </p:cNvSpPr>
-          <p:nvPr>
-            <p:ph sz="half" idx="14"/>
-          </p:nvPr>
-        </p:nvSpPr>
-        <p:spPr>
-          <a:xfrm>
-            <a:off x="5453725" y="3660774"/>
-            <a:ext cx="5907176" cy="2536826"/>
-          </a:xfrm>
-        </p:spPr>
-        <p:txBody>
-          <a:bodyPr>
-            <a:noAutofit/>
-          </a:bodyPr>
-          <a:lstStyle/>
-          <a:p>
-            <a:pPr marL="285750" indent="-285750">
-              <a:buFontTx/>
-              <a:buChar char="-"/>
-            </a:pPr>
-            <a:r>
-              <a:rPr lang="en-US" dirty="0"/>
-              <a:t>Precision</a:t>
-            </a:r>
-          </a:p>
-          <a:p>
-            <a:pPr marL="285750" indent="-285750">
-              <a:buFontTx/>
-              <a:buChar char="-"/>
-            </a:pPr>
-            <a:r>
-              <a:rPr lang="en-US" dirty="0"/>
-              <a:t>Recall</a:t>
-            </a:r>
-          </a:p>
-          <a:p>
-            <a:pPr marL="285750" indent="-285750">
-              <a:buFontTx/>
-              <a:buChar char="-"/>
-            </a:pPr>
-            <a:r>
-              <a:rPr lang="en-US" dirty="0"/>
-              <a:t>Specificity</a:t>
-            </a:r>
-          </a:p>
-          <a:p>
-            <a:pPr marL="285750" indent="-285750">
-              <a:buFontTx/>
-              <a:buChar char="-"/>
-            </a:pPr>
-            <a:r>
-              <a:rPr lang="en-US" dirty="0"/>
-              <a:t>F1-score</a:t>
-            </a:r>
-          </a:p>
-        </p:txBody>
-      </p:sp>
-      <p:cxnSp>
-        <p:nvCxnSpPr>
-          <p:cNvPr id="23" name="Straight Connector 22">
-            <a:extLst>
-              <a:ext uri="{FF2B5EF4-FFF2-40B4-BE49-F238E27FC236}">
-                <a16:creationId xmlns:a16="http://schemas.microsoft.com/office/drawing/2014/main" id="{D87F08D6-2CA7-4A5A-BE34-07113DCA535D}"/>
-              </a:ext>
-              <a:ext uri="{C183D7F6-B498-43B3-948B-1728B52AA6E4}">
-                <adec:decorative xmlns:adec="http://schemas.microsoft.com/office/drawing/2017/decorative" val="1"/>
-              </a:ext>
-            </a:extLst>
-          </p:cNvPr>
-          <p:cNvCxnSpPr>
-            <a:cxnSpLocks/>
-          </p:cNvCxnSpPr>
-          <p:nvPr userDrawn="1"/>
-        </p:nvCxnSpPr>
-        <p:spPr>
-          <a:xfrm flipH="1" flipV="1">
-            <a:off x="0" y="876300"/>
-            <a:ext cx="5246255" cy="1709882"/>
-          </a:xfrm>
-          <a:prstGeom prst="line">
-            <a:avLst/>
-          </a:prstGeom>
-          <a:ln>
-            <a:solidFill>
-              <a:schemeClr val="tx1"/>
-            </a:solidFill>
-          </a:ln>
-        </p:spPr>
-        <p:style>
-          <a:lnRef idx="1">
-            <a:schemeClr val="accent1"/>
-          </a:lnRef>
-          <a:fillRef idx="0">
-            <a:schemeClr val="accent1"/>
-          </a:fillRef>
-          <a:effectRef idx="0">
-            <a:schemeClr val="accent1"/>
-          </a:effectRef>
-          <a:fontRef idx="minor">
-            <a:schemeClr val="tx1"/>
-          </a:fontRef>
-        </p:style>
-      </p:cxnSp>
-      <p:pic>
-        <p:nvPicPr>
-          <p:cNvPr id="12" name="Picture Placeholder 11" descr="A group of men playing instruments&#10;&#10;Description automatically generated">
-            <a:extLst>
-              <a:ext uri="{FF2B5EF4-FFF2-40B4-BE49-F238E27FC236}">
-                <a16:creationId xmlns:a16="http://schemas.microsoft.com/office/drawing/2014/main" id="{6C57505B-FAEA-C42A-27DE-2C8B3BBD1524}"/>
-              </a:ext>
-            </a:extLst>
-          </p:cNvPr>
-          <p:cNvPicPr>
-            <a:picLocks noGrp="1" noChangeAspect="1"/>
-          </p:cNvPicPr>
-          <p:nvPr>
-            <p:ph type="pic" sz="quarter" idx="13"/>
-          </p:nvPr>
-        </p:nvPicPr>
-        <p:blipFill>
-          <a:blip r:embed="rId3"/>
-          <a:srcRect l="10145" r="10145"/>
-          <a:stretch>
-            <a:fillRect/>
-          </a:stretch>
-        </p:blipFill>
-        <p:spPr/>
-      </p:pic>
-    </p:spTree>
-    <p:extLst>
-      <p:ext uri="{BB962C8B-B14F-4D97-AF65-F5344CB8AC3E}">
-        <p14:creationId xmlns:p14="http://schemas.microsoft.com/office/powerpoint/2010/main" val="1742861620"/>
-      </p:ext>
-    </p:extLst>
-  </p:cSld>
-  <p:clrMapOvr>
-    <a:masterClrMapping/>
-  </p:clrMapOvr>
-</p:sld>
-</file>
-
-<file path=ppt/slides/slide12.xml><?xml version="1.0" encoding="utf-8"?>
-<p:sld xmlns:a="http://schemas.openxmlformats.org/drawingml/2006/main" xmlns:r="http://schemas.openxmlformats.org/officeDocument/2006/relationships" xmlns:p="http://schemas.openxmlformats.org/presentationml/2006/main">
-  <p:cSld>
-    <p:spTree>
-      <p:nvGrpSpPr>
-        <p:cNvPr id="1" name=""/>
-        <p:cNvGrpSpPr/>
-        <p:nvPr/>
-      </p:nvGrpSpPr>
-      <p:grpSpPr>
-        <a:xfrm>
-          <a:off x="0" y="0"/>
-          <a:ext cx="0" cy="0"/>
-          <a:chOff x="0" y="0"/>
-          <a:chExt cx="0" cy="0"/>
-        </a:xfrm>
-      </p:grpSpPr>
-      <p:sp>
-        <p:nvSpPr>
-          <p:cNvPr id="17" name="Title 1">
-            <a:extLst>
-              <a:ext uri="{FF2B5EF4-FFF2-40B4-BE49-F238E27FC236}">
-                <a16:creationId xmlns:a16="http://schemas.microsoft.com/office/drawing/2014/main" id="{09140014-73D5-419B-8867-972BB18D52D4}"/>
-              </a:ext>
-            </a:extLst>
-          </p:cNvPr>
-          <p:cNvSpPr>
-            <a:spLocks noGrp="1"/>
-          </p:cNvSpPr>
-          <p:nvPr>
-            <p:ph type="title"/>
-          </p:nvPr>
-        </p:nvSpPr>
-        <p:spPr>
-          <a:xfrm>
-            <a:off x="937549" y="337193"/>
-            <a:ext cx="5555848" cy="577207"/>
-          </a:xfrm>
-        </p:spPr>
-        <p:txBody>
-          <a:bodyPr anchor="b"/>
-          <a:lstStyle/>
-          <a:p>
-            <a:r>
-              <a:rPr lang="en-US" dirty="0"/>
-              <a:t>Precision</a:t>
-            </a:r>
-          </a:p>
-        </p:txBody>
-      </p:sp>
-      <p:sp>
-        <p:nvSpPr>
-          <p:cNvPr id="9" name="Slide Number Placeholder 8">
-            <a:extLst>
-              <a:ext uri="{FF2B5EF4-FFF2-40B4-BE49-F238E27FC236}">
-                <a16:creationId xmlns:a16="http://schemas.microsoft.com/office/drawing/2014/main" id="{C396FFDC-ADE8-4009-A466-A81787258E88}"/>
-              </a:ext>
-            </a:extLst>
-          </p:cNvPr>
-          <p:cNvSpPr>
-            <a:spLocks noGrp="1"/>
-          </p:cNvSpPr>
-          <p:nvPr>
-            <p:ph type="sldNum" sz="quarter" idx="12"/>
-          </p:nvPr>
-        </p:nvSpPr>
-        <p:spPr>
-          <a:xfrm>
-            <a:off x="8610600" y="6356350"/>
-            <a:ext cx="2743200" cy="365125"/>
-          </a:xfrm>
-        </p:spPr>
-        <p:txBody>
-          <a:bodyPr/>
-          <a:lstStyle/>
-          <a:p>
-            <a:fld id="{A49DFD55-3C28-40EF-9E31-A92D2E4017FF}" type="slidenum">
-              <a:rPr lang="en-US" sz="1400" smtClean="0"/>
-              <a:pPr/>
-              <a:t>12</a:t>
-            </a:fld>
-            <a:endParaRPr lang="en-US" sz="1400" dirty="0"/>
-          </a:p>
-        </p:txBody>
-      </p:sp>
-      <p:pic>
-        <p:nvPicPr>
-          <p:cNvPr id="12" name="Image 1" descr="Une image contenant texte, capture d’écran, Tracé, diagramme&#10;&#10;Description générée automatiquement">
-            <a:extLst>
-              <a:ext uri="{FF2B5EF4-FFF2-40B4-BE49-F238E27FC236}">
-                <a16:creationId xmlns:a16="http://schemas.microsoft.com/office/drawing/2014/main" id="{AFC66751-B1EB-1B13-EEB3-262F8E3D713F}"/>
-              </a:ext>
-            </a:extLst>
-          </p:cNvPr>
-          <p:cNvPicPr>
-            <a:picLocks noChangeAspect="1"/>
-          </p:cNvPicPr>
-          <p:nvPr/>
-        </p:nvPicPr>
-        <p:blipFill>
-          <a:blip r:embed="rId3"/>
-          <a:stretch>
-            <a:fillRect/>
-          </a:stretch>
-        </p:blipFill>
-        <p:spPr>
-          <a:xfrm>
-            <a:off x="1589252" y="1242837"/>
-            <a:ext cx="9013496" cy="5377098"/>
-          </a:xfrm>
-          <a:prstGeom prst="rect">
-            <a:avLst/>
-          </a:prstGeom>
-        </p:spPr>
-      </p:pic>
-    </p:spTree>
-    <p:extLst>
-      <p:ext uri="{BB962C8B-B14F-4D97-AF65-F5344CB8AC3E}">
-        <p14:creationId xmlns:p14="http://schemas.microsoft.com/office/powerpoint/2010/main" val="2403577982"/>
-      </p:ext>
-    </p:extLst>
-  </p:cSld>
-  <p:clrMapOvr>
-    <a:masterClrMapping/>
-  </p:clrMapOvr>
-</p:sld>
-</file>
-
-<file path=ppt/slides/slide13.xml><?xml version="1.0" encoding="utf-8"?>
-<p:sld xmlns:a="http://schemas.openxmlformats.org/drawingml/2006/main" xmlns:r="http://schemas.openxmlformats.org/officeDocument/2006/relationships" xmlns:p="http://schemas.openxmlformats.org/presentationml/2006/main">
-  <p:cSld>
-    <p:spTree>
-      <p:nvGrpSpPr>
-        <p:cNvPr id="1" name=""/>
-        <p:cNvGrpSpPr/>
-        <p:nvPr/>
-      </p:nvGrpSpPr>
-      <p:grpSpPr>
-        <a:xfrm>
-          <a:off x="0" y="0"/>
-          <a:ext cx="0" cy="0"/>
-          <a:chOff x="0" y="0"/>
-          <a:chExt cx="0" cy="0"/>
-        </a:xfrm>
-      </p:grpSpPr>
-      <p:pic>
-        <p:nvPicPr>
-          <p:cNvPr id="9" name="Image 1" descr="Une image contenant texte, capture d’écran, Tracé, diagramme&#10;&#10;Description générée automatiquement">
-            <a:extLst>
-              <a:ext uri="{FF2B5EF4-FFF2-40B4-BE49-F238E27FC236}">
-                <a16:creationId xmlns:a16="http://schemas.microsoft.com/office/drawing/2014/main" id="{5DBCE939-6B5D-C7A5-00F2-EEA2D924C4DC}"/>
-              </a:ext>
-            </a:extLst>
-          </p:cNvPr>
-          <p:cNvPicPr>
-            <a:picLocks noChangeAspect="1"/>
-          </p:cNvPicPr>
-          <p:nvPr/>
-        </p:nvPicPr>
-        <p:blipFill>
-          <a:blip r:embed="rId2"/>
-          <a:stretch>
-            <a:fillRect/>
-          </a:stretch>
-        </p:blipFill>
-        <p:spPr>
-          <a:xfrm>
-            <a:off x="1589251" y="1242837"/>
-            <a:ext cx="9013496" cy="5377099"/>
-          </a:xfrm>
-          <a:prstGeom prst="rect">
-            <a:avLst/>
-          </a:prstGeom>
-        </p:spPr>
-      </p:pic>
-      <p:sp>
-        <p:nvSpPr>
-          <p:cNvPr id="2" name="Title 1">
-            <a:extLst>
-              <a:ext uri="{FF2B5EF4-FFF2-40B4-BE49-F238E27FC236}">
-                <a16:creationId xmlns:a16="http://schemas.microsoft.com/office/drawing/2014/main" id="{6B516B9D-4D2A-A901-1641-9EDCE280CBA6}"/>
-              </a:ext>
-            </a:extLst>
-          </p:cNvPr>
-          <p:cNvSpPr>
-            <a:spLocks noGrp="1"/>
-          </p:cNvSpPr>
-          <p:nvPr>
-            <p:ph type="title"/>
-          </p:nvPr>
-        </p:nvSpPr>
-        <p:spPr>
-          <a:xfrm>
-            <a:off x="9792183" y="370390"/>
-            <a:ext cx="1568719" cy="555585"/>
-          </a:xfrm>
-        </p:spPr>
-        <p:txBody>
-          <a:bodyPr>
-            <a:normAutofit/>
-          </a:bodyPr>
-          <a:lstStyle/>
-          <a:p>
-            <a:r>
-              <a:rPr lang="en-US" dirty="0"/>
-              <a:t>Recall</a:t>
-            </a:r>
-          </a:p>
-        </p:txBody>
-      </p:sp>
-      <p:sp>
-        <p:nvSpPr>
-          <p:cNvPr id="7" name="Slide Number Placeholder 6">
-            <a:extLst>
-              <a:ext uri="{FF2B5EF4-FFF2-40B4-BE49-F238E27FC236}">
-                <a16:creationId xmlns:a16="http://schemas.microsoft.com/office/drawing/2014/main" id="{5F59ACF1-574B-1CA8-9B24-0CD0FD164E64}"/>
-              </a:ext>
-            </a:extLst>
-          </p:cNvPr>
-          <p:cNvSpPr>
-            <a:spLocks noGrp="1"/>
-          </p:cNvSpPr>
-          <p:nvPr>
-            <p:ph type="sldNum" sz="quarter" idx="12"/>
-          </p:nvPr>
-        </p:nvSpPr>
-        <p:spPr/>
-        <p:txBody>
-          <a:bodyPr/>
-          <a:lstStyle/>
-          <a:p>
-            <a:fld id="{A49DFD55-3C28-40EF-9E31-A92D2E4017FF}" type="slidenum">
-              <a:rPr lang="en-US" sz="1400" smtClean="0"/>
-              <a:pPr/>
-              <a:t>13</a:t>
-            </a:fld>
-            <a:endParaRPr lang="en-US" sz="1400" dirty="0"/>
-          </a:p>
-        </p:txBody>
-      </p:sp>
-    </p:spTree>
-    <p:extLst>
-      <p:ext uri="{BB962C8B-B14F-4D97-AF65-F5344CB8AC3E}">
-        <p14:creationId xmlns:p14="http://schemas.microsoft.com/office/powerpoint/2010/main" val="471653252"/>
+        <p14:creationId xmlns:p14="http://schemas.microsoft.com/office/powerpoint/2010/main" val="1658164610"/>
       </p:ext>
     </p:extLst>
   </p:cSld>
@@ -8128,103 +8517,439 @@
           <a:chExt cx="0" cy="0"/>
         </a:xfrm>
       </p:grpSpPr>
-      <p:pic>
-        <p:nvPicPr>
-          <p:cNvPr id="13" name="Image 1" descr="Une image contenant texte, capture d’écran, Tracé, diagramme&#10;&#10;Description générée automatiquement">
-            <a:extLst>
-              <a:ext uri="{FF2B5EF4-FFF2-40B4-BE49-F238E27FC236}">
-                <a16:creationId xmlns:a16="http://schemas.microsoft.com/office/drawing/2014/main" id="{B80653E6-CE83-83FC-F743-798079A0A667}"/>
-              </a:ext>
-            </a:extLst>
-          </p:cNvPr>
-          <p:cNvPicPr>
-            <a:picLocks noChangeAspect="1"/>
-          </p:cNvPicPr>
+      <p:sp>
+        <p:nvSpPr>
+          <p:cNvPr id="2" name="Title 1">
+            <a:extLst>
+              <a:ext uri="{FF2B5EF4-FFF2-40B4-BE49-F238E27FC236}">
+                <a16:creationId xmlns:a16="http://schemas.microsoft.com/office/drawing/2014/main" id="{566C97BE-403B-122E-90D1-2788978A0B6F}"/>
+              </a:ext>
+            </a:extLst>
+          </p:cNvPr>
+          <p:cNvSpPr>
+            <a:spLocks noGrp="1"/>
+          </p:cNvSpPr>
+          <p:nvPr>
+            <p:ph type="ctrTitle"/>
+          </p:nvPr>
+        </p:nvSpPr>
+        <p:spPr>
+          <a:xfrm>
+            <a:off x="6991350" y="406401"/>
+            <a:ext cx="4179570" cy="2672080"/>
+          </a:xfrm>
+        </p:spPr>
+        <p:txBody>
+          <a:bodyPr/>
+          <a:lstStyle/>
+          <a:p>
+            <a:r>
+              <a:rPr lang="en-US" dirty="0"/>
+              <a:t>Support Vector Machine</a:t>
+            </a:r>
+          </a:p>
+        </p:txBody>
+      </p:sp>
+      <p:sp>
+        <p:nvSpPr>
+          <p:cNvPr id="5" name="Content Placeholder 5">
+            <a:extLst>
+              <a:ext uri="{FF2B5EF4-FFF2-40B4-BE49-F238E27FC236}">
+                <a16:creationId xmlns:a16="http://schemas.microsoft.com/office/drawing/2014/main" id="{A20C879D-9E61-6302-CE12-8ED81C0CBAC4}"/>
+              </a:ext>
+            </a:extLst>
+          </p:cNvPr>
+          <p:cNvSpPr txBox="1">
+            <a:spLocks/>
+          </p:cNvSpPr>
           <p:nvPr/>
-        </p:nvPicPr>
-        <p:blipFill>
-          <a:blip r:embed="rId2"/>
-          <a:stretch>
-            <a:fillRect/>
-          </a:stretch>
-        </p:blipFill>
-        <p:spPr>
-          <a:xfrm>
-            <a:off x="1589253" y="1242837"/>
-            <a:ext cx="9013496" cy="5377098"/>
+        </p:nvSpPr>
+        <p:spPr>
+          <a:xfrm>
+            <a:off x="6991350" y="3779520"/>
+            <a:ext cx="4207932" cy="2536826"/>
           </a:xfrm>
           <a:prstGeom prst="rect">
             <a:avLst/>
           </a:prstGeom>
         </p:spPr>
-      </p:pic>
-      <p:sp>
-        <p:nvSpPr>
-          <p:cNvPr id="2" name="Title 1">
-            <a:extLst>
-              <a:ext uri="{FF2B5EF4-FFF2-40B4-BE49-F238E27FC236}">
-                <a16:creationId xmlns:a16="http://schemas.microsoft.com/office/drawing/2014/main" id="{2CB312DC-5EAD-2404-EE88-F5CAB02FBE4C}"/>
-              </a:ext>
-            </a:extLst>
-          </p:cNvPr>
-          <p:cNvSpPr>
-            <a:spLocks noGrp="1"/>
-          </p:cNvSpPr>
-          <p:nvPr>
-            <p:ph type="title"/>
-          </p:nvPr>
-        </p:nvSpPr>
-        <p:spPr>
-          <a:xfrm>
-            <a:off x="972273" y="337192"/>
-            <a:ext cx="5521124" cy="577207"/>
-          </a:xfrm>
+        <p:txBody>
+          <a:bodyPr vert="horz" lIns="91440" tIns="45720" rIns="91440" bIns="45720" rtlCol="0">
+            <a:normAutofit/>
+          </a:bodyPr>
+          <a:lstStyle>
+            <a:lvl1pPr marL="0" indent="0" algn="ctr" defTabSz="914400" rtl="0" eaLnBrk="1" latinLnBrk="0" hangingPunct="1">
+              <a:lnSpc>
+                <a:spcPct val="90000"/>
+              </a:lnSpc>
+              <a:spcBef>
+                <a:spcPts val="1000"/>
+              </a:spcBef>
+              <a:buFont typeface="Arial" panose="020B0604020202020204" pitchFamily="34" charset="0"/>
+              <a:buNone/>
+              <a:defRPr sz="2000" kern="1200">
+                <a:solidFill>
+                  <a:schemeClr val="tx1"/>
+                </a:solidFill>
+                <a:latin typeface="+mn-lt"/>
+                <a:ea typeface="+mn-ea"/>
+                <a:cs typeface="+mn-cs"/>
+              </a:defRPr>
+            </a:lvl1pPr>
+            <a:lvl2pPr marL="685800" indent="-228600" algn="l" defTabSz="914400" rtl="0" eaLnBrk="1" latinLnBrk="0" hangingPunct="1">
+              <a:lnSpc>
+                <a:spcPct val="90000"/>
+              </a:lnSpc>
+              <a:spcBef>
+                <a:spcPts val="500"/>
+              </a:spcBef>
+              <a:buFont typeface="Arial" panose="020B0604020202020204" pitchFamily="34" charset="0"/>
+              <a:buChar char="•"/>
+              <a:defRPr sz="2400" kern="1200">
+                <a:solidFill>
+                  <a:schemeClr val="tx1"/>
+                </a:solidFill>
+                <a:latin typeface="+mn-lt"/>
+                <a:ea typeface="+mn-ea"/>
+                <a:cs typeface="+mn-cs"/>
+              </a:defRPr>
+            </a:lvl2pPr>
+            <a:lvl3pPr marL="1143000" indent="-228600" algn="l" defTabSz="914400" rtl="0" eaLnBrk="1" latinLnBrk="0" hangingPunct="1">
+              <a:lnSpc>
+                <a:spcPct val="90000"/>
+              </a:lnSpc>
+              <a:spcBef>
+                <a:spcPts val="500"/>
+              </a:spcBef>
+              <a:buFont typeface="Arial" panose="020B0604020202020204" pitchFamily="34" charset="0"/>
+              <a:buChar char="•"/>
+              <a:defRPr sz="2000" kern="1200">
+                <a:solidFill>
+                  <a:schemeClr val="tx1"/>
+                </a:solidFill>
+                <a:latin typeface="+mn-lt"/>
+                <a:ea typeface="+mn-ea"/>
+                <a:cs typeface="+mn-cs"/>
+              </a:defRPr>
+            </a:lvl3pPr>
+            <a:lvl4pPr marL="1600200" indent="-228600" algn="l" defTabSz="914400" rtl="0" eaLnBrk="1" latinLnBrk="0" hangingPunct="1">
+              <a:lnSpc>
+                <a:spcPct val="90000"/>
+              </a:lnSpc>
+              <a:spcBef>
+                <a:spcPts val="500"/>
+              </a:spcBef>
+              <a:buFont typeface="Arial" panose="020B0604020202020204" pitchFamily="34" charset="0"/>
+              <a:buChar char="•"/>
+              <a:defRPr sz="1800" kern="1200">
+                <a:solidFill>
+                  <a:schemeClr val="tx1"/>
+                </a:solidFill>
+                <a:latin typeface="+mn-lt"/>
+                <a:ea typeface="+mn-ea"/>
+                <a:cs typeface="+mn-cs"/>
+              </a:defRPr>
+            </a:lvl4pPr>
+            <a:lvl5pPr marL="2057400" indent="-228600" algn="l" defTabSz="914400" rtl="0" eaLnBrk="1" latinLnBrk="0" hangingPunct="1">
+              <a:lnSpc>
+                <a:spcPct val="90000"/>
+              </a:lnSpc>
+              <a:spcBef>
+                <a:spcPts val="500"/>
+              </a:spcBef>
+              <a:buFont typeface="Arial" panose="020B0604020202020204" pitchFamily="34" charset="0"/>
+              <a:buChar char="•"/>
+              <a:defRPr sz="1800" kern="1200">
+                <a:solidFill>
+                  <a:schemeClr val="tx1"/>
+                </a:solidFill>
+                <a:latin typeface="+mn-lt"/>
+                <a:ea typeface="+mn-ea"/>
+                <a:cs typeface="+mn-cs"/>
+              </a:defRPr>
+            </a:lvl5pPr>
+            <a:lvl6pPr marL="2514600" indent="-228600" algn="l" defTabSz="914400" rtl="0" eaLnBrk="1" latinLnBrk="0" hangingPunct="1">
+              <a:lnSpc>
+                <a:spcPct val="90000"/>
+              </a:lnSpc>
+              <a:spcBef>
+                <a:spcPts val="500"/>
+              </a:spcBef>
+              <a:buFont typeface="Arial" panose="020B0604020202020204" pitchFamily="34" charset="0"/>
+              <a:buChar char="•"/>
+              <a:defRPr sz="1800" kern="1200">
+                <a:solidFill>
+                  <a:schemeClr val="tx1"/>
+                </a:solidFill>
+                <a:latin typeface="+mn-lt"/>
+                <a:ea typeface="+mn-ea"/>
+                <a:cs typeface="+mn-cs"/>
+              </a:defRPr>
+            </a:lvl6pPr>
+            <a:lvl7pPr marL="2971800" indent="-228600" algn="l" defTabSz="914400" rtl="0" eaLnBrk="1" latinLnBrk="0" hangingPunct="1">
+              <a:lnSpc>
+                <a:spcPct val="90000"/>
+              </a:lnSpc>
+              <a:spcBef>
+                <a:spcPts val="500"/>
+              </a:spcBef>
+              <a:buFont typeface="Arial" panose="020B0604020202020204" pitchFamily="34" charset="0"/>
+              <a:buChar char="•"/>
+              <a:defRPr sz="1800" kern="1200">
+                <a:solidFill>
+                  <a:schemeClr val="tx1"/>
+                </a:solidFill>
+                <a:latin typeface="+mn-lt"/>
+                <a:ea typeface="+mn-ea"/>
+                <a:cs typeface="+mn-cs"/>
+              </a:defRPr>
+            </a:lvl7pPr>
+            <a:lvl8pPr marL="3429000" indent="-228600" algn="l" defTabSz="914400" rtl="0" eaLnBrk="1" latinLnBrk="0" hangingPunct="1">
+              <a:lnSpc>
+                <a:spcPct val="90000"/>
+              </a:lnSpc>
+              <a:spcBef>
+                <a:spcPts val="500"/>
+              </a:spcBef>
+              <a:buFont typeface="Arial" panose="020B0604020202020204" pitchFamily="34" charset="0"/>
+              <a:buChar char="•"/>
+              <a:defRPr sz="1800" kern="1200">
+                <a:solidFill>
+                  <a:schemeClr val="tx1"/>
+                </a:solidFill>
+                <a:latin typeface="+mn-lt"/>
+                <a:ea typeface="+mn-ea"/>
+                <a:cs typeface="+mn-cs"/>
+              </a:defRPr>
+            </a:lvl8pPr>
+            <a:lvl9pPr marL="3886200" indent="-228600" algn="l" defTabSz="914400" rtl="0" eaLnBrk="1" latinLnBrk="0" hangingPunct="1">
+              <a:lnSpc>
+                <a:spcPct val="90000"/>
+              </a:lnSpc>
+              <a:spcBef>
+                <a:spcPts val="500"/>
+              </a:spcBef>
+              <a:buFont typeface="Arial" panose="020B0604020202020204" pitchFamily="34" charset="0"/>
+              <a:buChar char="•"/>
+              <a:defRPr sz="1800" kern="1200">
+                <a:solidFill>
+                  <a:schemeClr val="tx1"/>
+                </a:solidFill>
+                <a:latin typeface="+mn-lt"/>
+                <a:ea typeface="+mn-ea"/>
+                <a:cs typeface="+mn-cs"/>
+              </a:defRPr>
+            </a:lvl9pPr>
+          </a:lstStyle>
+          <a:p>
+            <a:pPr marL="285750" indent="-285750" algn="l">
+              <a:buFontTx/>
+              <a:buChar char="-"/>
+            </a:pPr>
+            <a:r>
+              <a:rPr lang="en-US" dirty="0">
+                <a:solidFill>
+                  <a:schemeClr val="bg1"/>
+                </a:solidFill>
+              </a:rPr>
+              <a:t>Find best boundaries</a:t>
+            </a:r>
+          </a:p>
+          <a:p>
+            <a:pPr marL="285750" indent="-285750" algn="l">
+              <a:buFontTx/>
+              <a:buChar char="-"/>
+            </a:pPr>
+            <a:r>
+              <a:rPr lang="en-US" dirty="0">
+                <a:solidFill>
+                  <a:schemeClr val="bg1"/>
+                </a:solidFill>
+              </a:rPr>
+              <a:t>Support Vector</a:t>
+            </a:r>
+          </a:p>
+          <a:p>
+            <a:pPr marL="285750" indent="-285750" algn="l">
+              <a:buFontTx/>
+              <a:buChar char="-"/>
+            </a:pPr>
+            <a:r>
+              <a:rPr lang="en-US" dirty="0">
+                <a:solidFill>
+                  <a:schemeClr val="bg1"/>
+                </a:solidFill>
+              </a:rPr>
+              <a:t>Complex Data</a:t>
+            </a:r>
+          </a:p>
+          <a:p>
+            <a:pPr marL="285750" indent="-285750" algn="l">
+              <a:buFontTx/>
+              <a:buChar char="-"/>
+            </a:pPr>
+            <a:endParaRPr lang="en-US" dirty="0">
+              <a:solidFill>
+                <a:schemeClr val="bg1"/>
+              </a:solidFill>
+            </a:endParaRPr>
+          </a:p>
+          <a:p>
+            <a:pPr marL="285750" indent="-285750" algn="l">
+              <a:buFontTx/>
+              <a:buChar char="-"/>
+            </a:pPr>
+            <a:endParaRPr lang="en-US" dirty="0">
+              <a:solidFill>
+                <a:schemeClr val="bg1"/>
+              </a:solidFill>
+            </a:endParaRPr>
+          </a:p>
+        </p:txBody>
+      </p:sp>
+      <p:sp>
+        <p:nvSpPr>
+          <p:cNvPr id="6" name="Slide Number Placeholder 5">
+            <a:extLst>
+              <a:ext uri="{FF2B5EF4-FFF2-40B4-BE49-F238E27FC236}">
+                <a16:creationId xmlns:a16="http://schemas.microsoft.com/office/drawing/2014/main" id="{0CF2E010-B84C-8F1D-C412-F7142B5A3E50}"/>
+              </a:ext>
+            </a:extLst>
+          </p:cNvPr>
+          <p:cNvSpPr txBox="1">
+            <a:spLocks/>
+          </p:cNvSpPr>
+          <p:nvPr/>
+        </p:nvSpPr>
+        <p:spPr>
+          <a:xfrm>
+            <a:off x="10373350" y="6356349"/>
+            <a:ext cx="987552" cy="365125"/>
+          </a:xfrm>
+          <a:prstGeom prst="rect">
+            <a:avLst/>
+          </a:prstGeom>
         </p:spPr>
         <p:txBody>
           <a:bodyPr/>
-          <a:lstStyle/>
-          <a:p>
-            <a:r>
-              <a:rPr lang="en-US" dirty="0"/>
-              <a:t>Specificity</a:t>
-            </a:r>
-          </a:p>
-        </p:txBody>
-      </p:sp>
-      <p:sp>
-        <p:nvSpPr>
-          <p:cNvPr id="7" name="Slide Number Placeholder 6">
-            <a:extLst>
-              <a:ext uri="{FF2B5EF4-FFF2-40B4-BE49-F238E27FC236}">
-                <a16:creationId xmlns:a16="http://schemas.microsoft.com/office/drawing/2014/main" id="{61D84C43-ACD0-9F0F-6D29-02BE7293DC88}"/>
-              </a:ext>
-            </a:extLst>
-          </p:cNvPr>
-          <p:cNvSpPr>
-            <a:spLocks noGrp="1"/>
-          </p:cNvSpPr>
-          <p:nvPr>
-            <p:ph type="sldNum" sz="quarter" idx="12"/>
-          </p:nvPr>
-        </p:nvSpPr>
-        <p:spPr/>
-        <p:txBody>
-          <a:bodyPr/>
-          <a:lstStyle/>
-          <a:p>
+          <a:lstStyle>
+            <a:defPPr>
+              <a:defRPr lang="en-US"/>
+            </a:defPPr>
+            <a:lvl1pPr marL="0" algn="l" defTabSz="914400" rtl="0" eaLnBrk="1" latinLnBrk="0" hangingPunct="1">
+              <a:defRPr sz="1800" kern="1200">
+                <a:solidFill>
+                  <a:schemeClr val="tx1"/>
+                </a:solidFill>
+                <a:latin typeface="+mn-lt"/>
+                <a:ea typeface="+mn-ea"/>
+                <a:cs typeface="+mn-cs"/>
+              </a:defRPr>
+            </a:lvl1pPr>
+            <a:lvl2pPr marL="457200" algn="l" defTabSz="914400" rtl="0" eaLnBrk="1" latinLnBrk="0" hangingPunct="1">
+              <a:defRPr sz="1800" kern="1200">
+                <a:solidFill>
+                  <a:schemeClr val="tx1"/>
+                </a:solidFill>
+                <a:latin typeface="+mn-lt"/>
+                <a:ea typeface="+mn-ea"/>
+                <a:cs typeface="+mn-cs"/>
+              </a:defRPr>
+            </a:lvl2pPr>
+            <a:lvl3pPr marL="914400" algn="l" defTabSz="914400" rtl="0" eaLnBrk="1" latinLnBrk="0" hangingPunct="1">
+              <a:defRPr sz="1800" kern="1200">
+                <a:solidFill>
+                  <a:schemeClr val="tx1"/>
+                </a:solidFill>
+                <a:latin typeface="+mn-lt"/>
+                <a:ea typeface="+mn-ea"/>
+                <a:cs typeface="+mn-cs"/>
+              </a:defRPr>
+            </a:lvl3pPr>
+            <a:lvl4pPr marL="1371600" algn="l" defTabSz="914400" rtl="0" eaLnBrk="1" latinLnBrk="0" hangingPunct="1">
+              <a:defRPr sz="1800" kern="1200">
+                <a:solidFill>
+                  <a:schemeClr val="tx1"/>
+                </a:solidFill>
+                <a:latin typeface="+mn-lt"/>
+                <a:ea typeface="+mn-ea"/>
+                <a:cs typeface="+mn-cs"/>
+              </a:defRPr>
+            </a:lvl4pPr>
+            <a:lvl5pPr marL="1828800" algn="l" defTabSz="914400" rtl="0" eaLnBrk="1" latinLnBrk="0" hangingPunct="1">
+              <a:defRPr sz="1800" kern="1200">
+                <a:solidFill>
+                  <a:schemeClr val="tx1"/>
+                </a:solidFill>
+                <a:latin typeface="+mn-lt"/>
+                <a:ea typeface="+mn-ea"/>
+                <a:cs typeface="+mn-cs"/>
+              </a:defRPr>
+            </a:lvl5pPr>
+            <a:lvl6pPr marL="2286000" algn="l" defTabSz="914400" rtl="0" eaLnBrk="1" latinLnBrk="0" hangingPunct="1">
+              <a:defRPr sz="1800" kern="1200">
+                <a:solidFill>
+                  <a:schemeClr val="tx1"/>
+                </a:solidFill>
+                <a:latin typeface="+mn-lt"/>
+                <a:ea typeface="+mn-ea"/>
+                <a:cs typeface="+mn-cs"/>
+              </a:defRPr>
+            </a:lvl6pPr>
+            <a:lvl7pPr marL="2743200" algn="l" defTabSz="914400" rtl="0" eaLnBrk="1" latinLnBrk="0" hangingPunct="1">
+              <a:defRPr sz="1800" kern="1200">
+                <a:solidFill>
+                  <a:schemeClr val="tx1"/>
+                </a:solidFill>
+                <a:latin typeface="+mn-lt"/>
+                <a:ea typeface="+mn-ea"/>
+                <a:cs typeface="+mn-cs"/>
+              </a:defRPr>
+            </a:lvl7pPr>
+            <a:lvl8pPr marL="3200400" algn="l" defTabSz="914400" rtl="0" eaLnBrk="1" latinLnBrk="0" hangingPunct="1">
+              <a:defRPr sz="1800" kern="1200">
+                <a:solidFill>
+                  <a:schemeClr val="tx1"/>
+                </a:solidFill>
+                <a:latin typeface="+mn-lt"/>
+                <a:ea typeface="+mn-ea"/>
+                <a:cs typeface="+mn-cs"/>
+              </a:defRPr>
+            </a:lvl8pPr>
+            <a:lvl9pPr marL="3657600" algn="l" defTabSz="914400" rtl="0" eaLnBrk="1" latinLnBrk="0" hangingPunct="1">
+              <a:defRPr sz="1800" kern="1200">
+                <a:solidFill>
+                  <a:schemeClr val="tx1"/>
+                </a:solidFill>
+                <a:latin typeface="+mn-lt"/>
+                <a:ea typeface="+mn-ea"/>
+                <a:cs typeface="+mn-cs"/>
+              </a:defRPr>
+            </a:lvl9pPr>
+          </a:lstStyle>
+          <a:p>
+            <a:pPr algn="r"/>
             <a:fld id="{A49DFD55-3C28-40EF-9E31-A92D2E4017FF}" type="slidenum">
-              <a:rPr lang="en-US" sz="1400" smtClean="0"/>
-              <a:pPr/>
+              <a:rPr lang="en-US" sz="1400" smtClean="0">
+                <a:solidFill>
+                  <a:schemeClr val="bg1"/>
+                </a:solidFill>
+              </a:rPr>
+              <a:pPr algn="r"/>
               <a:t>14</a:t>
             </a:fld>
-            <a:endParaRPr lang="en-US" sz="1400" dirty="0"/>
+            <a:endParaRPr lang="en-US" sz="1400" dirty="0">
+              <a:solidFill>
+                <a:schemeClr val="bg1"/>
+              </a:solidFill>
+            </a:endParaRPr>
           </a:p>
         </p:txBody>
       </p:sp>
     </p:spTree>
     <p:extLst>
       <p:ext uri="{BB962C8B-B14F-4D97-AF65-F5344CB8AC3E}">
-        <p14:creationId xmlns:p14="http://schemas.microsoft.com/office/powerpoint/2010/main" val="2597488948"/>
+        <p14:creationId xmlns:p14="http://schemas.microsoft.com/office/powerpoint/2010/main" val="334696707"/>
       </p:ext>
     </p:extLst>
   </p:cSld>
@@ -8251,12 +8976,310 @@
           <a:chExt cx="0" cy="0"/>
         </a:xfrm>
       </p:grpSpPr>
+      <p:sp>
+        <p:nvSpPr>
+          <p:cNvPr id="2" name="Title 1">
+            <a:extLst>
+              <a:ext uri="{FF2B5EF4-FFF2-40B4-BE49-F238E27FC236}">
+                <a16:creationId xmlns:a16="http://schemas.microsoft.com/office/drawing/2014/main" id="{8B27D9B3-B64F-656A-0D99-161A6C0F518F}"/>
+              </a:ext>
+            </a:extLst>
+          </p:cNvPr>
+          <p:cNvSpPr>
+            <a:spLocks noGrp="1"/>
+          </p:cNvSpPr>
+          <p:nvPr>
+            <p:ph type="title"/>
+          </p:nvPr>
+        </p:nvSpPr>
+        <p:spPr>
+          <a:xfrm>
+            <a:off x="7650470" y="2390319"/>
+            <a:ext cx="4094480" cy="653101"/>
+          </a:xfrm>
+        </p:spPr>
+        <p:txBody>
+          <a:bodyPr/>
+          <a:lstStyle/>
+          <a:p>
+            <a:r>
+              <a:rPr lang="en-US" dirty="0"/>
+              <a:t>Confusion Matrix</a:t>
+            </a:r>
+          </a:p>
+        </p:txBody>
+      </p:sp>
+      <p:sp>
+        <p:nvSpPr>
+          <p:cNvPr id="68" name="Slide Number Placeholder 67">
+            <a:extLst>
+              <a:ext uri="{FF2B5EF4-FFF2-40B4-BE49-F238E27FC236}">
+                <a16:creationId xmlns:a16="http://schemas.microsoft.com/office/drawing/2014/main" id="{AA0ACADD-CC4E-851C-DA07-C22DB97FA23E}"/>
+              </a:ext>
+            </a:extLst>
+          </p:cNvPr>
+          <p:cNvSpPr>
+            <a:spLocks noGrp="1"/>
+          </p:cNvSpPr>
+          <p:nvPr>
+            <p:ph type="sldNum" sz="quarter" idx="13"/>
+          </p:nvPr>
+        </p:nvSpPr>
+        <p:spPr>
+          <a:xfrm>
+            <a:off x="10373350" y="6356349"/>
+            <a:ext cx="987552" cy="365125"/>
+          </a:xfrm>
+        </p:spPr>
+        <p:txBody>
+          <a:bodyPr/>
+          <a:lstStyle/>
+          <a:p>
+            <a:fld id="{A49DFD55-3C28-40EF-9E31-A92D2E4017FF}" type="slidenum">
+              <a:rPr lang="en-US" sz="1400" smtClean="0"/>
+              <a:pPr/>
+              <a:t>15</a:t>
+            </a:fld>
+            <a:endParaRPr lang="en-US" sz="1400" dirty="0"/>
+          </a:p>
+        </p:txBody>
+      </p:sp>
+      <p:sp>
+        <p:nvSpPr>
+          <p:cNvPr id="11" name="Content Placeholder 5">
+            <a:extLst>
+              <a:ext uri="{FF2B5EF4-FFF2-40B4-BE49-F238E27FC236}">
+                <a16:creationId xmlns:a16="http://schemas.microsoft.com/office/drawing/2014/main" id="{C12BF580-EBBD-D37D-B851-EC641817357B}"/>
+              </a:ext>
+            </a:extLst>
+          </p:cNvPr>
+          <p:cNvSpPr txBox="1">
+            <a:spLocks/>
+          </p:cNvSpPr>
+          <p:nvPr/>
+        </p:nvSpPr>
+        <p:spPr>
+          <a:xfrm>
+            <a:off x="7650470" y="3332267"/>
+            <a:ext cx="4207932" cy="2536826"/>
+          </a:xfrm>
+          <a:prstGeom prst="rect">
+            <a:avLst/>
+          </a:prstGeom>
+        </p:spPr>
+        <p:txBody>
+          <a:bodyPr vert="horz" lIns="91440" tIns="45720" rIns="91440" bIns="45720" rtlCol="0">
+            <a:normAutofit/>
+          </a:bodyPr>
+          <a:lstStyle>
+            <a:lvl1pPr marL="0" indent="0" algn="ctr" defTabSz="914400" rtl="0" eaLnBrk="1" latinLnBrk="0" hangingPunct="1">
+              <a:lnSpc>
+                <a:spcPct val="90000"/>
+              </a:lnSpc>
+              <a:spcBef>
+                <a:spcPts val="1000"/>
+              </a:spcBef>
+              <a:buFont typeface="Arial" panose="020B0604020202020204" pitchFamily="34" charset="0"/>
+              <a:buNone/>
+              <a:defRPr sz="2000" kern="1200">
+                <a:solidFill>
+                  <a:schemeClr val="tx1"/>
+                </a:solidFill>
+                <a:latin typeface="+mn-lt"/>
+                <a:ea typeface="+mn-ea"/>
+                <a:cs typeface="+mn-cs"/>
+              </a:defRPr>
+            </a:lvl1pPr>
+            <a:lvl2pPr marL="685800" indent="-228600" algn="l" defTabSz="914400" rtl="0" eaLnBrk="1" latinLnBrk="0" hangingPunct="1">
+              <a:lnSpc>
+                <a:spcPct val="90000"/>
+              </a:lnSpc>
+              <a:spcBef>
+                <a:spcPts val="500"/>
+              </a:spcBef>
+              <a:buFont typeface="Arial" panose="020B0604020202020204" pitchFamily="34" charset="0"/>
+              <a:buChar char="•"/>
+              <a:defRPr sz="2400" kern="1200">
+                <a:solidFill>
+                  <a:schemeClr val="tx1"/>
+                </a:solidFill>
+                <a:latin typeface="+mn-lt"/>
+                <a:ea typeface="+mn-ea"/>
+                <a:cs typeface="+mn-cs"/>
+              </a:defRPr>
+            </a:lvl2pPr>
+            <a:lvl3pPr marL="1143000" indent="-228600" algn="l" defTabSz="914400" rtl="0" eaLnBrk="1" latinLnBrk="0" hangingPunct="1">
+              <a:lnSpc>
+                <a:spcPct val="90000"/>
+              </a:lnSpc>
+              <a:spcBef>
+                <a:spcPts val="500"/>
+              </a:spcBef>
+              <a:buFont typeface="Arial" panose="020B0604020202020204" pitchFamily="34" charset="0"/>
+              <a:buChar char="•"/>
+              <a:defRPr sz="2000" kern="1200">
+                <a:solidFill>
+                  <a:schemeClr val="tx1"/>
+                </a:solidFill>
+                <a:latin typeface="+mn-lt"/>
+                <a:ea typeface="+mn-ea"/>
+                <a:cs typeface="+mn-cs"/>
+              </a:defRPr>
+            </a:lvl3pPr>
+            <a:lvl4pPr marL="1600200" indent="-228600" algn="l" defTabSz="914400" rtl="0" eaLnBrk="1" latinLnBrk="0" hangingPunct="1">
+              <a:lnSpc>
+                <a:spcPct val="90000"/>
+              </a:lnSpc>
+              <a:spcBef>
+                <a:spcPts val="500"/>
+              </a:spcBef>
+              <a:buFont typeface="Arial" panose="020B0604020202020204" pitchFamily="34" charset="0"/>
+              <a:buChar char="•"/>
+              <a:defRPr sz="1800" kern="1200">
+                <a:solidFill>
+                  <a:schemeClr val="tx1"/>
+                </a:solidFill>
+                <a:latin typeface="+mn-lt"/>
+                <a:ea typeface="+mn-ea"/>
+                <a:cs typeface="+mn-cs"/>
+              </a:defRPr>
+            </a:lvl4pPr>
+            <a:lvl5pPr marL="2057400" indent="-228600" algn="l" defTabSz="914400" rtl="0" eaLnBrk="1" latinLnBrk="0" hangingPunct="1">
+              <a:lnSpc>
+                <a:spcPct val="90000"/>
+              </a:lnSpc>
+              <a:spcBef>
+                <a:spcPts val="500"/>
+              </a:spcBef>
+              <a:buFont typeface="Arial" panose="020B0604020202020204" pitchFamily="34" charset="0"/>
+              <a:buChar char="•"/>
+              <a:defRPr sz="1800" kern="1200">
+                <a:solidFill>
+                  <a:schemeClr val="tx1"/>
+                </a:solidFill>
+                <a:latin typeface="+mn-lt"/>
+                <a:ea typeface="+mn-ea"/>
+                <a:cs typeface="+mn-cs"/>
+              </a:defRPr>
+            </a:lvl5pPr>
+            <a:lvl6pPr marL="2514600" indent="-228600" algn="l" defTabSz="914400" rtl="0" eaLnBrk="1" latinLnBrk="0" hangingPunct="1">
+              <a:lnSpc>
+                <a:spcPct val="90000"/>
+              </a:lnSpc>
+              <a:spcBef>
+                <a:spcPts val="500"/>
+              </a:spcBef>
+              <a:buFont typeface="Arial" panose="020B0604020202020204" pitchFamily="34" charset="0"/>
+              <a:buChar char="•"/>
+              <a:defRPr sz="1800" kern="1200">
+                <a:solidFill>
+                  <a:schemeClr val="tx1"/>
+                </a:solidFill>
+                <a:latin typeface="+mn-lt"/>
+                <a:ea typeface="+mn-ea"/>
+                <a:cs typeface="+mn-cs"/>
+              </a:defRPr>
+            </a:lvl6pPr>
+            <a:lvl7pPr marL="2971800" indent="-228600" algn="l" defTabSz="914400" rtl="0" eaLnBrk="1" latinLnBrk="0" hangingPunct="1">
+              <a:lnSpc>
+                <a:spcPct val="90000"/>
+              </a:lnSpc>
+              <a:spcBef>
+                <a:spcPts val="500"/>
+              </a:spcBef>
+              <a:buFont typeface="Arial" panose="020B0604020202020204" pitchFamily="34" charset="0"/>
+              <a:buChar char="•"/>
+              <a:defRPr sz="1800" kern="1200">
+                <a:solidFill>
+                  <a:schemeClr val="tx1"/>
+                </a:solidFill>
+                <a:latin typeface="+mn-lt"/>
+                <a:ea typeface="+mn-ea"/>
+                <a:cs typeface="+mn-cs"/>
+              </a:defRPr>
+            </a:lvl7pPr>
+            <a:lvl8pPr marL="3429000" indent="-228600" algn="l" defTabSz="914400" rtl="0" eaLnBrk="1" latinLnBrk="0" hangingPunct="1">
+              <a:lnSpc>
+                <a:spcPct val="90000"/>
+              </a:lnSpc>
+              <a:spcBef>
+                <a:spcPts val="500"/>
+              </a:spcBef>
+              <a:buFont typeface="Arial" panose="020B0604020202020204" pitchFamily="34" charset="0"/>
+              <a:buChar char="•"/>
+              <a:defRPr sz="1800" kern="1200">
+                <a:solidFill>
+                  <a:schemeClr val="tx1"/>
+                </a:solidFill>
+                <a:latin typeface="+mn-lt"/>
+                <a:ea typeface="+mn-ea"/>
+                <a:cs typeface="+mn-cs"/>
+              </a:defRPr>
+            </a:lvl8pPr>
+            <a:lvl9pPr marL="3886200" indent="-228600" algn="l" defTabSz="914400" rtl="0" eaLnBrk="1" latinLnBrk="0" hangingPunct="1">
+              <a:lnSpc>
+                <a:spcPct val="90000"/>
+              </a:lnSpc>
+              <a:spcBef>
+                <a:spcPts val="500"/>
+              </a:spcBef>
+              <a:buFont typeface="Arial" panose="020B0604020202020204" pitchFamily="34" charset="0"/>
+              <a:buChar char="•"/>
+              <a:defRPr sz="1800" kern="1200">
+                <a:solidFill>
+                  <a:schemeClr val="tx1"/>
+                </a:solidFill>
+                <a:latin typeface="+mn-lt"/>
+                <a:ea typeface="+mn-ea"/>
+                <a:cs typeface="+mn-cs"/>
+              </a:defRPr>
+            </a:lvl9pPr>
+          </a:lstStyle>
+          <a:p>
+            <a:pPr algn="l"/>
+            <a:r>
+              <a:rPr lang="en-US" dirty="0"/>
+              <a:t>Same pattern :</a:t>
+            </a:r>
+          </a:p>
+          <a:p>
+            <a:pPr marL="285750" indent="-285750" algn="l">
+              <a:buFontTx/>
+              <a:buChar char="-"/>
+            </a:pPr>
+            <a:r>
+              <a:rPr lang="en-US" dirty="0"/>
+              <a:t>Indie</a:t>
+            </a:r>
+          </a:p>
+          <a:p>
+            <a:pPr marL="285750" indent="-285750" algn="l">
+              <a:buFontTx/>
+              <a:buChar char="-"/>
+            </a:pPr>
+            <a:r>
+              <a:rPr lang="en-US" dirty="0"/>
+              <a:t>Bollywood, Hip-Hop &amp; Instrumental</a:t>
+            </a:r>
+          </a:p>
+          <a:p>
+            <a:pPr marL="285750" indent="-285750" algn="l">
+              <a:buFontTx/>
+              <a:buChar char="-"/>
+            </a:pPr>
+            <a:r>
+              <a:rPr lang="en-US" dirty="0"/>
+              <a:t>Rock, Blues, Country &amp; Alt</a:t>
+            </a:r>
+          </a:p>
+        </p:txBody>
+      </p:sp>
       <p:pic>
         <p:nvPicPr>
-          <p:cNvPr id="10" name="Image 1" descr="Une image contenant texte, capture d’écran, Tracé, diagramme&#10;&#10;Description générée automatiquement">
-            <a:extLst>
-              <a:ext uri="{FF2B5EF4-FFF2-40B4-BE49-F238E27FC236}">
-                <a16:creationId xmlns:a16="http://schemas.microsoft.com/office/drawing/2014/main" id="{7D9AEAC6-77A0-3BBD-9357-776604D4FE2C}"/>
+          <p:cNvPr id="12" name="Image 1" descr="Une image contenant texte, capture d’écran, Parallèle, nombre&#10;&#10;Description générée automatiquement">
+            <a:extLst>
+              <a:ext uri="{FF2B5EF4-FFF2-40B4-BE49-F238E27FC236}">
+                <a16:creationId xmlns:a16="http://schemas.microsoft.com/office/drawing/2014/main" id="{20D5D9BA-D3ED-4CE0-FBAD-0897FEFBCC32}"/>
               </a:ext>
             </a:extLst>
           </p:cNvPr>
@@ -8266,90 +9289,25 @@
           <p:nvPr/>
         </p:nvPicPr>
         <p:blipFill>
-          <a:blip r:embed="rId2"/>
+          <a:blip r:embed="rId3"/>
           <a:stretch>
             <a:fillRect/>
           </a:stretch>
         </p:blipFill>
         <p:spPr>
           <a:xfrm>
-            <a:off x="1589251" y="1242835"/>
-            <a:ext cx="9013496" cy="5377099"/>
+            <a:off x="0" y="-2255"/>
+            <a:ext cx="6336236" cy="6860255"/>
           </a:xfrm>
           <a:prstGeom prst="rect">
             <a:avLst/>
           </a:prstGeom>
         </p:spPr>
       </p:pic>
-      <p:sp>
-        <p:nvSpPr>
-          <p:cNvPr id="2" name="Title 1">
-            <a:extLst>
-              <a:ext uri="{FF2B5EF4-FFF2-40B4-BE49-F238E27FC236}">
-                <a16:creationId xmlns:a16="http://schemas.microsoft.com/office/drawing/2014/main" id="{BB1D554A-97D9-308E-A15B-7C27BB67DC3C}"/>
-              </a:ext>
-            </a:extLst>
-          </p:cNvPr>
-          <p:cNvSpPr>
-            <a:spLocks noGrp="1"/>
-          </p:cNvSpPr>
-          <p:nvPr>
-            <p:ph type="title"/>
-          </p:nvPr>
-        </p:nvSpPr>
-        <p:spPr>
-          <a:xfrm>
-            <a:off x="9340637" y="372192"/>
-            <a:ext cx="2020265" cy="565358"/>
-          </a:xfrm>
-        </p:spPr>
-        <p:txBody>
-          <a:bodyPr>
-            <a:normAutofit/>
-          </a:bodyPr>
-          <a:lstStyle/>
-          <a:p>
-            <a:r>
-              <a:rPr lang="en-US" dirty="0"/>
-              <a:t>F1-Score</a:t>
-            </a:r>
-          </a:p>
-        </p:txBody>
-      </p:sp>
-      <p:sp>
-        <p:nvSpPr>
-          <p:cNvPr id="7" name="Slide Number Placeholder 6">
-            <a:extLst>
-              <a:ext uri="{FF2B5EF4-FFF2-40B4-BE49-F238E27FC236}">
-                <a16:creationId xmlns:a16="http://schemas.microsoft.com/office/drawing/2014/main" id="{6387E818-9B5E-26AC-2CD6-21E2E3743E8B}"/>
-              </a:ext>
-            </a:extLst>
-          </p:cNvPr>
-          <p:cNvSpPr>
-            <a:spLocks noGrp="1"/>
-          </p:cNvSpPr>
-          <p:nvPr>
-            <p:ph type="sldNum" sz="quarter" idx="12"/>
-          </p:nvPr>
-        </p:nvSpPr>
-        <p:spPr/>
-        <p:txBody>
-          <a:bodyPr/>
-          <a:lstStyle/>
-          <a:p>
-            <a:fld id="{A49DFD55-3C28-40EF-9E31-A92D2E4017FF}" type="slidenum">
-              <a:rPr lang="en-US" sz="1400" smtClean="0"/>
-              <a:pPr/>
-              <a:t>15</a:t>
-            </a:fld>
-            <a:endParaRPr lang="en-US" sz="1400" dirty="0"/>
-          </a:p>
-        </p:txBody>
-      </p:sp>
     </p:spTree>
     <p:extLst>
       <p:ext uri="{BB962C8B-B14F-4D97-AF65-F5344CB8AC3E}">
-        <p14:creationId xmlns:p14="http://schemas.microsoft.com/office/powerpoint/2010/main" val="1230113718"/>
+        <p14:creationId xmlns:p14="http://schemas.microsoft.com/office/powerpoint/2010/main" val="636929804"/>
       </p:ext>
     </p:extLst>
   </p:cSld>
@@ -8381,7 +9339,7 @@
           <p:cNvPr id="2" name="Title 1">
             <a:extLst>
               <a:ext uri="{FF2B5EF4-FFF2-40B4-BE49-F238E27FC236}">
-                <a16:creationId xmlns:a16="http://schemas.microsoft.com/office/drawing/2014/main" id="{8BDF1EDE-5423-435C-B149-87AB1BC22B83}"/>
+                <a16:creationId xmlns:a16="http://schemas.microsoft.com/office/drawing/2014/main" id="{4518FC28-E0BD-4387-B8BE-9965D1A57FF1}"/>
               </a:ext>
             </a:extLst>
           </p:cNvPr>
@@ -8389,13 +9347,13 @@
             <a:spLocks noGrp="1"/>
           </p:cNvSpPr>
           <p:nvPr>
-            <p:ph type="ctrTitle"/>
-          </p:nvPr>
-        </p:nvSpPr>
-        <p:spPr>
-          <a:xfrm>
-            <a:off x="4267200" y="2666632"/>
-            <a:ext cx="4179570" cy="1524735"/>
+            <p:ph type="title"/>
+          </p:nvPr>
+        </p:nvSpPr>
+        <p:spPr>
+          <a:xfrm>
+            <a:off x="5476874" y="1671639"/>
+            <a:ext cx="5884027" cy="1204912"/>
           </a:xfrm>
         </p:spPr>
         <p:txBody>
@@ -8404,7 +9362,7 @@
           <a:p>
             <a:r>
               <a:rPr lang="en-US" dirty="0"/>
-              <a:t>Conclusion</a:t>
+              <a:t>Comparisons</a:t>
             </a:r>
           </a:p>
         </p:txBody>
@@ -8414,7 +9372,7 @@
           <p:cNvPr id="6" name="Slide Number Placeholder 5">
             <a:extLst>
               <a:ext uri="{FF2B5EF4-FFF2-40B4-BE49-F238E27FC236}">
-                <a16:creationId xmlns:a16="http://schemas.microsoft.com/office/drawing/2014/main" id="{4C127D99-645F-4FCF-9573-FDFE2A344FA9}"/>
+                <a16:creationId xmlns:a16="http://schemas.microsoft.com/office/drawing/2014/main" id="{7C4B8313-9270-4128-8674-3A3E42B806BC}"/>
               </a:ext>
             </a:extLst>
           </p:cNvPr>
@@ -8427,8 +9385,8 @@
         </p:nvSpPr>
         <p:spPr>
           <a:xfrm>
-            <a:off x="9579428" y="6356350"/>
-            <a:ext cx="1774371" cy="365125"/>
+            <a:off x="10373350" y="6356349"/>
+            <a:ext cx="987552" cy="365125"/>
           </a:xfrm>
         </p:spPr>
         <p:txBody>
@@ -8436,26 +9394,534 @@
           <a:lstStyle/>
           <a:p>
             <a:fld id="{A49DFD55-3C28-40EF-9E31-A92D2E4017FF}" type="slidenum">
-              <a:rPr lang="en-US" sz="1400" smtClean="0">
-                <a:solidFill>
-                  <a:schemeClr val="bg1"/>
-                </a:solidFill>
-              </a:rPr>
+              <a:rPr lang="en-US" sz="1400" smtClean="0"/>
               <a:pPr/>
               <a:t>16</a:t>
             </a:fld>
-            <a:endParaRPr lang="en-US" sz="1400" dirty="0">
-              <a:solidFill>
-                <a:schemeClr val="bg1"/>
-              </a:solidFill>
-            </a:endParaRPr>
-          </a:p>
-        </p:txBody>
-      </p:sp>
+            <a:endParaRPr lang="en-US" sz="1400" dirty="0"/>
+          </a:p>
+        </p:txBody>
+      </p:sp>
+      <p:sp>
+        <p:nvSpPr>
+          <p:cNvPr id="3" name="Text Placeholder 2">
+            <a:extLst>
+              <a:ext uri="{FF2B5EF4-FFF2-40B4-BE49-F238E27FC236}">
+                <a16:creationId xmlns:a16="http://schemas.microsoft.com/office/drawing/2014/main" id="{FED19BCA-B61F-4EA6-A1FB-CCA3BD8506FB}"/>
+              </a:ext>
+            </a:extLst>
+          </p:cNvPr>
+          <p:cNvSpPr>
+            <a:spLocks noGrp="1"/>
+          </p:cNvSpPr>
+          <p:nvPr>
+            <p:ph sz="half" idx="14"/>
+          </p:nvPr>
+        </p:nvSpPr>
+        <p:spPr>
+          <a:xfrm>
+            <a:off x="5453725" y="3660774"/>
+            <a:ext cx="5907176" cy="2536826"/>
+          </a:xfrm>
+        </p:spPr>
+        <p:txBody>
+          <a:bodyPr>
+            <a:noAutofit/>
+          </a:bodyPr>
+          <a:lstStyle/>
+          <a:p>
+            <a:pPr marL="285750" indent="-285750">
+              <a:buFontTx/>
+              <a:buChar char="-"/>
+            </a:pPr>
+            <a:r>
+              <a:rPr lang="en-US" dirty="0"/>
+              <a:t>Precision</a:t>
+            </a:r>
+          </a:p>
+          <a:p>
+            <a:pPr marL="285750" indent="-285750">
+              <a:buFontTx/>
+              <a:buChar char="-"/>
+            </a:pPr>
+            <a:r>
+              <a:rPr lang="en-US" dirty="0"/>
+              <a:t>Recall</a:t>
+            </a:r>
+          </a:p>
+          <a:p>
+            <a:pPr marL="285750" indent="-285750">
+              <a:buFontTx/>
+              <a:buChar char="-"/>
+            </a:pPr>
+            <a:r>
+              <a:rPr lang="en-US" dirty="0"/>
+              <a:t>Specificity</a:t>
+            </a:r>
+          </a:p>
+          <a:p>
+            <a:pPr marL="285750" indent="-285750">
+              <a:buFontTx/>
+              <a:buChar char="-"/>
+            </a:pPr>
+            <a:r>
+              <a:rPr lang="en-US" dirty="0"/>
+              <a:t>F1-score</a:t>
+            </a:r>
+          </a:p>
+        </p:txBody>
+      </p:sp>
+      <p:cxnSp>
+        <p:nvCxnSpPr>
+          <p:cNvPr id="23" name="Straight Connector 22">
+            <a:extLst>
+              <a:ext uri="{FF2B5EF4-FFF2-40B4-BE49-F238E27FC236}">
+                <a16:creationId xmlns:a16="http://schemas.microsoft.com/office/drawing/2014/main" id="{D87F08D6-2CA7-4A5A-BE34-07113DCA535D}"/>
+              </a:ext>
+              <a:ext uri="{C183D7F6-B498-43B3-948B-1728B52AA6E4}">
+                <adec:decorative xmlns:adec="http://schemas.microsoft.com/office/drawing/2017/decorative" val="1"/>
+              </a:ext>
+            </a:extLst>
+          </p:cNvPr>
+          <p:cNvCxnSpPr>
+            <a:cxnSpLocks/>
+          </p:cNvCxnSpPr>
+          <p:nvPr userDrawn="1"/>
+        </p:nvCxnSpPr>
+        <p:spPr>
+          <a:xfrm flipH="1" flipV="1">
+            <a:off x="0" y="876300"/>
+            <a:ext cx="5246255" cy="1709882"/>
+          </a:xfrm>
+          <a:prstGeom prst="line">
+            <a:avLst/>
+          </a:prstGeom>
+          <a:ln>
+            <a:solidFill>
+              <a:schemeClr val="tx1"/>
+            </a:solidFill>
+          </a:ln>
+        </p:spPr>
+        <p:style>
+          <a:lnRef idx="1">
+            <a:schemeClr val="accent1"/>
+          </a:lnRef>
+          <a:fillRef idx="0">
+            <a:schemeClr val="accent1"/>
+          </a:fillRef>
+          <a:effectRef idx="0">
+            <a:schemeClr val="accent1"/>
+          </a:effectRef>
+          <a:fontRef idx="minor">
+            <a:schemeClr val="tx1"/>
+          </a:fontRef>
+        </p:style>
+      </p:cxnSp>
+      <p:pic>
+        <p:nvPicPr>
+          <p:cNvPr id="12" name="Picture Placeholder 11" descr="A group of men playing instruments&#10;&#10;Description automatically generated">
+            <a:extLst>
+              <a:ext uri="{FF2B5EF4-FFF2-40B4-BE49-F238E27FC236}">
+                <a16:creationId xmlns:a16="http://schemas.microsoft.com/office/drawing/2014/main" id="{6C57505B-FAEA-C42A-27DE-2C8B3BBD1524}"/>
+              </a:ext>
+            </a:extLst>
+          </p:cNvPr>
+          <p:cNvPicPr>
+            <a:picLocks noGrp="1" noChangeAspect="1"/>
+          </p:cNvPicPr>
+          <p:nvPr>
+            <p:ph type="pic" sz="quarter" idx="13"/>
+          </p:nvPr>
+        </p:nvPicPr>
+        <p:blipFill>
+          <a:blip r:embed="rId3"/>
+          <a:srcRect l="10145" r="10145"/>
+          <a:stretch>
+            <a:fillRect/>
+          </a:stretch>
+        </p:blipFill>
+        <p:spPr/>
+      </p:pic>
     </p:spTree>
     <p:extLst>
       <p:ext uri="{BB962C8B-B14F-4D97-AF65-F5344CB8AC3E}">
-        <p14:creationId xmlns:p14="http://schemas.microsoft.com/office/powerpoint/2010/main" val="1969787568"/>
+        <p14:creationId xmlns:p14="http://schemas.microsoft.com/office/powerpoint/2010/main" val="1742861620"/>
+      </p:ext>
+    </p:extLst>
+  </p:cSld>
+  <p:clrMapOvr>
+    <a:masterClrMapping/>
+  </p:clrMapOvr>
+</p:sld>
+</file>
+
+<file path=ppt/slides/slide17.xml><?xml version="1.0" encoding="utf-8"?>
+<p:sld xmlns:a="http://schemas.openxmlformats.org/drawingml/2006/main" xmlns:r="http://schemas.openxmlformats.org/officeDocument/2006/relationships" xmlns:p="http://schemas.openxmlformats.org/presentationml/2006/main">
+  <p:cSld>
+    <p:spTree>
+      <p:nvGrpSpPr>
+        <p:cNvPr id="1" name=""/>
+        <p:cNvGrpSpPr/>
+        <p:nvPr/>
+      </p:nvGrpSpPr>
+      <p:grpSpPr>
+        <a:xfrm>
+          <a:off x="0" y="0"/>
+          <a:ext cx="0" cy="0"/>
+          <a:chOff x="0" y="0"/>
+          <a:chExt cx="0" cy="0"/>
+        </a:xfrm>
+      </p:grpSpPr>
+      <p:sp>
+        <p:nvSpPr>
+          <p:cNvPr id="17" name="Title 1">
+            <a:extLst>
+              <a:ext uri="{FF2B5EF4-FFF2-40B4-BE49-F238E27FC236}">
+                <a16:creationId xmlns:a16="http://schemas.microsoft.com/office/drawing/2014/main" id="{09140014-73D5-419B-8867-972BB18D52D4}"/>
+              </a:ext>
+            </a:extLst>
+          </p:cNvPr>
+          <p:cNvSpPr>
+            <a:spLocks noGrp="1"/>
+          </p:cNvSpPr>
+          <p:nvPr>
+            <p:ph type="title"/>
+          </p:nvPr>
+        </p:nvSpPr>
+        <p:spPr>
+          <a:xfrm>
+            <a:off x="937549" y="337193"/>
+            <a:ext cx="5555848" cy="577207"/>
+          </a:xfrm>
+        </p:spPr>
+        <p:txBody>
+          <a:bodyPr anchor="b"/>
+          <a:lstStyle/>
+          <a:p>
+            <a:r>
+              <a:rPr lang="en-US" dirty="0"/>
+              <a:t>Precision</a:t>
+            </a:r>
+          </a:p>
+        </p:txBody>
+      </p:sp>
+      <p:sp>
+        <p:nvSpPr>
+          <p:cNvPr id="9" name="Slide Number Placeholder 8">
+            <a:extLst>
+              <a:ext uri="{FF2B5EF4-FFF2-40B4-BE49-F238E27FC236}">
+                <a16:creationId xmlns:a16="http://schemas.microsoft.com/office/drawing/2014/main" id="{C396FFDC-ADE8-4009-A466-A81787258E88}"/>
+              </a:ext>
+            </a:extLst>
+          </p:cNvPr>
+          <p:cNvSpPr>
+            <a:spLocks noGrp="1"/>
+          </p:cNvSpPr>
+          <p:nvPr>
+            <p:ph type="sldNum" sz="quarter" idx="12"/>
+          </p:nvPr>
+        </p:nvSpPr>
+        <p:spPr>
+          <a:xfrm>
+            <a:off x="8610600" y="6356350"/>
+            <a:ext cx="2743200" cy="365125"/>
+          </a:xfrm>
+        </p:spPr>
+        <p:txBody>
+          <a:bodyPr/>
+          <a:lstStyle/>
+          <a:p>
+            <a:fld id="{A49DFD55-3C28-40EF-9E31-A92D2E4017FF}" type="slidenum">
+              <a:rPr lang="en-US" sz="1400" smtClean="0"/>
+              <a:pPr/>
+              <a:t>17</a:t>
+            </a:fld>
+            <a:endParaRPr lang="en-US" sz="1400" dirty="0"/>
+          </a:p>
+        </p:txBody>
+      </p:sp>
+      <p:pic>
+        <p:nvPicPr>
+          <p:cNvPr id="12" name="Image 1" descr="Une image contenant texte, capture d’écran, Tracé, diagramme&#10;&#10;Description générée automatiquement">
+            <a:extLst>
+              <a:ext uri="{FF2B5EF4-FFF2-40B4-BE49-F238E27FC236}">
+                <a16:creationId xmlns:a16="http://schemas.microsoft.com/office/drawing/2014/main" id="{AFC66751-B1EB-1B13-EEB3-262F8E3D713F}"/>
+              </a:ext>
+            </a:extLst>
+          </p:cNvPr>
+          <p:cNvPicPr>
+            <a:picLocks noChangeAspect="1"/>
+          </p:cNvPicPr>
+          <p:nvPr/>
+        </p:nvPicPr>
+        <p:blipFill>
+          <a:blip r:embed="rId3"/>
+          <a:stretch>
+            <a:fillRect/>
+          </a:stretch>
+        </p:blipFill>
+        <p:spPr>
+          <a:xfrm>
+            <a:off x="1589252" y="1242837"/>
+            <a:ext cx="9013496" cy="5377098"/>
+          </a:xfrm>
+          <a:prstGeom prst="rect">
+            <a:avLst/>
+          </a:prstGeom>
+        </p:spPr>
+      </p:pic>
+    </p:spTree>
+    <p:extLst>
+      <p:ext uri="{BB962C8B-B14F-4D97-AF65-F5344CB8AC3E}">
+        <p14:creationId xmlns:p14="http://schemas.microsoft.com/office/powerpoint/2010/main" val="2403577982"/>
+      </p:ext>
+    </p:extLst>
+  </p:cSld>
+  <p:clrMapOvr>
+    <a:masterClrMapping/>
+  </p:clrMapOvr>
+</p:sld>
+</file>
+
+<file path=ppt/slides/slide18.xml><?xml version="1.0" encoding="utf-8"?>
+<p:sld xmlns:a="http://schemas.openxmlformats.org/drawingml/2006/main" xmlns:r="http://schemas.openxmlformats.org/officeDocument/2006/relationships" xmlns:p="http://schemas.openxmlformats.org/presentationml/2006/main">
+  <p:cSld>
+    <p:spTree>
+      <p:nvGrpSpPr>
+        <p:cNvPr id="1" name=""/>
+        <p:cNvGrpSpPr/>
+        <p:nvPr/>
+      </p:nvGrpSpPr>
+      <p:grpSpPr>
+        <a:xfrm>
+          <a:off x="0" y="0"/>
+          <a:ext cx="0" cy="0"/>
+          <a:chOff x="0" y="0"/>
+          <a:chExt cx="0" cy="0"/>
+        </a:xfrm>
+      </p:grpSpPr>
+      <p:pic>
+        <p:nvPicPr>
+          <p:cNvPr id="9" name="Image 1" descr="Une image contenant texte, capture d’écran, Tracé, diagramme&#10;&#10;Description générée automatiquement">
+            <a:extLst>
+              <a:ext uri="{FF2B5EF4-FFF2-40B4-BE49-F238E27FC236}">
+                <a16:creationId xmlns:a16="http://schemas.microsoft.com/office/drawing/2014/main" id="{5DBCE939-6B5D-C7A5-00F2-EEA2D924C4DC}"/>
+              </a:ext>
+            </a:extLst>
+          </p:cNvPr>
+          <p:cNvPicPr>
+            <a:picLocks noChangeAspect="1"/>
+          </p:cNvPicPr>
+          <p:nvPr/>
+        </p:nvPicPr>
+        <p:blipFill>
+          <a:blip r:embed="rId2"/>
+          <a:stretch>
+            <a:fillRect/>
+          </a:stretch>
+        </p:blipFill>
+        <p:spPr>
+          <a:xfrm>
+            <a:off x="1589251" y="1242837"/>
+            <a:ext cx="9013496" cy="5377099"/>
+          </a:xfrm>
+          <a:prstGeom prst="rect">
+            <a:avLst/>
+          </a:prstGeom>
+        </p:spPr>
+      </p:pic>
+      <p:sp>
+        <p:nvSpPr>
+          <p:cNvPr id="2" name="Title 1">
+            <a:extLst>
+              <a:ext uri="{FF2B5EF4-FFF2-40B4-BE49-F238E27FC236}">
+                <a16:creationId xmlns:a16="http://schemas.microsoft.com/office/drawing/2014/main" id="{6B516B9D-4D2A-A901-1641-9EDCE280CBA6}"/>
+              </a:ext>
+            </a:extLst>
+          </p:cNvPr>
+          <p:cNvSpPr>
+            <a:spLocks noGrp="1"/>
+          </p:cNvSpPr>
+          <p:nvPr>
+            <p:ph type="title"/>
+          </p:nvPr>
+        </p:nvSpPr>
+        <p:spPr>
+          <a:xfrm>
+            <a:off x="9792183" y="370390"/>
+            <a:ext cx="1568719" cy="555585"/>
+          </a:xfrm>
+        </p:spPr>
+        <p:txBody>
+          <a:bodyPr>
+            <a:normAutofit/>
+          </a:bodyPr>
+          <a:lstStyle/>
+          <a:p>
+            <a:r>
+              <a:rPr lang="en-US" dirty="0"/>
+              <a:t>Recall</a:t>
+            </a:r>
+          </a:p>
+        </p:txBody>
+      </p:sp>
+      <p:sp>
+        <p:nvSpPr>
+          <p:cNvPr id="7" name="Slide Number Placeholder 6">
+            <a:extLst>
+              <a:ext uri="{FF2B5EF4-FFF2-40B4-BE49-F238E27FC236}">
+                <a16:creationId xmlns:a16="http://schemas.microsoft.com/office/drawing/2014/main" id="{5F59ACF1-574B-1CA8-9B24-0CD0FD164E64}"/>
+              </a:ext>
+            </a:extLst>
+          </p:cNvPr>
+          <p:cNvSpPr>
+            <a:spLocks noGrp="1"/>
+          </p:cNvSpPr>
+          <p:nvPr>
+            <p:ph type="sldNum" sz="quarter" idx="12"/>
+          </p:nvPr>
+        </p:nvSpPr>
+        <p:spPr/>
+        <p:txBody>
+          <a:bodyPr/>
+          <a:lstStyle/>
+          <a:p>
+            <a:fld id="{A49DFD55-3C28-40EF-9E31-A92D2E4017FF}" type="slidenum">
+              <a:rPr lang="en-US" sz="1400" smtClean="0"/>
+              <a:pPr/>
+              <a:t>18</a:t>
+            </a:fld>
+            <a:endParaRPr lang="en-US" sz="1400" dirty="0"/>
+          </a:p>
+        </p:txBody>
+      </p:sp>
+    </p:spTree>
+    <p:extLst>
+      <p:ext uri="{BB962C8B-B14F-4D97-AF65-F5344CB8AC3E}">
+        <p14:creationId xmlns:p14="http://schemas.microsoft.com/office/powerpoint/2010/main" val="471653252"/>
+      </p:ext>
+    </p:extLst>
+  </p:cSld>
+  <p:clrMapOvr>
+    <a:masterClrMapping/>
+  </p:clrMapOvr>
+</p:sld>
+</file>
+
+<file path=ppt/slides/slide19.xml><?xml version="1.0" encoding="utf-8"?>
+<p:sld xmlns:a="http://schemas.openxmlformats.org/drawingml/2006/main" xmlns:r="http://schemas.openxmlformats.org/officeDocument/2006/relationships" xmlns:p="http://schemas.openxmlformats.org/presentationml/2006/main">
+  <p:cSld>
+    <p:spTree>
+      <p:nvGrpSpPr>
+        <p:cNvPr id="1" name=""/>
+        <p:cNvGrpSpPr/>
+        <p:nvPr/>
+      </p:nvGrpSpPr>
+      <p:grpSpPr>
+        <a:xfrm>
+          <a:off x="0" y="0"/>
+          <a:ext cx="0" cy="0"/>
+          <a:chOff x="0" y="0"/>
+          <a:chExt cx="0" cy="0"/>
+        </a:xfrm>
+      </p:grpSpPr>
+      <p:pic>
+        <p:nvPicPr>
+          <p:cNvPr id="13" name="Image 1" descr="Une image contenant texte, capture d’écran, Tracé, diagramme&#10;&#10;Description générée automatiquement">
+            <a:extLst>
+              <a:ext uri="{FF2B5EF4-FFF2-40B4-BE49-F238E27FC236}">
+                <a16:creationId xmlns:a16="http://schemas.microsoft.com/office/drawing/2014/main" id="{B80653E6-CE83-83FC-F743-798079A0A667}"/>
+              </a:ext>
+            </a:extLst>
+          </p:cNvPr>
+          <p:cNvPicPr>
+            <a:picLocks noChangeAspect="1"/>
+          </p:cNvPicPr>
+          <p:nvPr/>
+        </p:nvPicPr>
+        <p:blipFill>
+          <a:blip r:embed="rId2"/>
+          <a:stretch>
+            <a:fillRect/>
+          </a:stretch>
+        </p:blipFill>
+        <p:spPr>
+          <a:xfrm>
+            <a:off x="1589253" y="1242837"/>
+            <a:ext cx="9013496" cy="5377098"/>
+          </a:xfrm>
+          <a:prstGeom prst="rect">
+            <a:avLst/>
+          </a:prstGeom>
+        </p:spPr>
+      </p:pic>
+      <p:sp>
+        <p:nvSpPr>
+          <p:cNvPr id="2" name="Title 1">
+            <a:extLst>
+              <a:ext uri="{FF2B5EF4-FFF2-40B4-BE49-F238E27FC236}">
+                <a16:creationId xmlns:a16="http://schemas.microsoft.com/office/drawing/2014/main" id="{2CB312DC-5EAD-2404-EE88-F5CAB02FBE4C}"/>
+              </a:ext>
+            </a:extLst>
+          </p:cNvPr>
+          <p:cNvSpPr>
+            <a:spLocks noGrp="1"/>
+          </p:cNvSpPr>
+          <p:nvPr>
+            <p:ph type="title"/>
+          </p:nvPr>
+        </p:nvSpPr>
+        <p:spPr>
+          <a:xfrm>
+            <a:off x="972273" y="337192"/>
+            <a:ext cx="5521124" cy="577207"/>
+          </a:xfrm>
+        </p:spPr>
+        <p:txBody>
+          <a:bodyPr/>
+          <a:lstStyle/>
+          <a:p>
+            <a:r>
+              <a:rPr lang="en-US" dirty="0"/>
+              <a:t>Specificity</a:t>
+            </a:r>
+          </a:p>
+        </p:txBody>
+      </p:sp>
+      <p:sp>
+        <p:nvSpPr>
+          <p:cNvPr id="7" name="Slide Number Placeholder 6">
+            <a:extLst>
+              <a:ext uri="{FF2B5EF4-FFF2-40B4-BE49-F238E27FC236}">
+                <a16:creationId xmlns:a16="http://schemas.microsoft.com/office/drawing/2014/main" id="{61D84C43-ACD0-9F0F-6D29-02BE7293DC88}"/>
+              </a:ext>
+            </a:extLst>
+          </p:cNvPr>
+          <p:cNvSpPr>
+            <a:spLocks noGrp="1"/>
+          </p:cNvSpPr>
+          <p:nvPr>
+            <p:ph type="sldNum" sz="quarter" idx="12"/>
+          </p:nvPr>
+        </p:nvSpPr>
+        <p:spPr/>
+        <p:txBody>
+          <a:bodyPr/>
+          <a:lstStyle/>
+          <a:p>
+            <a:fld id="{A49DFD55-3C28-40EF-9E31-A92D2E4017FF}" type="slidenum">
+              <a:rPr lang="en-US" sz="1400" smtClean="0"/>
+              <a:pPr/>
+              <a:t>19</a:t>
+            </a:fld>
+            <a:endParaRPr lang="en-US" sz="1400" dirty="0"/>
+          </a:p>
+        </p:txBody>
+      </p:sp>
+    </p:spTree>
+    <p:extLst>
+      <p:ext uri="{BB962C8B-B14F-4D97-AF65-F5344CB8AC3E}">
+        <p14:creationId xmlns:p14="http://schemas.microsoft.com/office/powerpoint/2010/main" val="2597488948"/>
       </p:ext>
     </p:extLst>
   </p:cSld>
@@ -9037,7 +10503,1269 @@
 </p:sld>
 </file>
 
+<file path=ppt/slides/slide20.xml><?xml version="1.0" encoding="utf-8"?>
+<p:sld xmlns:a="http://schemas.openxmlformats.org/drawingml/2006/main" xmlns:r="http://schemas.openxmlformats.org/officeDocument/2006/relationships" xmlns:p="http://schemas.openxmlformats.org/presentationml/2006/main">
+  <p:cSld>
+    <p:spTree>
+      <p:nvGrpSpPr>
+        <p:cNvPr id="1" name=""/>
+        <p:cNvGrpSpPr/>
+        <p:nvPr/>
+      </p:nvGrpSpPr>
+      <p:grpSpPr>
+        <a:xfrm>
+          <a:off x="0" y="0"/>
+          <a:ext cx="0" cy="0"/>
+          <a:chOff x="0" y="0"/>
+          <a:chExt cx="0" cy="0"/>
+        </a:xfrm>
+      </p:grpSpPr>
+      <p:pic>
+        <p:nvPicPr>
+          <p:cNvPr id="10" name="Image 1" descr="Une image contenant texte, capture d’écran, Tracé, diagramme&#10;&#10;Description générée automatiquement">
+            <a:extLst>
+              <a:ext uri="{FF2B5EF4-FFF2-40B4-BE49-F238E27FC236}">
+                <a16:creationId xmlns:a16="http://schemas.microsoft.com/office/drawing/2014/main" id="{7D9AEAC6-77A0-3BBD-9357-776604D4FE2C}"/>
+              </a:ext>
+            </a:extLst>
+          </p:cNvPr>
+          <p:cNvPicPr>
+            <a:picLocks noChangeAspect="1"/>
+          </p:cNvPicPr>
+          <p:nvPr/>
+        </p:nvPicPr>
+        <p:blipFill>
+          <a:blip r:embed="rId2"/>
+          <a:stretch>
+            <a:fillRect/>
+          </a:stretch>
+        </p:blipFill>
+        <p:spPr>
+          <a:xfrm>
+            <a:off x="1589251" y="1242835"/>
+            <a:ext cx="9013496" cy="5377099"/>
+          </a:xfrm>
+          <a:prstGeom prst="rect">
+            <a:avLst/>
+          </a:prstGeom>
+        </p:spPr>
+      </p:pic>
+      <p:sp>
+        <p:nvSpPr>
+          <p:cNvPr id="2" name="Title 1">
+            <a:extLst>
+              <a:ext uri="{FF2B5EF4-FFF2-40B4-BE49-F238E27FC236}">
+                <a16:creationId xmlns:a16="http://schemas.microsoft.com/office/drawing/2014/main" id="{BB1D554A-97D9-308E-A15B-7C27BB67DC3C}"/>
+              </a:ext>
+            </a:extLst>
+          </p:cNvPr>
+          <p:cNvSpPr>
+            <a:spLocks noGrp="1"/>
+          </p:cNvSpPr>
+          <p:nvPr>
+            <p:ph type="title"/>
+          </p:nvPr>
+        </p:nvSpPr>
+        <p:spPr>
+          <a:xfrm>
+            <a:off x="9340637" y="372192"/>
+            <a:ext cx="2020265" cy="565358"/>
+          </a:xfrm>
+        </p:spPr>
+        <p:txBody>
+          <a:bodyPr>
+            <a:normAutofit/>
+          </a:bodyPr>
+          <a:lstStyle/>
+          <a:p>
+            <a:r>
+              <a:rPr lang="en-US" dirty="0"/>
+              <a:t>F1-Score</a:t>
+            </a:r>
+          </a:p>
+        </p:txBody>
+      </p:sp>
+      <p:sp>
+        <p:nvSpPr>
+          <p:cNvPr id="7" name="Slide Number Placeholder 6">
+            <a:extLst>
+              <a:ext uri="{FF2B5EF4-FFF2-40B4-BE49-F238E27FC236}">
+                <a16:creationId xmlns:a16="http://schemas.microsoft.com/office/drawing/2014/main" id="{6387E818-9B5E-26AC-2CD6-21E2E3743E8B}"/>
+              </a:ext>
+            </a:extLst>
+          </p:cNvPr>
+          <p:cNvSpPr>
+            <a:spLocks noGrp="1"/>
+          </p:cNvSpPr>
+          <p:nvPr>
+            <p:ph type="sldNum" sz="quarter" idx="12"/>
+          </p:nvPr>
+        </p:nvSpPr>
+        <p:spPr/>
+        <p:txBody>
+          <a:bodyPr/>
+          <a:lstStyle/>
+          <a:p>
+            <a:fld id="{A49DFD55-3C28-40EF-9E31-A92D2E4017FF}" type="slidenum">
+              <a:rPr lang="en-US" sz="1400" smtClean="0"/>
+              <a:pPr/>
+              <a:t>20</a:t>
+            </a:fld>
+            <a:endParaRPr lang="en-US" sz="1400" dirty="0"/>
+          </a:p>
+        </p:txBody>
+      </p:sp>
+    </p:spTree>
+    <p:extLst>
+      <p:ext uri="{BB962C8B-B14F-4D97-AF65-F5344CB8AC3E}">
+        <p14:creationId xmlns:p14="http://schemas.microsoft.com/office/powerpoint/2010/main" val="1230113718"/>
+      </p:ext>
+    </p:extLst>
+  </p:cSld>
+  <p:clrMapOvr>
+    <a:masterClrMapping/>
+  </p:clrMapOvr>
+</p:sld>
+</file>
+
+<file path=ppt/slides/slide21.xml><?xml version="1.0" encoding="utf-8"?>
+<p:sld xmlns:a="http://schemas.openxmlformats.org/drawingml/2006/main" xmlns:r="http://schemas.openxmlformats.org/officeDocument/2006/relationships" xmlns:p="http://schemas.openxmlformats.org/presentationml/2006/main">
+  <p:cSld>
+    <p:spTree>
+      <p:nvGrpSpPr>
+        <p:cNvPr id="1" name=""/>
+        <p:cNvGrpSpPr/>
+        <p:nvPr/>
+      </p:nvGrpSpPr>
+      <p:grpSpPr>
+        <a:xfrm>
+          <a:off x="0" y="0"/>
+          <a:ext cx="0" cy="0"/>
+          <a:chOff x="0" y="0"/>
+          <a:chExt cx="0" cy="0"/>
+        </a:xfrm>
+      </p:grpSpPr>
+      <p:sp>
+        <p:nvSpPr>
+          <p:cNvPr id="2" name="Title 1">
+            <a:extLst>
+              <a:ext uri="{FF2B5EF4-FFF2-40B4-BE49-F238E27FC236}">
+                <a16:creationId xmlns:a16="http://schemas.microsoft.com/office/drawing/2014/main" id="{8BDF1EDE-5423-435C-B149-87AB1BC22B83}"/>
+              </a:ext>
+            </a:extLst>
+          </p:cNvPr>
+          <p:cNvSpPr>
+            <a:spLocks noGrp="1"/>
+          </p:cNvSpPr>
+          <p:nvPr>
+            <p:ph type="ctrTitle"/>
+          </p:nvPr>
+        </p:nvSpPr>
+        <p:spPr>
+          <a:xfrm>
+            <a:off x="4267200" y="2666632"/>
+            <a:ext cx="4179570" cy="1524735"/>
+          </a:xfrm>
+        </p:spPr>
+        <p:txBody>
+          <a:bodyPr/>
+          <a:lstStyle/>
+          <a:p>
+            <a:r>
+              <a:rPr lang="en-US" dirty="0"/>
+              <a:t>Conclusion</a:t>
+            </a:r>
+          </a:p>
+        </p:txBody>
+      </p:sp>
+      <p:sp>
+        <p:nvSpPr>
+          <p:cNvPr id="6" name="Slide Number Placeholder 5">
+            <a:extLst>
+              <a:ext uri="{FF2B5EF4-FFF2-40B4-BE49-F238E27FC236}">
+                <a16:creationId xmlns:a16="http://schemas.microsoft.com/office/drawing/2014/main" id="{4C127D99-645F-4FCF-9573-FDFE2A344FA9}"/>
+              </a:ext>
+            </a:extLst>
+          </p:cNvPr>
+          <p:cNvSpPr>
+            <a:spLocks noGrp="1"/>
+          </p:cNvSpPr>
+          <p:nvPr>
+            <p:ph type="sldNum" sz="quarter" idx="12"/>
+          </p:nvPr>
+        </p:nvSpPr>
+        <p:spPr>
+          <a:xfrm>
+            <a:off x="9579428" y="6356350"/>
+            <a:ext cx="1774371" cy="365125"/>
+          </a:xfrm>
+        </p:spPr>
+        <p:txBody>
+          <a:bodyPr/>
+          <a:lstStyle/>
+          <a:p>
+            <a:fld id="{A49DFD55-3C28-40EF-9E31-A92D2E4017FF}" type="slidenum">
+              <a:rPr lang="en-US" sz="1400" smtClean="0">
+                <a:solidFill>
+                  <a:schemeClr val="bg1"/>
+                </a:solidFill>
+              </a:rPr>
+              <a:pPr/>
+              <a:t>21</a:t>
+            </a:fld>
+            <a:endParaRPr lang="en-US" sz="1400" dirty="0">
+              <a:solidFill>
+                <a:schemeClr val="bg1"/>
+              </a:solidFill>
+            </a:endParaRPr>
+          </a:p>
+        </p:txBody>
+      </p:sp>
+    </p:spTree>
+    <p:extLst>
+      <p:ext uri="{BB962C8B-B14F-4D97-AF65-F5344CB8AC3E}">
+        <p14:creationId xmlns:p14="http://schemas.microsoft.com/office/powerpoint/2010/main" val="1969787568"/>
+      </p:ext>
+    </p:extLst>
+  </p:cSld>
+  <p:clrMapOvr>
+    <a:masterClrMapping/>
+  </p:clrMapOvr>
+</p:sld>
+</file>
+
 <file path=ppt/slides/slide3.xml><?xml version="1.0" encoding="utf-8"?>
+<p:sld xmlns:a="http://schemas.openxmlformats.org/drawingml/2006/main" xmlns:r="http://schemas.openxmlformats.org/officeDocument/2006/relationships" xmlns:p="http://schemas.openxmlformats.org/presentationml/2006/main">
+  <p:cSld>
+    <p:spTree>
+      <p:nvGrpSpPr>
+        <p:cNvPr id="1" name="">
+          <a:extLst>
+            <a:ext uri="{FF2B5EF4-FFF2-40B4-BE49-F238E27FC236}">
+              <a16:creationId xmlns:a16="http://schemas.microsoft.com/office/drawing/2014/main" id="{9BB254C5-E266-04CA-BE15-05070287A566}"/>
+            </a:ext>
+          </a:extLst>
+        </p:cNvPr>
+        <p:cNvGrpSpPr/>
+        <p:nvPr/>
+      </p:nvGrpSpPr>
+      <p:grpSpPr>
+        <a:xfrm>
+          <a:off x="0" y="0"/>
+          <a:ext cx="0" cy="0"/>
+          <a:chOff x="0" y="0"/>
+          <a:chExt cx="0" cy="0"/>
+        </a:xfrm>
+      </p:grpSpPr>
+      <p:sp>
+        <p:nvSpPr>
+          <p:cNvPr id="12" name="Slide Number Placeholder 3">
+            <a:extLst>
+              <a:ext uri="{FF2B5EF4-FFF2-40B4-BE49-F238E27FC236}">
+                <a16:creationId xmlns:a16="http://schemas.microsoft.com/office/drawing/2014/main" id="{55BAA661-B901-6BC0-73E2-106CA40E1FF5}"/>
+              </a:ext>
+            </a:extLst>
+          </p:cNvPr>
+          <p:cNvSpPr>
+            <a:spLocks noGrp="1"/>
+          </p:cNvSpPr>
+          <p:nvPr>
+            <p:ph type="sldNum" sz="quarter" idx="12"/>
+          </p:nvPr>
+        </p:nvSpPr>
+        <p:spPr>
+          <a:xfrm>
+            <a:off x="9579428" y="6356350"/>
+            <a:ext cx="1774371" cy="365125"/>
+          </a:xfrm>
+        </p:spPr>
+        <p:txBody>
+          <a:bodyPr/>
+          <a:lstStyle/>
+          <a:p>
+            <a:pPr>
+              <a:spcAft>
+                <a:spcPts val="600"/>
+              </a:spcAft>
+            </a:pPr>
+            <a:fld id="{A49DFD55-3C28-40EF-9E31-A92D2E4017FF}" type="slidenum">
+              <a:rPr lang="en-US" smtClean="0"/>
+              <a:pPr>
+                <a:spcAft>
+                  <a:spcPts val="600"/>
+                </a:spcAft>
+              </a:pPr>
+              <a:t>3</a:t>
+            </a:fld>
+            <a:endParaRPr lang="en-US"/>
+          </a:p>
+        </p:txBody>
+      </p:sp>
+      <p:pic>
+        <p:nvPicPr>
+          <p:cNvPr id="3" name="Image 2">
+            <a:extLst>
+              <a:ext uri="{FF2B5EF4-FFF2-40B4-BE49-F238E27FC236}">
+                <a16:creationId xmlns:a16="http://schemas.microsoft.com/office/drawing/2014/main" id="{53B8FC25-0F96-FCAE-6EF2-59B4BBA56FD7}"/>
+              </a:ext>
+            </a:extLst>
+          </p:cNvPr>
+          <p:cNvPicPr>
+            <a:picLocks noChangeAspect="1"/>
+          </p:cNvPicPr>
+          <p:nvPr/>
+        </p:nvPicPr>
+        <p:blipFill>
+          <a:blip r:embed="rId2"/>
+          <a:stretch>
+            <a:fillRect/>
+          </a:stretch>
+        </p:blipFill>
+        <p:spPr>
+          <a:xfrm>
+            <a:off x="5676181" y="1735443"/>
+            <a:ext cx="4918493" cy="4457005"/>
+          </a:xfrm>
+          <a:prstGeom prst="rect">
+            <a:avLst/>
+          </a:prstGeom>
+        </p:spPr>
+      </p:pic>
+      <p:sp>
+        <p:nvSpPr>
+          <p:cNvPr id="4" name="ZoneTexte 3">
+            <a:extLst>
+              <a:ext uri="{FF2B5EF4-FFF2-40B4-BE49-F238E27FC236}">
+                <a16:creationId xmlns:a16="http://schemas.microsoft.com/office/drawing/2014/main" id="{B1A71A70-F602-327A-FFC2-B68FE69FE4FD}"/>
+              </a:ext>
+            </a:extLst>
+          </p:cNvPr>
+          <p:cNvSpPr txBox="1"/>
+          <p:nvPr/>
+        </p:nvSpPr>
+        <p:spPr>
+          <a:xfrm>
+            <a:off x="3486509" y="528847"/>
+            <a:ext cx="5218981" cy="584775"/>
+          </a:xfrm>
+          <a:prstGeom prst="rect">
+            <a:avLst/>
+          </a:prstGeom>
+          <a:noFill/>
+        </p:spPr>
+        <p:txBody>
+          <a:bodyPr wrap="square" rtlCol="0">
+            <a:spAutoFit/>
+          </a:bodyPr>
+          <a:lstStyle/>
+          <a:p>
+            <a:r>
+              <a:rPr lang="fr-FR" sz="3200" b="1" dirty="0">
+                <a:solidFill>
+                  <a:schemeClr val="bg1"/>
+                </a:solidFill>
+              </a:rPr>
+              <a:t>MAPPING SONGS BY GENRE</a:t>
+            </a:r>
+          </a:p>
+        </p:txBody>
+      </p:sp>
+    </p:spTree>
+    <p:extLst>
+      <p:ext uri="{BB962C8B-B14F-4D97-AF65-F5344CB8AC3E}">
+        <p14:creationId xmlns:p14="http://schemas.microsoft.com/office/powerpoint/2010/main" val="333377233"/>
+      </p:ext>
+    </p:extLst>
+  </p:cSld>
+  <p:clrMapOvr>
+    <a:masterClrMapping/>
+  </p:clrMapOvr>
+</p:sld>
+</file>
+
+<file path=ppt/slides/slide4.xml><?xml version="1.0" encoding="utf-8"?>
+<p:sld xmlns:a="http://schemas.openxmlformats.org/drawingml/2006/main" xmlns:r="http://schemas.openxmlformats.org/officeDocument/2006/relationships" xmlns:p="http://schemas.openxmlformats.org/presentationml/2006/main">
+  <p:cSld>
+    <p:spTree>
+      <p:nvGrpSpPr>
+        <p:cNvPr id="1" name=""/>
+        <p:cNvGrpSpPr/>
+        <p:nvPr/>
+      </p:nvGrpSpPr>
+      <p:grpSpPr>
+        <a:xfrm>
+          <a:off x="0" y="0"/>
+          <a:ext cx="0" cy="0"/>
+          <a:chOff x="0" y="0"/>
+          <a:chExt cx="0" cy="0"/>
+        </a:xfrm>
+      </p:grpSpPr>
+      <p:sp>
+        <p:nvSpPr>
+          <p:cNvPr id="12" name="Slide Number Placeholder 3">
+            <a:extLst>
+              <a:ext uri="{FF2B5EF4-FFF2-40B4-BE49-F238E27FC236}">
+                <a16:creationId xmlns:a16="http://schemas.microsoft.com/office/drawing/2014/main" id="{9B5AB799-1367-C8B2-5D49-FFCFB097837A}"/>
+              </a:ext>
+            </a:extLst>
+          </p:cNvPr>
+          <p:cNvSpPr>
+            <a:spLocks noGrp="1"/>
+          </p:cNvSpPr>
+          <p:nvPr>
+            <p:ph type="sldNum" sz="quarter" idx="12"/>
+          </p:nvPr>
+        </p:nvSpPr>
+        <p:spPr>
+          <a:xfrm>
+            <a:off x="9579428" y="6356350"/>
+            <a:ext cx="1774371" cy="365125"/>
+          </a:xfrm>
+        </p:spPr>
+        <p:txBody>
+          <a:bodyPr/>
+          <a:lstStyle/>
+          <a:p>
+            <a:pPr>
+              <a:spcAft>
+                <a:spcPts val="600"/>
+              </a:spcAft>
+            </a:pPr>
+            <a:fld id="{A49DFD55-3C28-40EF-9E31-A92D2E4017FF}" type="slidenum">
+              <a:rPr lang="en-US" smtClean="0"/>
+              <a:pPr>
+                <a:spcAft>
+                  <a:spcPts val="600"/>
+                </a:spcAft>
+              </a:pPr>
+              <a:t>4</a:t>
+            </a:fld>
+            <a:endParaRPr lang="en-US"/>
+          </a:p>
+        </p:txBody>
+      </p:sp>
+      <p:pic>
+        <p:nvPicPr>
+          <p:cNvPr id="6" name="Image 5">
+            <a:extLst>
+              <a:ext uri="{FF2B5EF4-FFF2-40B4-BE49-F238E27FC236}">
+                <a16:creationId xmlns:a16="http://schemas.microsoft.com/office/drawing/2014/main" id="{D7618C64-1823-41E9-3CC0-60A18CD4B27B}"/>
+              </a:ext>
+            </a:extLst>
+          </p:cNvPr>
+          <p:cNvPicPr>
+            <a:picLocks noChangeAspect="1"/>
+          </p:cNvPicPr>
+          <p:nvPr/>
+        </p:nvPicPr>
+        <p:blipFill>
+          <a:blip r:embed="rId2"/>
+          <a:stretch>
+            <a:fillRect/>
+          </a:stretch>
+        </p:blipFill>
+        <p:spPr>
+          <a:xfrm>
+            <a:off x="6007054" y="1716777"/>
+            <a:ext cx="3572374" cy="4486901"/>
+          </a:xfrm>
+          <a:prstGeom prst="rect">
+            <a:avLst/>
+          </a:prstGeom>
+        </p:spPr>
+      </p:pic>
+      <p:pic>
+        <p:nvPicPr>
+          <p:cNvPr id="9" name="Image 8">
+            <a:extLst>
+              <a:ext uri="{FF2B5EF4-FFF2-40B4-BE49-F238E27FC236}">
+                <a16:creationId xmlns:a16="http://schemas.microsoft.com/office/drawing/2014/main" id="{80B10CAF-FC08-2B73-BF37-76FEEAA70141}"/>
+              </a:ext>
+            </a:extLst>
+          </p:cNvPr>
+          <p:cNvPicPr>
+            <a:picLocks noChangeAspect="1"/>
+          </p:cNvPicPr>
+          <p:nvPr/>
+        </p:nvPicPr>
+        <p:blipFill>
+          <a:blip r:embed="rId3"/>
+          <a:stretch>
+            <a:fillRect/>
+          </a:stretch>
+        </p:blipFill>
+        <p:spPr>
+          <a:xfrm>
+            <a:off x="3573203" y="2378857"/>
+            <a:ext cx="7078063" cy="1581371"/>
+          </a:xfrm>
+          <a:prstGeom prst="rect">
+            <a:avLst/>
+          </a:prstGeom>
+        </p:spPr>
+      </p:pic>
+      <p:sp>
+        <p:nvSpPr>
+          <p:cNvPr id="11" name="ZoneTexte 10">
+            <a:extLst>
+              <a:ext uri="{FF2B5EF4-FFF2-40B4-BE49-F238E27FC236}">
+                <a16:creationId xmlns:a16="http://schemas.microsoft.com/office/drawing/2014/main" id="{E075DC3B-3115-28B2-DD13-DE0320E9271C}"/>
+              </a:ext>
+            </a:extLst>
+          </p:cNvPr>
+          <p:cNvSpPr txBox="1"/>
+          <p:nvPr/>
+        </p:nvSpPr>
+        <p:spPr>
+          <a:xfrm>
+            <a:off x="3720142" y="292801"/>
+            <a:ext cx="5477773" cy="584775"/>
+          </a:xfrm>
+          <a:prstGeom prst="rect">
+            <a:avLst/>
+          </a:prstGeom>
+          <a:noFill/>
+        </p:spPr>
+        <p:txBody>
+          <a:bodyPr wrap="square" rtlCol="0">
+            <a:spAutoFit/>
+          </a:bodyPr>
+          <a:lstStyle/>
+          <a:p>
+            <a:pPr algn="ctr"/>
+            <a:r>
+              <a:rPr lang="fr-FR" sz="3200" dirty="0">
+                <a:solidFill>
+                  <a:schemeClr val="bg1"/>
+                </a:solidFill>
+              </a:rPr>
+              <a:t>DATA TYPE </a:t>
+            </a:r>
+          </a:p>
+        </p:txBody>
+      </p:sp>
+      <p:sp>
+        <p:nvSpPr>
+          <p:cNvPr id="13" name="ZoneTexte 12">
+            <a:extLst>
+              <a:ext uri="{FF2B5EF4-FFF2-40B4-BE49-F238E27FC236}">
+                <a16:creationId xmlns:a16="http://schemas.microsoft.com/office/drawing/2014/main" id="{7B450A12-3821-89A4-5F7C-845BCEC8E607}"/>
+              </a:ext>
+            </a:extLst>
+          </p:cNvPr>
+          <p:cNvSpPr txBox="1"/>
+          <p:nvPr/>
+        </p:nvSpPr>
+        <p:spPr>
+          <a:xfrm>
+            <a:off x="3720141" y="292800"/>
+            <a:ext cx="5477773" cy="584775"/>
+          </a:xfrm>
+          <a:prstGeom prst="rect">
+            <a:avLst/>
+          </a:prstGeom>
+          <a:noFill/>
+        </p:spPr>
+        <p:txBody>
+          <a:bodyPr wrap="square" rtlCol="0">
+            <a:spAutoFit/>
+          </a:bodyPr>
+          <a:lstStyle/>
+          <a:p>
+            <a:pPr algn="ctr"/>
+            <a:r>
+              <a:rPr lang="fr-FR" sz="3200" dirty="0">
+                <a:solidFill>
+                  <a:schemeClr val="bg1"/>
+                </a:solidFill>
+              </a:rPr>
+              <a:t>CATEGORIZATION</a:t>
+            </a:r>
+          </a:p>
+        </p:txBody>
+      </p:sp>
+    </p:spTree>
+    <p:extLst>
+      <p:ext uri="{BB962C8B-B14F-4D97-AF65-F5344CB8AC3E}">
+        <p14:creationId xmlns:p14="http://schemas.microsoft.com/office/powerpoint/2010/main" val="583411554"/>
+      </p:ext>
+    </p:extLst>
+  </p:cSld>
+  <p:clrMapOvr>
+    <a:masterClrMapping/>
+  </p:clrMapOvr>
+  <p:timing>
+    <p:tnLst>
+      <p:par>
+        <p:cTn id="1" dur="indefinite" restart="never" nodeType="tmRoot">
+          <p:childTnLst>
+            <p:seq concurrent="1" nextAc="seek">
+              <p:cTn id="2" dur="indefinite" nodeType="mainSeq">
+                <p:childTnLst>
+                  <p:par>
+                    <p:cTn id="3" fill="hold">
+                      <p:stCondLst>
+                        <p:cond delay="indefinite"/>
+                      </p:stCondLst>
+                      <p:childTnLst>
+                        <p:par>
+                          <p:cTn id="4" fill="hold">
+                            <p:stCondLst>
+                              <p:cond delay="0"/>
+                            </p:stCondLst>
+                            <p:childTnLst>
+                              <p:par>
+                                <p:cTn id="5" presetID="10" presetClass="exit" presetSubtype="0" fill="hold" grpId="0" nodeType="clickEffect">
+                                  <p:stCondLst>
+                                    <p:cond delay="0"/>
+                                  </p:stCondLst>
+                                  <p:childTnLst>
+                                    <p:animEffect transition="out" filter="fade">
+                                      <p:cBhvr>
+                                        <p:cTn id="6" dur="500"/>
+                                        <p:tgtEl>
+                                          <p:spTgt spid="11"/>
+                                        </p:tgtEl>
+                                      </p:cBhvr>
+                                    </p:animEffect>
+                                    <p:set>
+                                      <p:cBhvr>
+                                        <p:cTn id="7" dur="1" fill="hold">
+                                          <p:stCondLst>
+                                            <p:cond delay="499"/>
+                                          </p:stCondLst>
+                                        </p:cTn>
+                                        <p:tgtEl>
+                                          <p:spTgt spid="11"/>
+                                        </p:tgtEl>
+                                        <p:attrNameLst>
+                                          <p:attrName>style.visibility</p:attrName>
+                                        </p:attrNameLst>
+                                      </p:cBhvr>
+                                      <p:to>
+                                        <p:strVal val="hidden"/>
+                                      </p:to>
+                                    </p:set>
+                                  </p:childTnLst>
+                                </p:cTn>
+                              </p:par>
+                              <p:par>
+                                <p:cTn id="8" presetID="10" presetClass="exit" presetSubtype="0" fill="hold" nodeType="withEffect">
+                                  <p:stCondLst>
+                                    <p:cond delay="0"/>
+                                  </p:stCondLst>
+                                  <p:childTnLst>
+                                    <p:animEffect transition="out" filter="fade">
+                                      <p:cBhvr>
+                                        <p:cTn id="9" dur="500"/>
+                                        <p:tgtEl>
+                                          <p:spTgt spid="6"/>
+                                        </p:tgtEl>
+                                      </p:cBhvr>
+                                    </p:animEffect>
+                                    <p:set>
+                                      <p:cBhvr>
+                                        <p:cTn id="10" dur="1" fill="hold">
+                                          <p:stCondLst>
+                                            <p:cond delay="499"/>
+                                          </p:stCondLst>
+                                        </p:cTn>
+                                        <p:tgtEl>
+                                          <p:spTgt spid="6"/>
+                                        </p:tgtEl>
+                                        <p:attrNameLst>
+                                          <p:attrName>style.visibility</p:attrName>
+                                        </p:attrNameLst>
+                                      </p:cBhvr>
+                                      <p:to>
+                                        <p:strVal val="hidden"/>
+                                      </p:to>
+                                    </p:set>
+                                  </p:childTnLst>
+                                </p:cTn>
+                              </p:par>
+                              <p:par>
+                                <p:cTn id="11" presetID="14" presetClass="entr" presetSubtype="10" fill="hold" nodeType="withEffect">
+                                  <p:stCondLst>
+                                    <p:cond delay="0"/>
+                                  </p:stCondLst>
+                                  <p:childTnLst>
+                                    <p:set>
+                                      <p:cBhvr>
+                                        <p:cTn id="12" dur="1" fill="hold">
+                                          <p:stCondLst>
+                                            <p:cond delay="0"/>
+                                          </p:stCondLst>
+                                        </p:cTn>
+                                        <p:tgtEl>
+                                          <p:spTgt spid="9"/>
+                                        </p:tgtEl>
+                                        <p:attrNameLst>
+                                          <p:attrName>style.visibility</p:attrName>
+                                        </p:attrNameLst>
+                                      </p:cBhvr>
+                                      <p:to>
+                                        <p:strVal val="visible"/>
+                                      </p:to>
+                                    </p:set>
+                                    <p:animEffect transition="in" filter="randombar(horizontal)">
+                                      <p:cBhvr>
+                                        <p:cTn id="13" dur="500"/>
+                                        <p:tgtEl>
+                                          <p:spTgt spid="9"/>
+                                        </p:tgtEl>
+                                      </p:cBhvr>
+                                    </p:animEffect>
+                                  </p:childTnLst>
+                                </p:cTn>
+                              </p:par>
+                              <p:par>
+                                <p:cTn id="14" presetID="14" presetClass="entr" presetSubtype="10" fill="hold" grpId="0" nodeType="withEffect">
+                                  <p:stCondLst>
+                                    <p:cond delay="0"/>
+                                  </p:stCondLst>
+                                  <p:childTnLst>
+                                    <p:set>
+                                      <p:cBhvr>
+                                        <p:cTn id="15" dur="1" fill="hold">
+                                          <p:stCondLst>
+                                            <p:cond delay="0"/>
+                                          </p:stCondLst>
+                                        </p:cTn>
+                                        <p:tgtEl>
+                                          <p:spTgt spid="13"/>
+                                        </p:tgtEl>
+                                        <p:attrNameLst>
+                                          <p:attrName>style.visibility</p:attrName>
+                                        </p:attrNameLst>
+                                      </p:cBhvr>
+                                      <p:to>
+                                        <p:strVal val="visible"/>
+                                      </p:to>
+                                    </p:set>
+                                    <p:animEffect transition="in" filter="randombar(horizontal)">
+                                      <p:cBhvr>
+                                        <p:cTn id="16" dur="500"/>
+                                        <p:tgtEl>
+                                          <p:spTgt spid="13"/>
+                                        </p:tgtEl>
+                                      </p:cBhvr>
+                                    </p:animEffect>
+                                  </p:childTnLst>
+                                </p:cTn>
+                              </p:par>
+                            </p:childTnLst>
+                          </p:cTn>
+                        </p:par>
+                      </p:childTnLst>
+                    </p:cTn>
+                  </p:par>
+                </p:childTnLst>
+              </p:cTn>
+              <p:prevCondLst>
+                <p:cond evt="onPrev" delay="0">
+                  <p:tgtEl>
+                    <p:sldTgt/>
+                  </p:tgtEl>
+                </p:cond>
+              </p:prevCondLst>
+              <p:nextCondLst>
+                <p:cond evt="onNext" delay="0">
+                  <p:tgtEl>
+                    <p:sldTgt/>
+                  </p:tgtEl>
+                </p:cond>
+              </p:nextCondLst>
+            </p:seq>
+          </p:childTnLst>
+        </p:cTn>
+      </p:par>
+    </p:tnLst>
+    <p:bldLst>
+      <p:bldP spid="11" grpId="0"/>
+      <p:bldP spid="13" grpId="0"/>
+    </p:bldLst>
+  </p:timing>
+</p:sld>
+</file>
+
+<file path=ppt/slides/slide5.xml><?xml version="1.0" encoding="utf-8"?>
+<p:sld xmlns:a="http://schemas.openxmlformats.org/drawingml/2006/main" xmlns:r="http://schemas.openxmlformats.org/officeDocument/2006/relationships" xmlns:p="http://schemas.openxmlformats.org/presentationml/2006/main">
+  <p:cSld>
+    <p:spTree>
+      <p:nvGrpSpPr>
+        <p:cNvPr id="1" name="">
+          <a:extLst>
+            <a:ext uri="{FF2B5EF4-FFF2-40B4-BE49-F238E27FC236}">
+              <a16:creationId xmlns:a16="http://schemas.microsoft.com/office/drawing/2014/main" id="{E5B18CC2-DABC-0FF4-CB56-274F5DF59F5E}"/>
+            </a:ext>
+          </a:extLst>
+        </p:cNvPr>
+        <p:cNvGrpSpPr/>
+        <p:nvPr/>
+      </p:nvGrpSpPr>
+      <p:grpSpPr>
+        <a:xfrm>
+          <a:off x="0" y="0"/>
+          <a:ext cx="0" cy="0"/>
+          <a:chOff x="0" y="0"/>
+          <a:chExt cx="0" cy="0"/>
+        </a:xfrm>
+      </p:grpSpPr>
+      <p:sp>
+        <p:nvSpPr>
+          <p:cNvPr id="12" name="Slide Number Placeholder 3">
+            <a:extLst>
+              <a:ext uri="{FF2B5EF4-FFF2-40B4-BE49-F238E27FC236}">
+                <a16:creationId xmlns:a16="http://schemas.microsoft.com/office/drawing/2014/main" id="{C8C16BF4-2CF1-DE28-0148-6ABB242AFA98}"/>
+              </a:ext>
+            </a:extLst>
+          </p:cNvPr>
+          <p:cNvSpPr>
+            <a:spLocks noGrp="1"/>
+          </p:cNvSpPr>
+          <p:nvPr>
+            <p:ph type="sldNum" sz="quarter" idx="12"/>
+          </p:nvPr>
+        </p:nvSpPr>
+        <p:spPr>
+          <a:xfrm>
+            <a:off x="9579428" y="6356350"/>
+            <a:ext cx="1774371" cy="365125"/>
+          </a:xfrm>
+        </p:spPr>
+        <p:txBody>
+          <a:bodyPr/>
+          <a:lstStyle/>
+          <a:p>
+            <a:pPr>
+              <a:spcAft>
+                <a:spcPts val="600"/>
+              </a:spcAft>
+            </a:pPr>
+            <a:fld id="{A49DFD55-3C28-40EF-9E31-A92D2E4017FF}" type="slidenum">
+              <a:rPr lang="en-US" smtClean="0"/>
+              <a:pPr>
+                <a:spcAft>
+                  <a:spcPts val="600"/>
+                </a:spcAft>
+              </a:pPr>
+              <a:t>5</a:t>
+            </a:fld>
+            <a:endParaRPr lang="en-US"/>
+          </a:p>
+        </p:txBody>
+      </p:sp>
+      <p:sp>
+        <p:nvSpPr>
+          <p:cNvPr id="11" name="ZoneTexte 10">
+            <a:extLst>
+              <a:ext uri="{FF2B5EF4-FFF2-40B4-BE49-F238E27FC236}">
+                <a16:creationId xmlns:a16="http://schemas.microsoft.com/office/drawing/2014/main" id="{423212D3-D817-AE5D-F153-06280DF4B3F9}"/>
+              </a:ext>
+            </a:extLst>
+          </p:cNvPr>
+          <p:cNvSpPr txBox="1"/>
+          <p:nvPr/>
+        </p:nvSpPr>
+        <p:spPr>
+          <a:xfrm>
+            <a:off x="3720142" y="292801"/>
+            <a:ext cx="5477773" cy="1077218"/>
+          </a:xfrm>
+          <a:prstGeom prst="rect">
+            <a:avLst/>
+          </a:prstGeom>
+          <a:noFill/>
+        </p:spPr>
+        <p:txBody>
+          <a:bodyPr wrap="square" rtlCol="0">
+            <a:spAutoFit/>
+          </a:bodyPr>
+          <a:lstStyle/>
+          <a:p>
+            <a:pPr algn="ctr"/>
+            <a:r>
+              <a:rPr lang="fr-FR" sz="3200" b="1" dirty="0">
+                <a:solidFill>
+                  <a:schemeClr val="bg1"/>
+                </a:solidFill>
+              </a:rPr>
+              <a:t>DATA WRANGLING</a:t>
+            </a:r>
+            <a:endParaRPr lang="fr-FR" sz="3200" dirty="0">
+              <a:solidFill>
+                <a:schemeClr val="bg1"/>
+              </a:solidFill>
+            </a:endParaRPr>
+          </a:p>
+          <a:p>
+            <a:pPr algn="ctr"/>
+            <a:r>
+              <a:rPr lang="fr-FR" sz="3200" dirty="0">
+                <a:solidFill>
+                  <a:schemeClr val="bg1"/>
+                </a:solidFill>
+              </a:rPr>
+              <a:t> 	</a:t>
+            </a:r>
+          </a:p>
+        </p:txBody>
+      </p:sp>
+      <p:pic>
+        <p:nvPicPr>
+          <p:cNvPr id="3" name="Image 2">
+            <a:extLst>
+              <a:ext uri="{FF2B5EF4-FFF2-40B4-BE49-F238E27FC236}">
+                <a16:creationId xmlns:a16="http://schemas.microsoft.com/office/drawing/2014/main" id="{AFC96897-AD8E-D373-C4F4-9EF0B0F05643}"/>
+              </a:ext>
+            </a:extLst>
+          </p:cNvPr>
+          <p:cNvPicPr>
+            <a:picLocks noChangeAspect="1"/>
+          </p:cNvPicPr>
+          <p:nvPr/>
+        </p:nvPicPr>
+        <p:blipFill>
+          <a:blip r:embed="rId2"/>
+          <a:stretch>
+            <a:fillRect/>
+          </a:stretch>
+        </p:blipFill>
+        <p:spPr>
+          <a:xfrm>
+            <a:off x="3868970" y="4147609"/>
+            <a:ext cx="7459116" cy="1428949"/>
+          </a:xfrm>
+          <a:prstGeom prst="rect">
+            <a:avLst/>
+          </a:prstGeom>
+        </p:spPr>
+      </p:pic>
+      <p:pic>
+        <p:nvPicPr>
+          <p:cNvPr id="5" name="Image 4">
+            <a:extLst>
+              <a:ext uri="{FF2B5EF4-FFF2-40B4-BE49-F238E27FC236}">
+                <a16:creationId xmlns:a16="http://schemas.microsoft.com/office/drawing/2014/main" id="{52C84588-13F5-EADD-9916-FA0CA50171B2}"/>
+              </a:ext>
+            </a:extLst>
+          </p:cNvPr>
+          <p:cNvPicPr>
+            <a:picLocks noChangeAspect="1"/>
+          </p:cNvPicPr>
+          <p:nvPr/>
+        </p:nvPicPr>
+        <p:blipFill>
+          <a:blip r:embed="rId3"/>
+          <a:stretch>
+            <a:fillRect/>
+          </a:stretch>
+        </p:blipFill>
+        <p:spPr>
+          <a:xfrm>
+            <a:off x="3901208" y="1849272"/>
+            <a:ext cx="5115639" cy="609685"/>
+          </a:xfrm>
+          <a:prstGeom prst="rect">
+            <a:avLst/>
+          </a:prstGeom>
+        </p:spPr>
+      </p:pic>
+      <p:pic>
+        <p:nvPicPr>
+          <p:cNvPr id="8" name="Image 7">
+            <a:extLst>
+              <a:ext uri="{FF2B5EF4-FFF2-40B4-BE49-F238E27FC236}">
+                <a16:creationId xmlns:a16="http://schemas.microsoft.com/office/drawing/2014/main" id="{8CB7D903-4C2E-1B5A-F20C-5167F0C12463}"/>
+              </a:ext>
+            </a:extLst>
+          </p:cNvPr>
+          <p:cNvPicPr>
+            <a:picLocks noChangeAspect="1"/>
+          </p:cNvPicPr>
+          <p:nvPr/>
+        </p:nvPicPr>
+        <p:blipFill>
+          <a:blip r:embed="rId4"/>
+          <a:stretch>
+            <a:fillRect/>
+          </a:stretch>
+        </p:blipFill>
+        <p:spPr>
+          <a:xfrm>
+            <a:off x="3901208" y="2633347"/>
+            <a:ext cx="5115639" cy="420213"/>
+          </a:xfrm>
+          <a:prstGeom prst="rect">
+            <a:avLst/>
+          </a:prstGeom>
+        </p:spPr>
+      </p:pic>
+      <p:pic>
+        <p:nvPicPr>
+          <p:cNvPr id="14" name="Image 13">
+            <a:extLst>
+              <a:ext uri="{FF2B5EF4-FFF2-40B4-BE49-F238E27FC236}">
+                <a16:creationId xmlns:a16="http://schemas.microsoft.com/office/drawing/2014/main" id="{2564CBBE-2F8E-7904-FB65-A7A773C43922}"/>
+              </a:ext>
+            </a:extLst>
+          </p:cNvPr>
+          <p:cNvPicPr>
+            <a:picLocks noChangeAspect="1"/>
+          </p:cNvPicPr>
+          <p:nvPr/>
+        </p:nvPicPr>
+        <p:blipFill>
+          <a:blip r:embed="rId5"/>
+          <a:stretch>
+            <a:fillRect/>
+          </a:stretch>
+        </p:blipFill>
+        <p:spPr>
+          <a:xfrm>
+            <a:off x="3868970" y="3280703"/>
+            <a:ext cx="7990568" cy="609685"/>
+          </a:xfrm>
+          <a:prstGeom prst="rect">
+            <a:avLst/>
+          </a:prstGeom>
+        </p:spPr>
+      </p:pic>
+    </p:spTree>
+    <p:extLst>
+      <p:ext uri="{BB962C8B-B14F-4D97-AF65-F5344CB8AC3E}">
+        <p14:creationId xmlns:p14="http://schemas.microsoft.com/office/powerpoint/2010/main" val="4289093736"/>
+      </p:ext>
+    </p:extLst>
+  </p:cSld>
+  <p:clrMapOvr>
+    <a:masterClrMapping/>
+  </p:clrMapOvr>
+  <p:timing>
+    <p:tnLst>
+      <p:par>
+        <p:cTn id="1" dur="indefinite" restart="never" nodeType="tmRoot">
+          <p:childTnLst>
+            <p:seq concurrent="1" nextAc="seek">
+              <p:cTn id="2" dur="indefinite" nodeType="mainSeq">
+                <p:childTnLst>
+                  <p:par>
+                    <p:cTn id="3" fill="hold">
+                      <p:stCondLst>
+                        <p:cond delay="indefinite"/>
+                      </p:stCondLst>
+                      <p:childTnLst>
+                        <p:par>
+                          <p:cTn id="4" fill="hold">
+                            <p:stCondLst>
+                              <p:cond delay="0"/>
+                            </p:stCondLst>
+                            <p:childTnLst>
+                              <p:par>
+                                <p:cTn id="5" presetID="10" presetClass="exit" presetSubtype="0" fill="hold" grpId="0" nodeType="clickEffect">
+                                  <p:stCondLst>
+                                    <p:cond delay="0"/>
+                                  </p:stCondLst>
+                                  <p:childTnLst>
+                                    <p:animEffect transition="out" filter="fade">
+                                      <p:cBhvr>
+                                        <p:cTn id="6" dur="500"/>
+                                        <p:tgtEl>
+                                          <p:spTgt spid="11"/>
+                                        </p:tgtEl>
+                                      </p:cBhvr>
+                                    </p:animEffect>
+                                    <p:set>
+                                      <p:cBhvr>
+                                        <p:cTn id="7" dur="1" fill="hold">
+                                          <p:stCondLst>
+                                            <p:cond delay="499"/>
+                                          </p:stCondLst>
+                                        </p:cTn>
+                                        <p:tgtEl>
+                                          <p:spTgt spid="11"/>
+                                        </p:tgtEl>
+                                        <p:attrNameLst>
+                                          <p:attrName>style.visibility</p:attrName>
+                                        </p:attrNameLst>
+                                      </p:cBhvr>
+                                      <p:to>
+                                        <p:strVal val="hidden"/>
+                                      </p:to>
+                                    </p:set>
+                                  </p:childTnLst>
+                                </p:cTn>
+                              </p:par>
+                            </p:childTnLst>
+                          </p:cTn>
+                        </p:par>
+                      </p:childTnLst>
+                    </p:cTn>
+                  </p:par>
+                </p:childTnLst>
+              </p:cTn>
+              <p:prevCondLst>
+                <p:cond evt="onPrev" delay="0">
+                  <p:tgtEl>
+                    <p:sldTgt/>
+                  </p:tgtEl>
+                </p:cond>
+              </p:prevCondLst>
+              <p:nextCondLst>
+                <p:cond evt="onNext" delay="0">
+                  <p:tgtEl>
+                    <p:sldTgt/>
+                  </p:tgtEl>
+                </p:cond>
+              </p:nextCondLst>
+            </p:seq>
+          </p:childTnLst>
+        </p:cTn>
+      </p:par>
+    </p:tnLst>
+    <p:bldLst>
+      <p:bldP spid="11" grpId="0"/>
+    </p:bldLst>
+  </p:timing>
+</p:sld>
+</file>
+
+<file path=ppt/slides/slide6.xml><?xml version="1.0" encoding="utf-8"?>
+<p:sld xmlns:a="http://schemas.openxmlformats.org/drawingml/2006/main" xmlns:r="http://schemas.openxmlformats.org/officeDocument/2006/relationships" xmlns:p="http://schemas.openxmlformats.org/presentationml/2006/main">
+  <p:cSld>
+    <p:spTree>
+      <p:nvGrpSpPr>
+        <p:cNvPr id="1" name="">
+          <a:extLst>
+            <a:ext uri="{FF2B5EF4-FFF2-40B4-BE49-F238E27FC236}">
+              <a16:creationId xmlns:a16="http://schemas.microsoft.com/office/drawing/2014/main" id="{774798B5-9AE5-B4FC-DB3D-D8D7C51E630D}"/>
+            </a:ext>
+          </a:extLst>
+        </p:cNvPr>
+        <p:cNvGrpSpPr/>
+        <p:nvPr/>
+      </p:nvGrpSpPr>
+      <p:grpSpPr>
+        <a:xfrm>
+          <a:off x="0" y="0"/>
+          <a:ext cx="0" cy="0"/>
+          <a:chOff x="0" y="0"/>
+          <a:chExt cx="0" cy="0"/>
+        </a:xfrm>
+      </p:grpSpPr>
+      <p:sp>
+        <p:nvSpPr>
+          <p:cNvPr id="2" name="Title 1">
+            <a:extLst>
+              <a:ext uri="{FF2B5EF4-FFF2-40B4-BE49-F238E27FC236}">
+                <a16:creationId xmlns:a16="http://schemas.microsoft.com/office/drawing/2014/main" id="{C38B83EC-E619-9EC5-52EC-0893687E3C78}"/>
+              </a:ext>
+            </a:extLst>
+          </p:cNvPr>
+          <p:cNvSpPr>
+            <a:spLocks noGrp="1"/>
+          </p:cNvSpPr>
+          <p:nvPr>
+            <p:ph type="title"/>
+          </p:nvPr>
+        </p:nvSpPr>
+        <p:spPr>
+          <a:xfrm>
+            <a:off x="2940802" y="233679"/>
+            <a:ext cx="8420100" cy="581981"/>
+          </a:xfrm>
+        </p:spPr>
+        <p:txBody>
+          <a:bodyPr/>
+          <a:lstStyle/>
+          <a:p>
+            <a:r>
+              <a:rPr lang="en-US" dirty="0"/>
+              <a:t>Number of song per genre</a:t>
+            </a:r>
+          </a:p>
+        </p:txBody>
+      </p:sp>
+      <p:sp>
+        <p:nvSpPr>
+          <p:cNvPr id="8" name="Slide Number Placeholder 7">
+            <a:extLst>
+              <a:ext uri="{FF2B5EF4-FFF2-40B4-BE49-F238E27FC236}">
+                <a16:creationId xmlns:a16="http://schemas.microsoft.com/office/drawing/2014/main" id="{6909981F-3B3B-F7F0-7C6C-A85DB960E57C}"/>
+              </a:ext>
+            </a:extLst>
+          </p:cNvPr>
+          <p:cNvSpPr>
+            <a:spLocks noGrp="1"/>
+          </p:cNvSpPr>
+          <p:nvPr>
+            <p:ph type="sldNum" sz="quarter" idx="12"/>
+          </p:nvPr>
+        </p:nvSpPr>
+        <p:spPr>
+          <a:xfrm>
+            <a:off x="10373350" y="6356349"/>
+            <a:ext cx="987552" cy="365125"/>
+          </a:xfrm>
+        </p:spPr>
+        <p:txBody>
+          <a:bodyPr/>
+          <a:lstStyle/>
+          <a:p>
+            <a:fld id="{A49DFD55-3C28-40EF-9E31-A92D2E4017FF}" type="slidenum">
+              <a:rPr lang="en-US" sz="1400" smtClean="0"/>
+              <a:pPr/>
+              <a:t>6</a:t>
+            </a:fld>
+            <a:endParaRPr lang="en-US" sz="1400" dirty="0"/>
+          </a:p>
+        </p:txBody>
+      </p:sp>
+      <p:pic>
+        <p:nvPicPr>
+          <p:cNvPr id="6" name="Image 5">
+            <a:extLst>
+              <a:ext uri="{FF2B5EF4-FFF2-40B4-BE49-F238E27FC236}">
+                <a16:creationId xmlns:a16="http://schemas.microsoft.com/office/drawing/2014/main" id="{D7CAEB46-FDB0-092F-741B-5986AC48A03A}"/>
+              </a:ext>
+            </a:extLst>
+          </p:cNvPr>
+          <p:cNvPicPr>
+            <a:picLocks noChangeAspect="1"/>
+          </p:cNvPicPr>
+          <p:nvPr/>
+        </p:nvPicPr>
+        <p:blipFill>
+          <a:blip r:embed="rId3"/>
+          <a:stretch>
+            <a:fillRect/>
+          </a:stretch>
+        </p:blipFill>
+        <p:spPr>
+          <a:xfrm>
+            <a:off x="1385887" y="1004571"/>
+            <a:ext cx="9420225" cy="5619750"/>
+          </a:xfrm>
+          <a:prstGeom prst="rect">
+            <a:avLst/>
+          </a:prstGeom>
+        </p:spPr>
+      </p:pic>
+    </p:spTree>
+    <p:extLst>
+      <p:ext uri="{BB962C8B-B14F-4D97-AF65-F5344CB8AC3E}">
+        <p14:creationId xmlns:p14="http://schemas.microsoft.com/office/powerpoint/2010/main" val="4003877423"/>
+      </p:ext>
+    </p:extLst>
+  </p:cSld>
+  <p:clrMapOvr>
+    <a:masterClrMapping/>
+  </p:clrMapOvr>
+</p:sld>
+</file>
+
+<file path=ppt/slides/slide7.xml><?xml version="1.0" encoding="utf-8"?>
 <p:sld xmlns:a="http://schemas.openxmlformats.org/drawingml/2006/main" xmlns:r="http://schemas.openxmlformats.org/officeDocument/2006/relationships" xmlns:p="http://schemas.openxmlformats.org/presentationml/2006/main">
   <p:cSld>
     <p:spTree>
@@ -9287,7 +12015,7 @@
                 </a:solidFill>
               </a:rPr>
               <a:pPr algn="r"/>
-              <a:t>3</a:t>
+              <a:t>7</a:t>
             </a:fld>
             <a:endParaRPr lang="en-US" sz="1400" dirty="0">
               <a:solidFill>
@@ -9303,834 +12031,6 @@
     <p:extLst>
       <p:ext uri="{BB962C8B-B14F-4D97-AF65-F5344CB8AC3E}">
         <p14:creationId xmlns:p14="http://schemas.microsoft.com/office/powerpoint/2010/main" val="608796113"/>
-      </p:ext>
-    </p:extLst>
-  </p:cSld>
-  <p:clrMapOvr>
-    <a:masterClrMapping/>
-  </p:clrMapOvr>
-</p:sld>
-</file>
-
-<file path=ppt/slides/slide4.xml><?xml version="1.0" encoding="utf-8"?>
-<p:sld xmlns:a="http://schemas.openxmlformats.org/drawingml/2006/main" xmlns:r="http://schemas.openxmlformats.org/officeDocument/2006/relationships" xmlns:p="http://schemas.openxmlformats.org/presentationml/2006/main">
-  <p:cSld>
-    <p:spTree>
-      <p:nvGrpSpPr>
-        <p:cNvPr id="1" name=""/>
-        <p:cNvGrpSpPr/>
-        <p:nvPr/>
-      </p:nvGrpSpPr>
-      <p:grpSpPr>
-        <a:xfrm>
-          <a:off x="0" y="0"/>
-          <a:ext cx="0" cy="0"/>
-          <a:chOff x="0" y="0"/>
-          <a:chExt cx="0" cy="0"/>
-        </a:xfrm>
-      </p:grpSpPr>
-      <p:sp>
-        <p:nvSpPr>
-          <p:cNvPr id="2" name="Title 1">
-            <a:extLst>
-              <a:ext uri="{FF2B5EF4-FFF2-40B4-BE49-F238E27FC236}">
-                <a16:creationId xmlns:a16="http://schemas.microsoft.com/office/drawing/2014/main" id="{A95E2E6A-35EC-1B8E-0FD7-8C67870ACA64}"/>
-              </a:ext>
-            </a:extLst>
-          </p:cNvPr>
-          <p:cNvSpPr>
-            <a:spLocks noGrp="1"/>
-          </p:cNvSpPr>
-          <p:nvPr>
-            <p:ph type="title"/>
-          </p:nvPr>
-        </p:nvSpPr>
-        <p:spPr>
-          <a:xfrm>
-            <a:off x="2940802" y="233679"/>
-            <a:ext cx="8420100" cy="581981"/>
-          </a:xfrm>
-        </p:spPr>
-        <p:txBody>
-          <a:bodyPr/>
-          <a:lstStyle/>
-          <a:p>
-            <a:r>
-              <a:rPr lang="en-US" dirty="0"/>
-              <a:t>Distances</a:t>
-            </a:r>
-          </a:p>
-        </p:txBody>
-      </p:sp>
-      <p:sp>
-        <p:nvSpPr>
-          <p:cNvPr id="12" name="Text Placeholder 11">
-            <a:extLst>
-              <a:ext uri="{FF2B5EF4-FFF2-40B4-BE49-F238E27FC236}">
-                <a16:creationId xmlns:a16="http://schemas.microsoft.com/office/drawing/2014/main" id="{554B61B9-26F6-B304-92CD-03053DAAF2A8}"/>
-              </a:ext>
-            </a:extLst>
-          </p:cNvPr>
-          <p:cNvSpPr>
-            <a:spLocks noGrp="1"/>
-          </p:cNvSpPr>
-          <p:nvPr>
-            <p:ph type="body" idx="1"/>
-          </p:nvPr>
-        </p:nvSpPr>
-        <p:spPr>
-          <a:xfrm>
-            <a:off x="5408928" y="815660"/>
-            <a:ext cx="1374140" cy="464499"/>
-          </a:xfrm>
-        </p:spPr>
-        <p:txBody>
-          <a:bodyPr/>
-          <a:lstStyle/>
-          <a:p>
-            <a:pPr algn="ctr"/>
-            <a:r>
-              <a:rPr lang="en-US" dirty="0"/>
-              <a:t>Euclidean</a:t>
-            </a:r>
-          </a:p>
-        </p:txBody>
-      </p:sp>
-      <p:sp>
-        <p:nvSpPr>
-          <p:cNvPr id="8" name="Slide Number Placeholder 7">
-            <a:extLst>
-              <a:ext uri="{FF2B5EF4-FFF2-40B4-BE49-F238E27FC236}">
-                <a16:creationId xmlns:a16="http://schemas.microsoft.com/office/drawing/2014/main" id="{8F44A959-C2BB-9170-C99C-1A2EDB71B994}"/>
-              </a:ext>
-            </a:extLst>
-          </p:cNvPr>
-          <p:cNvSpPr>
-            <a:spLocks noGrp="1"/>
-          </p:cNvSpPr>
-          <p:nvPr>
-            <p:ph type="sldNum" sz="quarter" idx="12"/>
-          </p:nvPr>
-        </p:nvSpPr>
-        <p:spPr>
-          <a:xfrm>
-            <a:off x="10373350" y="6356349"/>
-            <a:ext cx="987552" cy="365125"/>
-          </a:xfrm>
-        </p:spPr>
-        <p:txBody>
-          <a:bodyPr/>
-          <a:lstStyle/>
-          <a:p>
-            <a:fld id="{A49DFD55-3C28-40EF-9E31-A92D2E4017FF}" type="slidenum">
-              <a:rPr lang="en-US" sz="1400" smtClean="0"/>
-              <a:pPr/>
-              <a:t>4</a:t>
-            </a:fld>
-            <a:endParaRPr lang="en-US" sz="1400" dirty="0"/>
-          </a:p>
-        </p:txBody>
-      </p:sp>
-      <p:pic>
-        <p:nvPicPr>
-          <p:cNvPr id="7" name="Image 1" descr="Une image contenant texte, capture d’écran, Tracé, diagramme&#10;&#10;Description générée automatiquement">
-            <a:extLst>
-              <a:ext uri="{FF2B5EF4-FFF2-40B4-BE49-F238E27FC236}">
-                <a16:creationId xmlns:a16="http://schemas.microsoft.com/office/drawing/2014/main" id="{29B765C2-AEF0-62F9-1F3F-6FE996E60877}"/>
-              </a:ext>
-            </a:extLst>
-          </p:cNvPr>
-          <p:cNvPicPr>
-            <a:picLocks noChangeAspect="1"/>
-          </p:cNvPicPr>
-          <p:nvPr/>
-        </p:nvPicPr>
-        <p:blipFill>
-          <a:blip r:embed="rId3"/>
-          <a:stretch>
-            <a:fillRect/>
-          </a:stretch>
-        </p:blipFill>
-        <p:spPr>
-          <a:xfrm>
-            <a:off x="666396" y="1280159"/>
-            <a:ext cx="10859208" cy="4772450"/>
-          </a:xfrm>
-          <a:prstGeom prst="rect">
-            <a:avLst/>
-          </a:prstGeom>
-        </p:spPr>
-      </p:pic>
-    </p:spTree>
-    <p:extLst>
-      <p:ext uri="{BB962C8B-B14F-4D97-AF65-F5344CB8AC3E}">
-        <p14:creationId xmlns:p14="http://schemas.microsoft.com/office/powerpoint/2010/main" val="103458723"/>
-      </p:ext>
-    </p:extLst>
-  </p:cSld>
-  <p:clrMapOvr>
-    <a:masterClrMapping/>
-  </p:clrMapOvr>
-</p:sld>
-</file>
-
-<file path=ppt/slides/slide5.xml><?xml version="1.0" encoding="utf-8"?>
-<p:sld xmlns:a="http://schemas.openxmlformats.org/drawingml/2006/main" xmlns:r="http://schemas.openxmlformats.org/officeDocument/2006/relationships" xmlns:p="http://schemas.openxmlformats.org/presentationml/2006/main">
-  <p:cSld>
-    <p:spTree>
-      <p:nvGrpSpPr>
-        <p:cNvPr id="1" name=""/>
-        <p:cNvGrpSpPr/>
-        <p:nvPr/>
-      </p:nvGrpSpPr>
-      <p:grpSpPr>
-        <a:xfrm>
-          <a:off x="0" y="0"/>
-          <a:ext cx="0" cy="0"/>
-          <a:chOff x="0" y="0"/>
-          <a:chExt cx="0" cy="0"/>
-        </a:xfrm>
-      </p:grpSpPr>
-      <p:sp>
-        <p:nvSpPr>
-          <p:cNvPr id="3" name="Text Placeholder 2">
-            <a:extLst>
-              <a:ext uri="{FF2B5EF4-FFF2-40B4-BE49-F238E27FC236}">
-                <a16:creationId xmlns:a16="http://schemas.microsoft.com/office/drawing/2014/main" id="{93FE2839-5C3F-FCD5-DF7A-F86E4ABF9642}"/>
-              </a:ext>
-            </a:extLst>
-          </p:cNvPr>
-          <p:cNvSpPr>
-            <a:spLocks noGrp="1"/>
-          </p:cNvSpPr>
-          <p:nvPr>
-            <p:ph type="body" idx="1"/>
-          </p:nvPr>
-        </p:nvSpPr>
-        <p:spPr>
-          <a:xfrm>
-            <a:off x="4133850" y="815660"/>
-            <a:ext cx="3924300" cy="464499"/>
-          </a:xfrm>
-        </p:spPr>
-        <p:txBody>
-          <a:bodyPr/>
-          <a:lstStyle/>
-          <a:p>
-            <a:pPr algn="ctr"/>
-            <a:r>
-              <a:rPr lang="en-US" dirty="0"/>
-              <a:t>Manhattan</a:t>
-            </a:r>
-          </a:p>
-        </p:txBody>
-      </p:sp>
-      <p:sp>
-        <p:nvSpPr>
-          <p:cNvPr id="7" name="Slide Number Placeholder 6">
-            <a:extLst>
-              <a:ext uri="{FF2B5EF4-FFF2-40B4-BE49-F238E27FC236}">
-                <a16:creationId xmlns:a16="http://schemas.microsoft.com/office/drawing/2014/main" id="{7704EEB3-8F34-BA8E-4FE1-E69BFCEA7AA3}"/>
-              </a:ext>
-            </a:extLst>
-          </p:cNvPr>
-          <p:cNvSpPr>
-            <a:spLocks noGrp="1"/>
-          </p:cNvSpPr>
-          <p:nvPr>
-            <p:ph type="sldNum" sz="quarter" idx="12"/>
-          </p:nvPr>
-        </p:nvSpPr>
-        <p:spPr/>
-        <p:txBody>
-          <a:bodyPr/>
-          <a:lstStyle/>
-          <a:p>
-            <a:fld id="{A49DFD55-3C28-40EF-9E31-A92D2E4017FF}" type="slidenum">
-              <a:rPr lang="en-US" sz="1400" smtClean="0"/>
-              <a:pPr/>
-              <a:t>5</a:t>
-            </a:fld>
-            <a:endParaRPr lang="en-US" sz="1400" dirty="0"/>
-          </a:p>
-        </p:txBody>
-      </p:sp>
-      <p:sp>
-        <p:nvSpPr>
-          <p:cNvPr id="8" name="Title 1">
-            <a:extLst>
-              <a:ext uri="{FF2B5EF4-FFF2-40B4-BE49-F238E27FC236}">
-                <a16:creationId xmlns:a16="http://schemas.microsoft.com/office/drawing/2014/main" id="{9693C4F9-6474-76B4-EB2C-691D327D0AAC}"/>
-              </a:ext>
-            </a:extLst>
-          </p:cNvPr>
-          <p:cNvSpPr txBox="1">
-            <a:spLocks/>
-          </p:cNvSpPr>
-          <p:nvPr/>
-        </p:nvSpPr>
-        <p:spPr>
-          <a:xfrm>
-            <a:off x="2940802" y="233679"/>
-            <a:ext cx="8420100" cy="581981"/>
-          </a:xfrm>
-          <a:prstGeom prst="rect">
-            <a:avLst/>
-          </a:prstGeom>
-        </p:spPr>
-        <p:txBody>
-          <a:bodyPr vert="horz" lIns="91440" tIns="45720" rIns="91440" bIns="45720" rtlCol="0" anchor="b">
-            <a:normAutofit/>
-          </a:bodyPr>
-          <a:lstStyle>
-            <a:lvl1pPr algn="l" defTabSz="914400" rtl="0" eaLnBrk="1" latinLnBrk="0" hangingPunct="1">
-              <a:lnSpc>
-                <a:spcPct val="90000"/>
-              </a:lnSpc>
-              <a:spcBef>
-                <a:spcPct val="0"/>
-              </a:spcBef>
-              <a:buNone/>
-              <a:defRPr lang="en-US" sz="2800" kern="1200" cap="all" spc="150" baseline="0" dirty="0">
-                <a:solidFill>
-                  <a:schemeClr val="tx1"/>
-                </a:solidFill>
-                <a:latin typeface="+mj-lt"/>
-                <a:ea typeface="+mj-ea"/>
-                <a:cs typeface="+mj-cs"/>
-              </a:defRPr>
-            </a:lvl1pPr>
-          </a:lstStyle>
-          <a:p>
-            <a:r>
-              <a:rPr lang="en-US"/>
-              <a:t>Distances</a:t>
-            </a:r>
-          </a:p>
-        </p:txBody>
-      </p:sp>
-      <p:pic>
-        <p:nvPicPr>
-          <p:cNvPr id="9" name="Image 1" descr="Une image contenant texte, capture d’écran, Tracé, ligne&#10;&#10;Description générée automatiquement">
-            <a:extLst>
-              <a:ext uri="{FF2B5EF4-FFF2-40B4-BE49-F238E27FC236}">
-                <a16:creationId xmlns:a16="http://schemas.microsoft.com/office/drawing/2014/main" id="{21FB28AC-B328-1E59-A3BB-670D10CED8DA}"/>
-              </a:ext>
-            </a:extLst>
-          </p:cNvPr>
-          <p:cNvPicPr>
-            <a:picLocks noChangeAspect="1"/>
-          </p:cNvPicPr>
-          <p:nvPr/>
-        </p:nvPicPr>
-        <p:blipFill>
-          <a:blip r:embed="rId2"/>
-          <a:stretch>
-            <a:fillRect/>
-          </a:stretch>
-        </p:blipFill>
-        <p:spPr>
-          <a:xfrm>
-            <a:off x="637703" y="1280159"/>
-            <a:ext cx="10916594" cy="4797669"/>
-          </a:xfrm>
-          <a:prstGeom prst="rect">
-            <a:avLst/>
-          </a:prstGeom>
-        </p:spPr>
-      </p:pic>
-    </p:spTree>
-    <p:extLst>
-      <p:ext uri="{BB962C8B-B14F-4D97-AF65-F5344CB8AC3E}">
-        <p14:creationId xmlns:p14="http://schemas.microsoft.com/office/powerpoint/2010/main" val="2800015208"/>
-      </p:ext>
-    </p:extLst>
-  </p:cSld>
-  <p:clrMapOvr>
-    <a:masterClrMapping/>
-  </p:clrMapOvr>
-</p:sld>
-</file>
-
-<file path=ppt/slides/slide6.xml><?xml version="1.0" encoding="utf-8"?>
-<p:sld xmlns:a="http://schemas.openxmlformats.org/drawingml/2006/main" xmlns:r="http://schemas.openxmlformats.org/officeDocument/2006/relationships" xmlns:p="http://schemas.openxmlformats.org/presentationml/2006/main">
-  <p:cSld>
-    <p:spTree>
-      <p:nvGrpSpPr>
-        <p:cNvPr id="1" name=""/>
-        <p:cNvGrpSpPr/>
-        <p:nvPr/>
-      </p:nvGrpSpPr>
-      <p:grpSpPr>
-        <a:xfrm>
-          <a:off x="0" y="0"/>
-          <a:ext cx="0" cy="0"/>
-          <a:chOff x="0" y="0"/>
-          <a:chExt cx="0" cy="0"/>
-        </a:xfrm>
-      </p:grpSpPr>
-      <p:sp>
-        <p:nvSpPr>
-          <p:cNvPr id="2" name="Title 1">
-            <a:extLst>
-              <a:ext uri="{FF2B5EF4-FFF2-40B4-BE49-F238E27FC236}">
-                <a16:creationId xmlns:a16="http://schemas.microsoft.com/office/drawing/2014/main" id="{0A32731C-311B-46F7-A865-6C3AF6B09A47}"/>
-              </a:ext>
-            </a:extLst>
-          </p:cNvPr>
-          <p:cNvSpPr>
-            <a:spLocks noGrp="1"/>
-          </p:cNvSpPr>
-          <p:nvPr>
-            <p:ph type="title"/>
-          </p:nvPr>
-        </p:nvSpPr>
-        <p:spPr>
-          <a:xfrm>
-            <a:off x="7716761" y="0"/>
-            <a:ext cx="7288282" cy="2111745"/>
-          </a:xfrm>
-        </p:spPr>
-        <p:txBody>
-          <a:bodyPr/>
-          <a:lstStyle/>
-          <a:p>
-            <a:r>
-              <a:rPr lang="en-US" dirty="0"/>
-              <a:t>CONFUSION MATRIX</a:t>
-            </a:r>
-          </a:p>
-        </p:txBody>
-      </p:sp>
-      <p:sp>
-        <p:nvSpPr>
-          <p:cNvPr id="14" name="Slide Number Placeholder 5">
-            <a:extLst>
-              <a:ext uri="{FF2B5EF4-FFF2-40B4-BE49-F238E27FC236}">
-                <a16:creationId xmlns:a16="http://schemas.microsoft.com/office/drawing/2014/main" id="{ECE635A2-70B8-3EAB-6A18-952B02EBAA1E}"/>
-              </a:ext>
-            </a:extLst>
-          </p:cNvPr>
-          <p:cNvSpPr>
-            <a:spLocks noGrp="1"/>
-          </p:cNvSpPr>
-          <p:nvPr>
-            <p:ph type="sldNum" sz="quarter" idx="12"/>
-          </p:nvPr>
-        </p:nvSpPr>
-        <p:spPr>
-          <a:xfrm>
-            <a:off x="10373350" y="6356349"/>
-            <a:ext cx="987552" cy="365125"/>
-          </a:xfrm>
-        </p:spPr>
-        <p:txBody>
-          <a:bodyPr/>
-          <a:lstStyle/>
-          <a:p>
-            <a:fld id="{A49DFD55-3C28-40EF-9E31-A92D2E4017FF}" type="slidenum">
-              <a:rPr lang="en-US" sz="1400" smtClean="0"/>
-              <a:pPr/>
-              <a:t>6</a:t>
-            </a:fld>
-            <a:endParaRPr lang="en-US" sz="1400" dirty="0"/>
-          </a:p>
-        </p:txBody>
-      </p:sp>
-      <p:pic>
-        <p:nvPicPr>
-          <p:cNvPr id="6" name="Image 1" descr="Une image contenant texte, capture d’écran, Parallèle, nombre&#10;&#10;Description générée automatiquement">
-            <a:extLst>
-              <a:ext uri="{FF2B5EF4-FFF2-40B4-BE49-F238E27FC236}">
-                <a16:creationId xmlns:a16="http://schemas.microsoft.com/office/drawing/2014/main" id="{197802E8-7EE1-6558-CCB8-C706371F2944}"/>
-              </a:ext>
-            </a:extLst>
-          </p:cNvPr>
-          <p:cNvPicPr>
-            <a:picLocks noChangeAspect="1"/>
-          </p:cNvPicPr>
-          <p:nvPr/>
-        </p:nvPicPr>
-        <p:blipFill>
-          <a:blip r:embed="rId3"/>
-          <a:stretch>
-            <a:fillRect/>
-          </a:stretch>
-        </p:blipFill>
-        <p:spPr>
-          <a:xfrm>
-            <a:off x="0" y="0"/>
-            <a:ext cx="6334366" cy="6858000"/>
-          </a:xfrm>
-          <a:prstGeom prst="rect">
-            <a:avLst/>
-          </a:prstGeom>
-        </p:spPr>
-      </p:pic>
-    </p:spTree>
-    <p:extLst>
-      <p:ext uri="{BB962C8B-B14F-4D97-AF65-F5344CB8AC3E}">
-        <p14:creationId xmlns:p14="http://schemas.microsoft.com/office/powerpoint/2010/main" val="3571516367"/>
-      </p:ext>
-    </p:extLst>
-  </p:cSld>
-  <p:clrMapOvr>
-    <a:masterClrMapping/>
-  </p:clrMapOvr>
-</p:sld>
-</file>
-
-<file path=ppt/slides/slide7.xml><?xml version="1.0" encoding="utf-8"?>
-<p:sld xmlns:a="http://schemas.openxmlformats.org/drawingml/2006/main" xmlns:r="http://schemas.openxmlformats.org/officeDocument/2006/relationships" xmlns:p="http://schemas.openxmlformats.org/presentationml/2006/main">
-  <p:cSld>
-    <p:spTree>
-      <p:nvGrpSpPr>
-        <p:cNvPr id="1" name=""/>
-        <p:cNvGrpSpPr/>
-        <p:nvPr/>
-      </p:nvGrpSpPr>
-      <p:grpSpPr>
-        <a:xfrm>
-          <a:off x="0" y="0"/>
-          <a:ext cx="0" cy="0"/>
-          <a:chOff x="0" y="0"/>
-          <a:chExt cx="0" cy="0"/>
-        </a:xfrm>
-      </p:grpSpPr>
-      <p:sp>
-        <p:nvSpPr>
-          <p:cNvPr id="8" name="Title 7">
-            <a:extLst>
-              <a:ext uri="{FF2B5EF4-FFF2-40B4-BE49-F238E27FC236}">
-                <a16:creationId xmlns:a16="http://schemas.microsoft.com/office/drawing/2014/main" id="{906E9E3B-D912-124C-3C75-CF92A4452F89}"/>
-              </a:ext>
-            </a:extLst>
-          </p:cNvPr>
-          <p:cNvSpPr>
-            <a:spLocks noGrp="1"/>
-          </p:cNvSpPr>
-          <p:nvPr>
-            <p:ph type="title"/>
-          </p:nvPr>
-        </p:nvSpPr>
-        <p:spPr>
-          <a:xfrm>
-            <a:off x="5476874" y="1671639"/>
-            <a:ext cx="5884027" cy="1204912"/>
-          </a:xfrm>
-        </p:spPr>
-        <p:txBody>
-          <a:bodyPr anchor="b">
-            <a:normAutofit/>
-          </a:bodyPr>
-          <a:lstStyle/>
-          <a:p>
-            <a:r>
-              <a:rPr lang="en-US" dirty="0"/>
-              <a:t>Random forest classifier</a:t>
-            </a:r>
-          </a:p>
-        </p:txBody>
-      </p:sp>
-      <p:pic>
-        <p:nvPicPr>
-          <p:cNvPr id="1026" name="Picture 2" descr="Random Forest | Python Machine Learning">
-            <a:extLst>
-              <a:ext uri="{FF2B5EF4-FFF2-40B4-BE49-F238E27FC236}">
-                <a16:creationId xmlns:a16="http://schemas.microsoft.com/office/drawing/2014/main" id="{5CC5CB69-F7A7-A728-F797-6D6D4F39CD9C}"/>
-              </a:ext>
-            </a:extLst>
-          </p:cNvPr>
-          <p:cNvPicPr>
-            <a:picLocks noChangeAspect="1" noChangeArrowheads="1"/>
-          </p:cNvPicPr>
-          <p:nvPr/>
-        </p:nvPicPr>
-        <p:blipFill>
-          <a:blip r:embed="rId3">
-            <a:extLst>
-              <a:ext uri="{28A0092B-C50C-407E-A947-70E740481C1C}">
-                <a14:useLocalDpi xmlns:a14="http://schemas.microsoft.com/office/drawing/2010/main" val="0"/>
-              </a:ext>
-            </a:extLst>
-          </a:blip>
-          <a:srcRect l="29292" r="25577" b="2"/>
-          <a:stretch/>
-        </p:blipFill>
-        <p:spPr bwMode="auto">
-          <a:xfrm>
-            <a:off x="-28230" y="-9144"/>
-            <a:ext cx="5481955" cy="6876288"/>
-          </a:xfrm>
-          <a:custGeom>
-            <a:avLst/>
-            <a:gdLst>
-              <a:gd name="connsiteX0" fmla="*/ 0 w 5476875"/>
-              <a:gd name="connsiteY0" fmla="*/ 0 h 6858000"/>
-              <a:gd name="connsiteX1" fmla="*/ 5476875 w 5476875"/>
-              <a:gd name="connsiteY1" fmla="*/ 0 h 6858000"/>
-              <a:gd name="connsiteX2" fmla="*/ 5476875 w 5476875"/>
-              <a:gd name="connsiteY2" fmla="*/ 6858000 h 6858000"/>
-              <a:gd name="connsiteX3" fmla="*/ 0 w 5476875"/>
-              <a:gd name="connsiteY3" fmla="*/ 6858000 h 6858000"/>
-              <a:gd name="connsiteX4" fmla="*/ 0 w 5476875"/>
-              <a:gd name="connsiteY4" fmla="*/ 0 h 6858000"/>
-              <a:gd name="connsiteX0" fmla="*/ 0 w 5476875"/>
-              <a:gd name="connsiteY0" fmla="*/ 0 h 6858000"/>
-              <a:gd name="connsiteX1" fmla="*/ 2520315 w 5476875"/>
-              <a:gd name="connsiteY1" fmla="*/ 0 h 6858000"/>
-              <a:gd name="connsiteX2" fmla="*/ 5476875 w 5476875"/>
-              <a:gd name="connsiteY2" fmla="*/ 6858000 h 6858000"/>
-              <a:gd name="connsiteX3" fmla="*/ 0 w 5476875"/>
-              <a:gd name="connsiteY3" fmla="*/ 6858000 h 6858000"/>
-              <a:gd name="connsiteX4" fmla="*/ 0 w 5476875"/>
-              <a:gd name="connsiteY4" fmla="*/ 0 h 6858000"/>
-              <a:gd name="connsiteX0" fmla="*/ 5080 w 5481955"/>
-              <a:gd name="connsiteY0" fmla="*/ 0 h 6858000"/>
-              <a:gd name="connsiteX1" fmla="*/ 2525395 w 5481955"/>
-              <a:gd name="connsiteY1" fmla="*/ 0 h 6858000"/>
-              <a:gd name="connsiteX2" fmla="*/ 5481955 w 5481955"/>
-              <a:gd name="connsiteY2" fmla="*/ 6858000 h 6858000"/>
-              <a:gd name="connsiteX3" fmla="*/ 5080 w 5481955"/>
-              <a:gd name="connsiteY3" fmla="*/ 6858000 h 6858000"/>
-              <a:gd name="connsiteX4" fmla="*/ 0 w 5481955"/>
-              <a:gd name="connsiteY4" fmla="*/ 4805680 h 6858000"/>
-              <a:gd name="connsiteX5" fmla="*/ 5080 w 5481955"/>
-              <a:gd name="connsiteY5" fmla="*/ 0 h 6858000"/>
-              <a:gd name="connsiteX0" fmla="*/ 5080 w 5481955"/>
-              <a:gd name="connsiteY0" fmla="*/ 0 h 6863080"/>
-              <a:gd name="connsiteX1" fmla="*/ 2525395 w 5481955"/>
-              <a:gd name="connsiteY1" fmla="*/ 0 h 6863080"/>
-              <a:gd name="connsiteX2" fmla="*/ 5481955 w 5481955"/>
-              <a:gd name="connsiteY2" fmla="*/ 6858000 h 6863080"/>
-              <a:gd name="connsiteX3" fmla="*/ 899160 w 5481955"/>
-              <a:gd name="connsiteY3" fmla="*/ 6863080 h 6863080"/>
-              <a:gd name="connsiteX4" fmla="*/ 0 w 5481955"/>
-              <a:gd name="connsiteY4" fmla="*/ 4805680 h 6863080"/>
-              <a:gd name="connsiteX5" fmla="*/ 5080 w 5481955"/>
-              <a:gd name="connsiteY5" fmla="*/ 0 h 6863080"/>
-              <a:gd name="connsiteX0" fmla="*/ 5080 w 5481955"/>
-              <a:gd name="connsiteY0" fmla="*/ 0 h 6863080"/>
-              <a:gd name="connsiteX1" fmla="*/ 2525395 w 5481955"/>
-              <a:gd name="connsiteY1" fmla="*/ 0 h 6863080"/>
-              <a:gd name="connsiteX2" fmla="*/ 5481955 w 5481955"/>
-              <a:gd name="connsiteY2" fmla="*/ 6858000 h 6863080"/>
-              <a:gd name="connsiteX3" fmla="*/ 899160 w 5481955"/>
-              <a:gd name="connsiteY3" fmla="*/ 6863080 h 6863080"/>
-              <a:gd name="connsiteX4" fmla="*/ 0 w 5481955"/>
-              <a:gd name="connsiteY4" fmla="*/ 4805680 h 6863080"/>
-              <a:gd name="connsiteX5" fmla="*/ 5080 w 5481955"/>
-              <a:gd name="connsiteY5" fmla="*/ 0 h 6863080"/>
-              <a:gd name="connsiteX0" fmla="*/ 5080 w 5481955"/>
-              <a:gd name="connsiteY0" fmla="*/ 0 h 6863080"/>
-              <a:gd name="connsiteX1" fmla="*/ 2525395 w 5481955"/>
-              <a:gd name="connsiteY1" fmla="*/ 0 h 6863080"/>
-              <a:gd name="connsiteX2" fmla="*/ 5481955 w 5481955"/>
-              <a:gd name="connsiteY2" fmla="*/ 6858000 h 6863080"/>
-              <a:gd name="connsiteX3" fmla="*/ 899160 w 5481955"/>
-              <a:gd name="connsiteY3" fmla="*/ 6863080 h 6863080"/>
-              <a:gd name="connsiteX4" fmla="*/ 0 w 5481955"/>
-              <a:gd name="connsiteY4" fmla="*/ 4805680 h 6863080"/>
-              <a:gd name="connsiteX5" fmla="*/ 5080 w 5481955"/>
-              <a:gd name="connsiteY5" fmla="*/ 0 h 6863080"/>
-              <a:gd name="connsiteX0" fmla="*/ 5080 w 5481955"/>
-              <a:gd name="connsiteY0" fmla="*/ 0 h 6863080"/>
-              <a:gd name="connsiteX1" fmla="*/ 2525395 w 5481955"/>
-              <a:gd name="connsiteY1" fmla="*/ 0 h 6863080"/>
-              <a:gd name="connsiteX2" fmla="*/ 5481955 w 5481955"/>
-              <a:gd name="connsiteY2" fmla="*/ 6858000 h 6863080"/>
-              <a:gd name="connsiteX3" fmla="*/ 899160 w 5481955"/>
-              <a:gd name="connsiteY3" fmla="*/ 6863080 h 6863080"/>
-              <a:gd name="connsiteX4" fmla="*/ 0 w 5481955"/>
-              <a:gd name="connsiteY4" fmla="*/ 4759960 h 6863080"/>
-              <a:gd name="connsiteX5" fmla="*/ 5080 w 5481955"/>
-              <a:gd name="connsiteY5" fmla="*/ 0 h 6863080"/>
-              <a:gd name="connsiteX0" fmla="*/ 5080 w 5481955"/>
-              <a:gd name="connsiteY0" fmla="*/ 0 h 6863080"/>
-              <a:gd name="connsiteX1" fmla="*/ 2525395 w 5481955"/>
-              <a:gd name="connsiteY1" fmla="*/ 0 h 6863080"/>
-              <a:gd name="connsiteX2" fmla="*/ 5481955 w 5481955"/>
-              <a:gd name="connsiteY2" fmla="*/ 6858000 h 6863080"/>
-              <a:gd name="connsiteX3" fmla="*/ 899160 w 5481955"/>
-              <a:gd name="connsiteY3" fmla="*/ 6863080 h 6863080"/>
-              <a:gd name="connsiteX4" fmla="*/ 0 w 5481955"/>
-              <a:gd name="connsiteY4" fmla="*/ 4759960 h 6863080"/>
-              <a:gd name="connsiteX5" fmla="*/ 5080 w 5481955"/>
-              <a:gd name="connsiteY5" fmla="*/ 0 h 6863080"/>
-            </a:gdLst>
-            <a:ahLst/>
-            <a:cxnLst>
-              <a:cxn ang="0">
-                <a:pos x="connsiteX0" y="connsiteY0"/>
-              </a:cxn>
-              <a:cxn ang="0">
-                <a:pos x="connsiteX1" y="connsiteY1"/>
-              </a:cxn>
-              <a:cxn ang="0">
-                <a:pos x="connsiteX2" y="connsiteY2"/>
-              </a:cxn>
-              <a:cxn ang="0">
-                <a:pos x="connsiteX3" y="connsiteY3"/>
-              </a:cxn>
-              <a:cxn ang="0">
-                <a:pos x="connsiteX4" y="connsiteY4"/>
-              </a:cxn>
-              <a:cxn ang="0">
-                <a:pos x="connsiteX5" y="connsiteY5"/>
-              </a:cxn>
-            </a:cxnLst>
-            <a:rect l="l" t="t" r="r" b="b"/>
-            <a:pathLst>
-              <a:path w="5481955" h="6863080">
-                <a:moveTo>
-                  <a:pt x="5080" y="0"/>
-                </a:moveTo>
-                <a:lnTo>
-                  <a:pt x="2525395" y="0"/>
-                </a:lnTo>
-                <a:lnTo>
-                  <a:pt x="5481955" y="6858000"/>
-                </a:lnTo>
-                <a:lnTo>
-                  <a:pt x="899160" y="6863080"/>
-                </a:lnTo>
-                <a:cubicBezTo>
-                  <a:pt x="506307" y="5933440"/>
-                  <a:pt x="413173" y="5720080"/>
-                  <a:pt x="0" y="4759960"/>
-                </a:cubicBezTo>
-                <a:cubicBezTo>
-                  <a:pt x="1693" y="3158067"/>
-                  <a:pt x="3387" y="1601893"/>
-                  <a:pt x="5080" y="0"/>
-                </a:cubicBezTo>
-                <a:close/>
-              </a:path>
-            </a:pathLst>
-          </a:custGeom>
-          <a:solidFill>
-            <a:srgbClr val="FFFFFF"/>
-          </a:solidFill>
-          <a:extLst>
-            <a:ext uri="{909E8E84-426E-40DD-AFC4-6F175D3DCCD1}">
-              <a14:hiddenFill xmlns:a14="http://schemas.microsoft.com/office/drawing/2010/main">
-                <a:solidFill>
-                  <a:srgbClr val="FFFFFF"/>
-                </a:solidFill>
-              </a14:hiddenFill>
-            </a:ext>
-          </a:extLst>
-        </p:spPr>
-      </p:pic>
-      <p:sp>
-        <p:nvSpPr>
-          <p:cNvPr id="5" name="Slide Number Placeholder 5">
-            <a:extLst>
-              <a:ext uri="{FF2B5EF4-FFF2-40B4-BE49-F238E27FC236}">
-                <a16:creationId xmlns:a16="http://schemas.microsoft.com/office/drawing/2014/main" id="{B02A8827-B1A1-2D2F-D6DD-E886B886C43E}"/>
-              </a:ext>
-            </a:extLst>
-          </p:cNvPr>
-          <p:cNvSpPr>
-            <a:spLocks noGrp="1"/>
-          </p:cNvSpPr>
-          <p:nvPr>
-            <p:ph type="sldNum" sz="quarter" idx="12"/>
-          </p:nvPr>
-        </p:nvSpPr>
-        <p:spPr>
-          <a:xfrm>
-            <a:off x="10373350" y="6356349"/>
-            <a:ext cx="987552" cy="365125"/>
-          </a:xfrm>
-        </p:spPr>
-        <p:txBody>
-          <a:bodyPr anchor="ctr">
-            <a:normAutofit/>
-          </a:bodyPr>
-          <a:lstStyle/>
-          <a:p>
-            <a:pPr>
-              <a:spcAft>
-                <a:spcPts val="600"/>
-              </a:spcAft>
-            </a:pPr>
-            <a:fld id="{A49DFD55-3C28-40EF-9E31-A92D2E4017FF}" type="slidenum">
-              <a:rPr lang="en-US" sz="1400" smtClean="0"/>
-              <a:pPr>
-                <a:spcAft>
-                  <a:spcPts val="600"/>
-                </a:spcAft>
-              </a:pPr>
-              <a:t>7</a:t>
-            </a:fld>
-            <a:endParaRPr lang="en-US" sz="1400"/>
-          </a:p>
-        </p:txBody>
-      </p:sp>
-      <p:sp>
-        <p:nvSpPr>
-          <p:cNvPr id="6" name="Content Placeholder 5">
-            <a:extLst>
-              <a:ext uri="{FF2B5EF4-FFF2-40B4-BE49-F238E27FC236}">
-                <a16:creationId xmlns:a16="http://schemas.microsoft.com/office/drawing/2014/main" id="{E31E7948-6FE5-FD0E-11E6-4D620A2A7D21}"/>
-              </a:ext>
-            </a:extLst>
-          </p:cNvPr>
-          <p:cNvSpPr>
-            <a:spLocks noGrp="1"/>
-          </p:cNvSpPr>
-          <p:nvPr>
-            <p:ph sz="half" idx="14"/>
-          </p:nvPr>
-        </p:nvSpPr>
-        <p:spPr>
-          <a:xfrm>
-            <a:off x="5453725" y="3660774"/>
-            <a:ext cx="5907176" cy="2536826"/>
-          </a:xfrm>
-        </p:spPr>
-        <p:txBody>
-          <a:bodyPr>
-            <a:normAutofit/>
-          </a:bodyPr>
-          <a:lstStyle/>
-          <a:p>
-            <a:pPr marL="285750" indent="-285750">
-              <a:buFontTx/>
-              <a:buChar char="-"/>
-            </a:pPr>
-            <a:r>
-              <a:rPr lang="en-US" dirty="0"/>
-              <a:t>Group of Decision Trees</a:t>
-            </a:r>
-          </a:p>
-          <a:p>
-            <a:pPr marL="285750" indent="-285750">
-              <a:buFontTx/>
-              <a:buChar char="-"/>
-            </a:pPr>
-            <a:r>
-              <a:rPr lang="en-US" dirty="0"/>
-              <a:t>Randomness</a:t>
-            </a:r>
-          </a:p>
-          <a:p>
-            <a:pPr marL="285750" indent="-285750">
-              <a:buFontTx/>
-              <a:buChar char="-"/>
-            </a:pPr>
-            <a:r>
-              <a:rPr lang="en-US" dirty="0"/>
-              <a:t>Vote</a:t>
-            </a:r>
-          </a:p>
-        </p:txBody>
-      </p:sp>
-    </p:spTree>
-    <p:extLst>
-      <p:ext uri="{BB962C8B-B14F-4D97-AF65-F5344CB8AC3E}">
-        <p14:creationId xmlns:p14="http://schemas.microsoft.com/office/powerpoint/2010/main" val="1713219598"/>
       </p:ext>
     </p:extLst>
   </p:cSld>
@@ -10145,7 +12045,13 @@
   <p:cSld>
     <p:spTree>
       <p:nvGrpSpPr>
-        <p:cNvPr id="1" name=""/>
+        <p:cNvPr id="1" name="">
+          <a:extLst>
+            <a:ext uri="{FF2B5EF4-FFF2-40B4-BE49-F238E27FC236}">
+              <a16:creationId xmlns:a16="http://schemas.microsoft.com/office/drawing/2014/main" id="{939A0F12-8EEB-4F20-CC6A-4306C361B83B}"/>
+            </a:ext>
+          </a:extLst>
+        </p:cNvPr>
         <p:cNvGrpSpPr/>
         <p:nvPr/>
       </p:nvGrpSpPr>
@@ -10159,10 +12065,10 @@
       </p:grpSpPr>
       <p:sp>
         <p:nvSpPr>
-          <p:cNvPr id="3" name="Title 2">
-            <a:extLst>
-              <a:ext uri="{FF2B5EF4-FFF2-40B4-BE49-F238E27FC236}">
-                <a16:creationId xmlns:a16="http://schemas.microsoft.com/office/drawing/2014/main" id="{4321055C-5E33-5D21-2A6E-21827FA88ED3}"/>
+          <p:cNvPr id="2" name="Title 1">
+            <a:extLst>
+              <a:ext uri="{FF2B5EF4-FFF2-40B4-BE49-F238E27FC236}">
+                <a16:creationId xmlns:a16="http://schemas.microsoft.com/office/drawing/2014/main" id="{DAF97FD9-A64A-BFBC-74E1-CF151A52A439}"/>
               </a:ext>
             </a:extLst>
           </p:cNvPr>
@@ -10175,29 +12081,27 @@
         </p:nvSpPr>
         <p:spPr>
           <a:xfrm>
-            <a:off x="838201" y="895350"/>
-            <a:ext cx="3247662" cy="1917700"/>
-          </a:xfrm>
-        </p:spPr>
-        <p:txBody>
-          <a:bodyPr>
-            <a:normAutofit/>
-          </a:bodyPr>
+            <a:off x="2940802" y="233679"/>
+            <a:ext cx="8420100" cy="581981"/>
+          </a:xfrm>
+        </p:spPr>
+        <p:txBody>
+          <a:bodyPr/>
           <a:lstStyle/>
           <a:p>
             <a:r>
               <a:rPr lang="en-US" dirty="0"/>
-              <a:t>Confusion Matrix</a:t>
-            </a:r>
-          </a:p>
-        </p:txBody>
-      </p:sp>
-      <p:sp>
-        <p:nvSpPr>
-          <p:cNvPr id="5" name="Slide Number Placeholder 4">
-            <a:extLst>
-              <a:ext uri="{FF2B5EF4-FFF2-40B4-BE49-F238E27FC236}">
-                <a16:creationId xmlns:a16="http://schemas.microsoft.com/office/drawing/2014/main" id="{E74B0ADB-527F-A58C-9372-D8502ED6F918}"/>
+              <a:t>Distances</a:t>
+            </a:r>
+          </a:p>
+        </p:txBody>
+      </p:sp>
+      <p:sp>
+        <p:nvSpPr>
+          <p:cNvPr id="12" name="Text Placeholder 11">
+            <a:extLst>
+              <a:ext uri="{FF2B5EF4-FFF2-40B4-BE49-F238E27FC236}">
+                <a16:creationId xmlns:a16="http://schemas.microsoft.com/office/drawing/2014/main" id="{99748E11-B1CC-D863-D38E-1C08A532C0B8}"/>
               </a:ext>
             </a:extLst>
           </p:cNvPr>
@@ -10205,12 +12109,46 @@
             <a:spLocks noGrp="1"/>
           </p:cNvSpPr>
           <p:nvPr>
+            <p:ph type="body" idx="1"/>
+          </p:nvPr>
+        </p:nvSpPr>
+        <p:spPr>
+          <a:xfrm>
+            <a:off x="5408928" y="815660"/>
+            <a:ext cx="1374140" cy="464499"/>
+          </a:xfrm>
+        </p:spPr>
+        <p:txBody>
+          <a:bodyPr/>
+          <a:lstStyle/>
+          <a:p>
+            <a:pPr algn="ctr"/>
+            <a:r>
+              <a:rPr lang="en-US" dirty="0"/>
+              <a:t>Euclidean</a:t>
+            </a:r>
+          </a:p>
+        </p:txBody>
+      </p:sp>
+      <p:sp>
+        <p:nvSpPr>
+          <p:cNvPr id="8" name="Slide Number Placeholder 7">
+            <a:extLst>
+              <a:ext uri="{FF2B5EF4-FFF2-40B4-BE49-F238E27FC236}">
+                <a16:creationId xmlns:a16="http://schemas.microsoft.com/office/drawing/2014/main" id="{E4D965F2-3822-E8E2-7EDB-B77D981A6BB8}"/>
+              </a:ext>
+            </a:extLst>
+          </p:cNvPr>
+          <p:cNvSpPr>
+            <a:spLocks noGrp="1"/>
+          </p:cNvSpPr>
+          <p:nvPr>
             <p:ph type="sldNum" sz="quarter" idx="12"/>
           </p:nvPr>
         </p:nvSpPr>
         <p:spPr>
           <a:xfrm>
-            <a:off x="344425" y="6252176"/>
+            <a:off x="10373350" y="6356349"/>
             <a:ext cx="987552" cy="365125"/>
           </a:xfrm>
         </p:spPr>
@@ -10229,10 +12167,10 @@
       </p:sp>
       <p:pic>
         <p:nvPicPr>
-          <p:cNvPr id="9" name="Image 1" descr="Une image contenant texte, capture d’écran, Parallèle, carré&#10;&#10;Description générée automatiquement">
-            <a:extLst>
-              <a:ext uri="{FF2B5EF4-FFF2-40B4-BE49-F238E27FC236}">
-                <a16:creationId xmlns:a16="http://schemas.microsoft.com/office/drawing/2014/main" id="{B660041C-5326-4EEE-4DCC-63C0AF784C57}"/>
+          <p:cNvPr id="7" name="Image 1" descr="Une image contenant texte, capture d’écran, Tracé, diagramme&#10;&#10;Description générée automatiquement">
+            <a:extLst>
+              <a:ext uri="{FF2B5EF4-FFF2-40B4-BE49-F238E27FC236}">
+                <a16:creationId xmlns:a16="http://schemas.microsoft.com/office/drawing/2014/main" id="{FB25449A-F041-13BD-4038-7278B350581B}"/>
               </a:ext>
             </a:extLst>
           </p:cNvPr>
@@ -10249,248 +12187,18 @@
         </p:blipFill>
         <p:spPr>
           <a:xfrm>
-            <a:off x="5813778" y="0"/>
-            <a:ext cx="6378222" cy="6862804"/>
+            <a:off x="666396" y="1280159"/>
+            <a:ext cx="10859208" cy="4772450"/>
           </a:xfrm>
           <a:prstGeom prst="rect">
             <a:avLst/>
           </a:prstGeom>
         </p:spPr>
       </p:pic>
-      <p:sp>
-        <p:nvSpPr>
-          <p:cNvPr id="11" name="Content Placeholder 5">
-            <a:extLst>
-              <a:ext uri="{FF2B5EF4-FFF2-40B4-BE49-F238E27FC236}">
-                <a16:creationId xmlns:a16="http://schemas.microsoft.com/office/drawing/2014/main" id="{EE388F9C-3D44-485B-ECB4-DD0DD2BAB0E6}"/>
-              </a:ext>
-            </a:extLst>
-          </p:cNvPr>
-          <p:cNvSpPr txBox="1">
-            <a:spLocks/>
-          </p:cNvSpPr>
-          <p:nvPr/>
-        </p:nvSpPr>
-        <p:spPr>
-          <a:xfrm>
-            <a:off x="838201" y="2610907"/>
-            <a:ext cx="4207932" cy="2536826"/>
-          </a:xfrm>
-          <a:prstGeom prst="rect">
-            <a:avLst/>
-          </a:prstGeom>
-        </p:spPr>
-        <p:txBody>
-          <a:bodyPr vert="horz" lIns="91440" tIns="45720" rIns="91440" bIns="45720" rtlCol="0">
-            <a:normAutofit/>
-          </a:bodyPr>
-          <a:lstStyle>
-            <a:lvl1pPr marL="0" indent="0" algn="ctr" defTabSz="914400" rtl="0" eaLnBrk="1" latinLnBrk="0" hangingPunct="1">
-              <a:lnSpc>
-                <a:spcPct val="90000"/>
-              </a:lnSpc>
-              <a:spcBef>
-                <a:spcPts val="1000"/>
-              </a:spcBef>
-              <a:buFont typeface="Arial" panose="020B0604020202020204" pitchFamily="34" charset="0"/>
-              <a:buNone/>
-              <a:defRPr sz="2000" kern="1200">
-                <a:solidFill>
-                  <a:schemeClr val="tx1"/>
-                </a:solidFill>
-                <a:latin typeface="+mn-lt"/>
-                <a:ea typeface="+mn-ea"/>
-                <a:cs typeface="+mn-cs"/>
-              </a:defRPr>
-            </a:lvl1pPr>
-            <a:lvl2pPr marL="685800" indent="-228600" algn="l" defTabSz="914400" rtl="0" eaLnBrk="1" latinLnBrk="0" hangingPunct="1">
-              <a:lnSpc>
-                <a:spcPct val="90000"/>
-              </a:lnSpc>
-              <a:spcBef>
-                <a:spcPts val="500"/>
-              </a:spcBef>
-              <a:buFont typeface="Arial" panose="020B0604020202020204" pitchFamily="34" charset="0"/>
-              <a:buChar char="•"/>
-              <a:defRPr sz="2400" kern="1200">
-                <a:solidFill>
-                  <a:schemeClr val="tx1"/>
-                </a:solidFill>
-                <a:latin typeface="+mn-lt"/>
-                <a:ea typeface="+mn-ea"/>
-                <a:cs typeface="+mn-cs"/>
-              </a:defRPr>
-            </a:lvl2pPr>
-            <a:lvl3pPr marL="1143000" indent="-228600" algn="l" defTabSz="914400" rtl="0" eaLnBrk="1" latinLnBrk="0" hangingPunct="1">
-              <a:lnSpc>
-                <a:spcPct val="90000"/>
-              </a:lnSpc>
-              <a:spcBef>
-                <a:spcPts val="500"/>
-              </a:spcBef>
-              <a:buFont typeface="Arial" panose="020B0604020202020204" pitchFamily="34" charset="0"/>
-              <a:buChar char="•"/>
-              <a:defRPr sz="2000" kern="1200">
-                <a:solidFill>
-                  <a:schemeClr val="tx1"/>
-                </a:solidFill>
-                <a:latin typeface="+mn-lt"/>
-                <a:ea typeface="+mn-ea"/>
-                <a:cs typeface="+mn-cs"/>
-              </a:defRPr>
-            </a:lvl3pPr>
-            <a:lvl4pPr marL="1600200" indent="-228600" algn="l" defTabSz="914400" rtl="0" eaLnBrk="1" latinLnBrk="0" hangingPunct="1">
-              <a:lnSpc>
-                <a:spcPct val="90000"/>
-              </a:lnSpc>
-              <a:spcBef>
-                <a:spcPts val="500"/>
-              </a:spcBef>
-              <a:buFont typeface="Arial" panose="020B0604020202020204" pitchFamily="34" charset="0"/>
-              <a:buChar char="•"/>
-              <a:defRPr sz="1800" kern="1200">
-                <a:solidFill>
-                  <a:schemeClr val="tx1"/>
-                </a:solidFill>
-                <a:latin typeface="+mn-lt"/>
-                <a:ea typeface="+mn-ea"/>
-                <a:cs typeface="+mn-cs"/>
-              </a:defRPr>
-            </a:lvl4pPr>
-            <a:lvl5pPr marL="2057400" indent="-228600" algn="l" defTabSz="914400" rtl="0" eaLnBrk="1" latinLnBrk="0" hangingPunct="1">
-              <a:lnSpc>
-                <a:spcPct val="90000"/>
-              </a:lnSpc>
-              <a:spcBef>
-                <a:spcPts val="500"/>
-              </a:spcBef>
-              <a:buFont typeface="Arial" panose="020B0604020202020204" pitchFamily="34" charset="0"/>
-              <a:buChar char="•"/>
-              <a:defRPr sz="1800" kern="1200">
-                <a:solidFill>
-                  <a:schemeClr val="tx1"/>
-                </a:solidFill>
-                <a:latin typeface="+mn-lt"/>
-                <a:ea typeface="+mn-ea"/>
-                <a:cs typeface="+mn-cs"/>
-              </a:defRPr>
-            </a:lvl5pPr>
-            <a:lvl6pPr marL="2514600" indent="-228600" algn="l" defTabSz="914400" rtl="0" eaLnBrk="1" latinLnBrk="0" hangingPunct="1">
-              <a:lnSpc>
-                <a:spcPct val="90000"/>
-              </a:lnSpc>
-              <a:spcBef>
-                <a:spcPts val="500"/>
-              </a:spcBef>
-              <a:buFont typeface="Arial" panose="020B0604020202020204" pitchFamily="34" charset="0"/>
-              <a:buChar char="•"/>
-              <a:defRPr sz="1800" kern="1200">
-                <a:solidFill>
-                  <a:schemeClr val="tx1"/>
-                </a:solidFill>
-                <a:latin typeface="+mn-lt"/>
-                <a:ea typeface="+mn-ea"/>
-                <a:cs typeface="+mn-cs"/>
-              </a:defRPr>
-            </a:lvl6pPr>
-            <a:lvl7pPr marL="2971800" indent="-228600" algn="l" defTabSz="914400" rtl="0" eaLnBrk="1" latinLnBrk="0" hangingPunct="1">
-              <a:lnSpc>
-                <a:spcPct val="90000"/>
-              </a:lnSpc>
-              <a:spcBef>
-                <a:spcPts val="500"/>
-              </a:spcBef>
-              <a:buFont typeface="Arial" panose="020B0604020202020204" pitchFamily="34" charset="0"/>
-              <a:buChar char="•"/>
-              <a:defRPr sz="1800" kern="1200">
-                <a:solidFill>
-                  <a:schemeClr val="tx1"/>
-                </a:solidFill>
-                <a:latin typeface="+mn-lt"/>
-                <a:ea typeface="+mn-ea"/>
-                <a:cs typeface="+mn-cs"/>
-              </a:defRPr>
-            </a:lvl7pPr>
-            <a:lvl8pPr marL="3429000" indent="-228600" algn="l" defTabSz="914400" rtl="0" eaLnBrk="1" latinLnBrk="0" hangingPunct="1">
-              <a:lnSpc>
-                <a:spcPct val="90000"/>
-              </a:lnSpc>
-              <a:spcBef>
-                <a:spcPts val="500"/>
-              </a:spcBef>
-              <a:buFont typeface="Arial" panose="020B0604020202020204" pitchFamily="34" charset="0"/>
-              <a:buChar char="•"/>
-              <a:defRPr sz="1800" kern="1200">
-                <a:solidFill>
-                  <a:schemeClr val="tx1"/>
-                </a:solidFill>
-                <a:latin typeface="+mn-lt"/>
-                <a:ea typeface="+mn-ea"/>
-                <a:cs typeface="+mn-cs"/>
-              </a:defRPr>
-            </a:lvl8pPr>
-            <a:lvl9pPr marL="3886200" indent="-228600" algn="l" defTabSz="914400" rtl="0" eaLnBrk="1" latinLnBrk="0" hangingPunct="1">
-              <a:lnSpc>
-                <a:spcPct val="90000"/>
-              </a:lnSpc>
-              <a:spcBef>
-                <a:spcPts val="500"/>
-              </a:spcBef>
-              <a:buFont typeface="Arial" panose="020B0604020202020204" pitchFamily="34" charset="0"/>
-              <a:buChar char="•"/>
-              <a:defRPr sz="1800" kern="1200">
-                <a:solidFill>
-                  <a:schemeClr val="tx1"/>
-                </a:solidFill>
-                <a:latin typeface="+mn-lt"/>
-                <a:ea typeface="+mn-ea"/>
-                <a:cs typeface="+mn-cs"/>
-              </a:defRPr>
-            </a:lvl9pPr>
-          </a:lstStyle>
-          <a:p>
-            <a:pPr marL="285750" indent="-285750" algn="l">
-              <a:buFontTx/>
-              <a:buChar char="-"/>
-            </a:pPr>
-            <a:r>
-              <a:rPr lang="en-US" dirty="0"/>
-              <a:t>Indie concentration</a:t>
-            </a:r>
-          </a:p>
-          <a:p>
-            <a:pPr marL="285750" indent="-285750" algn="l">
-              <a:buFontTx/>
-              <a:buChar char="-"/>
-            </a:pPr>
-            <a:r>
-              <a:rPr lang="en-US" dirty="0"/>
-              <a:t>Good classes</a:t>
-            </a:r>
-          </a:p>
-          <a:p>
-            <a:pPr marL="285750" indent="-285750" algn="l">
-              <a:buFontTx/>
-              <a:buChar char="-"/>
-            </a:pPr>
-            <a:r>
-              <a:rPr lang="en-US" dirty="0"/>
-              <a:t>Bad classes</a:t>
-            </a:r>
-          </a:p>
-          <a:p>
-            <a:pPr marL="285750" indent="-285750" algn="l">
-              <a:buFontTx/>
-              <a:buChar char="-"/>
-            </a:pPr>
-            <a:endParaRPr lang="en-US" dirty="0"/>
-          </a:p>
-        </p:txBody>
-      </p:sp>
     </p:spTree>
     <p:extLst>
       <p:ext uri="{BB962C8B-B14F-4D97-AF65-F5344CB8AC3E}">
-        <p14:creationId xmlns:p14="http://schemas.microsoft.com/office/powerpoint/2010/main" val="1658164610"/>
+        <p14:creationId xmlns:p14="http://schemas.microsoft.com/office/powerpoint/2010/main" val="1224820308"/>
       </p:ext>
     </p:extLst>
   </p:cSld>
@@ -10522,7 +12230,7 @@
           <p:cNvPr id="2" name="Title 1">
             <a:extLst>
               <a:ext uri="{FF2B5EF4-FFF2-40B4-BE49-F238E27FC236}">
-                <a16:creationId xmlns:a16="http://schemas.microsoft.com/office/drawing/2014/main" id="{566C97BE-403B-122E-90D1-2788978A0B6F}"/>
+                <a16:creationId xmlns:a16="http://schemas.microsoft.com/office/drawing/2014/main" id="{A95E2E6A-35EC-1B8E-0FD7-8C67870ACA64}"/>
               </a:ext>
             </a:extLst>
           </p:cNvPr>
@@ -10530,13 +12238,13 @@
             <a:spLocks noGrp="1"/>
           </p:cNvSpPr>
           <p:nvPr>
-            <p:ph type="ctrTitle"/>
-          </p:nvPr>
-        </p:nvSpPr>
-        <p:spPr>
-          <a:xfrm>
-            <a:off x="6991350" y="406401"/>
-            <a:ext cx="4179570" cy="2672080"/>
+            <p:ph type="title"/>
+          </p:nvPr>
+        </p:nvSpPr>
+        <p:spPr>
+          <a:xfrm>
+            <a:off x="2940802" y="233679"/>
+            <a:ext cx="8420100" cy="581981"/>
           </a:xfrm>
         </p:spPr>
         <p:txBody>
@@ -10545,411 +12253,114 @@
           <a:p>
             <a:r>
               <a:rPr lang="en-US" dirty="0"/>
-              <a:t>Support Vector Machine</a:t>
-            </a:r>
-          </a:p>
-        </p:txBody>
-      </p:sp>
-      <p:sp>
-        <p:nvSpPr>
-          <p:cNvPr id="5" name="Content Placeholder 5">
-            <a:extLst>
-              <a:ext uri="{FF2B5EF4-FFF2-40B4-BE49-F238E27FC236}">
-                <a16:creationId xmlns:a16="http://schemas.microsoft.com/office/drawing/2014/main" id="{A20C879D-9E61-6302-CE12-8ED81C0CBAC4}"/>
-              </a:ext>
-            </a:extLst>
-          </p:cNvPr>
-          <p:cNvSpPr txBox="1">
-            <a:spLocks/>
-          </p:cNvSpPr>
+              <a:t>Distances</a:t>
+            </a:r>
+          </a:p>
+        </p:txBody>
+      </p:sp>
+      <p:sp>
+        <p:nvSpPr>
+          <p:cNvPr id="12" name="Text Placeholder 11">
+            <a:extLst>
+              <a:ext uri="{FF2B5EF4-FFF2-40B4-BE49-F238E27FC236}">
+                <a16:creationId xmlns:a16="http://schemas.microsoft.com/office/drawing/2014/main" id="{554B61B9-26F6-B304-92CD-03053DAAF2A8}"/>
+              </a:ext>
+            </a:extLst>
+          </p:cNvPr>
+          <p:cNvSpPr>
+            <a:spLocks noGrp="1"/>
+          </p:cNvSpPr>
+          <p:nvPr>
+            <p:ph type="body" idx="1"/>
+          </p:nvPr>
+        </p:nvSpPr>
+        <p:spPr>
+          <a:xfrm>
+            <a:off x="5408928" y="815660"/>
+            <a:ext cx="1374140" cy="464499"/>
+          </a:xfrm>
+        </p:spPr>
+        <p:txBody>
+          <a:bodyPr/>
+          <a:lstStyle/>
+          <a:p>
+            <a:pPr algn="ctr"/>
+            <a:r>
+              <a:rPr lang="en-US" dirty="0"/>
+              <a:t>Euclidean</a:t>
+            </a:r>
+          </a:p>
+        </p:txBody>
+      </p:sp>
+      <p:sp>
+        <p:nvSpPr>
+          <p:cNvPr id="8" name="Slide Number Placeholder 7">
+            <a:extLst>
+              <a:ext uri="{FF2B5EF4-FFF2-40B4-BE49-F238E27FC236}">
+                <a16:creationId xmlns:a16="http://schemas.microsoft.com/office/drawing/2014/main" id="{8F44A959-C2BB-9170-C99C-1A2EDB71B994}"/>
+              </a:ext>
+            </a:extLst>
+          </p:cNvPr>
+          <p:cNvSpPr>
+            <a:spLocks noGrp="1"/>
+          </p:cNvSpPr>
+          <p:nvPr>
+            <p:ph type="sldNum" sz="quarter" idx="12"/>
+          </p:nvPr>
+        </p:nvSpPr>
+        <p:spPr>
+          <a:xfrm>
+            <a:off x="10373350" y="6356349"/>
+            <a:ext cx="987552" cy="365125"/>
+          </a:xfrm>
+        </p:spPr>
+        <p:txBody>
+          <a:bodyPr/>
+          <a:lstStyle/>
+          <a:p>
+            <a:fld id="{A49DFD55-3C28-40EF-9E31-A92D2E4017FF}" type="slidenum">
+              <a:rPr lang="en-US" sz="1400" smtClean="0"/>
+              <a:pPr/>
+              <a:t>9</a:t>
+            </a:fld>
+            <a:endParaRPr lang="en-US" sz="1400" dirty="0"/>
+          </a:p>
+        </p:txBody>
+      </p:sp>
+      <p:pic>
+        <p:nvPicPr>
+          <p:cNvPr id="7" name="Image 1" descr="Une image contenant texte, capture d’écran, Tracé, diagramme&#10;&#10;Description générée automatiquement">
+            <a:extLst>
+              <a:ext uri="{FF2B5EF4-FFF2-40B4-BE49-F238E27FC236}">
+                <a16:creationId xmlns:a16="http://schemas.microsoft.com/office/drawing/2014/main" id="{29B765C2-AEF0-62F9-1F3F-6FE996E60877}"/>
+              </a:ext>
+            </a:extLst>
+          </p:cNvPr>
+          <p:cNvPicPr>
+            <a:picLocks noChangeAspect="1"/>
+          </p:cNvPicPr>
           <p:nvPr/>
-        </p:nvSpPr>
-        <p:spPr>
-          <a:xfrm>
-            <a:off x="6991350" y="3779520"/>
-            <a:ext cx="4207932" cy="2536826"/>
+        </p:nvPicPr>
+        <p:blipFill>
+          <a:blip r:embed="rId3"/>
+          <a:stretch>
+            <a:fillRect/>
+          </a:stretch>
+        </p:blipFill>
+        <p:spPr>
+          <a:xfrm>
+            <a:off x="666396" y="1280159"/>
+            <a:ext cx="10859208" cy="4772450"/>
           </a:xfrm>
           <a:prstGeom prst="rect">
             <a:avLst/>
           </a:prstGeom>
         </p:spPr>
-        <p:txBody>
-          <a:bodyPr vert="horz" lIns="91440" tIns="45720" rIns="91440" bIns="45720" rtlCol="0">
-            <a:normAutofit/>
-          </a:bodyPr>
-          <a:lstStyle>
-            <a:lvl1pPr marL="0" indent="0" algn="ctr" defTabSz="914400" rtl="0" eaLnBrk="1" latinLnBrk="0" hangingPunct="1">
-              <a:lnSpc>
-                <a:spcPct val="90000"/>
-              </a:lnSpc>
-              <a:spcBef>
-                <a:spcPts val="1000"/>
-              </a:spcBef>
-              <a:buFont typeface="Arial" panose="020B0604020202020204" pitchFamily="34" charset="0"/>
-              <a:buNone/>
-              <a:defRPr sz="2000" kern="1200">
-                <a:solidFill>
-                  <a:schemeClr val="tx1"/>
-                </a:solidFill>
-                <a:latin typeface="+mn-lt"/>
-                <a:ea typeface="+mn-ea"/>
-                <a:cs typeface="+mn-cs"/>
-              </a:defRPr>
-            </a:lvl1pPr>
-            <a:lvl2pPr marL="685800" indent="-228600" algn="l" defTabSz="914400" rtl="0" eaLnBrk="1" latinLnBrk="0" hangingPunct="1">
-              <a:lnSpc>
-                <a:spcPct val="90000"/>
-              </a:lnSpc>
-              <a:spcBef>
-                <a:spcPts val="500"/>
-              </a:spcBef>
-              <a:buFont typeface="Arial" panose="020B0604020202020204" pitchFamily="34" charset="0"/>
-              <a:buChar char="•"/>
-              <a:defRPr sz="2400" kern="1200">
-                <a:solidFill>
-                  <a:schemeClr val="tx1"/>
-                </a:solidFill>
-                <a:latin typeface="+mn-lt"/>
-                <a:ea typeface="+mn-ea"/>
-                <a:cs typeface="+mn-cs"/>
-              </a:defRPr>
-            </a:lvl2pPr>
-            <a:lvl3pPr marL="1143000" indent="-228600" algn="l" defTabSz="914400" rtl="0" eaLnBrk="1" latinLnBrk="0" hangingPunct="1">
-              <a:lnSpc>
-                <a:spcPct val="90000"/>
-              </a:lnSpc>
-              <a:spcBef>
-                <a:spcPts val="500"/>
-              </a:spcBef>
-              <a:buFont typeface="Arial" panose="020B0604020202020204" pitchFamily="34" charset="0"/>
-              <a:buChar char="•"/>
-              <a:defRPr sz="2000" kern="1200">
-                <a:solidFill>
-                  <a:schemeClr val="tx1"/>
-                </a:solidFill>
-                <a:latin typeface="+mn-lt"/>
-                <a:ea typeface="+mn-ea"/>
-                <a:cs typeface="+mn-cs"/>
-              </a:defRPr>
-            </a:lvl3pPr>
-            <a:lvl4pPr marL="1600200" indent="-228600" algn="l" defTabSz="914400" rtl="0" eaLnBrk="1" latinLnBrk="0" hangingPunct="1">
-              <a:lnSpc>
-                <a:spcPct val="90000"/>
-              </a:lnSpc>
-              <a:spcBef>
-                <a:spcPts val="500"/>
-              </a:spcBef>
-              <a:buFont typeface="Arial" panose="020B0604020202020204" pitchFamily="34" charset="0"/>
-              <a:buChar char="•"/>
-              <a:defRPr sz="1800" kern="1200">
-                <a:solidFill>
-                  <a:schemeClr val="tx1"/>
-                </a:solidFill>
-                <a:latin typeface="+mn-lt"/>
-                <a:ea typeface="+mn-ea"/>
-                <a:cs typeface="+mn-cs"/>
-              </a:defRPr>
-            </a:lvl4pPr>
-            <a:lvl5pPr marL="2057400" indent="-228600" algn="l" defTabSz="914400" rtl="0" eaLnBrk="1" latinLnBrk="0" hangingPunct="1">
-              <a:lnSpc>
-                <a:spcPct val="90000"/>
-              </a:lnSpc>
-              <a:spcBef>
-                <a:spcPts val="500"/>
-              </a:spcBef>
-              <a:buFont typeface="Arial" panose="020B0604020202020204" pitchFamily="34" charset="0"/>
-              <a:buChar char="•"/>
-              <a:defRPr sz="1800" kern="1200">
-                <a:solidFill>
-                  <a:schemeClr val="tx1"/>
-                </a:solidFill>
-                <a:latin typeface="+mn-lt"/>
-                <a:ea typeface="+mn-ea"/>
-                <a:cs typeface="+mn-cs"/>
-              </a:defRPr>
-            </a:lvl5pPr>
-            <a:lvl6pPr marL="2514600" indent="-228600" algn="l" defTabSz="914400" rtl="0" eaLnBrk="1" latinLnBrk="0" hangingPunct="1">
-              <a:lnSpc>
-                <a:spcPct val="90000"/>
-              </a:lnSpc>
-              <a:spcBef>
-                <a:spcPts val="500"/>
-              </a:spcBef>
-              <a:buFont typeface="Arial" panose="020B0604020202020204" pitchFamily="34" charset="0"/>
-              <a:buChar char="•"/>
-              <a:defRPr sz="1800" kern="1200">
-                <a:solidFill>
-                  <a:schemeClr val="tx1"/>
-                </a:solidFill>
-                <a:latin typeface="+mn-lt"/>
-                <a:ea typeface="+mn-ea"/>
-                <a:cs typeface="+mn-cs"/>
-              </a:defRPr>
-            </a:lvl6pPr>
-            <a:lvl7pPr marL="2971800" indent="-228600" algn="l" defTabSz="914400" rtl="0" eaLnBrk="1" latinLnBrk="0" hangingPunct="1">
-              <a:lnSpc>
-                <a:spcPct val="90000"/>
-              </a:lnSpc>
-              <a:spcBef>
-                <a:spcPts val="500"/>
-              </a:spcBef>
-              <a:buFont typeface="Arial" panose="020B0604020202020204" pitchFamily="34" charset="0"/>
-              <a:buChar char="•"/>
-              <a:defRPr sz="1800" kern="1200">
-                <a:solidFill>
-                  <a:schemeClr val="tx1"/>
-                </a:solidFill>
-                <a:latin typeface="+mn-lt"/>
-                <a:ea typeface="+mn-ea"/>
-                <a:cs typeface="+mn-cs"/>
-              </a:defRPr>
-            </a:lvl7pPr>
-            <a:lvl8pPr marL="3429000" indent="-228600" algn="l" defTabSz="914400" rtl="0" eaLnBrk="1" latinLnBrk="0" hangingPunct="1">
-              <a:lnSpc>
-                <a:spcPct val="90000"/>
-              </a:lnSpc>
-              <a:spcBef>
-                <a:spcPts val="500"/>
-              </a:spcBef>
-              <a:buFont typeface="Arial" panose="020B0604020202020204" pitchFamily="34" charset="0"/>
-              <a:buChar char="•"/>
-              <a:defRPr sz="1800" kern="1200">
-                <a:solidFill>
-                  <a:schemeClr val="tx1"/>
-                </a:solidFill>
-                <a:latin typeface="+mn-lt"/>
-                <a:ea typeface="+mn-ea"/>
-                <a:cs typeface="+mn-cs"/>
-              </a:defRPr>
-            </a:lvl8pPr>
-            <a:lvl9pPr marL="3886200" indent="-228600" algn="l" defTabSz="914400" rtl="0" eaLnBrk="1" latinLnBrk="0" hangingPunct="1">
-              <a:lnSpc>
-                <a:spcPct val="90000"/>
-              </a:lnSpc>
-              <a:spcBef>
-                <a:spcPts val="500"/>
-              </a:spcBef>
-              <a:buFont typeface="Arial" panose="020B0604020202020204" pitchFamily="34" charset="0"/>
-              <a:buChar char="•"/>
-              <a:defRPr sz="1800" kern="1200">
-                <a:solidFill>
-                  <a:schemeClr val="tx1"/>
-                </a:solidFill>
-                <a:latin typeface="+mn-lt"/>
-                <a:ea typeface="+mn-ea"/>
-                <a:cs typeface="+mn-cs"/>
-              </a:defRPr>
-            </a:lvl9pPr>
-          </a:lstStyle>
-          <a:p>
-            <a:pPr marL="285750" indent="-285750" algn="l">
-              <a:buFontTx/>
-              <a:buChar char="-"/>
-            </a:pPr>
-            <a:r>
-              <a:rPr lang="en-US" dirty="0">
-                <a:solidFill>
-                  <a:schemeClr val="bg1"/>
-                </a:solidFill>
-              </a:rPr>
-              <a:t>Find best boundaries</a:t>
-            </a:r>
-          </a:p>
-          <a:p>
-            <a:pPr marL="285750" indent="-285750" algn="l">
-              <a:buFontTx/>
-              <a:buChar char="-"/>
-            </a:pPr>
-            <a:r>
-              <a:rPr lang="en-US" dirty="0">
-                <a:solidFill>
-                  <a:schemeClr val="bg1"/>
-                </a:solidFill>
-              </a:rPr>
-              <a:t>Support Vector</a:t>
-            </a:r>
-          </a:p>
-          <a:p>
-            <a:pPr marL="285750" indent="-285750" algn="l">
-              <a:buFontTx/>
-              <a:buChar char="-"/>
-            </a:pPr>
-            <a:r>
-              <a:rPr lang="en-US" dirty="0">
-                <a:solidFill>
-                  <a:schemeClr val="bg1"/>
-                </a:solidFill>
-              </a:rPr>
-              <a:t>Complex Data</a:t>
-            </a:r>
-          </a:p>
-          <a:p>
-            <a:pPr marL="285750" indent="-285750" algn="l">
-              <a:buFontTx/>
-              <a:buChar char="-"/>
-            </a:pPr>
-            <a:endParaRPr lang="en-US" dirty="0">
-              <a:solidFill>
-                <a:schemeClr val="bg1"/>
-              </a:solidFill>
-            </a:endParaRPr>
-          </a:p>
-          <a:p>
-            <a:pPr marL="285750" indent="-285750" algn="l">
-              <a:buFontTx/>
-              <a:buChar char="-"/>
-            </a:pPr>
-            <a:endParaRPr lang="en-US" dirty="0">
-              <a:solidFill>
-                <a:schemeClr val="bg1"/>
-              </a:solidFill>
-            </a:endParaRPr>
-          </a:p>
-        </p:txBody>
-      </p:sp>
-      <p:sp>
-        <p:nvSpPr>
-          <p:cNvPr id="6" name="Slide Number Placeholder 5">
-            <a:extLst>
-              <a:ext uri="{FF2B5EF4-FFF2-40B4-BE49-F238E27FC236}">
-                <a16:creationId xmlns:a16="http://schemas.microsoft.com/office/drawing/2014/main" id="{0CF2E010-B84C-8F1D-C412-F7142B5A3E50}"/>
-              </a:ext>
-            </a:extLst>
-          </p:cNvPr>
-          <p:cNvSpPr txBox="1">
-            <a:spLocks/>
-          </p:cNvSpPr>
-          <p:nvPr/>
-        </p:nvSpPr>
-        <p:spPr>
-          <a:xfrm>
-            <a:off x="10373350" y="6356349"/>
-            <a:ext cx="987552" cy="365125"/>
-          </a:xfrm>
-          <a:prstGeom prst="rect">
-            <a:avLst/>
-          </a:prstGeom>
-        </p:spPr>
-        <p:txBody>
-          <a:bodyPr/>
-          <a:lstStyle>
-            <a:defPPr>
-              <a:defRPr lang="en-US"/>
-            </a:defPPr>
-            <a:lvl1pPr marL="0" algn="l" defTabSz="914400" rtl="0" eaLnBrk="1" latinLnBrk="0" hangingPunct="1">
-              <a:defRPr sz="1800" kern="1200">
-                <a:solidFill>
-                  <a:schemeClr val="tx1"/>
-                </a:solidFill>
-                <a:latin typeface="+mn-lt"/>
-                <a:ea typeface="+mn-ea"/>
-                <a:cs typeface="+mn-cs"/>
-              </a:defRPr>
-            </a:lvl1pPr>
-            <a:lvl2pPr marL="457200" algn="l" defTabSz="914400" rtl="0" eaLnBrk="1" latinLnBrk="0" hangingPunct="1">
-              <a:defRPr sz="1800" kern="1200">
-                <a:solidFill>
-                  <a:schemeClr val="tx1"/>
-                </a:solidFill>
-                <a:latin typeface="+mn-lt"/>
-                <a:ea typeface="+mn-ea"/>
-                <a:cs typeface="+mn-cs"/>
-              </a:defRPr>
-            </a:lvl2pPr>
-            <a:lvl3pPr marL="914400" algn="l" defTabSz="914400" rtl="0" eaLnBrk="1" latinLnBrk="0" hangingPunct="1">
-              <a:defRPr sz="1800" kern="1200">
-                <a:solidFill>
-                  <a:schemeClr val="tx1"/>
-                </a:solidFill>
-                <a:latin typeface="+mn-lt"/>
-                <a:ea typeface="+mn-ea"/>
-                <a:cs typeface="+mn-cs"/>
-              </a:defRPr>
-            </a:lvl3pPr>
-            <a:lvl4pPr marL="1371600" algn="l" defTabSz="914400" rtl="0" eaLnBrk="1" latinLnBrk="0" hangingPunct="1">
-              <a:defRPr sz="1800" kern="1200">
-                <a:solidFill>
-                  <a:schemeClr val="tx1"/>
-                </a:solidFill>
-                <a:latin typeface="+mn-lt"/>
-                <a:ea typeface="+mn-ea"/>
-                <a:cs typeface="+mn-cs"/>
-              </a:defRPr>
-            </a:lvl4pPr>
-            <a:lvl5pPr marL="1828800" algn="l" defTabSz="914400" rtl="0" eaLnBrk="1" latinLnBrk="0" hangingPunct="1">
-              <a:defRPr sz="1800" kern="1200">
-                <a:solidFill>
-                  <a:schemeClr val="tx1"/>
-                </a:solidFill>
-                <a:latin typeface="+mn-lt"/>
-                <a:ea typeface="+mn-ea"/>
-                <a:cs typeface="+mn-cs"/>
-              </a:defRPr>
-            </a:lvl5pPr>
-            <a:lvl6pPr marL="2286000" algn="l" defTabSz="914400" rtl="0" eaLnBrk="1" latinLnBrk="0" hangingPunct="1">
-              <a:defRPr sz="1800" kern="1200">
-                <a:solidFill>
-                  <a:schemeClr val="tx1"/>
-                </a:solidFill>
-                <a:latin typeface="+mn-lt"/>
-                <a:ea typeface="+mn-ea"/>
-                <a:cs typeface="+mn-cs"/>
-              </a:defRPr>
-            </a:lvl6pPr>
-            <a:lvl7pPr marL="2743200" algn="l" defTabSz="914400" rtl="0" eaLnBrk="1" latinLnBrk="0" hangingPunct="1">
-              <a:defRPr sz="1800" kern="1200">
-                <a:solidFill>
-                  <a:schemeClr val="tx1"/>
-                </a:solidFill>
-                <a:latin typeface="+mn-lt"/>
-                <a:ea typeface="+mn-ea"/>
-                <a:cs typeface="+mn-cs"/>
-              </a:defRPr>
-            </a:lvl7pPr>
-            <a:lvl8pPr marL="3200400" algn="l" defTabSz="914400" rtl="0" eaLnBrk="1" latinLnBrk="0" hangingPunct="1">
-              <a:defRPr sz="1800" kern="1200">
-                <a:solidFill>
-                  <a:schemeClr val="tx1"/>
-                </a:solidFill>
-                <a:latin typeface="+mn-lt"/>
-                <a:ea typeface="+mn-ea"/>
-                <a:cs typeface="+mn-cs"/>
-              </a:defRPr>
-            </a:lvl8pPr>
-            <a:lvl9pPr marL="3657600" algn="l" defTabSz="914400" rtl="0" eaLnBrk="1" latinLnBrk="0" hangingPunct="1">
-              <a:defRPr sz="1800" kern="1200">
-                <a:solidFill>
-                  <a:schemeClr val="tx1"/>
-                </a:solidFill>
-                <a:latin typeface="+mn-lt"/>
-                <a:ea typeface="+mn-ea"/>
-                <a:cs typeface="+mn-cs"/>
-              </a:defRPr>
-            </a:lvl9pPr>
-          </a:lstStyle>
-          <a:p>
-            <a:pPr algn="r"/>
-            <a:fld id="{A49DFD55-3C28-40EF-9E31-A92D2E4017FF}" type="slidenum">
-              <a:rPr lang="en-US" sz="1400" smtClean="0">
-                <a:solidFill>
-                  <a:schemeClr val="bg1"/>
-                </a:solidFill>
-              </a:rPr>
-              <a:pPr algn="r"/>
-              <a:t>9</a:t>
-            </a:fld>
-            <a:endParaRPr lang="en-US" sz="1400" dirty="0">
-              <a:solidFill>
-                <a:schemeClr val="bg1"/>
-              </a:solidFill>
-            </a:endParaRPr>
-          </a:p>
-        </p:txBody>
-      </p:sp>
+      </p:pic>
     </p:spTree>
     <p:extLst>
       <p:ext uri="{BB962C8B-B14F-4D97-AF65-F5344CB8AC3E}">
-        <p14:creationId xmlns:p14="http://schemas.microsoft.com/office/powerpoint/2010/main" val="334696707"/>
+        <p14:creationId xmlns:p14="http://schemas.microsoft.com/office/powerpoint/2010/main" val="103458723"/>
       </p:ext>
     </p:extLst>
   </p:cSld>
@@ -11751,35 +13162,6 @@
 </file>
 
 <file path=customXml/item1.xml><?xml version="1.0" encoding="utf-8"?>
-<?mso-contentType ?>
-<FormTemplates xmlns="http://schemas.microsoft.com/sharepoint/v3/contenttype/forms">
-  <Display>DocumentLibraryForm</Display>
-  <Edit>DocumentLibraryForm</Edit>
-  <New>DocumentLibraryForm</New>
-</FormTemplates>
-</file>
-
-<file path=customXml/item2.xml><?xml version="1.0" encoding="utf-8"?>
-<p:properties xmlns:p="http://schemas.microsoft.com/office/2006/metadata/properties" xmlns:xsi="http://www.w3.org/2001/XMLSchema-instance" xmlns:pc="http://schemas.microsoft.com/office/infopath/2007/PartnerControls">
-  <documentManagement>
-    <_ip_UnifiedCompliancePolicyUIAction xmlns="http://schemas.microsoft.com/sharepoint/v3" xsi:nil="true"/>
-    <Image xmlns="71af3243-3dd4-4a8d-8c0d-dd76da1f02a5">
-      <Url xsi:nil="true"/>
-      <Description xsi:nil="true"/>
-    </Image>
-    <Status xmlns="71af3243-3dd4-4a8d-8c0d-dd76da1f02a5">Not started</Status>
-    <Background xmlns="71af3243-3dd4-4a8d-8c0d-dd76da1f02a5">false</Background>
-    <_ip_UnifiedCompliancePolicyProperties xmlns="http://schemas.microsoft.com/sharepoint/v3" xsi:nil="true"/>
-    <ImageTagsTaxHTField xmlns="71af3243-3dd4-4a8d-8c0d-dd76da1f02a5">
-      <Terms xmlns="http://schemas.microsoft.com/office/infopath/2007/PartnerControls"/>
-    </ImageTagsTaxHTField>
-    <TaxCatchAll xmlns="230e9df3-be65-4c73-a93b-d1236ebd677e" xsi:nil="true"/>
-    <MediaServiceKeyPoints xmlns="71af3243-3dd4-4a8d-8c0d-dd76da1f02a5" xsi:nil="true"/>
-  </documentManagement>
-</p:properties>
-</file>
-
-<file path=customXml/item3.xml><?xml version="1.0" encoding="utf-8"?>
 <ct:contentTypeSchema xmlns:ct="http://schemas.microsoft.com/office/2006/metadata/contentType" xmlns:ma="http://schemas.microsoft.com/office/2006/metadata/properties/metaAttributes" ct:_="" ma:_="" ma:contentTypeName="Document" ma:contentTypeID="0x01010079F111ED35F8CC479449609E8A0923A6" ma:contentTypeVersion="28" ma:contentTypeDescription="Create a new document." ma:contentTypeScope="" ma:versionID="60f5a4f2d2b0abadcf532d48ebf9cb71">
   <xsd:schema xmlns:xsd="http://www.w3.org/2001/XMLSchema" xmlns:xs="http://www.w3.org/2001/XMLSchema" xmlns:p="http://schemas.microsoft.com/office/2006/metadata/properties" xmlns:ns1="http://schemas.microsoft.com/sharepoint/v3" xmlns:ns2="71af3243-3dd4-4a8d-8c0d-dd76da1f02a5" xmlns:ns3="16c05727-aa75-4e4a-9b5f-8a80a1165891" xmlns:ns4="230e9df3-be65-4c73-a93b-d1236ebd677e" targetNamespace="http://schemas.microsoft.com/office/2006/metadata/properties" ma:root="true" ma:fieldsID="7dd78129e6a1811f84807ad11c651531" ns1:_="" ns2:_="" ns3:_="" ns4:_="">
     <xsd:import namespace="http://schemas.microsoft.com/sharepoint/v3"/>
@@ -12091,27 +13473,36 @@
 </ct:contentTypeSchema>
 </file>
 
-<file path=customXml/itemProps1.xml><?xml version="1.0" encoding="utf-8"?>
-<ds:datastoreItem xmlns:ds="http://schemas.openxmlformats.org/officeDocument/2006/customXml" ds:itemID="{CABF691C-888B-4061-8A6F-D5CE84A0254B}">
-  <ds:schemaRefs>
-    <ds:schemaRef ds:uri="http://schemas.microsoft.com/sharepoint/v3/contenttype/forms"/>
-  </ds:schemaRefs>
-</ds:datastoreItem>
+<file path=customXml/item2.xml><?xml version="1.0" encoding="utf-8"?>
+<p:properties xmlns:p="http://schemas.microsoft.com/office/2006/metadata/properties" xmlns:xsi="http://www.w3.org/2001/XMLSchema-instance" xmlns:pc="http://schemas.microsoft.com/office/infopath/2007/PartnerControls">
+  <documentManagement>
+    <_ip_UnifiedCompliancePolicyUIAction xmlns="http://schemas.microsoft.com/sharepoint/v3" xsi:nil="true"/>
+    <Image xmlns="71af3243-3dd4-4a8d-8c0d-dd76da1f02a5">
+      <Url xsi:nil="true"/>
+      <Description xsi:nil="true"/>
+    </Image>
+    <Status xmlns="71af3243-3dd4-4a8d-8c0d-dd76da1f02a5">Not started</Status>
+    <Background xmlns="71af3243-3dd4-4a8d-8c0d-dd76da1f02a5">false</Background>
+    <_ip_UnifiedCompliancePolicyProperties xmlns="http://schemas.microsoft.com/sharepoint/v3" xsi:nil="true"/>
+    <ImageTagsTaxHTField xmlns="71af3243-3dd4-4a8d-8c0d-dd76da1f02a5">
+      <Terms xmlns="http://schemas.microsoft.com/office/infopath/2007/PartnerControls"/>
+    </ImageTagsTaxHTField>
+    <TaxCatchAll xmlns="230e9df3-be65-4c73-a93b-d1236ebd677e" xsi:nil="true"/>
+    <MediaServiceKeyPoints xmlns="71af3243-3dd4-4a8d-8c0d-dd76da1f02a5" xsi:nil="true"/>
+  </documentManagement>
+</p:properties>
 </file>
 
-<file path=customXml/itemProps2.xml><?xml version="1.0" encoding="utf-8"?>
-<ds:datastoreItem xmlns:ds="http://schemas.openxmlformats.org/officeDocument/2006/customXml" ds:itemID="{49168DCE-134F-4610-A6AA-88CEBE8D71D2}">
-  <ds:schemaRefs>
-    <ds:schemaRef ds:uri="http://schemas.microsoft.com/office/2006/metadata/properties"/>
-    <ds:schemaRef ds:uri="http://schemas.microsoft.com/office/infopath/2007/PartnerControls"/>
-    <ds:schemaRef ds:uri="http://schemas.microsoft.com/sharepoint/v3"/>
-    <ds:schemaRef ds:uri="71af3243-3dd4-4a8d-8c0d-dd76da1f02a5"/>
-    <ds:schemaRef ds:uri="230e9df3-be65-4c73-a93b-d1236ebd677e"/>
-  </ds:schemaRefs>
-</ds:datastoreItem>
+<file path=customXml/item3.xml><?xml version="1.0" encoding="utf-8"?>
+<?mso-contentType ?>
+<FormTemplates xmlns="http://schemas.microsoft.com/sharepoint/v3/contenttype/forms">
+  <Display>DocumentLibraryForm</Display>
+  <Edit>DocumentLibraryForm</Edit>
+  <New>DocumentLibraryForm</New>
+</FormTemplates>
 </file>
 
-<file path=customXml/itemProps3.xml><?xml version="1.0" encoding="utf-8"?>
+<file path=customXml/itemProps1.xml><?xml version="1.0" encoding="utf-8"?>
 <ds:datastoreItem xmlns:ds="http://schemas.openxmlformats.org/officeDocument/2006/customXml" ds:itemID="{5EDE3176-A15D-46A3-BDDB-64A0D7363224}">
   <ds:schemaRefs>
     <ds:schemaRef ds:uri="http://schemas.microsoft.com/office/2006/metadata/contentType"/>
@@ -12132,6 +13523,26 @@
 </ds:datastoreItem>
 </file>
 
+<file path=customXml/itemProps2.xml><?xml version="1.0" encoding="utf-8"?>
+<ds:datastoreItem xmlns:ds="http://schemas.openxmlformats.org/officeDocument/2006/customXml" ds:itemID="{49168DCE-134F-4610-A6AA-88CEBE8D71D2}">
+  <ds:schemaRefs>
+    <ds:schemaRef ds:uri="http://schemas.microsoft.com/office/2006/metadata/properties"/>
+    <ds:schemaRef ds:uri="http://schemas.microsoft.com/office/infopath/2007/PartnerControls"/>
+    <ds:schemaRef ds:uri="http://schemas.microsoft.com/sharepoint/v3"/>
+    <ds:schemaRef ds:uri="71af3243-3dd4-4a8d-8c0d-dd76da1f02a5"/>
+    <ds:schemaRef ds:uri="230e9df3-be65-4c73-a93b-d1236ebd677e"/>
+  </ds:schemaRefs>
+</ds:datastoreItem>
+</file>
+
+<file path=customXml/itemProps3.xml><?xml version="1.0" encoding="utf-8"?>
+<ds:datastoreItem xmlns:ds="http://schemas.openxmlformats.org/officeDocument/2006/customXml" ds:itemID="{CABF691C-888B-4061-8A6F-D5CE84A0254B}">
+  <ds:schemaRefs>
+    <ds:schemaRef ds:uri="http://schemas.microsoft.com/sharepoint/v3/contenttype/forms"/>
+  </ds:schemaRefs>
+</ds:datastoreItem>
+</file>
+
 <file path=docMetadata/LabelInfo.xml><?xml version="1.0" encoding="utf-8"?>
 <clbl:labelList xmlns:clbl="http://schemas.microsoft.com/office/2020/mipLabelMetadata"/>
 </file>
--- a/Spotiflop_ML.pptx
+++ b/Spotiflop_ML.pptx
@@ -5,33 +5,39 @@
     <p:sldMasterId id="2147483648" r:id="rId4"/>
   </p:sldMasterIdLst>
   <p:notesMasterIdLst>
-    <p:notesMasterId r:id="rId26"/>
+    <p:notesMasterId r:id="rId32"/>
   </p:notesMasterIdLst>
   <p:handoutMasterIdLst>
-    <p:handoutMasterId r:id="rId27"/>
+    <p:handoutMasterId r:id="rId33"/>
   </p:handoutMasterIdLst>
   <p:sldIdLst>
     <p:sldId id="256" r:id="rId5"/>
     <p:sldId id="279" r:id="rId6"/>
     <p:sldId id="293" r:id="rId7"/>
-    <p:sldId id="292" r:id="rId8"/>
-    <p:sldId id="294" r:id="rId9"/>
+    <p:sldId id="294" r:id="rId8"/>
+    <p:sldId id="292" r:id="rId9"/>
     <p:sldId id="291" r:id="rId10"/>
     <p:sldId id="278" r:id="rId11"/>
-    <p:sldId id="290" r:id="rId12"/>
-    <p:sldId id="281" r:id="rId13"/>
-    <p:sldId id="286" r:id="rId14"/>
-    <p:sldId id="258" r:id="rId15"/>
-    <p:sldId id="257" r:id="rId16"/>
-    <p:sldId id="283" r:id="rId17"/>
-    <p:sldId id="280" r:id="rId18"/>
-    <p:sldId id="282" r:id="rId19"/>
-    <p:sldId id="266" r:id="rId20"/>
-    <p:sldId id="284" r:id="rId21"/>
-    <p:sldId id="288" r:id="rId22"/>
-    <p:sldId id="287" r:id="rId23"/>
-    <p:sldId id="289" r:id="rId24"/>
-    <p:sldId id="271" r:id="rId25"/>
+    <p:sldId id="296" r:id="rId12"/>
+    <p:sldId id="297" r:id="rId13"/>
+    <p:sldId id="298" r:id="rId14"/>
+    <p:sldId id="281" r:id="rId15"/>
+    <p:sldId id="300" r:id="rId16"/>
+    <p:sldId id="286" r:id="rId17"/>
+    <p:sldId id="301" r:id="rId18"/>
+    <p:sldId id="258" r:id="rId19"/>
+    <p:sldId id="302" r:id="rId20"/>
+    <p:sldId id="303" r:id="rId21"/>
+    <p:sldId id="257" r:id="rId22"/>
+    <p:sldId id="283" r:id="rId23"/>
+    <p:sldId id="280" r:id="rId24"/>
+    <p:sldId id="282" r:id="rId25"/>
+    <p:sldId id="266" r:id="rId26"/>
+    <p:sldId id="284" r:id="rId27"/>
+    <p:sldId id="288" r:id="rId28"/>
+    <p:sldId id="287" r:id="rId29"/>
+    <p:sldId id="289" r:id="rId30"/>
+    <p:sldId id="271" r:id="rId31"/>
   </p:sldIdLst>
   <p:sldSz cx="12192000" cy="6858000"/>
   <p:notesSz cx="6858000" cy="9144000"/>
@@ -818,81 +824,50 @@
           <a:bodyPr/>
           <a:lstStyle/>
           <a:p>
-            <a:r>
-              <a:rPr lang="en-US" b="0" i="0" dirty="0">
-                <a:solidFill>
-                  <a:srgbClr val="D1D5DB"/>
-                </a:solidFill>
-                <a:effectLst/>
-                <a:latin typeface="__Inter_d65c78"/>
-              </a:rPr>
-              <a:t>SVM aims to find the best boundaries that separates different classes in the data &amp; maximize the distance between the closest points of each class.</a:t>
-            </a:r>
-          </a:p>
-          <a:p>
-            <a:r>
-              <a:rPr lang="en-US" b="0" i="0" dirty="0">
-                <a:solidFill>
-                  <a:srgbClr val="D1D5DB"/>
-                </a:solidFill>
-                <a:effectLst/>
-                <a:latin typeface="__Inter_d65c78"/>
-              </a:rPr>
-              <a:t>The data points that are closest to theses boundaries are called support vectors</a:t>
-            </a:r>
-          </a:p>
-          <a:p>
-            <a:r>
-              <a:rPr lang="en-US" b="0" i="0" dirty="0">
-                <a:solidFill>
-                  <a:srgbClr val="D1D5DB"/>
-                </a:solidFill>
-                <a:effectLst/>
-                <a:latin typeface="__Inter_d65c78"/>
-              </a:rPr>
-              <a:t>This algorithm can handle complex data using a method called “kernel tricks” (se </a:t>
-            </a:r>
-            <a:r>
-              <a:rPr lang="en-US" b="0" i="0" dirty="0" err="1">
-                <a:solidFill>
-                  <a:srgbClr val="D1D5DB"/>
-                </a:solidFill>
-                <a:effectLst/>
-                <a:latin typeface="__Inter_d65c78"/>
-              </a:rPr>
-              <a:t>renseigner</a:t>
-            </a:r>
-            <a:r>
-              <a:rPr lang="en-US" b="0" i="0" dirty="0">
-                <a:solidFill>
-                  <a:srgbClr val="D1D5DB"/>
-                </a:solidFill>
-                <a:effectLst/>
-                <a:latin typeface="__Inter_d65c78"/>
-              </a:rPr>
-              <a:t> pour question </a:t>
-            </a:r>
-            <a:r>
-              <a:rPr lang="en-US" b="0" i="0" dirty="0" err="1">
-                <a:solidFill>
-                  <a:srgbClr val="D1D5DB"/>
-                </a:solidFill>
-                <a:effectLst/>
-                <a:latin typeface="__Inter_d65c78"/>
-              </a:rPr>
-              <a:t>orienté</a:t>
-            </a:r>
-            <a:r>
-              <a:rPr lang="en-US" b="0" i="0" dirty="0">
-                <a:solidFill>
-                  <a:srgbClr val="D1D5DB"/>
-                </a:solidFill>
-                <a:effectLst/>
-                <a:latin typeface="__Inter_d65c78"/>
-              </a:rPr>
-              <a:t> après)</a:t>
-            </a:r>
-            <a:endParaRPr lang="en-US" dirty="0"/>
+            <a:pPr marL="0" marR="0" lvl="0" indent="0" algn="l" defTabSz="914400" rtl="0" eaLnBrk="1" fontAlgn="auto" latinLnBrk="0" hangingPunct="1">
+              <a:lnSpc>
+                <a:spcPct val="100000"/>
+              </a:lnSpc>
+              <a:spcBef>
+                <a:spcPts val="0"/>
+              </a:spcBef>
+              <a:spcAft>
+                <a:spcPts val="0"/>
+              </a:spcAft>
+              <a:buClrTx/>
+              <a:buSzTx/>
+              <a:buFontTx/>
+              <a:buNone/>
+              <a:tabLst/>
+              <a:defRPr/>
+            </a:pPr>
+            <a:r>
+              <a:rPr lang="en-US" dirty="0"/>
+              <a:t>Good classes : Bollywood, Hip-Hop &amp; Instrumental</a:t>
+            </a:r>
+          </a:p>
+          <a:p>
+            <a:pPr marL="0" marR="0" lvl="0" indent="0" algn="l" defTabSz="914400" rtl="0" eaLnBrk="1" fontAlgn="auto" latinLnBrk="0" hangingPunct="1">
+              <a:lnSpc>
+                <a:spcPct val="100000"/>
+              </a:lnSpc>
+              <a:spcBef>
+                <a:spcPts val="0"/>
+              </a:spcBef>
+              <a:spcAft>
+                <a:spcPts val="0"/>
+              </a:spcAft>
+              <a:buClrTx/>
+              <a:buSzTx/>
+              <a:buFontTx/>
+              <a:buNone/>
+              <a:tabLst/>
+              <a:defRPr/>
+            </a:pPr>
+            <a:r>
+              <a:rPr lang="en-US" dirty="0"/>
+              <a:t>Bad classes : Rock, Blues, Country &amp; Alt</a:t>
+            </a:r>
           </a:p>
         </p:txBody>
       </p:sp>
@@ -913,7 +888,7 @@
           <a:p>
             <a:fld id="{22289C57-55D7-40A4-A101-E74FAC7A092B}" type="slidenum">
               <a:rPr lang="en-US" smtClean="0"/>
-              <a:t>14</a:t>
+              <a:t>19</a:t>
             </a:fld>
             <a:endParaRPr lang="en-US" dirty="0"/>
           </a:p>
@@ -922,7 +897,7 @@
     </p:spTree>
     <p:extLst>
       <p:ext uri="{BB962C8B-B14F-4D97-AF65-F5344CB8AC3E}">
-        <p14:creationId xmlns:p14="http://schemas.microsoft.com/office/powerpoint/2010/main" val="2066144023"/>
+        <p14:creationId xmlns:p14="http://schemas.microsoft.com/office/powerpoint/2010/main" val="840986708"/>
       </p:ext>
     </p:extLst>
   </p:cSld>
@@ -976,6 +951,80 @@
           <a:bodyPr/>
           <a:lstStyle/>
           <a:p>
+            <a:r>
+              <a:rPr lang="en-US" b="0" i="0" dirty="0">
+                <a:solidFill>
+                  <a:srgbClr val="D1D5DB"/>
+                </a:solidFill>
+                <a:effectLst/>
+                <a:latin typeface="__Inter_d65c78"/>
+              </a:rPr>
+              <a:t>SVM aims to find the best boundaries that separates different classes in the data &amp; maximize the distance between the closest points of each class.</a:t>
+            </a:r>
+          </a:p>
+          <a:p>
+            <a:r>
+              <a:rPr lang="en-US" b="0" i="0" dirty="0">
+                <a:solidFill>
+                  <a:srgbClr val="D1D5DB"/>
+                </a:solidFill>
+                <a:effectLst/>
+                <a:latin typeface="__Inter_d65c78"/>
+              </a:rPr>
+              <a:t>The data points that are closest to theses boundaries are called support vectors</a:t>
+            </a:r>
+          </a:p>
+          <a:p>
+            <a:r>
+              <a:rPr lang="en-US" b="0" i="0" dirty="0">
+                <a:solidFill>
+                  <a:srgbClr val="D1D5DB"/>
+                </a:solidFill>
+                <a:effectLst/>
+                <a:latin typeface="__Inter_d65c78"/>
+              </a:rPr>
+              <a:t>This algorithm can handle complex data using a method called “kernel tricks” (se </a:t>
+            </a:r>
+            <a:r>
+              <a:rPr lang="en-US" b="0" i="0" dirty="0" err="1">
+                <a:solidFill>
+                  <a:srgbClr val="D1D5DB"/>
+                </a:solidFill>
+                <a:effectLst/>
+                <a:latin typeface="__Inter_d65c78"/>
+              </a:rPr>
+              <a:t>renseigner</a:t>
+            </a:r>
+            <a:r>
+              <a:rPr lang="en-US" b="0" i="0" dirty="0">
+                <a:solidFill>
+                  <a:srgbClr val="D1D5DB"/>
+                </a:solidFill>
+                <a:effectLst/>
+                <a:latin typeface="__Inter_d65c78"/>
+              </a:rPr>
+              <a:t> pour question </a:t>
+            </a:r>
+            <a:r>
+              <a:rPr lang="en-US" b="0" i="0" dirty="0" err="1">
+                <a:solidFill>
+                  <a:srgbClr val="D1D5DB"/>
+                </a:solidFill>
+                <a:effectLst/>
+                <a:latin typeface="__Inter_d65c78"/>
+              </a:rPr>
+              <a:t>orienté</a:t>
+            </a:r>
+            <a:r>
+              <a:rPr lang="en-US" b="0" i="0" dirty="0">
+                <a:solidFill>
+                  <a:srgbClr val="D1D5DB"/>
+                </a:solidFill>
+                <a:effectLst/>
+                <a:latin typeface="__Inter_d65c78"/>
+              </a:rPr>
+              <a:t> après)</a:t>
+            </a:r>
             <a:endParaRPr lang="en-US" dirty="0"/>
           </a:p>
         </p:txBody>
@@ -997,7 +1046,7 @@
           <a:p>
             <a:fld id="{22289C57-55D7-40A4-A101-E74FAC7A092B}" type="slidenum">
               <a:rPr lang="en-US" smtClean="0"/>
-              <a:t>15</a:t>
+              <a:t>20</a:t>
             </a:fld>
             <a:endParaRPr lang="en-US" dirty="0"/>
           </a:p>
@@ -1006,7 +1055,7 @@
     </p:spTree>
     <p:extLst>
       <p:ext uri="{BB962C8B-B14F-4D97-AF65-F5344CB8AC3E}">
-        <p14:creationId xmlns:p14="http://schemas.microsoft.com/office/powerpoint/2010/main" val="236659336"/>
+        <p14:creationId xmlns:p14="http://schemas.microsoft.com/office/powerpoint/2010/main" val="2066144023"/>
       </p:ext>
     </p:extLst>
   </p:cSld>
@@ -1081,7 +1130,7 @@
           <a:p>
             <a:fld id="{22289C57-55D7-40A4-A101-E74FAC7A092B}" type="slidenum">
               <a:rPr lang="en-US" smtClean="0"/>
-              <a:t>16</a:t>
+              <a:t>21</a:t>
             </a:fld>
             <a:endParaRPr lang="en-US" dirty="0"/>
           </a:p>
@@ -1090,7 +1139,7 @@
     </p:spTree>
     <p:extLst>
       <p:ext uri="{BB962C8B-B14F-4D97-AF65-F5344CB8AC3E}">
-        <p14:creationId xmlns:p14="http://schemas.microsoft.com/office/powerpoint/2010/main" val="3105683219"/>
+        <p14:creationId xmlns:p14="http://schemas.microsoft.com/office/powerpoint/2010/main" val="236659336"/>
       </p:ext>
     </p:extLst>
   </p:cSld>
@@ -1165,7 +1214,7 @@
           <a:p>
             <a:fld id="{22289C57-55D7-40A4-A101-E74FAC7A092B}" type="slidenum">
               <a:rPr lang="en-US" smtClean="0"/>
-              <a:t>17</a:t>
+              <a:t>22</a:t>
             </a:fld>
             <a:endParaRPr lang="en-US" dirty="0"/>
           </a:p>
@@ -1174,7 +1223,7 @@
     </p:spTree>
     <p:extLst>
       <p:ext uri="{BB962C8B-B14F-4D97-AF65-F5344CB8AC3E}">
-        <p14:creationId xmlns:p14="http://schemas.microsoft.com/office/powerpoint/2010/main" val="575465472"/>
+        <p14:creationId xmlns:p14="http://schemas.microsoft.com/office/powerpoint/2010/main" val="3105683219"/>
       </p:ext>
     </p:extLst>
   </p:cSld>
@@ -1249,7 +1298,91 @@
           <a:p>
             <a:fld id="{22289C57-55D7-40A4-A101-E74FAC7A092B}" type="slidenum">
               <a:rPr lang="en-US" smtClean="0"/>
-              <a:t>21</a:t>
+              <a:t>23</a:t>
+            </a:fld>
+            <a:endParaRPr lang="en-US" dirty="0"/>
+          </a:p>
+        </p:txBody>
+      </p:sp>
+    </p:spTree>
+    <p:extLst>
+      <p:ext uri="{BB962C8B-B14F-4D97-AF65-F5344CB8AC3E}">
+        <p14:creationId xmlns:p14="http://schemas.microsoft.com/office/powerpoint/2010/main" val="575465472"/>
+      </p:ext>
+    </p:extLst>
+  </p:cSld>
+  <p:clrMapOvr>
+    <a:masterClrMapping/>
+  </p:clrMapOvr>
+</p:notes>
+</file>
+
+<file path=ppt/notesSlides/notesSlide15.xml><?xml version="1.0" encoding="utf-8"?>
+<p:notes xmlns:a="http://schemas.openxmlformats.org/drawingml/2006/main" xmlns:r="http://schemas.openxmlformats.org/officeDocument/2006/relationships" xmlns:p="http://schemas.openxmlformats.org/presentationml/2006/main">
+  <p:cSld>
+    <p:spTree>
+      <p:nvGrpSpPr>
+        <p:cNvPr id="1" name=""/>
+        <p:cNvGrpSpPr/>
+        <p:nvPr/>
+      </p:nvGrpSpPr>
+      <p:grpSpPr>
+        <a:xfrm>
+          <a:off x="0" y="0"/>
+          <a:ext cx="0" cy="0"/>
+          <a:chOff x="0" y="0"/>
+          <a:chExt cx="0" cy="0"/>
+        </a:xfrm>
+      </p:grpSpPr>
+      <p:sp>
+        <p:nvSpPr>
+          <p:cNvPr id="2" name="Slide Image Placeholder 1"/>
+          <p:cNvSpPr>
+            <a:spLocks noGrp="1" noRot="1" noChangeAspect="1"/>
+          </p:cNvSpPr>
+          <p:nvPr>
+            <p:ph type="sldImg"/>
+          </p:nvPr>
+        </p:nvSpPr>
+        <p:spPr/>
+      </p:sp>
+      <p:sp>
+        <p:nvSpPr>
+          <p:cNvPr id="3" name="Notes Placeholder 2"/>
+          <p:cNvSpPr>
+            <a:spLocks noGrp="1"/>
+          </p:cNvSpPr>
+          <p:nvPr>
+            <p:ph type="body" idx="1"/>
+          </p:nvPr>
+        </p:nvSpPr>
+        <p:spPr/>
+        <p:txBody>
+          <a:bodyPr/>
+          <a:lstStyle/>
+          <a:p>
+            <a:endParaRPr lang="en-US" dirty="0"/>
+          </a:p>
+        </p:txBody>
+      </p:sp>
+      <p:sp>
+        <p:nvSpPr>
+          <p:cNvPr id="4" name="Slide Number Placeholder 3"/>
+          <p:cNvSpPr>
+            <a:spLocks noGrp="1"/>
+          </p:cNvSpPr>
+          <p:nvPr>
+            <p:ph type="sldNum" sz="quarter" idx="5"/>
+          </p:nvPr>
+        </p:nvSpPr>
+        <p:spPr/>
+        <p:txBody>
+          <a:bodyPr/>
+          <a:lstStyle/>
+          <a:p>
+            <a:fld id="{22289C57-55D7-40A4-A101-E74FAC7A092B}" type="slidenum">
+              <a:rPr lang="en-US" smtClean="0"/>
+              <a:t>27</a:t>
             </a:fld>
             <a:endParaRPr lang="en-US" dirty="0"/>
           </a:p>
@@ -1549,13 +1682,7 @@
   <p:cSld>
     <p:spTree>
       <p:nvGrpSpPr>
-        <p:cNvPr id="1" name="">
-          <a:extLst>
-            <a:ext uri="{FF2B5EF4-FFF2-40B4-BE49-F238E27FC236}">
-              <a16:creationId xmlns:a16="http://schemas.microsoft.com/office/drawing/2014/main" id="{ABB8A028-DC23-E523-8F90-663CCCC52E7A}"/>
-            </a:ext>
-          </a:extLst>
-        </p:cNvPr>
+        <p:cNvPr id="1" name=""/>
         <p:cNvGrpSpPr/>
         <p:nvPr/>
       </p:nvGrpSpPr>
@@ -1569,13 +1696,7 @@
       </p:grpSpPr>
       <p:sp>
         <p:nvSpPr>
-          <p:cNvPr id="2" name="Slide Image Placeholder 1">
-            <a:extLst>
-              <a:ext uri="{FF2B5EF4-FFF2-40B4-BE49-F238E27FC236}">
-                <a16:creationId xmlns:a16="http://schemas.microsoft.com/office/drawing/2014/main" id="{4FD937D3-FF1A-1DC3-018C-9511511B8CE6}"/>
-              </a:ext>
-            </a:extLst>
-          </p:cNvPr>
+          <p:cNvPr id="2" name="Slide Image Placeholder 1"/>
           <p:cNvSpPr>
             <a:spLocks noGrp="1" noRot="1" noChangeAspect="1"/>
           </p:cNvSpPr>
@@ -1587,13 +1708,7 @@
       </p:sp>
       <p:sp>
         <p:nvSpPr>
-          <p:cNvPr id="3" name="Notes Placeholder 2">
-            <a:extLst>
-              <a:ext uri="{FF2B5EF4-FFF2-40B4-BE49-F238E27FC236}">
-                <a16:creationId xmlns:a16="http://schemas.microsoft.com/office/drawing/2014/main" id="{A9602376-556C-1F01-EB99-93B307310C63}"/>
-              </a:ext>
-            </a:extLst>
-          </p:cNvPr>
+          <p:cNvPr id="3" name="Notes Placeholder 2"/>
           <p:cNvSpPr>
             <a:spLocks noGrp="1"/>
           </p:cNvSpPr>
@@ -1612,13 +1727,7 @@
       </p:sp>
       <p:sp>
         <p:nvSpPr>
-          <p:cNvPr id="4" name="Slide Number Placeholder 3">
-            <a:extLst>
-              <a:ext uri="{FF2B5EF4-FFF2-40B4-BE49-F238E27FC236}">
-                <a16:creationId xmlns:a16="http://schemas.microsoft.com/office/drawing/2014/main" id="{C1941DF2-DEE3-4085-E382-EF827A01075E}"/>
-              </a:ext>
-            </a:extLst>
-          </p:cNvPr>
+          <p:cNvPr id="4" name="Slide Number Placeholder 3"/>
           <p:cNvSpPr>
             <a:spLocks noGrp="1"/>
           </p:cNvSpPr>
@@ -1633,7 +1742,7 @@
           <a:p>
             <a:fld id="{22289C57-55D7-40A4-A101-E74FAC7A092B}" type="slidenum">
               <a:rPr lang="en-US" smtClean="0"/>
-              <a:t>8</a:t>
+              <a:t>11</a:t>
             </a:fld>
             <a:endParaRPr lang="en-US" dirty="0"/>
           </a:p>
@@ -1642,7 +1751,7 @@
     </p:spTree>
     <p:extLst>
       <p:ext uri="{BB962C8B-B14F-4D97-AF65-F5344CB8AC3E}">
-        <p14:creationId xmlns:p14="http://schemas.microsoft.com/office/powerpoint/2010/main" val="1997386471"/>
+        <p14:creationId xmlns:p14="http://schemas.microsoft.com/office/powerpoint/2010/main" val="1025326889"/>
       </p:ext>
     </p:extLst>
   </p:cSld>
@@ -1717,7 +1826,7 @@
           <a:p>
             <a:fld id="{22289C57-55D7-40A4-A101-E74FAC7A092B}" type="slidenum">
               <a:rPr lang="en-US" smtClean="0"/>
-              <a:t>9</a:t>
+              <a:t>15</a:t>
             </a:fld>
             <a:endParaRPr lang="en-US" dirty="0"/>
           </a:p>
@@ -1726,7 +1835,7 @@
     </p:spTree>
     <p:extLst>
       <p:ext uri="{BB962C8B-B14F-4D97-AF65-F5344CB8AC3E}">
-        <p14:creationId xmlns:p14="http://schemas.microsoft.com/office/powerpoint/2010/main" val="1025326889"/>
+        <p14:creationId xmlns:p14="http://schemas.microsoft.com/office/powerpoint/2010/main" val="2843954456"/>
       </p:ext>
     </p:extLst>
   </p:cSld>
@@ -1741,7 +1850,13 @@
   <p:cSld>
     <p:spTree>
       <p:nvGrpSpPr>
-        <p:cNvPr id="1" name=""/>
+        <p:cNvPr id="1" name="">
+          <a:extLst>
+            <a:ext uri="{FF2B5EF4-FFF2-40B4-BE49-F238E27FC236}">
+              <a16:creationId xmlns:a16="http://schemas.microsoft.com/office/drawing/2014/main" id="{2174609B-ACBD-5B67-9BAB-BD5215AEFFB7}"/>
+            </a:ext>
+          </a:extLst>
+        </p:cNvPr>
         <p:cNvGrpSpPr/>
         <p:nvPr/>
       </p:nvGrpSpPr>
@@ -1755,7 +1870,13 @@
       </p:grpSpPr>
       <p:sp>
         <p:nvSpPr>
-          <p:cNvPr id="2" name="Slide Image Placeholder 1"/>
+          <p:cNvPr id="2" name="Slide Image Placeholder 1">
+            <a:extLst>
+              <a:ext uri="{FF2B5EF4-FFF2-40B4-BE49-F238E27FC236}">
+                <a16:creationId xmlns:a16="http://schemas.microsoft.com/office/drawing/2014/main" id="{2BC04AFD-026A-0766-1CE5-4DAB1782D7CE}"/>
+              </a:ext>
+            </a:extLst>
+          </p:cNvPr>
           <p:cNvSpPr>
             <a:spLocks noGrp="1" noRot="1" noChangeAspect="1"/>
           </p:cNvSpPr>
@@ -1767,7 +1888,13 @@
       </p:sp>
       <p:sp>
         <p:nvSpPr>
-          <p:cNvPr id="3" name="Notes Placeholder 2"/>
+          <p:cNvPr id="3" name="Notes Placeholder 2">
+            <a:extLst>
+              <a:ext uri="{FF2B5EF4-FFF2-40B4-BE49-F238E27FC236}">
+                <a16:creationId xmlns:a16="http://schemas.microsoft.com/office/drawing/2014/main" id="{233EE0B7-0006-12F4-1E2A-9DAD8A2496EC}"/>
+              </a:ext>
+            </a:extLst>
+          </p:cNvPr>
           <p:cNvSpPr>
             <a:spLocks noGrp="1"/>
           </p:cNvSpPr>
@@ -1786,7 +1913,13 @@
       </p:sp>
       <p:sp>
         <p:nvSpPr>
-          <p:cNvPr id="4" name="Slide Number Placeholder 3"/>
+          <p:cNvPr id="4" name="Slide Number Placeholder 3">
+            <a:extLst>
+              <a:ext uri="{FF2B5EF4-FFF2-40B4-BE49-F238E27FC236}">
+                <a16:creationId xmlns:a16="http://schemas.microsoft.com/office/drawing/2014/main" id="{168614EA-C6C2-5928-D62A-5341334AE741}"/>
+              </a:ext>
+            </a:extLst>
+          </p:cNvPr>
           <p:cNvSpPr>
             <a:spLocks noGrp="1"/>
           </p:cNvSpPr>
@@ -1801,7 +1934,7 @@
           <a:p>
             <a:fld id="{22289C57-55D7-40A4-A101-E74FAC7A092B}" type="slidenum">
               <a:rPr lang="en-US" smtClean="0"/>
-              <a:t>11</a:t>
+              <a:t>16</a:t>
             </a:fld>
             <a:endParaRPr lang="en-US" dirty="0"/>
           </a:p>
@@ -1810,7 +1943,7 @@
     </p:spTree>
     <p:extLst>
       <p:ext uri="{BB962C8B-B14F-4D97-AF65-F5344CB8AC3E}">
-        <p14:creationId xmlns:p14="http://schemas.microsoft.com/office/powerpoint/2010/main" val="2843954456"/>
+        <p14:creationId xmlns:p14="http://schemas.microsoft.com/office/powerpoint/2010/main" val="321425498"/>
       </p:ext>
     </p:extLst>
   </p:cSld>
@@ -1825,7 +1958,13 @@
   <p:cSld>
     <p:spTree>
       <p:nvGrpSpPr>
-        <p:cNvPr id="1" name=""/>
+        <p:cNvPr id="1" name="">
+          <a:extLst>
+            <a:ext uri="{FF2B5EF4-FFF2-40B4-BE49-F238E27FC236}">
+              <a16:creationId xmlns:a16="http://schemas.microsoft.com/office/drawing/2014/main" id="{A020B4A3-4E40-7F63-4A50-3B495A920D72}"/>
+            </a:ext>
+          </a:extLst>
+        </p:cNvPr>
         <p:cNvGrpSpPr/>
         <p:nvPr/>
       </p:nvGrpSpPr>
@@ -1839,7 +1978,13 @@
       </p:grpSpPr>
       <p:sp>
         <p:nvSpPr>
-          <p:cNvPr id="2" name="Slide Image Placeholder 1"/>
+          <p:cNvPr id="2" name="Slide Image Placeholder 1">
+            <a:extLst>
+              <a:ext uri="{FF2B5EF4-FFF2-40B4-BE49-F238E27FC236}">
+                <a16:creationId xmlns:a16="http://schemas.microsoft.com/office/drawing/2014/main" id="{427FF63B-6FD1-2D61-5892-3AF3BEBCD7E1}"/>
+              </a:ext>
+            </a:extLst>
+          </p:cNvPr>
           <p:cNvSpPr>
             <a:spLocks noGrp="1" noRot="1" noChangeAspect="1"/>
           </p:cNvSpPr>
@@ -1851,7 +1996,13 @@
       </p:sp>
       <p:sp>
         <p:nvSpPr>
-          <p:cNvPr id="3" name="Notes Placeholder 2"/>
+          <p:cNvPr id="3" name="Notes Placeholder 2">
+            <a:extLst>
+              <a:ext uri="{FF2B5EF4-FFF2-40B4-BE49-F238E27FC236}">
+                <a16:creationId xmlns:a16="http://schemas.microsoft.com/office/drawing/2014/main" id="{E23AC5F1-CC5F-E789-26B1-FFCB45BAEEAC}"/>
+              </a:ext>
+            </a:extLst>
+          </p:cNvPr>
           <p:cNvSpPr>
             <a:spLocks noGrp="1"/>
           </p:cNvSpPr>
@@ -1864,47 +2015,19 @@
           <a:bodyPr/>
           <a:lstStyle/>
           <a:p>
-            <a:r>
-              <a:rPr lang="en-US" b="0" i="0" dirty="0">
-                <a:solidFill>
-                  <a:srgbClr val="D1D5DB"/>
-                </a:solidFill>
-                <a:effectLst/>
-                <a:latin typeface="__Inter_d65c78"/>
-              </a:rPr>
-              <a:t>Random forest is an ensemble learning method that combines multiple decision trees to make predictions.</a:t>
-            </a:r>
-          </a:p>
-          <a:p>
-            <a:r>
-              <a:rPr lang="en-US" b="0" i="0" dirty="0">
-                <a:solidFill>
-                  <a:srgbClr val="D1D5DB"/>
-                </a:solidFill>
-                <a:effectLst/>
-                <a:latin typeface="__Inter_d65c78"/>
-              </a:rPr>
-              <a:t>Each tree is trained on a random subset of the data.</a:t>
-            </a:r>
-          </a:p>
-          <a:p>
-            <a:r>
-              <a:rPr lang="en-US" b="0" i="0" dirty="0">
-                <a:solidFill>
-                  <a:srgbClr val="D1D5DB"/>
-                </a:solidFill>
-                <a:effectLst/>
-                <a:latin typeface="__Inter_d65c78"/>
-              </a:rPr>
-              <a:t>The final prediction is made by aggregating the predictions of all trees just like an election.</a:t>
-            </a:r>
             <a:endParaRPr lang="en-US" dirty="0"/>
           </a:p>
         </p:txBody>
       </p:sp>
       <p:sp>
         <p:nvSpPr>
-          <p:cNvPr id="4" name="Slide Number Placeholder 3"/>
+          <p:cNvPr id="4" name="Slide Number Placeholder 3">
+            <a:extLst>
+              <a:ext uri="{FF2B5EF4-FFF2-40B4-BE49-F238E27FC236}">
+                <a16:creationId xmlns:a16="http://schemas.microsoft.com/office/drawing/2014/main" id="{E007859A-5C95-9C50-5195-CCF353B58667}"/>
+              </a:ext>
+            </a:extLst>
+          </p:cNvPr>
           <p:cNvSpPr>
             <a:spLocks noGrp="1"/>
           </p:cNvSpPr>
@@ -1919,7 +2042,7 @@
           <a:p>
             <a:fld id="{22289C57-55D7-40A4-A101-E74FAC7A092B}" type="slidenum">
               <a:rPr lang="en-US" smtClean="0"/>
-              <a:t>12</a:t>
+              <a:t>17</a:t>
             </a:fld>
             <a:endParaRPr lang="en-US" dirty="0"/>
           </a:p>
@@ -1928,7 +2051,7 @@
     </p:spTree>
     <p:extLst>
       <p:ext uri="{BB962C8B-B14F-4D97-AF65-F5344CB8AC3E}">
-        <p14:creationId xmlns:p14="http://schemas.microsoft.com/office/powerpoint/2010/main" val="4040438963"/>
+        <p14:creationId xmlns:p14="http://schemas.microsoft.com/office/powerpoint/2010/main" val="1448156827"/>
       </p:ext>
     </p:extLst>
   </p:cSld>
@@ -1982,50 +2105,41 @@
           <a:bodyPr/>
           <a:lstStyle/>
           <a:p>
-            <a:pPr marL="0" marR="0" lvl="0" indent="0" algn="l" defTabSz="914400" rtl="0" eaLnBrk="1" fontAlgn="auto" latinLnBrk="0" hangingPunct="1">
-              <a:lnSpc>
-                <a:spcPct val="100000"/>
-              </a:lnSpc>
-              <a:spcBef>
-                <a:spcPts val="0"/>
-              </a:spcBef>
-              <a:spcAft>
-                <a:spcPts val="0"/>
-              </a:spcAft>
-              <a:buClrTx/>
-              <a:buSzTx/>
-              <a:buFontTx/>
-              <a:buNone/>
-              <a:tabLst/>
-              <a:defRPr/>
-            </a:pPr>
-            <a:r>
-              <a:rPr lang="en-US" dirty="0"/>
-              <a:t>Good classes : Bollywood, Hip-Hop &amp; Instrumental</a:t>
-            </a:r>
-          </a:p>
-          <a:p>
-            <a:pPr marL="0" marR="0" lvl="0" indent="0" algn="l" defTabSz="914400" rtl="0" eaLnBrk="1" fontAlgn="auto" latinLnBrk="0" hangingPunct="1">
-              <a:lnSpc>
-                <a:spcPct val="100000"/>
-              </a:lnSpc>
-              <a:spcBef>
-                <a:spcPts val="0"/>
-              </a:spcBef>
-              <a:spcAft>
-                <a:spcPts val="0"/>
-              </a:spcAft>
-              <a:buClrTx/>
-              <a:buSzTx/>
-              <a:buFontTx/>
-              <a:buNone/>
-              <a:tabLst/>
-              <a:defRPr/>
-            </a:pPr>
-            <a:r>
-              <a:rPr lang="en-US" dirty="0"/>
-              <a:t>Bad classes : Rock, Blues, Country &amp; Alt</a:t>
-            </a:r>
+            <a:r>
+              <a:rPr lang="en-US" b="0" i="0" dirty="0">
+                <a:solidFill>
+                  <a:srgbClr val="D1D5DB"/>
+                </a:solidFill>
+                <a:effectLst/>
+                <a:latin typeface="__Inter_d65c78"/>
+              </a:rPr>
+              <a:t>Random forest is an ensemble learning method that combines multiple decision trees to make predictions.</a:t>
+            </a:r>
+          </a:p>
+          <a:p>
+            <a:r>
+              <a:rPr lang="en-US" b="0" i="0" dirty="0">
+                <a:solidFill>
+                  <a:srgbClr val="D1D5DB"/>
+                </a:solidFill>
+                <a:effectLst/>
+                <a:latin typeface="__Inter_d65c78"/>
+              </a:rPr>
+              <a:t>Each tree is trained on a random subset of the data.</a:t>
+            </a:r>
+          </a:p>
+          <a:p>
+            <a:r>
+              <a:rPr lang="en-US" b="0" i="0" dirty="0">
+                <a:solidFill>
+                  <a:srgbClr val="D1D5DB"/>
+                </a:solidFill>
+                <a:effectLst/>
+                <a:latin typeface="__Inter_d65c78"/>
+              </a:rPr>
+              <a:t>The final prediction is made by aggregating the predictions of all trees just like an election.</a:t>
+            </a:r>
+            <a:endParaRPr lang="en-US" dirty="0"/>
           </a:p>
         </p:txBody>
       </p:sp>
@@ -2046,7 +2160,7 @@
           <a:p>
             <a:fld id="{22289C57-55D7-40A4-A101-E74FAC7A092B}" type="slidenum">
               <a:rPr lang="en-US" smtClean="0"/>
-              <a:t>13</a:t>
+              <a:t>18</a:t>
             </a:fld>
             <a:endParaRPr lang="en-US" dirty="0"/>
           </a:p>
@@ -2055,7 +2169,7 @@
     </p:spTree>
     <p:extLst>
       <p:ext uri="{BB962C8B-B14F-4D97-AF65-F5344CB8AC3E}">
-        <p14:creationId xmlns:p14="http://schemas.microsoft.com/office/powerpoint/2010/main" val="840986708"/>
+        <p14:creationId xmlns:p14="http://schemas.microsoft.com/office/powerpoint/2010/main" val="4040438963"/>
       </p:ext>
     </p:extLst>
   </p:cSld>
@@ -7488,6 +7602,256 @@
   <p:cSld>
     <p:spTree>
       <p:nvGrpSpPr>
+        <p:cNvPr id="1" name="">
+          <a:extLst>
+            <a:ext uri="{FF2B5EF4-FFF2-40B4-BE49-F238E27FC236}">
+              <a16:creationId xmlns:a16="http://schemas.microsoft.com/office/drawing/2014/main" id="{168AEDCE-E619-A93D-2E02-99E3561C5D9E}"/>
+            </a:ext>
+          </a:extLst>
+        </p:cNvPr>
+        <p:cNvGrpSpPr/>
+        <p:nvPr/>
+      </p:nvGrpSpPr>
+      <p:grpSpPr>
+        <a:xfrm>
+          <a:off x="0" y="0"/>
+          <a:ext cx="0" cy="0"/>
+          <a:chOff x="0" y="0"/>
+          <a:chExt cx="0" cy="0"/>
+        </a:xfrm>
+      </p:grpSpPr>
+      <p:sp>
+        <p:nvSpPr>
+          <p:cNvPr id="11" name="ZoneTexte 10">
+            <a:extLst>
+              <a:ext uri="{FF2B5EF4-FFF2-40B4-BE49-F238E27FC236}">
+                <a16:creationId xmlns:a16="http://schemas.microsoft.com/office/drawing/2014/main" id="{2C5AA01E-E8F0-7C74-4A9D-4F2F0D4B1918}"/>
+              </a:ext>
+            </a:extLst>
+          </p:cNvPr>
+          <p:cNvSpPr txBox="1"/>
+          <p:nvPr/>
+        </p:nvSpPr>
+        <p:spPr>
+          <a:xfrm>
+            <a:off x="1040202" y="579918"/>
+            <a:ext cx="4446197" cy="1325563"/>
+          </a:xfrm>
+          <a:prstGeom prst="rect">
+            <a:avLst/>
+          </a:prstGeom>
+        </p:spPr>
+        <p:txBody>
+          <a:bodyPr vert="horz" lIns="91440" tIns="45720" rIns="91440" bIns="45720" rtlCol="0" anchor="b">
+            <a:normAutofit/>
+          </a:bodyPr>
+          <a:lstStyle/>
+          <a:p>
+            <a:pPr>
+              <a:lnSpc>
+                <a:spcPct val="90000"/>
+              </a:lnSpc>
+              <a:spcBef>
+                <a:spcPct val="0"/>
+              </a:spcBef>
+              <a:spcAft>
+                <a:spcPts val="600"/>
+              </a:spcAft>
+            </a:pPr>
+            <a:r>
+              <a:rPr lang="en-US" sz="3200" kern="1200" cap="all" spc="150" baseline="0" dirty="0">
+                <a:solidFill>
+                  <a:schemeClr val="bg1"/>
+                </a:solidFill>
+                <a:latin typeface="+mj-lt"/>
+                <a:ea typeface="+mj-ea"/>
+                <a:cs typeface="+mj-cs"/>
+              </a:rPr>
+              <a:t>Euclidean Distance</a:t>
+            </a:r>
+          </a:p>
+        </p:txBody>
+      </p:sp>
+      <p:sp>
+        <p:nvSpPr>
+          <p:cNvPr id="12" name="Slide Number Placeholder 3">
+            <a:extLst>
+              <a:ext uri="{FF2B5EF4-FFF2-40B4-BE49-F238E27FC236}">
+                <a16:creationId xmlns:a16="http://schemas.microsoft.com/office/drawing/2014/main" id="{28C4AB7A-C7A1-D70C-FCB2-6B481E3CCCCB}"/>
+              </a:ext>
+            </a:extLst>
+          </p:cNvPr>
+          <p:cNvSpPr>
+            <a:spLocks noGrp="1"/>
+          </p:cNvSpPr>
+          <p:nvPr>
+            <p:ph type="sldNum" sz="quarter" idx="12"/>
+          </p:nvPr>
+        </p:nvSpPr>
+        <p:spPr>
+          <a:xfrm>
+            <a:off x="10373350" y="6356349"/>
+            <a:ext cx="987552" cy="365125"/>
+          </a:xfrm>
+        </p:spPr>
+        <p:txBody>
+          <a:bodyPr vert="horz" lIns="91440" tIns="45720" rIns="91440" bIns="45720" rtlCol="0" anchor="ctr">
+            <a:normAutofit/>
+          </a:bodyPr>
+          <a:lstStyle/>
+          <a:p>
+            <a:pPr>
+              <a:spcAft>
+                <a:spcPts val="600"/>
+              </a:spcAft>
+            </a:pPr>
+            <a:fld id="{A49DFD55-3C28-40EF-9E31-A92D2E4017FF}" type="slidenum">
+              <a:rPr lang="en-US" smtClean="0"/>
+              <a:pPr>
+                <a:spcAft>
+                  <a:spcPts val="600"/>
+                </a:spcAft>
+              </a:pPr>
+              <a:t>10</a:t>
+            </a:fld>
+            <a:endParaRPr lang="en-US"/>
+          </a:p>
+        </p:txBody>
+      </p:sp>
+      <p:pic>
+        <p:nvPicPr>
+          <p:cNvPr id="6" name="Image 5">
+            <a:extLst>
+              <a:ext uri="{FF2B5EF4-FFF2-40B4-BE49-F238E27FC236}">
+                <a16:creationId xmlns:a16="http://schemas.microsoft.com/office/drawing/2014/main" id="{5ED06F18-E05F-4B11-CB98-B581AC92E7B0}"/>
+              </a:ext>
+            </a:extLst>
+          </p:cNvPr>
+          <p:cNvPicPr>
+            <a:picLocks noChangeAspect="1"/>
+          </p:cNvPicPr>
+          <p:nvPr/>
+        </p:nvPicPr>
+        <p:blipFill>
+          <a:blip r:embed="rId2"/>
+          <a:stretch>
+            <a:fillRect/>
+          </a:stretch>
+        </p:blipFill>
+        <p:spPr>
+          <a:xfrm>
+            <a:off x="1040203" y="1905481"/>
+            <a:ext cx="6601746" cy="4239217"/>
+          </a:xfrm>
+          <a:prstGeom prst="rect">
+            <a:avLst/>
+          </a:prstGeom>
+        </p:spPr>
+      </p:pic>
+    </p:spTree>
+    <p:extLst>
+      <p:ext uri="{BB962C8B-B14F-4D97-AF65-F5344CB8AC3E}">
+        <p14:creationId xmlns:p14="http://schemas.microsoft.com/office/powerpoint/2010/main" val="1696418996"/>
+      </p:ext>
+    </p:extLst>
+  </p:cSld>
+  <p:clrMapOvr>
+    <a:masterClrMapping/>
+  </p:clrMapOvr>
+  <p:timing>
+    <p:tnLst>
+      <p:par>
+        <p:cTn id="1" dur="indefinite" restart="never" nodeType="tmRoot">
+          <p:childTnLst>
+            <p:seq concurrent="1" nextAc="seek">
+              <p:cTn id="2" dur="indefinite" nodeType="mainSeq">
+                <p:childTnLst>
+                  <p:par>
+                    <p:cTn id="3" fill="hold">
+                      <p:stCondLst>
+                        <p:cond delay="indefinite"/>
+                      </p:stCondLst>
+                      <p:childTnLst>
+                        <p:par>
+                          <p:cTn id="4" fill="hold">
+                            <p:stCondLst>
+                              <p:cond delay="0"/>
+                            </p:stCondLst>
+                            <p:childTnLst>
+                              <p:par>
+                                <p:cTn id="5" presetID="10" presetClass="exit" presetSubtype="0" fill="hold" grpId="0" nodeType="clickEffect">
+                                  <p:stCondLst>
+                                    <p:cond delay="0"/>
+                                  </p:stCondLst>
+                                  <p:childTnLst>
+                                    <p:animEffect transition="out" filter="fade">
+                                      <p:cBhvr>
+                                        <p:cTn id="6" dur="500"/>
+                                        <p:tgtEl>
+                                          <p:spTgt spid="11"/>
+                                        </p:tgtEl>
+                                      </p:cBhvr>
+                                    </p:animEffect>
+                                    <p:set>
+                                      <p:cBhvr>
+                                        <p:cTn id="7" dur="1" fill="hold">
+                                          <p:stCondLst>
+                                            <p:cond delay="499"/>
+                                          </p:stCondLst>
+                                        </p:cTn>
+                                        <p:tgtEl>
+                                          <p:spTgt spid="11"/>
+                                        </p:tgtEl>
+                                        <p:attrNameLst>
+                                          <p:attrName>style.visibility</p:attrName>
+                                        </p:attrNameLst>
+                                      </p:cBhvr>
+                                      <p:to>
+                                        <p:strVal val="hidden"/>
+                                      </p:to>
+                                    </p:set>
+                                  </p:childTnLst>
+                                </p:cTn>
+                              </p:par>
+                            </p:childTnLst>
+                          </p:cTn>
+                        </p:par>
+                      </p:childTnLst>
+                    </p:cTn>
+                  </p:par>
+                </p:childTnLst>
+              </p:cTn>
+              <p:prevCondLst>
+                <p:cond evt="onPrev" delay="0">
+                  <p:tgtEl>
+                    <p:sldTgt/>
+                  </p:tgtEl>
+                </p:cond>
+              </p:prevCondLst>
+              <p:nextCondLst>
+                <p:cond evt="onNext" delay="0">
+                  <p:tgtEl>
+                    <p:sldTgt/>
+                  </p:tgtEl>
+                </p:cond>
+              </p:nextCondLst>
+            </p:seq>
+          </p:childTnLst>
+        </p:cTn>
+      </p:par>
+    </p:tnLst>
+    <p:bldLst>
+      <p:bldP spid="11" grpId="0"/>
+    </p:bldLst>
+  </p:timing>
+</p:sld>
+</file>
+
+<file path=ppt/slides/slide11.xml><?xml version="1.0" encoding="utf-8"?>
+<p:sld xmlns:a="http://schemas.openxmlformats.org/drawingml/2006/main" xmlns:r="http://schemas.openxmlformats.org/officeDocument/2006/relationships" xmlns:p="http://schemas.openxmlformats.org/presentationml/2006/main">
+  <p:cSld>
+    <p:spTree>
+      <p:nvGrpSpPr>
         <p:cNvPr id="1" name=""/>
         <p:cNvGrpSpPr/>
         <p:nvPr/>
@@ -7502,10 +7866,10 @@
       </p:grpSpPr>
       <p:sp>
         <p:nvSpPr>
-          <p:cNvPr id="3" name="Text Placeholder 2">
-            <a:extLst>
-              <a:ext uri="{FF2B5EF4-FFF2-40B4-BE49-F238E27FC236}">
-                <a16:creationId xmlns:a16="http://schemas.microsoft.com/office/drawing/2014/main" id="{93FE2839-5C3F-FCD5-DF7A-F86E4ABF9642}"/>
+          <p:cNvPr id="2" name="Title 1">
+            <a:extLst>
+              <a:ext uri="{FF2B5EF4-FFF2-40B4-BE49-F238E27FC236}">
+                <a16:creationId xmlns:a16="http://schemas.microsoft.com/office/drawing/2014/main" id="{A95E2E6A-35EC-1B8E-0FD7-8C67870ACA64}"/>
               </a:ext>
             </a:extLst>
           </p:cNvPr>
@@ -7513,33 +7877,66 @@
             <a:spLocks noGrp="1"/>
           </p:cNvSpPr>
           <p:nvPr>
-            <p:ph type="body" idx="1"/>
-          </p:nvPr>
-        </p:nvSpPr>
-        <p:spPr>
-          <a:xfrm>
-            <a:off x="4133850" y="815660"/>
-            <a:ext cx="3924300" cy="464499"/>
+            <p:ph type="title"/>
+          </p:nvPr>
+        </p:nvSpPr>
+        <p:spPr>
+          <a:xfrm>
+            <a:off x="2940802" y="233679"/>
+            <a:ext cx="8420100" cy="581981"/>
           </a:xfrm>
         </p:spPr>
         <p:txBody>
           <a:bodyPr/>
           <a:lstStyle/>
           <a:p>
+            <a:r>
+              <a:rPr lang="en-US" dirty="0"/>
+              <a:t>Distances</a:t>
+            </a:r>
+          </a:p>
+        </p:txBody>
+      </p:sp>
+      <p:sp>
+        <p:nvSpPr>
+          <p:cNvPr id="12" name="Text Placeholder 11">
+            <a:extLst>
+              <a:ext uri="{FF2B5EF4-FFF2-40B4-BE49-F238E27FC236}">
+                <a16:creationId xmlns:a16="http://schemas.microsoft.com/office/drawing/2014/main" id="{554B61B9-26F6-B304-92CD-03053DAAF2A8}"/>
+              </a:ext>
+            </a:extLst>
+          </p:cNvPr>
+          <p:cNvSpPr>
+            <a:spLocks noGrp="1"/>
+          </p:cNvSpPr>
+          <p:nvPr>
+            <p:ph type="body" idx="1"/>
+          </p:nvPr>
+        </p:nvSpPr>
+        <p:spPr>
+          <a:xfrm>
+            <a:off x="5408928" y="815660"/>
+            <a:ext cx="1374140" cy="464499"/>
+          </a:xfrm>
+        </p:spPr>
+        <p:txBody>
+          <a:bodyPr/>
+          <a:lstStyle/>
+          <a:p>
             <a:pPr algn="ctr"/>
             <a:r>
               <a:rPr lang="en-US" dirty="0"/>
-              <a:t>Manhattan</a:t>
-            </a:r>
-          </a:p>
-        </p:txBody>
-      </p:sp>
-      <p:sp>
-        <p:nvSpPr>
-          <p:cNvPr id="7" name="Slide Number Placeholder 6">
-            <a:extLst>
-              <a:ext uri="{FF2B5EF4-FFF2-40B4-BE49-F238E27FC236}">
-                <a16:creationId xmlns:a16="http://schemas.microsoft.com/office/drawing/2014/main" id="{7704EEB3-8F34-BA8E-4FE1-E69BFCEA7AA3}"/>
+              <a:t>Euclidean</a:t>
+            </a:r>
+          </a:p>
+        </p:txBody>
+      </p:sp>
+      <p:sp>
+        <p:nvSpPr>
+          <p:cNvPr id="8" name="Slide Number Placeholder 7">
+            <a:extLst>
+              <a:ext uri="{FF2B5EF4-FFF2-40B4-BE49-F238E27FC236}">
+                <a16:creationId xmlns:a16="http://schemas.microsoft.com/office/drawing/2014/main" id="{8F44A959-C2BB-9170-C99C-1A2EDB71B994}"/>
               </a:ext>
             </a:extLst>
           </p:cNvPr>
@@ -7550,7 +7947,12 @@
             <p:ph type="sldNum" sz="quarter" idx="12"/>
           </p:nvPr>
         </p:nvSpPr>
-        <p:spPr/>
+        <p:spPr>
+          <a:xfrm>
+            <a:off x="10373350" y="6356349"/>
+            <a:ext cx="987552" cy="365125"/>
+          </a:xfrm>
+        </p:spPr>
         <p:txBody>
           <a:bodyPr/>
           <a:lstStyle/>
@@ -7558,7 +7960,381 @@
             <a:fld id="{A49DFD55-3C28-40EF-9E31-A92D2E4017FF}" type="slidenum">
               <a:rPr lang="en-US" sz="1400" smtClean="0"/>
               <a:pPr/>
-              <a:t>10</a:t>
+              <a:t>11</a:t>
+            </a:fld>
+            <a:endParaRPr lang="en-US" sz="1400" dirty="0"/>
+          </a:p>
+        </p:txBody>
+      </p:sp>
+      <p:pic>
+        <p:nvPicPr>
+          <p:cNvPr id="7" name="Image 1" descr="Une image contenant texte, capture d’écran, Tracé, diagramme&#10;&#10;Description générée automatiquement">
+            <a:extLst>
+              <a:ext uri="{FF2B5EF4-FFF2-40B4-BE49-F238E27FC236}">
+                <a16:creationId xmlns:a16="http://schemas.microsoft.com/office/drawing/2014/main" id="{29B765C2-AEF0-62F9-1F3F-6FE996E60877}"/>
+              </a:ext>
+            </a:extLst>
+          </p:cNvPr>
+          <p:cNvPicPr>
+            <a:picLocks noChangeAspect="1"/>
+          </p:cNvPicPr>
+          <p:nvPr/>
+        </p:nvPicPr>
+        <p:blipFill>
+          <a:blip r:embed="rId3"/>
+          <a:stretch>
+            <a:fillRect/>
+          </a:stretch>
+        </p:blipFill>
+        <p:spPr>
+          <a:xfrm>
+            <a:off x="666396" y="1280159"/>
+            <a:ext cx="10859208" cy="4772450"/>
+          </a:xfrm>
+          <a:prstGeom prst="rect">
+            <a:avLst/>
+          </a:prstGeom>
+        </p:spPr>
+      </p:pic>
+    </p:spTree>
+    <p:extLst>
+      <p:ext uri="{BB962C8B-B14F-4D97-AF65-F5344CB8AC3E}">
+        <p14:creationId xmlns:p14="http://schemas.microsoft.com/office/powerpoint/2010/main" val="103458723"/>
+      </p:ext>
+    </p:extLst>
+  </p:cSld>
+  <p:clrMapOvr>
+    <a:masterClrMapping/>
+  </p:clrMapOvr>
+</p:sld>
+</file>
+
+<file path=ppt/slides/slide12.xml><?xml version="1.0" encoding="utf-8"?>
+<p:sld xmlns:a="http://schemas.openxmlformats.org/drawingml/2006/main" xmlns:r="http://schemas.openxmlformats.org/officeDocument/2006/relationships" xmlns:p="http://schemas.openxmlformats.org/presentationml/2006/main">
+  <p:cSld>
+    <p:spTree>
+      <p:nvGrpSpPr>
+        <p:cNvPr id="1" name="">
+          <a:extLst>
+            <a:ext uri="{FF2B5EF4-FFF2-40B4-BE49-F238E27FC236}">
+              <a16:creationId xmlns:a16="http://schemas.microsoft.com/office/drawing/2014/main" id="{9B61367D-6CD6-5E71-5761-0AE3150DDE4E}"/>
+            </a:ext>
+          </a:extLst>
+        </p:cNvPr>
+        <p:cNvGrpSpPr/>
+        <p:nvPr/>
+      </p:nvGrpSpPr>
+      <p:grpSpPr>
+        <a:xfrm>
+          <a:off x="0" y="0"/>
+          <a:ext cx="0" cy="0"/>
+          <a:chOff x="0" y="0"/>
+          <a:chExt cx="0" cy="0"/>
+        </a:xfrm>
+      </p:grpSpPr>
+      <p:sp>
+        <p:nvSpPr>
+          <p:cNvPr id="11" name="ZoneTexte 10">
+            <a:extLst>
+              <a:ext uri="{FF2B5EF4-FFF2-40B4-BE49-F238E27FC236}">
+                <a16:creationId xmlns:a16="http://schemas.microsoft.com/office/drawing/2014/main" id="{018A43BC-8B4C-5304-1A72-7C75EB90B315}"/>
+              </a:ext>
+            </a:extLst>
+          </p:cNvPr>
+          <p:cNvSpPr txBox="1"/>
+          <p:nvPr/>
+        </p:nvSpPr>
+        <p:spPr>
+          <a:xfrm>
+            <a:off x="1040202" y="579918"/>
+            <a:ext cx="4446197" cy="1325563"/>
+          </a:xfrm>
+          <a:prstGeom prst="rect">
+            <a:avLst/>
+          </a:prstGeom>
+        </p:spPr>
+        <p:txBody>
+          <a:bodyPr vert="horz" lIns="91440" tIns="45720" rIns="91440" bIns="45720" rtlCol="0" anchor="b">
+            <a:normAutofit/>
+          </a:bodyPr>
+          <a:lstStyle/>
+          <a:p>
+            <a:pPr>
+              <a:lnSpc>
+                <a:spcPct val="90000"/>
+              </a:lnSpc>
+              <a:spcBef>
+                <a:spcPct val="0"/>
+              </a:spcBef>
+              <a:spcAft>
+                <a:spcPts val="600"/>
+              </a:spcAft>
+            </a:pPr>
+            <a:r>
+              <a:rPr lang="en-US" sz="3200" kern="1200" cap="all" spc="150" baseline="0" dirty="0">
+                <a:solidFill>
+                  <a:schemeClr val="bg1"/>
+                </a:solidFill>
+                <a:latin typeface="+mj-lt"/>
+                <a:ea typeface="+mj-ea"/>
+                <a:cs typeface="+mj-cs"/>
+              </a:rPr>
+              <a:t>Euclidean Distance</a:t>
+            </a:r>
+          </a:p>
+        </p:txBody>
+      </p:sp>
+      <p:sp>
+        <p:nvSpPr>
+          <p:cNvPr id="12" name="Slide Number Placeholder 3">
+            <a:extLst>
+              <a:ext uri="{FF2B5EF4-FFF2-40B4-BE49-F238E27FC236}">
+                <a16:creationId xmlns:a16="http://schemas.microsoft.com/office/drawing/2014/main" id="{C486F9B5-D6D7-A063-8000-12B761BDBE97}"/>
+              </a:ext>
+            </a:extLst>
+          </p:cNvPr>
+          <p:cNvSpPr>
+            <a:spLocks noGrp="1"/>
+          </p:cNvSpPr>
+          <p:nvPr>
+            <p:ph type="sldNum" sz="quarter" idx="12"/>
+          </p:nvPr>
+        </p:nvSpPr>
+        <p:spPr>
+          <a:xfrm>
+            <a:off x="10373350" y="6356349"/>
+            <a:ext cx="987552" cy="365125"/>
+          </a:xfrm>
+        </p:spPr>
+        <p:txBody>
+          <a:bodyPr vert="horz" lIns="91440" tIns="45720" rIns="91440" bIns="45720" rtlCol="0" anchor="ctr">
+            <a:normAutofit/>
+          </a:bodyPr>
+          <a:lstStyle/>
+          <a:p>
+            <a:pPr>
+              <a:spcAft>
+                <a:spcPts val="600"/>
+              </a:spcAft>
+            </a:pPr>
+            <a:fld id="{A49DFD55-3C28-40EF-9E31-A92D2E4017FF}" type="slidenum">
+              <a:rPr lang="en-US" smtClean="0"/>
+              <a:pPr>
+                <a:spcAft>
+                  <a:spcPts val="600"/>
+                </a:spcAft>
+              </a:pPr>
+              <a:t>12</a:t>
+            </a:fld>
+            <a:endParaRPr lang="en-US"/>
+          </a:p>
+        </p:txBody>
+      </p:sp>
+      <p:pic>
+        <p:nvPicPr>
+          <p:cNvPr id="3" name="Image 2">
+            <a:extLst>
+              <a:ext uri="{FF2B5EF4-FFF2-40B4-BE49-F238E27FC236}">
+                <a16:creationId xmlns:a16="http://schemas.microsoft.com/office/drawing/2014/main" id="{84696B6D-D816-7B6B-4A0A-AB1279CFE6F3}"/>
+              </a:ext>
+            </a:extLst>
+          </p:cNvPr>
+          <p:cNvPicPr>
+            <a:picLocks noChangeAspect="1"/>
+          </p:cNvPicPr>
+          <p:nvPr/>
+        </p:nvPicPr>
+        <p:blipFill>
+          <a:blip r:embed="rId2"/>
+          <a:stretch>
+            <a:fillRect/>
+          </a:stretch>
+        </p:blipFill>
+        <p:spPr>
+          <a:xfrm>
+            <a:off x="1154417" y="1935673"/>
+            <a:ext cx="6363588" cy="4210638"/>
+          </a:xfrm>
+          <a:prstGeom prst="rect">
+            <a:avLst/>
+          </a:prstGeom>
+        </p:spPr>
+      </p:pic>
+    </p:spTree>
+    <p:extLst>
+      <p:ext uri="{BB962C8B-B14F-4D97-AF65-F5344CB8AC3E}">
+        <p14:creationId xmlns:p14="http://schemas.microsoft.com/office/powerpoint/2010/main" val="1874159144"/>
+      </p:ext>
+    </p:extLst>
+  </p:cSld>
+  <p:clrMapOvr>
+    <a:masterClrMapping/>
+  </p:clrMapOvr>
+  <p:timing>
+    <p:tnLst>
+      <p:par>
+        <p:cTn id="1" dur="indefinite" restart="never" nodeType="tmRoot">
+          <p:childTnLst>
+            <p:seq concurrent="1" nextAc="seek">
+              <p:cTn id="2" dur="indefinite" nodeType="mainSeq">
+                <p:childTnLst>
+                  <p:par>
+                    <p:cTn id="3" fill="hold">
+                      <p:stCondLst>
+                        <p:cond delay="indefinite"/>
+                      </p:stCondLst>
+                      <p:childTnLst>
+                        <p:par>
+                          <p:cTn id="4" fill="hold">
+                            <p:stCondLst>
+                              <p:cond delay="0"/>
+                            </p:stCondLst>
+                            <p:childTnLst>
+                              <p:par>
+                                <p:cTn id="5" presetID="10" presetClass="exit" presetSubtype="0" fill="hold" grpId="0" nodeType="clickEffect">
+                                  <p:stCondLst>
+                                    <p:cond delay="0"/>
+                                  </p:stCondLst>
+                                  <p:childTnLst>
+                                    <p:animEffect transition="out" filter="fade">
+                                      <p:cBhvr>
+                                        <p:cTn id="6" dur="500"/>
+                                        <p:tgtEl>
+                                          <p:spTgt spid="11"/>
+                                        </p:tgtEl>
+                                      </p:cBhvr>
+                                    </p:animEffect>
+                                    <p:set>
+                                      <p:cBhvr>
+                                        <p:cTn id="7" dur="1" fill="hold">
+                                          <p:stCondLst>
+                                            <p:cond delay="499"/>
+                                          </p:stCondLst>
+                                        </p:cTn>
+                                        <p:tgtEl>
+                                          <p:spTgt spid="11"/>
+                                        </p:tgtEl>
+                                        <p:attrNameLst>
+                                          <p:attrName>style.visibility</p:attrName>
+                                        </p:attrNameLst>
+                                      </p:cBhvr>
+                                      <p:to>
+                                        <p:strVal val="hidden"/>
+                                      </p:to>
+                                    </p:set>
+                                  </p:childTnLst>
+                                </p:cTn>
+                              </p:par>
+                            </p:childTnLst>
+                          </p:cTn>
+                        </p:par>
+                      </p:childTnLst>
+                    </p:cTn>
+                  </p:par>
+                </p:childTnLst>
+              </p:cTn>
+              <p:prevCondLst>
+                <p:cond evt="onPrev" delay="0">
+                  <p:tgtEl>
+                    <p:sldTgt/>
+                  </p:tgtEl>
+                </p:cond>
+              </p:prevCondLst>
+              <p:nextCondLst>
+                <p:cond evt="onNext" delay="0">
+                  <p:tgtEl>
+                    <p:sldTgt/>
+                  </p:tgtEl>
+                </p:cond>
+              </p:nextCondLst>
+            </p:seq>
+          </p:childTnLst>
+        </p:cTn>
+      </p:par>
+    </p:tnLst>
+    <p:bldLst>
+      <p:bldP spid="11" grpId="0"/>
+    </p:bldLst>
+  </p:timing>
+</p:sld>
+</file>
+
+<file path=ppt/slides/slide13.xml><?xml version="1.0" encoding="utf-8"?>
+<p:sld xmlns:a="http://schemas.openxmlformats.org/drawingml/2006/main" xmlns:r="http://schemas.openxmlformats.org/officeDocument/2006/relationships" xmlns:p="http://schemas.openxmlformats.org/presentationml/2006/main">
+  <p:cSld>
+    <p:spTree>
+      <p:nvGrpSpPr>
+        <p:cNvPr id="1" name=""/>
+        <p:cNvGrpSpPr/>
+        <p:nvPr/>
+      </p:nvGrpSpPr>
+      <p:grpSpPr>
+        <a:xfrm>
+          <a:off x="0" y="0"/>
+          <a:ext cx="0" cy="0"/>
+          <a:chOff x="0" y="0"/>
+          <a:chExt cx="0" cy="0"/>
+        </a:xfrm>
+      </p:grpSpPr>
+      <p:sp>
+        <p:nvSpPr>
+          <p:cNvPr id="3" name="Text Placeholder 2">
+            <a:extLst>
+              <a:ext uri="{FF2B5EF4-FFF2-40B4-BE49-F238E27FC236}">
+                <a16:creationId xmlns:a16="http://schemas.microsoft.com/office/drawing/2014/main" id="{93FE2839-5C3F-FCD5-DF7A-F86E4ABF9642}"/>
+              </a:ext>
+            </a:extLst>
+          </p:cNvPr>
+          <p:cNvSpPr>
+            <a:spLocks noGrp="1"/>
+          </p:cNvSpPr>
+          <p:nvPr>
+            <p:ph type="body" idx="1"/>
+          </p:nvPr>
+        </p:nvSpPr>
+        <p:spPr>
+          <a:xfrm>
+            <a:off x="4133850" y="815660"/>
+            <a:ext cx="3924300" cy="464499"/>
+          </a:xfrm>
+        </p:spPr>
+        <p:txBody>
+          <a:bodyPr/>
+          <a:lstStyle/>
+          <a:p>
+            <a:pPr algn="ctr"/>
+            <a:r>
+              <a:rPr lang="en-US" dirty="0"/>
+              <a:t>Manhattan</a:t>
+            </a:r>
+          </a:p>
+        </p:txBody>
+      </p:sp>
+      <p:sp>
+        <p:nvSpPr>
+          <p:cNvPr id="7" name="Slide Number Placeholder 6">
+            <a:extLst>
+              <a:ext uri="{FF2B5EF4-FFF2-40B4-BE49-F238E27FC236}">
+                <a16:creationId xmlns:a16="http://schemas.microsoft.com/office/drawing/2014/main" id="{7704EEB3-8F34-BA8E-4FE1-E69BFCEA7AA3}"/>
+              </a:ext>
+            </a:extLst>
+          </p:cNvPr>
+          <p:cNvSpPr>
+            <a:spLocks noGrp="1"/>
+          </p:cNvSpPr>
+          <p:nvPr>
+            <p:ph type="sldNum" sz="quarter" idx="12"/>
+          </p:nvPr>
+        </p:nvSpPr>
+        <p:spPr/>
+        <p:txBody>
+          <a:bodyPr/>
+          <a:lstStyle/>
+          <a:p>
+            <a:fld id="{A49DFD55-3C28-40EF-9E31-A92D2E4017FF}" type="slidenum">
+              <a:rPr lang="en-US" sz="1400" smtClean="0"/>
+              <a:pPr/>
+              <a:t>13</a:t>
             </a:fld>
             <a:endParaRPr lang="en-US" sz="1400" dirty="0"/>
           </a:p>
@@ -7661,7 +8437,257 @@
 </p:sld>
 </file>
 
-<file path=ppt/slides/slide11.xml><?xml version="1.0" encoding="utf-8"?>
+<file path=ppt/slides/slide14.xml><?xml version="1.0" encoding="utf-8"?>
+<p:sld xmlns:a="http://schemas.openxmlformats.org/drawingml/2006/main" xmlns:r="http://schemas.openxmlformats.org/officeDocument/2006/relationships" xmlns:p="http://schemas.openxmlformats.org/presentationml/2006/main">
+  <p:cSld>
+    <p:spTree>
+      <p:nvGrpSpPr>
+        <p:cNvPr id="1" name="">
+          <a:extLst>
+            <a:ext uri="{FF2B5EF4-FFF2-40B4-BE49-F238E27FC236}">
+              <a16:creationId xmlns:a16="http://schemas.microsoft.com/office/drawing/2014/main" id="{1226CEBA-8413-82BA-7402-D85273BF8F8B}"/>
+            </a:ext>
+          </a:extLst>
+        </p:cNvPr>
+        <p:cNvGrpSpPr/>
+        <p:nvPr/>
+      </p:nvGrpSpPr>
+      <p:grpSpPr>
+        <a:xfrm>
+          <a:off x="0" y="0"/>
+          <a:ext cx="0" cy="0"/>
+          <a:chOff x="0" y="0"/>
+          <a:chExt cx="0" cy="0"/>
+        </a:xfrm>
+      </p:grpSpPr>
+      <p:sp>
+        <p:nvSpPr>
+          <p:cNvPr id="11" name="ZoneTexte 10">
+            <a:extLst>
+              <a:ext uri="{FF2B5EF4-FFF2-40B4-BE49-F238E27FC236}">
+                <a16:creationId xmlns:a16="http://schemas.microsoft.com/office/drawing/2014/main" id="{710E3517-1830-356E-6A7E-DFDCC683467B}"/>
+              </a:ext>
+            </a:extLst>
+          </p:cNvPr>
+          <p:cNvSpPr txBox="1"/>
+          <p:nvPr/>
+        </p:nvSpPr>
+        <p:spPr>
+          <a:xfrm>
+            <a:off x="919432" y="1209646"/>
+            <a:ext cx="4446197" cy="1325563"/>
+          </a:xfrm>
+          <a:prstGeom prst="rect">
+            <a:avLst/>
+          </a:prstGeom>
+        </p:spPr>
+        <p:txBody>
+          <a:bodyPr vert="horz" lIns="91440" tIns="45720" rIns="91440" bIns="45720" rtlCol="0" anchor="b">
+            <a:normAutofit/>
+          </a:bodyPr>
+          <a:lstStyle/>
+          <a:p>
+            <a:pPr>
+              <a:lnSpc>
+                <a:spcPct val="90000"/>
+              </a:lnSpc>
+              <a:spcBef>
+                <a:spcPct val="0"/>
+              </a:spcBef>
+              <a:spcAft>
+                <a:spcPts val="600"/>
+              </a:spcAft>
+            </a:pPr>
+            <a:r>
+              <a:rPr lang="en-US" sz="3200" kern="1200" cap="all" spc="150" baseline="0" dirty="0">
+                <a:solidFill>
+                  <a:schemeClr val="bg1"/>
+                </a:solidFill>
+                <a:latin typeface="+mj-lt"/>
+                <a:ea typeface="+mj-ea"/>
+                <a:cs typeface="+mj-cs"/>
+              </a:rPr>
+              <a:t>KNN algorithm</a:t>
+            </a:r>
+          </a:p>
+        </p:txBody>
+      </p:sp>
+      <p:sp>
+        <p:nvSpPr>
+          <p:cNvPr id="12" name="Slide Number Placeholder 3">
+            <a:extLst>
+              <a:ext uri="{FF2B5EF4-FFF2-40B4-BE49-F238E27FC236}">
+                <a16:creationId xmlns:a16="http://schemas.microsoft.com/office/drawing/2014/main" id="{18E78403-A96F-80E0-BBB5-D36C10E8E551}"/>
+              </a:ext>
+            </a:extLst>
+          </p:cNvPr>
+          <p:cNvSpPr>
+            <a:spLocks noGrp="1"/>
+          </p:cNvSpPr>
+          <p:nvPr>
+            <p:ph type="sldNum" sz="quarter" idx="12"/>
+          </p:nvPr>
+        </p:nvSpPr>
+        <p:spPr>
+          <a:xfrm>
+            <a:off x="10373350" y="6356349"/>
+            <a:ext cx="987552" cy="365125"/>
+          </a:xfrm>
+        </p:spPr>
+        <p:txBody>
+          <a:bodyPr vert="horz" lIns="91440" tIns="45720" rIns="91440" bIns="45720" rtlCol="0" anchor="ctr">
+            <a:normAutofit/>
+          </a:bodyPr>
+          <a:lstStyle/>
+          <a:p>
+            <a:pPr>
+              <a:spcAft>
+                <a:spcPts val="600"/>
+              </a:spcAft>
+            </a:pPr>
+            <a:fld id="{A49DFD55-3C28-40EF-9E31-A92D2E4017FF}" type="slidenum">
+              <a:rPr lang="en-US" smtClean="0"/>
+              <a:pPr>
+                <a:spcAft>
+                  <a:spcPts val="600"/>
+                </a:spcAft>
+              </a:pPr>
+              <a:t>14</a:t>
+            </a:fld>
+            <a:endParaRPr lang="en-US"/>
+          </a:p>
+        </p:txBody>
+      </p:sp>
+      <p:pic>
+        <p:nvPicPr>
+          <p:cNvPr id="4" name="Image 3">
+            <a:extLst>
+              <a:ext uri="{FF2B5EF4-FFF2-40B4-BE49-F238E27FC236}">
+                <a16:creationId xmlns:a16="http://schemas.microsoft.com/office/drawing/2014/main" id="{F50B848D-26D8-7592-4F97-480FB912EC00}"/>
+              </a:ext>
+            </a:extLst>
+          </p:cNvPr>
+          <p:cNvPicPr>
+            <a:picLocks noChangeAspect="1"/>
+          </p:cNvPicPr>
+          <p:nvPr/>
+        </p:nvPicPr>
+        <p:blipFill>
+          <a:blip r:embed="rId2"/>
+          <a:stretch>
+            <a:fillRect/>
+          </a:stretch>
+        </p:blipFill>
+        <p:spPr>
+          <a:xfrm>
+            <a:off x="1005696" y="2630260"/>
+            <a:ext cx="6087325" cy="2391109"/>
+          </a:xfrm>
+          <a:prstGeom prst="rect">
+            <a:avLst/>
+          </a:prstGeom>
+        </p:spPr>
+      </p:pic>
+    </p:spTree>
+    <p:extLst>
+      <p:ext uri="{BB962C8B-B14F-4D97-AF65-F5344CB8AC3E}">
+        <p14:creationId xmlns:p14="http://schemas.microsoft.com/office/powerpoint/2010/main" val="431972319"/>
+      </p:ext>
+    </p:extLst>
+  </p:cSld>
+  <p:clrMapOvr>
+    <a:masterClrMapping/>
+  </p:clrMapOvr>
+  <p:timing>
+    <p:tnLst>
+      <p:par>
+        <p:cTn id="1" dur="indefinite" restart="never" nodeType="tmRoot">
+          <p:childTnLst>
+            <p:seq concurrent="1" nextAc="seek">
+              <p:cTn id="2" dur="indefinite" nodeType="mainSeq">
+                <p:childTnLst>
+                  <p:par>
+                    <p:cTn id="3" fill="hold">
+                      <p:stCondLst>
+                        <p:cond delay="indefinite"/>
+                      </p:stCondLst>
+                      <p:childTnLst>
+                        <p:par>
+                          <p:cTn id="4" fill="hold">
+                            <p:stCondLst>
+                              <p:cond delay="0"/>
+                            </p:stCondLst>
+                            <p:childTnLst>
+                              <p:par>
+                                <p:cTn id="5" presetID="10" presetClass="exit" presetSubtype="0" fill="hold" grpId="0" nodeType="clickEffect">
+                                  <p:stCondLst>
+                                    <p:cond delay="0"/>
+                                  </p:stCondLst>
+                                  <p:childTnLst>
+                                    <p:animEffect transition="out" filter="fade">
+                                      <p:cBhvr>
+                                        <p:cTn id="6" dur="500"/>
+                                        <p:tgtEl>
+                                          <p:spTgt spid="11"/>
+                                        </p:tgtEl>
+                                      </p:cBhvr>
+                                    </p:animEffect>
+                                    <p:set>
+                                      <p:cBhvr>
+                                        <p:cTn id="7" dur="1" fill="hold">
+                                          <p:stCondLst>
+                                            <p:cond delay="499"/>
+                                          </p:stCondLst>
+                                        </p:cTn>
+                                        <p:tgtEl>
+                                          <p:spTgt spid="11"/>
+                                        </p:tgtEl>
+                                        <p:attrNameLst>
+                                          <p:attrName>style.visibility</p:attrName>
+                                        </p:attrNameLst>
+                                      </p:cBhvr>
+                                      <p:to>
+                                        <p:strVal val="hidden"/>
+                                      </p:to>
+                                    </p:set>
+                                  </p:childTnLst>
+                                </p:cTn>
+                              </p:par>
+                            </p:childTnLst>
+                          </p:cTn>
+                        </p:par>
+                      </p:childTnLst>
+                    </p:cTn>
+                  </p:par>
+                </p:childTnLst>
+              </p:cTn>
+              <p:prevCondLst>
+                <p:cond evt="onPrev" delay="0">
+                  <p:tgtEl>
+                    <p:sldTgt/>
+                  </p:tgtEl>
+                </p:cond>
+              </p:prevCondLst>
+              <p:nextCondLst>
+                <p:cond evt="onNext" delay="0">
+                  <p:tgtEl>
+                    <p:sldTgt/>
+                  </p:tgtEl>
+                </p:cond>
+              </p:nextCondLst>
+            </p:seq>
+          </p:childTnLst>
+        </p:cTn>
+      </p:par>
+    </p:tnLst>
+    <p:bldLst>
+      <p:bldP spid="11" grpId="0"/>
+    </p:bldLst>
+  </p:timing>
+</p:sld>
+</file>
+
+<file path=ppt/slides/slide15.xml><?xml version="1.0" encoding="utf-8"?>
 <p:sld xmlns:a="http://schemas.openxmlformats.org/drawingml/2006/main" xmlns:r="http://schemas.openxmlformats.org/officeDocument/2006/relationships" xmlns:p="http://schemas.openxmlformats.org/presentationml/2006/main">
   <p:cSld>
     <p:spTree>
@@ -7740,7 +8766,7 @@
             <a:fld id="{A49DFD55-3C28-40EF-9E31-A92D2E4017FF}" type="slidenum">
               <a:rPr lang="en-US" sz="1400" smtClean="0"/>
               <a:pPr/>
-              <a:t>11</a:t>
+              <a:t>15</a:t>
             </a:fld>
             <a:endParaRPr lang="en-US" sz="1400" dirty="0"/>
           </a:p>
@@ -7776,6 +8802,45 @@
           </a:prstGeom>
         </p:spPr>
       </p:pic>
+      <p:sp>
+        <p:nvSpPr>
+          <p:cNvPr id="4" name="ZoneTexte 3">
+            <a:extLst>
+              <a:ext uri="{FF2B5EF4-FFF2-40B4-BE49-F238E27FC236}">
+                <a16:creationId xmlns:a16="http://schemas.microsoft.com/office/drawing/2014/main" id="{9D8752B0-2733-100A-3B01-530ABD691D74}"/>
+              </a:ext>
+            </a:extLst>
+          </p:cNvPr>
+          <p:cNvSpPr txBox="1"/>
+          <p:nvPr/>
+        </p:nvSpPr>
+        <p:spPr>
+          <a:xfrm>
+            <a:off x="6780024" y="3240350"/>
+            <a:ext cx="3819913" cy="830997"/>
+          </a:xfrm>
+          <a:prstGeom prst="rect">
+            <a:avLst/>
+          </a:prstGeom>
+          <a:noFill/>
+        </p:spPr>
+        <p:txBody>
+          <a:bodyPr wrap="square" rtlCol="0">
+            <a:spAutoFit/>
+          </a:bodyPr>
+          <a:lstStyle/>
+          <a:p>
+            <a:r>
+              <a:rPr lang="fr-FR" sz="4800" i="1" u="sng" dirty="0" err="1"/>
+              <a:t>Indie’s</a:t>
+            </a:r>
+            <a:r>
+              <a:rPr lang="fr-FR" sz="4800" i="1" u="sng" dirty="0"/>
+              <a:t> issue ?</a:t>
+            </a:r>
+          </a:p>
+        </p:txBody>
+      </p:sp>
     </p:spTree>
     <p:extLst>
       <p:ext uri="{BB962C8B-B14F-4D97-AF65-F5344CB8AC3E}">
@@ -7786,10 +8851,526 @@
   <p:clrMapOvr>
     <a:masterClrMapping/>
   </p:clrMapOvr>
+  <p:timing>
+    <p:tnLst>
+      <p:par>
+        <p:cTn id="1" dur="indefinite" restart="never" nodeType="tmRoot">
+          <p:childTnLst>
+            <p:seq concurrent="1" nextAc="seek">
+              <p:cTn id="2" dur="indefinite" nodeType="mainSeq">
+                <p:childTnLst>
+                  <p:par>
+                    <p:cTn id="3" fill="hold">
+                      <p:stCondLst>
+                        <p:cond delay="indefinite"/>
+                      </p:stCondLst>
+                      <p:childTnLst>
+                        <p:par>
+                          <p:cTn id="4" fill="hold">
+                            <p:stCondLst>
+                              <p:cond delay="0"/>
+                            </p:stCondLst>
+                            <p:childTnLst>
+                              <p:par>
+                                <p:cTn id="5" presetID="10" presetClass="entr" presetSubtype="0" fill="hold" grpId="0" nodeType="clickEffect">
+                                  <p:stCondLst>
+                                    <p:cond delay="0"/>
+                                  </p:stCondLst>
+                                  <p:childTnLst>
+                                    <p:set>
+                                      <p:cBhvr>
+                                        <p:cTn id="6" dur="1" fill="hold">
+                                          <p:stCondLst>
+                                            <p:cond delay="0"/>
+                                          </p:stCondLst>
+                                        </p:cTn>
+                                        <p:tgtEl>
+                                          <p:spTgt spid="4"/>
+                                        </p:tgtEl>
+                                        <p:attrNameLst>
+                                          <p:attrName>style.visibility</p:attrName>
+                                        </p:attrNameLst>
+                                      </p:cBhvr>
+                                      <p:to>
+                                        <p:strVal val="visible"/>
+                                      </p:to>
+                                    </p:set>
+                                    <p:animEffect transition="in" filter="fade">
+                                      <p:cBhvr>
+                                        <p:cTn id="7" dur="500"/>
+                                        <p:tgtEl>
+                                          <p:spTgt spid="4"/>
+                                        </p:tgtEl>
+                                      </p:cBhvr>
+                                    </p:animEffect>
+                                  </p:childTnLst>
+                                </p:cTn>
+                              </p:par>
+                            </p:childTnLst>
+                          </p:cTn>
+                        </p:par>
+                      </p:childTnLst>
+                    </p:cTn>
+                  </p:par>
+                </p:childTnLst>
+              </p:cTn>
+              <p:prevCondLst>
+                <p:cond evt="onPrev" delay="0">
+                  <p:tgtEl>
+                    <p:sldTgt/>
+                  </p:tgtEl>
+                </p:cond>
+              </p:prevCondLst>
+              <p:nextCondLst>
+                <p:cond evt="onNext" delay="0">
+                  <p:tgtEl>
+                    <p:sldTgt/>
+                  </p:tgtEl>
+                </p:cond>
+              </p:nextCondLst>
+            </p:seq>
+          </p:childTnLst>
+        </p:cTn>
+      </p:par>
+    </p:tnLst>
+    <p:bldLst>
+      <p:bldP spid="4" grpId="0"/>
+    </p:bldLst>
+  </p:timing>
 </p:sld>
 </file>
 
-<file path=ppt/slides/slide12.xml><?xml version="1.0" encoding="utf-8"?>
+<file path=ppt/slides/slide16.xml><?xml version="1.0" encoding="utf-8"?>
+<p:sld xmlns:a="http://schemas.openxmlformats.org/drawingml/2006/main" xmlns:r="http://schemas.openxmlformats.org/officeDocument/2006/relationships" xmlns:p="http://schemas.openxmlformats.org/presentationml/2006/main">
+  <p:cSld>
+    <p:spTree>
+      <p:nvGrpSpPr>
+        <p:cNvPr id="1" name="">
+          <a:extLst>
+            <a:ext uri="{FF2B5EF4-FFF2-40B4-BE49-F238E27FC236}">
+              <a16:creationId xmlns:a16="http://schemas.microsoft.com/office/drawing/2014/main" id="{3C722939-25CF-7F2E-CEC5-5F35C9F2676F}"/>
+            </a:ext>
+          </a:extLst>
+        </p:cNvPr>
+        <p:cNvGrpSpPr/>
+        <p:nvPr/>
+      </p:nvGrpSpPr>
+      <p:grpSpPr>
+        <a:xfrm>
+          <a:off x="0" y="0"/>
+          <a:ext cx="0" cy="0"/>
+          <a:chOff x="0" y="0"/>
+          <a:chExt cx="0" cy="0"/>
+        </a:xfrm>
+      </p:grpSpPr>
+      <p:sp>
+        <p:nvSpPr>
+          <p:cNvPr id="2" name="Title 1">
+            <a:extLst>
+              <a:ext uri="{FF2B5EF4-FFF2-40B4-BE49-F238E27FC236}">
+                <a16:creationId xmlns:a16="http://schemas.microsoft.com/office/drawing/2014/main" id="{BF207C9B-6F7D-3955-2BB8-29448BA21EF8}"/>
+              </a:ext>
+            </a:extLst>
+          </p:cNvPr>
+          <p:cNvSpPr>
+            <a:spLocks noGrp="1"/>
+          </p:cNvSpPr>
+          <p:nvPr>
+            <p:ph type="title"/>
+          </p:nvPr>
+        </p:nvSpPr>
+        <p:spPr>
+          <a:xfrm>
+            <a:off x="7716761" y="0"/>
+            <a:ext cx="7288282" cy="2111745"/>
+          </a:xfrm>
+        </p:spPr>
+        <p:txBody>
+          <a:bodyPr/>
+          <a:lstStyle/>
+          <a:p>
+            <a:r>
+              <a:rPr lang="en-US" dirty="0"/>
+              <a:t>CONFUSION MATRIX</a:t>
+            </a:r>
+          </a:p>
+        </p:txBody>
+      </p:sp>
+      <p:sp>
+        <p:nvSpPr>
+          <p:cNvPr id="14" name="Slide Number Placeholder 5">
+            <a:extLst>
+              <a:ext uri="{FF2B5EF4-FFF2-40B4-BE49-F238E27FC236}">
+                <a16:creationId xmlns:a16="http://schemas.microsoft.com/office/drawing/2014/main" id="{B383D5E5-A40B-D1A5-4877-BC1DBEDCA58D}"/>
+              </a:ext>
+            </a:extLst>
+          </p:cNvPr>
+          <p:cNvSpPr>
+            <a:spLocks noGrp="1"/>
+          </p:cNvSpPr>
+          <p:nvPr>
+            <p:ph type="sldNum" sz="quarter" idx="12"/>
+          </p:nvPr>
+        </p:nvSpPr>
+        <p:spPr>
+          <a:xfrm>
+            <a:off x="10373350" y="6356349"/>
+            <a:ext cx="987552" cy="365125"/>
+          </a:xfrm>
+        </p:spPr>
+        <p:txBody>
+          <a:bodyPr/>
+          <a:lstStyle/>
+          <a:p>
+            <a:fld id="{A49DFD55-3C28-40EF-9E31-A92D2E4017FF}" type="slidenum">
+              <a:rPr lang="en-US" sz="1400" smtClean="0"/>
+              <a:pPr/>
+              <a:t>16</a:t>
+            </a:fld>
+            <a:endParaRPr lang="en-US" sz="1400" dirty="0"/>
+          </a:p>
+        </p:txBody>
+      </p:sp>
+      <p:pic>
+        <p:nvPicPr>
+          <p:cNvPr id="5" name="Image 4">
+            <a:extLst>
+              <a:ext uri="{FF2B5EF4-FFF2-40B4-BE49-F238E27FC236}">
+                <a16:creationId xmlns:a16="http://schemas.microsoft.com/office/drawing/2014/main" id="{C9BBFC57-350A-A78E-D110-706247ED03D6}"/>
+              </a:ext>
+            </a:extLst>
+          </p:cNvPr>
+          <p:cNvPicPr>
+            <a:picLocks noChangeAspect="1"/>
+          </p:cNvPicPr>
+          <p:nvPr/>
+        </p:nvPicPr>
+        <p:blipFill>
+          <a:blip r:embed="rId3"/>
+          <a:stretch>
+            <a:fillRect/>
+          </a:stretch>
+        </p:blipFill>
+        <p:spPr>
+          <a:xfrm>
+            <a:off x="67510" y="28852"/>
+            <a:ext cx="6357515" cy="6858000"/>
+          </a:xfrm>
+          <a:prstGeom prst="rect">
+            <a:avLst/>
+          </a:prstGeom>
+        </p:spPr>
+      </p:pic>
+      <p:pic>
+        <p:nvPicPr>
+          <p:cNvPr id="8" name="Image 7">
+            <a:extLst>
+              <a:ext uri="{FF2B5EF4-FFF2-40B4-BE49-F238E27FC236}">
+                <a16:creationId xmlns:a16="http://schemas.microsoft.com/office/drawing/2014/main" id="{AE07B80E-0B32-8CE8-E24B-CAF3115F0ECC}"/>
+              </a:ext>
+            </a:extLst>
+          </p:cNvPr>
+          <p:cNvPicPr>
+            <a:picLocks noChangeAspect="1"/>
+          </p:cNvPicPr>
+          <p:nvPr/>
+        </p:nvPicPr>
+        <p:blipFill>
+          <a:blip r:embed="rId4"/>
+          <a:srcRect l="76424" t="2392"/>
+          <a:stretch/>
+        </p:blipFill>
+        <p:spPr>
+          <a:xfrm>
+            <a:off x="7835225" y="2395829"/>
+            <a:ext cx="2799364" cy="248575"/>
+          </a:xfrm>
+          <a:prstGeom prst="rect">
+            <a:avLst/>
+          </a:prstGeom>
+        </p:spPr>
+      </p:pic>
+    </p:spTree>
+    <p:extLst>
+      <p:ext uri="{BB962C8B-B14F-4D97-AF65-F5344CB8AC3E}">
+        <p14:creationId xmlns:p14="http://schemas.microsoft.com/office/powerpoint/2010/main" val="160915529"/>
+      </p:ext>
+    </p:extLst>
+  </p:cSld>
+  <p:clrMapOvr>
+    <a:masterClrMapping/>
+  </p:clrMapOvr>
+</p:sld>
+</file>
+
+<file path=ppt/slides/slide17.xml><?xml version="1.0" encoding="utf-8"?>
+<p:sld xmlns:a="http://schemas.openxmlformats.org/drawingml/2006/main" xmlns:r="http://schemas.openxmlformats.org/officeDocument/2006/relationships" xmlns:p="http://schemas.openxmlformats.org/presentationml/2006/main">
+  <p:cSld>
+    <p:spTree>
+      <p:nvGrpSpPr>
+        <p:cNvPr id="1" name="">
+          <a:extLst>
+            <a:ext uri="{FF2B5EF4-FFF2-40B4-BE49-F238E27FC236}">
+              <a16:creationId xmlns:a16="http://schemas.microsoft.com/office/drawing/2014/main" id="{50A0ABCA-E35F-1760-ECD2-904156AFFD0A}"/>
+            </a:ext>
+          </a:extLst>
+        </p:cNvPr>
+        <p:cNvGrpSpPr/>
+        <p:nvPr/>
+      </p:nvGrpSpPr>
+      <p:grpSpPr>
+        <a:xfrm>
+          <a:off x="0" y="0"/>
+          <a:ext cx="0" cy="0"/>
+          <a:chOff x="0" y="0"/>
+          <a:chExt cx="0" cy="0"/>
+        </a:xfrm>
+      </p:grpSpPr>
+      <p:sp>
+        <p:nvSpPr>
+          <p:cNvPr id="2" name="Title 1">
+            <a:extLst>
+              <a:ext uri="{FF2B5EF4-FFF2-40B4-BE49-F238E27FC236}">
+                <a16:creationId xmlns:a16="http://schemas.microsoft.com/office/drawing/2014/main" id="{2A839050-07FB-84C9-FDE6-D47023E91F96}"/>
+              </a:ext>
+            </a:extLst>
+          </p:cNvPr>
+          <p:cNvSpPr>
+            <a:spLocks noGrp="1"/>
+          </p:cNvSpPr>
+          <p:nvPr>
+            <p:ph type="title"/>
+          </p:nvPr>
+        </p:nvSpPr>
+        <p:spPr>
+          <a:xfrm>
+            <a:off x="7716761" y="0"/>
+            <a:ext cx="7288282" cy="2111745"/>
+          </a:xfrm>
+        </p:spPr>
+        <p:txBody>
+          <a:bodyPr/>
+          <a:lstStyle/>
+          <a:p>
+            <a:r>
+              <a:rPr lang="en-US" dirty="0"/>
+              <a:t>CONFUSION MATRIX</a:t>
+            </a:r>
+          </a:p>
+        </p:txBody>
+      </p:sp>
+      <p:sp>
+        <p:nvSpPr>
+          <p:cNvPr id="14" name="Slide Number Placeholder 5">
+            <a:extLst>
+              <a:ext uri="{FF2B5EF4-FFF2-40B4-BE49-F238E27FC236}">
+                <a16:creationId xmlns:a16="http://schemas.microsoft.com/office/drawing/2014/main" id="{F0A1B136-10E4-DA01-62BD-4203A07E7BB8}"/>
+              </a:ext>
+            </a:extLst>
+          </p:cNvPr>
+          <p:cNvSpPr>
+            <a:spLocks noGrp="1"/>
+          </p:cNvSpPr>
+          <p:nvPr>
+            <p:ph type="sldNum" sz="quarter" idx="12"/>
+          </p:nvPr>
+        </p:nvSpPr>
+        <p:spPr>
+          <a:xfrm>
+            <a:off x="10373350" y="6356349"/>
+            <a:ext cx="987552" cy="365125"/>
+          </a:xfrm>
+        </p:spPr>
+        <p:txBody>
+          <a:bodyPr/>
+          <a:lstStyle/>
+          <a:p>
+            <a:fld id="{A49DFD55-3C28-40EF-9E31-A92D2E4017FF}" type="slidenum">
+              <a:rPr lang="en-US" sz="1400" smtClean="0"/>
+              <a:pPr/>
+              <a:t>17</a:t>
+            </a:fld>
+            <a:endParaRPr lang="en-US" sz="1400" dirty="0"/>
+          </a:p>
+        </p:txBody>
+      </p:sp>
+      <p:sp>
+        <p:nvSpPr>
+          <p:cNvPr id="4" name="ZoneTexte 3">
+            <a:extLst>
+              <a:ext uri="{FF2B5EF4-FFF2-40B4-BE49-F238E27FC236}">
+                <a16:creationId xmlns:a16="http://schemas.microsoft.com/office/drawing/2014/main" id="{8D524538-A309-8E05-A8E6-6039C8A8D3E5}"/>
+              </a:ext>
+            </a:extLst>
+          </p:cNvPr>
+          <p:cNvSpPr txBox="1"/>
+          <p:nvPr/>
+        </p:nvSpPr>
+        <p:spPr>
+          <a:xfrm>
+            <a:off x="7716761" y="2644170"/>
+            <a:ext cx="3819913" cy="1569660"/>
+          </a:xfrm>
+          <a:prstGeom prst="rect">
+            <a:avLst/>
+          </a:prstGeom>
+          <a:noFill/>
+        </p:spPr>
+        <p:txBody>
+          <a:bodyPr wrap="square" rtlCol="0">
+            <a:spAutoFit/>
+          </a:bodyPr>
+          <a:lstStyle/>
+          <a:p>
+            <a:r>
+              <a:rPr lang="fr-FR" sz="4800" i="1" u="sng" dirty="0" err="1"/>
+              <a:t>Removing</a:t>
+            </a:r>
+            <a:r>
+              <a:rPr lang="fr-FR" sz="4800" i="1" u="sng" dirty="0"/>
+              <a:t> </a:t>
+            </a:r>
+            <a:r>
+              <a:rPr lang="fr-FR" sz="4800" i="1" u="sng" dirty="0" err="1"/>
+              <a:t>Indie</a:t>
+            </a:r>
+            <a:r>
+              <a:rPr lang="fr-FR" sz="4800" i="1" u="sng" dirty="0"/>
+              <a:t> ?</a:t>
+            </a:r>
+          </a:p>
+        </p:txBody>
+      </p:sp>
+      <p:pic>
+        <p:nvPicPr>
+          <p:cNvPr id="5" name="Image 4">
+            <a:extLst>
+              <a:ext uri="{FF2B5EF4-FFF2-40B4-BE49-F238E27FC236}">
+                <a16:creationId xmlns:a16="http://schemas.microsoft.com/office/drawing/2014/main" id="{3B02FCDB-6A1E-0280-3040-43E2A8559F82}"/>
+              </a:ext>
+            </a:extLst>
+          </p:cNvPr>
+          <p:cNvPicPr>
+            <a:picLocks noChangeAspect="1"/>
+          </p:cNvPicPr>
+          <p:nvPr/>
+        </p:nvPicPr>
+        <p:blipFill>
+          <a:blip r:embed="rId3"/>
+          <a:stretch>
+            <a:fillRect/>
+          </a:stretch>
+        </p:blipFill>
+        <p:spPr>
+          <a:xfrm>
+            <a:off x="85265" y="0"/>
+            <a:ext cx="6357515" cy="6858000"/>
+          </a:xfrm>
+          <a:prstGeom prst="rect">
+            <a:avLst/>
+          </a:prstGeom>
+        </p:spPr>
+      </p:pic>
+    </p:spTree>
+    <p:extLst>
+      <p:ext uri="{BB962C8B-B14F-4D97-AF65-F5344CB8AC3E}">
+        <p14:creationId xmlns:p14="http://schemas.microsoft.com/office/powerpoint/2010/main" val="2107616474"/>
+      </p:ext>
+    </p:extLst>
+  </p:cSld>
+  <p:clrMapOvr>
+    <a:masterClrMapping/>
+  </p:clrMapOvr>
+  <p:timing>
+    <p:tnLst>
+      <p:par>
+        <p:cTn id="1" dur="indefinite" restart="never" nodeType="tmRoot">
+          <p:childTnLst>
+            <p:seq concurrent="1" nextAc="seek">
+              <p:cTn id="2" dur="indefinite" nodeType="mainSeq">
+                <p:childTnLst>
+                  <p:par>
+                    <p:cTn id="3" fill="hold">
+                      <p:stCondLst>
+                        <p:cond delay="indefinite"/>
+                      </p:stCondLst>
+                      <p:childTnLst>
+                        <p:par>
+                          <p:cTn id="4" fill="hold">
+                            <p:stCondLst>
+                              <p:cond delay="0"/>
+                            </p:stCondLst>
+                            <p:childTnLst>
+                              <p:par>
+                                <p:cTn id="5" presetID="10" presetClass="entr" presetSubtype="0" fill="hold" grpId="0" nodeType="clickEffect">
+                                  <p:stCondLst>
+                                    <p:cond delay="0"/>
+                                  </p:stCondLst>
+                                  <p:childTnLst>
+                                    <p:set>
+                                      <p:cBhvr>
+                                        <p:cTn id="6" dur="1" fill="hold">
+                                          <p:stCondLst>
+                                            <p:cond delay="0"/>
+                                          </p:stCondLst>
+                                        </p:cTn>
+                                        <p:tgtEl>
+                                          <p:spTgt spid="4"/>
+                                        </p:tgtEl>
+                                        <p:attrNameLst>
+                                          <p:attrName>style.visibility</p:attrName>
+                                        </p:attrNameLst>
+                                      </p:cBhvr>
+                                      <p:to>
+                                        <p:strVal val="visible"/>
+                                      </p:to>
+                                    </p:set>
+                                    <p:animEffect transition="in" filter="fade">
+                                      <p:cBhvr>
+                                        <p:cTn id="7" dur="500"/>
+                                        <p:tgtEl>
+                                          <p:spTgt spid="4"/>
+                                        </p:tgtEl>
+                                      </p:cBhvr>
+                                    </p:animEffect>
+                                  </p:childTnLst>
+                                </p:cTn>
+                              </p:par>
+                            </p:childTnLst>
+                          </p:cTn>
+                        </p:par>
+                      </p:childTnLst>
+                    </p:cTn>
+                  </p:par>
+                </p:childTnLst>
+              </p:cTn>
+              <p:prevCondLst>
+                <p:cond evt="onPrev" delay="0">
+                  <p:tgtEl>
+                    <p:sldTgt/>
+                  </p:tgtEl>
+                </p:cond>
+              </p:prevCondLst>
+              <p:nextCondLst>
+                <p:cond evt="onNext" delay="0">
+                  <p:tgtEl>
+                    <p:sldTgt/>
+                  </p:tgtEl>
+                </p:cond>
+              </p:nextCondLst>
+            </p:seq>
+          </p:childTnLst>
+        </p:cTn>
+      </p:par>
+    </p:tnLst>
+    <p:bldLst>
+      <p:bldP spid="4" grpId="0"/>
+    </p:bldLst>
+  </p:timing>
+</p:sld>
+</file>
+
+<file path=ppt/slides/slide18.xml><?xml version="1.0" encoding="utf-8"?>
 <p:sld xmlns:a="http://schemas.openxmlformats.org/drawingml/2006/main" xmlns:r="http://schemas.openxmlformats.org/officeDocument/2006/relationships" xmlns:p="http://schemas.openxmlformats.org/presentationml/2006/main">
   <p:cSld>
     <p:spTree>
@@ -8062,7 +9643,7 @@
                   <a:spcPts val="600"/>
                 </a:spcAft>
               </a:pPr>
-              <a:t>12</a:t>
+              <a:t>18</a:t>
             </a:fld>
             <a:endParaRPr lang="en-US" sz="1400"/>
           </a:p>
@@ -8140,7 +9721,7 @@
 </p:sld>
 </file>
 
-<file path=ppt/slides/slide13.xml><?xml version="1.0" encoding="utf-8"?>
+<file path=ppt/slides/slide19.xml><?xml version="1.0" encoding="utf-8"?>
 <p:sld xmlns:a="http://schemas.openxmlformats.org/drawingml/2006/main" xmlns:r="http://schemas.openxmlformats.org/officeDocument/2006/relationships" xmlns:p="http://schemas.openxmlformats.org/presentationml/2006/main">
   <p:cSld>
     <p:spTree>
@@ -8221,7 +9802,7 @@
             <a:fld id="{A49DFD55-3C28-40EF-9E31-A92D2E4017FF}" type="slidenum">
               <a:rPr lang="en-US" sz="1400" smtClean="0"/>
               <a:pPr/>
-              <a:t>13</a:t>
+              <a:t>19</a:t>
             </a:fld>
             <a:endParaRPr lang="en-US" sz="1400" dirty="0"/>
           </a:p>
@@ -8500,7 +10081,579 @@
 </p:sld>
 </file>
 
-<file path=ppt/slides/slide14.xml><?xml version="1.0" encoding="utf-8"?>
+<file path=ppt/slides/slide2.xml><?xml version="1.0" encoding="utf-8"?>
+<p:sld xmlns:a="http://schemas.openxmlformats.org/drawingml/2006/main" xmlns:r="http://schemas.openxmlformats.org/officeDocument/2006/relationships" xmlns:p="http://schemas.openxmlformats.org/presentationml/2006/main">
+  <p:cSld>
+    <p:spTree>
+      <p:nvGrpSpPr>
+        <p:cNvPr id="1" name=""/>
+        <p:cNvGrpSpPr/>
+        <p:nvPr/>
+      </p:nvGrpSpPr>
+      <p:grpSpPr>
+        <a:xfrm>
+          <a:off x="0" y="0"/>
+          <a:ext cx="0" cy="0"/>
+          <a:chOff x="0" y="0"/>
+          <a:chExt cx="0" cy="0"/>
+        </a:xfrm>
+      </p:grpSpPr>
+      <p:cxnSp>
+        <p:nvCxnSpPr>
+          <p:cNvPr id="21" name="Straight Connector 20">
+            <a:extLst>
+              <a:ext uri="{FF2B5EF4-FFF2-40B4-BE49-F238E27FC236}">
+                <a16:creationId xmlns:a16="http://schemas.microsoft.com/office/drawing/2014/main" id="{944268F6-A361-9907-F87F-9C4377ECAE6D}"/>
+              </a:ext>
+              <a:ext uri="{C183D7F6-B498-43B3-948B-1728B52AA6E4}">
+                <adec:decorative xmlns:adec="http://schemas.microsoft.com/office/drawing/2017/decorative" val="1"/>
+              </a:ext>
+            </a:extLst>
+          </p:cNvPr>
+          <p:cNvCxnSpPr>
+            <a:cxnSpLocks/>
+          </p:cNvCxnSpPr>
+          <p:nvPr/>
+        </p:nvCxnSpPr>
+        <p:spPr>
+          <a:xfrm flipH="1" flipV="1">
+            <a:off x="0" y="254643"/>
+            <a:ext cx="6096000" cy="855762"/>
+          </a:xfrm>
+          <a:prstGeom prst="line">
+            <a:avLst/>
+          </a:prstGeom>
+          <a:ln>
+            <a:solidFill>
+              <a:schemeClr val="bg1"/>
+            </a:solidFill>
+          </a:ln>
+        </p:spPr>
+        <p:style>
+          <a:lnRef idx="1">
+            <a:schemeClr val="accent1"/>
+          </a:lnRef>
+          <a:fillRef idx="0">
+            <a:schemeClr val="accent1"/>
+          </a:fillRef>
+          <a:effectRef idx="0">
+            <a:schemeClr val="accent1"/>
+          </a:effectRef>
+          <a:fontRef idx="minor">
+            <a:schemeClr val="tx1"/>
+          </a:fontRef>
+        </p:style>
+      </p:cxnSp>
+      <p:sp>
+        <p:nvSpPr>
+          <p:cNvPr id="3" name="Content Placeholder 2">
+            <a:extLst>
+              <a:ext uri="{FF2B5EF4-FFF2-40B4-BE49-F238E27FC236}">
+                <a16:creationId xmlns:a16="http://schemas.microsoft.com/office/drawing/2014/main" id="{5671D7E5-EF66-4BCD-8DAA-E9061157F0BE}"/>
+              </a:ext>
+            </a:extLst>
+          </p:cNvPr>
+          <p:cNvSpPr txBox="1">
+            <a:spLocks/>
+          </p:cNvSpPr>
+          <p:nvPr/>
+        </p:nvSpPr>
+        <p:spPr>
+          <a:xfrm>
+            <a:off x="6576291" y="2478006"/>
+            <a:ext cx="4843780" cy="3269589"/>
+          </a:xfrm>
+          <a:prstGeom prst="rect">
+            <a:avLst/>
+          </a:prstGeom>
+        </p:spPr>
+        <p:txBody>
+          <a:bodyPr>
+            <a:normAutofit/>
+          </a:bodyPr>
+          <a:lstStyle>
+            <a:lvl1pPr marL="228600" indent="-228600" algn="l" defTabSz="914400" rtl="0" eaLnBrk="1" latinLnBrk="0" hangingPunct="1">
+              <a:lnSpc>
+                <a:spcPct val="90000"/>
+              </a:lnSpc>
+              <a:spcBef>
+                <a:spcPts val="1000"/>
+              </a:spcBef>
+              <a:buFont typeface="Arial" panose="020B0604020202020204" pitchFamily="34" charset="0"/>
+              <a:buChar char="•"/>
+              <a:defRPr sz="2800" kern="1200">
+                <a:solidFill>
+                  <a:schemeClr val="tx1"/>
+                </a:solidFill>
+                <a:latin typeface="+mn-lt"/>
+                <a:ea typeface="+mn-ea"/>
+                <a:cs typeface="+mn-cs"/>
+              </a:defRPr>
+            </a:lvl1pPr>
+            <a:lvl2pPr marL="685800" indent="-228600" algn="l" defTabSz="914400" rtl="0" eaLnBrk="1" latinLnBrk="0" hangingPunct="1">
+              <a:lnSpc>
+                <a:spcPct val="90000"/>
+              </a:lnSpc>
+              <a:spcBef>
+                <a:spcPts val="500"/>
+              </a:spcBef>
+              <a:buFont typeface="Arial" panose="020B0604020202020204" pitchFamily="34" charset="0"/>
+              <a:buChar char="•"/>
+              <a:defRPr sz="2400" kern="1200">
+                <a:solidFill>
+                  <a:schemeClr val="tx1"/>
+                </a:solidFill>
+                <a:latin typeface="+mn-lt"/>
+                <a:ea typeface="+mn-ea"/>
+                <a:cs typeface="+mn-cs"/>
+              </a:defRPr>
+            </a:lvl2pPr>
+            <a:lvl3pPr marL="1143000" indent="-228600" algn="l" defTabSz="914400" rtl="0" eaLnBrk="1" latinLnBrk="0" hangingPunct="1">
+              <a:lnSpc>
+                <a:spcPct val="90000"/>
+              </a:lnSpc>
+              <a:spcBef>
+                <a:spcPts val="500"/>
+              </a:spcBef>
+              <a:buFont typeface="Arial" panose="020B0604020202020204" pitchFamily="34" charset="0"/>
+              <a:buChar char="•"/>
+              <a:defRPr sz="2000" kern="1200">
+                <a:solidFill>
+                  <a:schemeClr val="tx1"/>
+                </a:solidFill>
+                <a:latin typeface="+mn-lt"/>
+                <a:ea typeface="+mn-ea"/>
+                <a:cs typeface="+mn-cs"/>
+              </a:defRPr>
+            </a:lvl3pPr>
+            <a:lvl4pPr marL="1600200" indent="-228600" algn="l" defTabSz="914400" rtl="0" eaLnBrk="1" latinLnBrk="0" hangingPunct="1">
+              <a:lnSpc>
+                <a:spcPct val="90000"/>
+              </a:lnSpc>
+              <a:spcBef>
+                <a:spcPts val="500"/>
+              </a:spcBef>
+              <a:buFont typeface="Arial" panose="020B0604020202020204" pitchFamily="34" charset="0"/>
+              <a:buChar char="•"/>
+              <a:defRPr sz="1800" kern="1200">
+                <a:solidFill>
+                  <a:schemeClr val="tx1"/>
+                </a:solidFill>
+                <a:latin typeface="+mn-lt"/>
+                <a:ea typeface="+mn-ea"/>
+                <a:cs typeface="+mn-cs"/>
+              </a:defRPr>
+            </a:lvl4pPr>
+            <a:lvl5pPr marL="2057400" indent="-228600" algn="l" defTabSz="914400" rtl="0" eaLnBrk="1" latinLnBrk="0" hangingPunct="1">
+              <a:lnSpc>
+                <a:spcPct val="90000"/>
+              </a:lnSpc>
+              <a:spcBef>
+                <a:spcPts val="500"/>
+              </a:spcBef>
+              <a:buFont typeface="Arial" panose="020B0604020202020204" pitchFamily="34" charset="0"/>
+              <a:buChar char="•"/>
+              <a:defRPr sz="1800" kern="1200">
+                <a:solidFill>
+                  <a:schemeClr val="tx1"/>
+                </a:solidFill>
+                <a:latin typeface="+mn-lt"/>
+                <a:ea typeface="+mn-ea"/>
+                <a:cs typeface="+mn-cs"/>
+              </a:defRPr>
+            </a:lvl5pPr>
+            <a:lvl6pPr marL="2514600" indent="-228600" algn="l" defTabSz="914400" rtl="0" eaLnBrk="1" latinLnBrk="0" hangingPunct="1">
+              <a:lnSpc>
+                <a:spcPct val="90000"/>
+              </a:lnSpc>
+              <a:spcBef>
+                <a:spcPts val="500"/>
+              </a:spcBef>
+              <a:buFont typeface="Arial" panose="020B0604020202020204" pitchFamily="34" charset="0"/>
+              <a:buChar char="•"/>
+              <a:defRPr sz="1800" kern="1200">
+                <a:solidFill>
+                  <a:schemeClr val="tx1"/>
+                </a:solidFill>
+                <a:latin typeface="+mn-lt"/>
+                <a:ea typeface="+mn-ea"/>
+                <a:cs typeface="+mn-cs"/>
+              </a:defRPr>
+            </a:lvl6pPr>
+            <a:lvl7pPr marL="2971800" indent="-228600" algn="l" defTabSz="914400" rtl="0" eaLnBrk="1" latinLnBrk="0" hangingPunct="1">
+              <a:lnSpc>
+                <a:spcPct val="90000"/>
+              </a:lnSpc>
+              <a:spcBef>
+                <a:spcPts val="500"/>
+              </a:spcBef>
+              <a:buFont typeface="Arial" panose="020B0604020202020204" pitchFamily="34" charset="0"/>
+              <a:buChar char="•"/>
+              <a:defRPr sz="1800" kern="1200">
+                <a:solidFill>
+                  <a:schemeClr val="tx1"/>
+                </a:solidFill>
+                <a:latin typeface="+mn-lt"/>
+                <a:ea typeface="+mn-ea"/>
+                <a:cs typeface="+mn-cs"/>
+              </a:defRPr>
+            </a:lvl7pPr>
+            <a:lvl8pPr marL="3429000" indent="-228600" algn="l" defTabSz="914400" rtl="0" eaLnBrk="1" latinLnBrk="0" hangingPunct="1">
+              <a:lnSpc>
+                <a:spcPct val="90000"/>
+              </a:lnSpc>
+              <a:spcBef>
+                <a:spcPts val="500"/>
+              </a:spcBef>
+              <a:buFont typeface="Arial" panose="020B0604020202020204" pitchFamily="34" charset="0"/>
+              <a:buChar char="•"/>
+              <a:defRPr sz="1800" kern="1200">
+                <a:solidFill>
+                  <a:schemeClr val="tx1"/>
+                </a:solidFill>
+                <a:latin typeface="+mn-lt"/>
+                <a:ea typeface="+mn-ea"/>
+                <a:cs typeface="+mn-cs"/>
+              </a:defRPr>
+            </a:lvl8pPr>
+            <a:lvl9pPr marL="3886200" indent="-228600" algn="l" defTabSz="914400" rtl="0" eaLnBrk="1" latinLnBrk="0" hangingPunct="1">
+              <a:lnSpc>
+                <a:spcPct val="90000"/>
+              </a:lnSpc>
+              <a:spcBef>
+                <a:spcPts val="500"/>
+              </a:spcBef>
+              <a:buFont typeface="Arial" panose="020B0604020202020204" pitchFamily="34" charset="0"/>
+              <a:buChar char="•"/>
+              <a:defRPr sz="1800" kern="1200">
+                <a:solidFill>
+                  <a:schemeClr val="tx1"/>
+                </a:solidFill>
+                <a:latin typeface="+mn-lt"/>
+                <a:ea typeface="+mn-ea"/>
+                <a:cs typeface="+mn-cs"/>
+              </a:defRPr>
+            </a:lvl9pPr>
+          </a:lstStyle>
+          <a:p>
+            <a:pPr marL="285750" indent="-285750">
+              <a:lnSpc>
+                <a:spcPct val="150000"/>
+              </a:lnSpc>
+              <a:buFont typeface="Courier New" panose="02070309020205020404" pitchFamily="49" charset="0"/>
+              <a:buChar char="o"/>
+            </a:pPr>
+            <a:r>
+              <a:rPr lang="en-US" dirty="0">
+                <a:solidFill>
+                  <a:schemeClr val="bg1"/>
+                </a:solidFill>
+              </a:rPr>
+              <a:t>K-nearest</a:t>
+            </a:r>
+            <a:r>
+              <a:rPr lang="fr-FR" dirty="0">
+                <a:solidFill>
+                  <a:schemeClr val="bg1"/>
+                </a:solidFill>
+              </a:rPr>
+              <a:t> </a:t>
+            </a:r>
+            <a:r>
+              <a:rPr lang="en-US" dirty="0">
+                <a:solidFill>
+                  <a:schemeClr val="bg1"/>
+                </a:solidFill>
+              </a:rPr>
+              <a:t>neighbor</a:t>
+            </a:r>
+          </a:p>
+          <a:p>
+            <a:pPr marL="285750" indent="-285750">
+              <a:lnSpc>
+                <a:spcPct val="150000"/>
+              </a:lnSpc>
+              <a:buFont typeface="Courier New" panose="02070309020205020404" pitchFamily="49" charset="0"/>
+              <a:buChar char="o"/>
+            </a:pPr>
+            <a:r>
+              <a:rPr lang="en-US" dirty="0">
+                <a:solidFill>
+                  <a:schemeClr val="bg1"/>
+                </a:solidFill>
+              </a:rPr>
+              <a:t>Random Forest Classifier</a:t>
+            </a:r>
+          </a:p>
+          <a:p>
+            <a:pPr marL="285750" indent="-285750">
+              <a:lnSpc>
+                <a:spcPct val="150000"/>
+              </a:lnSpc>
+              <a:buFont typeface="Courier New" panose="02070309020205020404" pitchFamily="49" charset="0"/>
+              <a:buChar char="o"/>
+            </a:pPr>
+            <a:r>
+              <a:rPr lang="en-US" dirty="0">
+                <a:solidFill>
+                  <a:schemeClr val="bg1"/>
+                </a:solidFill>
+              </a:rPr>
+              <a:t>Support Vector Machine</a:t>
+            </a:r>
+          </a:p>
+          <a:p>
+            <a:pPr marL="285750" indent="-285750">
+              <a:lnSpc>
+                <a:spcPct val="150000"/>
+              </a:lnSpc>
+              <a:buFont typeface="Courier New" panose="02070309020205020404" pitchFamily="49" charset="0"/>
+              <a:buChar char="o"/>
+            </a:pPr>
+            <a:r>
+              <a:rPr lang="en-US" dirty="0">
+                <a:solidFill>
+                  <a:schemeClr val="bg1"/>
+                </a:solidFill>
+              </a:rPr>
+              <a:t>Comparisons</a:t>
+            </a:r>
+          </a:p>
+        </p:txBody>
+      </p:sp>
+      <p:sp>
+        <p:nvSpPr>
+          <p:cNvPr id="6" name="Title 1">
+            <a:extLst>
+              <a:ext uri="{FF2B5EF4-FFF2-40B4-BE49-F238E27FC236}">
+                <a16:creationId xmlns:a16="http://schemas.microsoft.com/office/drawing/2014/main" id="{1BEF5859-10C9-4588-9727-B9362E26C29D}"/>
+              </a:ext>
+            </a:extLst>
+          </p:cNvPr>
+          <p:cNvSpPr txBox="1">
+            <a:spLocks/>
+          </p:cNvSpPr>
+          <p:nvPr/>
+        </p:nvSpPr>
+        <p:spPr>
+          <a:xfrm>
+            <a:off x="6576291" y="1110405"/>
+            <a:ext cx="4345940" cy="1325563"/>
+          </a:xfrm>
+          <a:prstGeom prst="rect">
+            <a:avLst/>
+          </a:prstGeom>
+        </p:spPr>
+        <p:txBody>
+          <a:bodyPr vert="horz" lIns="91440" tIns="45720" rIns="91440" bIns="45720" rtlCol="0" anchor="b">
+            <a:normAutofit/>
+          </a:bodyPr>
+          <a:lstStyle>
+            <a:lvl1pPr algn="l" defTabSz="914400" rtl="0" eaLnBrk="1" latinLnBrk="0" hangingPunct="1">
+              <a:lnSpc>
+                <a:spcPct val="90000"/>
+              </a:lnSpc>
+              <a:spcBef>
+                <a:spcPct val="0"/>
+              </a:spcBef>
+              <a:buNone/>
+              <a:defRPr sz="3600" kern="1200" cap="all" spc="150" baseline="0">
+                <a:solidFill>
+                  <a:schemeClr val="bg1"/>
+                </a:solidFill>
+                <a:latin typeface="+mj-lt"/>
+                <a:ea typeface="+mj-ea"/>
+                <a:cs typeface="+mj-cs"/>
+              </a:defRPr>
+            </a:lvl1pPr>
+          </a:lstStyle>
+          <a:p>
+            <a:r>
+              <a:rPr lang="en-US" sz="4800"/>
+              <a:t>SUMMARY</a:t>
+            </a:r>
+            <a:endParaRPr lang="en-US" dirty="0"/>
+          </a:p>
+        </p:txBody>
+      </p:sp>
+      <p:pic>
+        <p:nvPicPr>
+          <p:cNvPr id="12" name="Picture Placeholder 11" descr="A green logo with black background&#10;&#10;Description automatically generated">
+            <a:extLst>
+              <a:ext uri="{FF2B5EF4-FFF2-40B4-BE49-F238E27FC236}">
+                <a16:creationId xmlns:a16="http://schemas.microsoft.com/office/drawing/2014/main" id="{9741A09C-E0CD-ED80-66ED-CC2A3240DA30}"/>
+              </a:ext>
+            </a:extLst>
+          </p:cNvPr>
+          <p:cNvPicPr>
+            <a:picLocks noGrp="1" noChangeAspect="1"/>
+          </p:cNvPicPr>
+          <p:nvPr>
+            <p:ph type="pic" sz="quarter" idx="10"/>
+          </p:nvPr>
+        </p:nvPicPr>
+        <p:blipFill>
+          <a:blip r:embed="rId3"/>
+          <a:srcRect t="10338" b="10338"/>
+          <a:stretch>
+            <a:fillRect/>
+          </a:stretch>
+        </p:blipFill>
+        <p:spPr/>
+      </p:pic>
+      <p:sp>
+        <p:nvSpPr>
+          <p:cNvPr id="13" name="Slide Number Placeholder 7">
+            <a:extLst>
+              <a:ext uri="{FF2B5EF4-FFF2-40B4-BE49-F238E27FC236}">
+                <a16:creationId xmlns:a16="http://schemas.microsoft.com/office/drawing/2014/main" id="{ABFDA5AF-2D82-8750-DD6B-65078E701B27}"/>
+              </a:ext>
+            </a:extLst>
+          </p:cNvPr>
+          <p:cNvSpPr txBox="1">
+            <a:spLocks/>
+          </p:cNvSpPr>
+          <p:nvPr/>
+        </p:nvSpPr>
+        <p:spPr>
+          <a:xfrm>
+            <a:off x="10373350" y="6356349"/>
+            <a:ext cx="987552" cy="365125"/>
+          </a:xfrm>
+          <a:prstGeom prst="rect">
+            <a:avLst/>
+          </a:prstGeom>
+        </p:spPr>
+        <p:txBody>
+          <a:bodyPr/>
+          <a:lstStyle>
+            <a:defPPr>
+              <a:defRPr lang="en-US"/>
+            </a:defPPr>
+            <a:lvl1pPr marL="0" algn="l" defTabSz="914400" rtl="0" eaLnBrk="1" latinLnBrk="0" hangingPunct="1">
+              <a:defRPr sz="1800" kern="1200">
+                <a:solidFill>
+                  <a:schemeClr val="tx1"/>
+                </a:solidFill>
+                <a:latin typeface="+mn-lt"/>
+                <a:ea typeface="+mn-ea"/>
+                <a:cs typeface="+mn-cs"/>
+              </a:defRPr>
+            </a:lvl1pPr>
+            <a:lvl2pPr marL="457200" algn="l" defTabSz="914400" rtl="0" eaLnBrk="1" latinLnBrk="0" hangingPunct="1">
+              <a:defRPr sz="1800" kern="1200">
+                <a:solidFill>
+                  <a:schemeClr val="tx1"/>
+                </a:solidFill>
+                <a:latin typeface="+mn-lt"/>
+                <a:ea typeface="+mn-ea"/>
+                <a:cs typeface="+mn-cs"/>
+              </a:defRPr>
+            </a:lvl2pPr>
+            <a:lvl3pPr marL="914400" algn="l" defTabSz="914400" rtl="0" eaLnBrk="1" latinLnBrk="0" hangingPunct="1">
+              <a:defRPr sz="1800" kern="1200">
+                <a:solidFill>
+                  <a:schemeClr val="tx1"/>
+                </a:solidFill>
+                <a:latin typeface="+mn-lt"/>
+                <a:ea typeface="+mn-ea"/>
+                <a:cs typeface="+mn-cs"/>
+              </a:defRPr>
+            </a:lvl3pPr>
+            <a:lvl4pPr marL="1371600" algn="l" defTabSz="914400" rtl="0" eaLnBrk="1" latinLnBrk="0" hangingPunct="1">
+              <a:defRPr sz="1800" kern="1200">
+                <a:solidFill>
+                  <a:schemeClr val="tx1"/>
+                </a:solidFill>
+                <a:latin typeface="+mn-lt"/>
+                <a:ea typeface="+mn-ea"/>
+                <a:cs typeface="+mn-cs"/>
+              </a:defRPr>
+            </a:lvl4pPr>
+            <a:lvl5pPr marL="1828800" algn="l" defTabSz="914400" rtl="0" eaLnBrk="1" latinLnBrk="0" hangingPunct="1">
+              <a:defRPr sz="1800" kern="1200">
+                <a:solidFill>
+                  <a:schemeClr val="tx1"/>
+                </a:solidFill>
+                <a:latin typeface="+mn-lt"/>
+                <a:ea typeface="+mn-ea"/>
+                <a:cs typeface="+mn-cs"/>
+              </a:defRPr>
+            </a:lvl5pPr>
+            <a:lvl6pPr marL="2286000" algn="l" defTabSz="914400" rtl="0" eaLnBrk="1" latinLnBrk="0" hangingPunct="1">
+              <a:defRPr sz="1800" kern="1200">
+                <a:solidFill>
+                  <a:schemeClr val="tx1"/>
+                </a:solidFill>
+                <a:latin typeface="+mn-lt"/>
+                <a:ea typeface="+mn-ea"/>
+                <a:cs typeface="+mn-cs"/>
+              </a:defRPr>
+            </a:lvl6pPr>
+            <a:lvl7pPr marL="2743200" algn="l" defTabSz="914400" rtl="0" eaLnBrk="1" latinLnBrk="0" hangingPunct="1">
+              <a:defRPr sz="1800" kern="1200">
+                <a:solidFill>
+                  <a:schemeClr val="tx1"/>
+                </a:solidFill>
+                <a:latin typeface="+mn-lt"/>
+                <a:ea typeface="+mn-ea"/>
+                <a:cs typeface="+mn-cs"/>
+              </a:defRPr>
+            </a:lvl7pPr>
+            <a:lvl8pPr marL="3200400" algn="l" defTabSz="914400" rtl="0" eaLnBrk="1" latinLnBrk="0" hangingPunct="1">
+              <a:defRPr sz="1800" kern="1200">
+                <a:solidFill>
+                  <a:schemeClr val="tx1"/>
+                </a:solidFill>
+                <a:latin typeface="+mn-lt"/>
+                <a:ea typeface="+mn-ea"/>
+                <a:cs typeface="+mn-cs"/>
+              </a:defRPr>
+            </a:lvl8pPr>
+            <a:lvl9pPr marL="3657600" algn="l" defTabSz="914400" rtl="0" eaLnBrk="1" latinLnBrk="0" hangingPunct="1">
+              <a:defRPr sz="1800" kern="1200">
+                <a:solidFill>
+                  <a:schemeClr val="tx1"/>
+                </a:solidFill>
+                <a:latin typeface="+mn-lt"/>
+                <a:ea typeface="+mn-ea"/>
+                <a:cs typeface="+mn-cs"/>
+              </a:defRPr>
+            </a:lvl9pPr>
+          </a:lstStyle>
+          <a:p>
+            <a:pPr algn="r"/>
+            <a:fld id="{A49DFD55-3C28-40EF-9E31-A92D2E4017FF}" type="slidenum">
+              <a:rPr lang="en-US" sz="1400" smtClean="0">
+                <a:solidFill>
+                  <a:schemeClr val="bg1"/>
+                </a:solidFill>
+              </a:rPr>
+              <a:pPr algn="r"/>
+              <a:t>2</a:t>
+            </a:fld>
+            <a:endParaRPr lang="en-US" sz="1400" dirty="0">
+              <a:solidFill>
+                <a:schemeClr val="bg1"/>
+              </a:solidFill>
+            </a:endParaRPr>
+          </a:p>
+        </p:txBody>
+      </p:sp>
+    </p:spTree>
+    <p:extLst>
+      <p:ext uri="{BB962C8B-B14F-4D97-AF65-F5344CB8AC3E}">
+        <p14:creationId xmlns:p14="http://schemas.microsoft.com/office/powerpoint/2010/main" val="2241459136"/>
+      </p:ext>
+    </p:extLst>
+  </p:cSld>
+  <p:clrMapOvr>
+    <a:masterClrMapping/>
+  </p:clrMapOvr>
+</p:sld>
+</file>
+
+<file path=ppt/slides/slide20.xml><?xml version="1.0" encoding="utf-8"?>
 <p:sld xmlns:a="http://schemas.openxmlformats.org/drawingml/2006/main" xmlns:r="http://schemas.openxmlformats.org/officeDocument/2006/relationships" xmlns:p="http://schemas.openxmlformats.org/presentationml/2006/main">
   <p:cSld>
     <p:spTree>
@@ -8936,7 +11089,7 @@
                 </a:solidFill>
               </a:rPr>
               <a:pPr algn="r"/>
-              <a:t>14</a:t>
+              <a:t>20</a:t>
             </a:fld>
             <a:endParaRPr lang="en-US" sz="1400" dirty="0">
               <a:solidFill>
@@ -8959,7 +11112,7 @@
 </p:sld>
 </file>
 
-<file path=ppt/slides/slide15.xml><?xml version="1.0" encoding="utf-8"?>
+<file path=ppt/slides/slide21.xml><?xml version="1.0" encoding="utf-8"?>
 <p:sld xmlns:a="http://schemas.openxmlformats.org/drawingml/2006/main" xmlns:r="http://schemas.openxmlformats.org/officeDocument/2006/relationships" xmlns:p="http://schemas.openxmlformats.org/presentationml/2006/main">
   <p:cSld>
     <p:spTree>
@@ -9038,7 +11191,7 @@
             <a:fld id="{A49DFD55-3C28-40EF-9E31-A92D2E4017FF}" type="slidenum">
               <a:rPr lang="en-US" sz="1400" smtClean="0"/>
               <a:pPr/>
-              <a:t>15</a:t>
+              <a:t>21</a:t>
             </a:fld>
             <a:endParaRPr lang="en-US" sz="1400" dirty="0"/>
           </a:p>
@@ -9317,7 +11470,7 @@
 </p:sld>
 </file>
 
-<file path=ppt/slides/slide16.xml><?xml version="1.0" encoding="utf-8"?>
+<file path=ppt/slides/slide22.xml><?xml version="1.0" encoding="utf-8"?>
 <p:sld xmlns:a="http://schemas.openxmlformats.org/drawingml/2006/main" xmlns:r="http://schemas.openxmlformats.org/officeDocument/2006/relationships" xmlns:p="http://schemas.openxmlformats.org/presentationml/2006/main">
   <p:cSld>
     <p:spTree>
@@ -9396,7 +11549,7 @@
             <a:fld id="{A49DFD55-3C28-40EF-9E31-A92D2E4017FF}" type="slidenum">
               <a:rPr lang="en-US" sz="1400" smtClean="0"/>
               <a:pPr/>
-              <a:t>16</a:t>
+              <a:t>22</a:t>
             </a:fld>
             <a:endParaRPr lang="en-US" sz="1400" dirty="0"/>
           </a:p>
@@ -9555,7 +11708,7 @@
 </p:sld>
 </file>
 
-<file path=ppt/slides/slide17.xml><?xml version="1.0" encoding="utf-8"?>
+<file path=ppt/slides/slide23.xml><?xml version="1.0" encoding="utf-8"?>
 <p:sld xmlns:a="http://schemas.openxmlformats.org/drawingml/2006/main" xmlns:r="http://schemas.openxmlformats.org/officeDocument/2006/relationships" xmlns:p="http://schemas.openxmlformats.org/presentationml/2006/main">
   <p:cSld>
     <p:spTree>
@@ -9634,7 +11787,7 @@
             <a:fld id="{A49DFD55-3C28-40EF-9E31-A92D2E4017FF}" type="slidenum">
               <a:rPr lang="en-US" sz="1400" smtClean="0"/>
               <a:pPr/>
-              <a:t>17</a:t>
+              <a:t>23</a:t>
             </a:fld>
             <a:endParaRPr lang="en-US" sz="1400" dirty="0"/>
           </a:p>
@@ -9683,7 +11836,7 @@
 </p:sld>
 </file>
 
-<file path=ppt/slides/slide18.xml><?xml version="1.0" encoding="utf-8"?>
+<file path=ppt/slides/slide24.xml><?xml version="1.0" encoding="utf-8"?>
 <p:sld xmlns:a="http://schemas.openxmlformats.org/drawingml/2006/main" xmlns:r="http://schemas.openxmlformats.org/officeDocument/2006/relationships" xmlns:p="http://schemas.openxmlformats.org/presentationml/2006/main">
   <p:cSld>
     <p:spTree>
@@ -9789,7 +11942,7 @@
             <a:fld id="{A49DFD55-3C28-40EF-9E31-A92D2E4017FF}" type="slidenum">
               <a:rPr lang="en-US" sz="1400" smtClean="0"/>
               <a:pPr/>
-              <a:t>18</a:t>
+              <a:t>24</a:t>
             </a:fld>
             <a:endParaRPr lang="en-US" sz="1400" dirty="0"/>
           </a:p>
@@ -9808,7 +11961,7 @@
 </p:sld>
 </file>
 
-<file path=ppt/slides/slide19.xml><?xml version="1.0" encoding="utf-8"?>
+<file path=ppt/slides/slide25.xml><?xml version="1.0" encoding="utf-8"?>
 <p:sld xmlns:a="http://schemas.openxmlformats.org/drawingml/2006/main" xmlns:r="http://schemas.openxmlformats.org/officeDocument/2006/relationships" xmlns:p="http://schemas.openxmlformats.org/presentationml/2006/main">
   <p:cSld>
     <p:spTree>
@@ -9912,7 +12065,7 @@
             <a:fld id="{A49DFD55-3C28-40EF-9E31-A92D2E4017FF}" type="slidenum">
               <a:rPr lang="en-US" sz="1400" smtClean="0"/>
               <a:pPr/>
-              <a:t>19</a:t>
+              <a:t>25</a:t>
             </a:fld>
             <a:endParaRPr lang="en-US" sz="1400" dirty="0"/>
           </a:p>
@@ -9931,579 +12084,7 @@
 </p:sld>
 </file>
 
-<file path=ppt/slides/slide2.xml><?xml version="1.0" encoding="utf-8"?>
-<p:sld xmlns:a="http://schemas.openxmlformats.org/drawingml/2006/main" xmlns:r="http://schemas.openxmlformats.org/officeDocument/2006/relationships" xmlns:p="http://schemas.openxmlformats.org/presentationml/2006/main">
-  <p:cSld>
-    <p:spTree>
-      <p:nvGrpSpPr>
-        <p:cNvPr id="1" name=""/>
-        <p:cNvGrpSpPr/>
-        <p:nvPr/>
-      </p:nvGrpSpPr>
-      <p:grpSpPr>
-        <a:xfrm>
-          <a:off x="0" y="0"/>
-          <a:ext cx="0" cy="0"/>
-          <a:chOff x="0" y="0"/>
-          <a:chExt cx="0" cy="0"/>
-        </a:xfrm>
-      </p:grpSpPr>
-      <p:cxnSp>
-        <p:nvCxnSpPr>
-          <p:cNvPr id="21" name="Straight Connector 20">
-            <a:extLst>
-              <a:ext uri="{FF2B5EF4-FFF2-40B4-BE49-F238E27FC236}">
-                <a16:creationId xmlns:a16="http://schemas.microsoft.com/office/drawing/2014/main" id="{944268F6-A361-9907-F87F-9C4377ECAE6D}"/>
-              </a:ext>
-              <a:ext uri="{C183D7F6-B498-43B3-948B-1728B52AA6E4}">
-                <adec:decorative xmlns:adec="http://schemas.microsoft.com/office/drawing/2017/decorative" val="1"/>
-              </a:ext>
-            </a:extLst>
-          </p:cNvPr>
-          <p:cNvCxnSpPr>
-            <a:cxnSpLocks/>
-          </p:cNvCxnSpPr>
-          <p:nvPr/>
-        </p:nvCxnSpPr>
-        <p:spPr>
-          <a:xfrm flipH="1" flipV="1">
-            <a:off x="0" y="254643"/>
-            <a:ext cx="6096000" cy="855762"/>
-          </a:xfrm>
-          <a:prstGeom prst="line">
-            <a:avLst/>
-          </a:prstGeom>
-          <a:ln>
-            <a:solidFill>
-              <a:schemeClr val="bg1"/>
-            </a:solidFill>
-          </a:ln>
-        </p:spPr>
-        <p:style>
-          <a:lnRef idx="1">
-            <a:schemeClr val="accent1"/>
-          </a:lnRef>
-          <a:fillRef idx="0">
-            <a:schemeClr val="accent1"/>
-          </a:fillRef>
-          <a:effectRef idx="0">
-            <a:schemeClr val="accent1"/>
-          </a:effectRef>
-          <a:fontRef idx="minor">
-            <a:schemeClr val="tx1"/>
-          </a:fontRef>
-        </p:style>
-      </p:cxnSp>
-      <p:sp>
-        <p:nvSpPr>
-          <p:cNvPr id="3" name="Content Placeholder 2">
-            <a:extLst>
-              <a:ext uri="{FF2B5EF4-FFF2-40B4-BE49-F238E27FC236}">
-                <a16:creationId xmlns:a16="http://schemas.microsoft.com/office/drawing/2014/main" id="{5671D7E5-EF66-4BCD-8DAA-E9061157F0BE}"/>
-              </a:ext>
-            </a:extLst>
-          </p:cNvPr>
-          <p:cNvSpPr txBox="1">
-            <a:spLocks/>
-          </p:cNvSpPr>
-          <p:nvPr/>
-        </p:nvSpPr>
-        <p:spPr>
-          <a:xfrm>
-            <a:off x="6576291" y="2478006"/>
-            <a:ext cx="4843780" cy="3269589"/>
-          </a:xfrm>
-          <a:prstGeom prst="rect">
-            <a:avLst/>
-          </a:prstGeom>
-        </p:spPr>
-        <p:txBody>
-          <a:bodyPr>
-            <a:normAutofit/>
-          </a:bodyPr>
-          <a:lstStyle>
-            <a:lvl1pPr marL="228600" indent="-228600" algn="l" defTabSz="914400" rtl="0" eaLnBrk="1" latinLnBrk="0" hangingPunct="1">
-              <a:lnSpc>
-                <a:spcPct val="90000"/>
-              </a:lnSpc>
-              <a:spcBef>
-                <a:spcPts val="1000"/>
-              </a:spcBef>
-              <a:buFont typeface="Arial" panose="020B0604020202020204" pitchFamily="34" charset="0"/>
-              <a:buChar char="•"/>
-              <a:defRPr sz="2800" kern="1200">
-                <a:solidFill>
-                  <a:schemeClr val="tx1"/>
-                </a:solidFill>
-                <a:latin typeface="+mn-lt"/>
-                <a:ea typeface="+mn-ea"/>
-                <a:cs typeface="+mn-cs"/>
-              </a:defRPr>
-            </a:lvl1pPr>
-            <a:lvl2pPr marL="685800" indent="-228600" algn="l" defTabSz="914400" rtl="0" eaLnBrk="1" latinLnBrk="0" hangingPunct="1">
-              <a:lnSpc>
-                <a:spcPct val="90000"/>
-              </a:lnSpc>
-              <a:spcBef>
-                <a:spcPts val="500"/>
-              </a:spcBef>
-              <a:buFont typeface="Arial" panose="020B0604020202020204" pitchFamily="34" charset="0"/>
-              <a:buChar char="•"/>
-              <a:defRPr sz="2400" kern="1200">
-                <a:solidFill>
-                  <a:schemeClr val="tx1"/>
-                </a:solidFill>
-                <a:latin typeface="+mn-lt"/>
-                <a:ea typeface="+mn-ea"/>
-                <a:cs typeface="+mn-cs"/>
-              </a:defRPr>
-            </a:lvl2pPr>
-            <a:lvl3pPr marL="1143000" indent="-228600" algn="l" defTabSz="914400" rtl="0" eaLnBrk="1" latinLnBrk="0" hangingPunct="1">
-              <a:lnSpc>
-                <a:spcPct val="90000"/>
-              </a:lnSpc>
-              <a:spcBef>
-                <a:spcPts val="500"/>
-              </a:spcBef>
-              <a:buFont typeface="Arial" panose="020B0604020202020204" pitchFamily="34" charset="0"/>
-              <a:buChar char="•"/>
-              <a:defRPr sz="2000" kern="1200">
-                <a:solidFill>
-                  <a:schemeClr val="tx1"/>
-                </a:solidFill>
-                <a:latin typeface="+mn-lt"/>
-                <a:ea typeface="+mn-ea"/>
-                <a:cs typeface="+mn-cs"/>
-              </a:defRPr>
-            </a:lvl3pPr>
-            <a:lvl4pPr marL="1600200" indent="-228600" algn="l" defTabSz="914400" rtl="0" eaLnBrk="1" latinLnBrk="0" hangingPunct="1">
-              <a:lnSpc>
-                <a:spcPct val="90000"/>
-              </a:lnSpc>
-              <a:spcBef>
-                <a:spcPts val="500"/>
-              </a:spcBef>
-              <a:buFont typeface="Arial" panose="020B0604020202020204" pitchFamily="34" charset="0"/>
-              <a:buChar char="•"/>
-              <a:defRPr sz="1800" kern="1200">
-                <a:solidFill>
-                  <a:schemeClr val="tx1"/>
-                </a:solidFill>
-                <a:latin typeface="+mn-lt"/>
-                <a:ea typeface="+mn-ea"/>
-                <a:cs typeface="+mn-cs"/>
-              </a:defRPr>
-            </a:lvl4pPr>
-            <a:lvl5pPr marL="2057400" indent="-228600" algn="l" defTabSz="914400" rtl="0" eaLnBrk="1" latinLnBrk="0" hangingPunct="1">
-              <a:lnSpc>
-                <a:spcPct val="90000"/>
-              </a:lnSpc>
-              <a:spcBef>
-                <a:spcPts val="500"/>
-              </a:spcBef>
-              <a:buFont typeface="Arial" panose="020B0604020202020204" pitchFamily="34" charset="0"/>
-              <a:buChar char="•"/>
-              <a:defRPr sz="1800" kern="1200">
-                <a:solidFill>
-                  <a:schemeClr val="tx1"/>
-                </a:solidFill>
-                <a:latin typeface="+mn-lt"/>
-                <a:ea typeface="+mn-ea"/>
-                <a:cs typeface="+mn-cs"/>
-              </a:defRPr>
-            </a:lvl5pPr>
-            <a:lvl6pPr marL="2514600" indent="-228600" algn="l" defTabSz="914400" rtl="0" eaLnBrk="1" latinLnBrk="0" hangingPunct="1">
-              <a:lnSpc>
-                <a:spcPct val="90000"/>
-              </a:lnSpc>
-              <a:spcBef>
-                <a:spcPts val="500"/>
-              </a:spcBef>
-              <a:buFont typeface="Arial" panose="020B0604020202020204" pitchFamily="34" charset="0"/>
-              <a:buChar char="•"/>
-              <a:defRPr sz="1800" kern="1200">
-                <a:solidFill>
-                  <a:schemeClr val="tx1"/>
-                </a:solidFill>
-                <a:latin typeface="+mn-lt"/>
-                <a:ea typeface="+mn-ea"/>
-                <a:cs typeface="+mn-cs"/>
-              </a:defRPr>
-            </a:lvl6pPr>
-            <a:lvl7pPr marL="2971800" indent="-228600" algn="l" defTabSz="914400" rtl="0" eaLnBrk="1" latinLnBrk="0" hangingPunct="1">
-              <a:lnSpc>
-                <a:spcPct val="90000"/>
-              </a:lnSpc>
-              <a:spcBef>
-                <a:spcPts val="500"/>
-              </a:spcBef>
-              <a:buFont typeface="Arial" panose="020B0604020202020204" pitchFamily="34" charset="0"/>
-              <a:buChar char="•"/>
-              <a:defRPr sz="1800" kern="1200">
-                <a:solidFill>
-                  <a:schemeClr val="tx1"/>
-                </a:solidFill>
-                <a:latin typeface="+mn-lt"/>
-                <a:ea typeface="+mn-ea"/>
-                <a:cs typeface="+mn-cs"/>
-              </a:defRPr>
-            </a:lvl7pPr>
-            <a:lvl8pPr marL="3429000" indent="-228600" algn="l" defTabSz="914400" rtl="0" eaLnBrk="1" latinLnBrk="0" hangingPunct="1">
-              <a:lnSpc>
-                <a:spcPct val="90000"/>
-              </a:lnSpc>
-              <a:spcBef>
-                <a:spcPts val="500"/>
-              </a:spcBef>
-              <a:buFont typeface="Arial" panose="020B0604020202020204" pitchFamily="34" charset="0"/>
-              <a:buChar char="•"/>
-              <a:defRPr sz="1800" kern="1200">
-                <a:solidFill>
-                  <a:schemeClr val="tx1"/>
-                </a:solidFill>
-                <a:latin typeface="+mn-lt"/>
-                <a:ea typeface="+mn-ea"/>
-                <a:cs typeface="+mn-cs"/>
-              </a:defRPr>
-            </a:lvl8pPr>
-            <a:lvl9pPr marL="3886200" indent="-228600" algn="l" defTabSz="914400" rtl="0" eaLnBrk="1" latinLnBrk="0" hangingPunct="1">
-              <a:lnSpc>
-                <a:spcPct val="90000"/>
-              </a:lnSpc>
-              <a:spcBef>
-                <a:spcPts val="500"/>
-              </a:spcBef>
-              <a:buFont typeface="Arial" panose="020B0604020202020204" pitchFamily="34" charset="0"/>
-              <a:buChar char="•"/>
-              <a:defRPr sz="1800" kern="1200">
-                <a:solidFill>
-                  <a:schemeClr val="tx1"/>
-                </a:solidFill>
-                <a:latin typeface="+mn-lt"/>
-                <a:ea typeface="+mn-ea"/>
-                <a:cs typeface="+mn-cs"/>
-              </a:defRPr>
-            </a:lvl9pPr>
-          </a:lstStyle>
-          <a:p>
-            <a:pPr marL="285750" indent="-285750">
-              <a:lnSpc>
-                <a:spcPct val="150000"/>
-              </a:lnSpc>
-              <a:buFont typeface="Courier New" panose="02070309020205020404" pitchFamily="49" charset="0"/>
-              <a:buChar char="o"/>
-            </a:pPr>
-            <a:r>
-              <a:rPr lang="en-US" dirty="0">
-                <a:solidFill>
-                  <a:schemeClr val="bg1"/>
-                </a:solidFill>
-              </a:rPr>
-              <a:t>K-nearest</a:t>
-            </a:r>
-            <a:r>
-              <a:rPr lang="fr-FR" dirty="0">
-                <a:solidFill>
-                  <a:schemeClr val="bg1"/>
-                </a:solidFill>
-              </a:rPr>
-              <a:t> </a:t>
-            </a:r>
-            <a:r>
-              <a:rPr lang="en-US" dirty="0">
-                <a:solidFill>
-                  <a:schemeClr val="bg1"/>
-                </a:solidFill>
-              </a:rPr>
-              <a:t>neighbor</a:t>
-            </a:r>
-          </a:p>
-          <a:p>
-            <a:pPr marL="285750" indent="-285750">
-              <a:lnSpc>
-                <a:spcPct val="150000"/>
-              </a:lnSpc>
-              <a:buFont typeface="Courier New" panose="02070309020205020404" pitchFamily="49" charset="0"/>
-              <a:buChar char="o"/>
-            </a:pPr>
-            <a:r>
-              <a:rPr lang="en-US" dirty="0">
-                <a:solidFill>
-                  <a:schemeClr val="bg1"/>
-                </a:solidFill>
-              </a:rPr>
-              <a:t>Random Forest Classifier</a:t>
-            </a:r>
-          </a:p>
-          <a:p>
-            <a:pPr marL="285750" indent="-285750">
-              <a:lnSpc>
-                <a:spcPct val="150000"/>
-              </a:lnSpc>
-              <a:buFont typeface="Courier New" panose="02070309020205020404" pitchFamily="49" charset="0"/>
-              <a:buChar char="o"/>
-            </a:pPr>
-            <a:r>
-              <a:rPr lang="en-US" dirty="0">
-                <a:solidFill>
-                  <a:schemeClr val="bg1"/>
-                </a:solidFill>
-              </a:rPr>
-              <a:t>Support Vector Machine</a:t>
-            </a:r>
-          </a:p>
-          <a:p>
-            <a:pPr marL="285750" indent="-285750">
-              <a:lnSpc>
-                <a:spcPct val="150000"/>
-              </a:lnSpc>
-              <a:buFont typeface="Courier New" panose="02070309020205020404" pitchFamily="49" charset="0"/>
-              <a:buChar char="o"/>
-            </a:pPr>
-            <a:r>
-              <a:rPr lang="en-US" dirty="0">
-                <a:solidFill>
-                  <a:schemeClr val="bg1"/>
-                </a:solidFill>
-              </a:rPr>
-              <a:t>Comparisons</a:t>
-            </a:r>
-          </a:p>
-        </p:txBody>
-      </p:sp>
-      <p:sp>
-        <p:nvSpPr>
-          <p:cNvPr id="6" name="Title 1">
-            <a:extLst>
-              <a:ext uri="{FF2B5EF4-FFF2-40B4-BE49-F238E27FC236}">
-                <a16:creationId xmlns:a16="http://schemas.microsoft.com/office/drawing/2014/main" id="{1BEF5859-10C9-4588-9727-B9362E26C29D}"/>
-              </a:ext>
-            </a:extLst>
-          </p:cNvPr>
-          <p:cNvSpPr txBox="1">
-            <a:spLocks/>
-          </p:cNvSpPr>
-          <p:nvPr/>
-        </p:nvSpPr>
-        <p:spPr>
-          <a:xfrm>
-            <a:off x="6576291" y="1110405"/>
-            <a:ext cx="4345940" cy="1325563"/>
-          </a:xfrm>
-          <a:prstGeom prst="rect">
-            <a:avLst/>
-          </a:prstGeom>
-        </p:spPr>
-        <p:txBody>
-          <a:bodyPr vert="horz" lIns="91440" tIns="45720" rIns="91440" bIns="45720" rtlCol="0" anchor="b">
-            <a:normAutofit/>
-          </a:bodyPr>
-          <a:lstStyle>
-            <a:lvl1pPr algn="l" defTabSz="914400" rtl="0" eaLnBrk="1" latinLnBrk="0" hangingPunct="1">
-              <a:lnSpc>
-                <a:spcPct val="90000"/>
-              </a:lnSpc>
-              <a:spcBef>
-                <a:spcPct val="0"/>
-              </a:spcBef>
-              <a:buNone/>
-              <a:defRPr sz="3600" kern="1200" cap="all" spc="150" baseline="0">
-                <a:solidFill>
-                  <a:schemeClr val="bg1"/>
-                </a:solidFill>
-                <a:latin typeface="+mj-lt"/>
-                <a:ea typeface="+mj-ea"/>
-                <a:cs typeface="+mj-cs"/>
-              </a:defRPr>
-            </a:lvl1pPr>
-          </a:lstStyle>
-          <a:p>
-            <a:r>
-              <a:rPr lang="en-US" sz="4800"/>
-              <a:t>SUMMARY</a:t>
-            </a:r>
-            <a:endParaRPr lang="en-US" dirty="0"/>
-          </a:p>
-        </p:txBody>
-      </p:sp>
-      <p:pic>
-        <p:nvPicPr>
-          <p:cNvPr id="12" name="Picture Placeholder 11" descr="A green logo with black background&#10;&#10;Description automatically generated">
-            <a:extLst>
-              <a:ext uri="{FF2B5EF4-FFF2-40B4-BE49-F238E27FC236}">
-                <a16:creationId xmlns:a16="http://schemas.microsoft.com/office/drawing/2014/main" id="{9741A09C-E0CD-ED80-66ED-CC2A3240DA30}"/>
-              </a:ext>
-            </a:extLst>
-          </p:cNvPr>
-          <p:cNvPicPr>
-            <a:picLocks noGrp="1" noChangeAspect="1"/>
-          </p:cNvPicPr>
-          <p:nvPr>
-            <p:ph type="pic" sz="quarter" idx="10"/>
-          </p:nvPr>
-        </p:nvPicPr>
-        <p:blipFill>
-          <a:blip r:embed="rId3"/>
-          <a:srcRect t="10338" b="10338"/>
-          <a:stretch>
-            <a:fillRect/>
-          </a:stretch>
-        </p:blipFill>
-        <p:spPr/>
-      </p:pic>
-      <p:sp>
-        <p:nvSpPr>
-          <p:cNvPr id="13" name="Slide Number Placeholder 7">
-            <a:extLst>
-              <a:ext uri="{FF2B5EF4-FFF2-40B4-BE49-F238E27FC236}">
-                <a16:creationId xmlns:a16="http://schemas.microsoft.com/office/drawing/2014/main" id="{ABFDA5AF-2D82-8750-DD6B-65078E701B27}"/>
-              </a:ext>
-            </a:extLst>
-          </p:cNvPr>
-          <p:cNvSpPr txBox="1">
-            <a:spLocks/>
-          </p:cNvSpPr>
-          <p:nvPr/>
-        </p:nvSpPr>
-        <p:spPr>
-          <a:xfrm>
-            <a:off x="10373350" y="6356349"/>
-            <a:ext cx="987552" cy="365125"/>
-          </a:xfrm>
-          <a:prstGeom prst="rect">
-            <a:avLst/>
-          </a:prstGeom>
-        </p:spPr>
-        <p:txBody>
-          <a:bodyPr/>
-          <a:lstStyle>
-            <a:defPPr>
-              <a:defRPr lang="en-US"/>
-            </a:defPPr>
-            <a:lvl1pPr marL="0" algn="l" defTabSz="914400" rtl="0" eaLnBrk="1" latinLnBrk="0" hangingPunct="1">
-              <a:defRPr sz="1800" kern="1200">
-                <a:solidFill>
-                  <a:schemeClr val="tx1"/>
-                </a:solidFill>
-                <a:latin typeface="+mn-lt"/>
-                <a:ea typeface="+mn-ea"/>
-                <a:cs typeface="+mn-cs"/>
-              </a:defRPr>
-            </a:lvl1pPr>
-            <a:lvl2pPr marL="457200" algn="l" defTabSz="914400" rtl="0" eaLnBrk="1" latinLnBrk="0" hangingPunct="1">
-              <a:defRPr sz="1800" kern="1200">
-                <a:solidFill>
-                  <a:schemeClr val="tx1"/>
-                </a:solidFill>
-                <a:latin typeface="+mn-lt"/>
-                <a:ea typeface="+mn-ea"/>
-                <a:cs typeface="+mn-cs"/>
-              </a:defRPr>
-            </a:lvl2pPr>
-            <a:lvl3pPr marL="914400" algn="l" defTabSz="914400" rtl="0" eaLnBrk="1" latinLnBrk="0" hangingPunct="1">
-              <a:defRPr sz="1800" kern="1200">
-                <a:solidFill>
-                  <a:schemeClr val="tx1"/>
-                </a:solidFill>
-                <a:latin typeface="+mn-lt"/>
-                <a:ea typeface="+mn-ea"/>
-                <a:cs typeface="+mn-cs"/>
-              </a:defRPr>
-            </a:lvl3pPr>
-            <a:lvl4pPr marL="1371600" algn="l" defTabSz="914400" rtl="0" eaLnBrk="1" latinLnBrk="0" hangingPunct="1">
-              <a:defRPr sz="1800" kern="1200">
-                <a:solidFill>
-                  <a:schemeClr val="tx1"/>
-                </a:solidFill>
-                <a:latin typeface="+mn-lt"/>
-                <a:ea typeface="+mn-ea"/>
-                <a:cs typeface="+mn-cs"/>
-              </a:defRPr>
-            </a:lvl4pPr>
-            <a:lvl5pPr marL="1828800" algn="l" defTabSz="914400" rtl="0" eaLnBrk="1" latinLnBrk="0" hangingPunct="1">
-              <a:defRPr sz="1800" kern="1200">
-                <a:solidFill>
-                  <a:schemeClr val="tx1"/>
-                </a:solidFill>
-                <a:latin typeface="+mn-lt"/>
-                <a:ea typeface="+mn-ea"/>
-                <a:cs typeface="+mn-cs"/>
-              </a:defRPr>
-            </a:lvl5pPr>
-            <a:lvl6pPr marL="2286000" algn="l" defTabSz="914400" rtl="0" eaLnBrk="1" latinLnBrk="0" hangingPunct="1">
-              <a:defRPr sz="1800" kern="1200">
-                <a:solidFill>
-                  <a:schemeClr val="tx1"/>
-                </a:solidFill>
-                <a:latin typeface="+mn-lt"/>
-                <a:ea typeface="+mn-ea"/>
-                <a:cs typeface="+mn-cs"/>
-              </a:defRPr>
-            </a:lvl6pPr>
-            <a:lvl7pPr marL="2743200" algn="l" defTabSz="914400" rtl="0" eaLnBrk="1" latinLnBrk="0" hangingPunct="1">
-              <a:defRPr sz="1800" kern="1200">
-                <a:solidFill>
-                  <a:schemeClr val="tx1"/>
-                </a:solidFill>
-                <a:latin typeface="+mn-lt"/>
-                <a:ea typeface="+mn-ea"/>
-                <a:cs typeface="+mn-cs"/>
-              </a:defRPr>
-            </a:lvl7pPr>
-            <a:lvl8pPr marL="3200400" algn="l" defTabSz="914400" rtl="0" eaLnBrk="1" latinLnBrk="0" hangingPunct="1">
-              <a:defRPr sz="1800" kern="1200">
-                <a:solidFill>
-                  <a:schemeClr val="tx1"/>
-                </a:solidFill>
-                <a:latin typeface="+mn-lt"/>
-                <a:ea typeface="+mn-ea"/>
-                <a:cs typeface="+mn-cs"/>
-              </a:defRPr>
-            </a:lvl8pPr>
-            <a:lvl9pPr marL="3657600" algn="l" defTabSz="914400" rtl="0" eaLnBrk="1" latinLnBrk="0" hangingPunct="1">
-              <a:defRPr sz="1800" kern="1200">
-                <a:solidFill>
-                  <a:schemeClr val="tx1"/>
-                </a:solidFill>
-                <a:latin typeface="+mn-lt"/>
-                <a:ea typeface="+mn-ea"/>
-                <a:cs typeface="+mn-cs"/>
-              </a:defRPr>
-            </a:lvl9pPr>
-          </a:lstStyle>
-          <a:p>
-            <a:pPr algn="r"/>
-            <a:fld id="{A49DFD55-3C28-40EF-9E31-A92D2E4017FF}" type="slidenum">
-              <a:rPr lang="en-US" sz="1400" smtClean="0">
-                <a:solidFill>
-                  <a:schemeClr val="bg1"/>
-                </a:solidFill>
-              </a:rPr>
-              <a:pPr algn="r"/>
-              <a:t>2</a:t>
-            </a:fld>
-            <a:endParaRPr lang="en-US" sz="1400" dirty="0">
-              <a:solidFill>
-                <a:schemeClr val="bg1"/>
-              </a:solidFill>
-            </a:endParaRPr>
-          </a:p>
-        </p:txBody>
-      </p:sp>
-    </p:spTree>
-    <p:extLst>
-      <p:ext uri="{BB962C8B-B14F-4D97-AF65-F5344CB8AC3E}">
-        <p14:creationId xmlns:p14="http://schemas.microsoft.com/office/powerpoint/2010/main" val="2241459136"/>
-      </p:ext>
-    </p:extLst>
-  </p:cSld>
-  <p:clrMapOvr>
-    <a:masterClrMapping/>
-  </p:clrMapOvr>
-</p:sld>
-</file>
-
-<file path=ppt/slides/slide20.xml><?xml version="1.0" encoding="utf-8"?>
+<file path=ppt/slides/slide26.xml><?xml version="1.0" encoding="utf-8"?>
 <p:sld xmlns:a="http://schemas.openxmlformats.org/drawingml/2006/main" xmlns:r="http://schemas.openxmlformats.org/officeDocument/2006/relationships" xmlns:p="http://schemas.openxmlformats.org/presentationml/2006/main">
   <p:cSld>
     <p:spTree>
@@ -10609,7 +12190,7 @@
             <a:fld id="{A49DFD55-3C28-40EF-9E31-A92D2E4017FF}" type="slidenum">
               <a:rPr lang="en-US" sz="1400" smtClean="0"/>
               <a:pPr/>
-              <a:t>20</a:t>
+              <a:t>26</a:t>
             </a:fld>
             <a:endParaRPr lang="en-US" sz="1400" dirty="0"/>
           </a:p>
@@ -10628,7 +12209,7 @@
 </p:sld>
 </file>
 
-<file path=ppt/slides/slide21.xml><?xml version="1.0" encoding="utf-8"?>
+<file path=ppt/slides/slide27.xml><?xml version="1.0" encoding="utf-8"?>
 <p:sld xmlns:a="http://schemas.openxmlformats.org/drawingml/2006/main" xmlns:r="http://schemas.openxmlformats.org/officeDocument/2006/relationships" xmlns:p="http://schemas.openxmlformats.org/presentationml/2006/main">
   <p:cSld>
     <p:spTree>
@@ -10711,7 +12292,7 @@
                 </a:solidFill>
               </a:rPr>
               <a:pPr/>
-              <a:t>21</a:t>
+              <a:t>27</a:t>
             </a:fld>
             <a:endParaRPr lang="en-US" sz="1400" dirty="0">
               <a:solidFill>
@@ -10888,7 +12469,13 @@
   <p:cSld>
     <p:spTree>
       <p:nvGrpSpPr>
-        <p:cNvPr id="1" name=""/>
+        <p:cNvPr id="1" name="">
+          <a:extLst>
+            <a:ext uri="{FF2B5EF4-FFF2-40B4-BE49-F238E27FC236}">
+              <a16:creationId xmlns:a16="http://schemas.microsoft.com/office/drawing/2014/main" id="{E5B18CC2-DABC-0FF4-CB56-274F5DF59F5E}"/>
+            </a:ext>
+          </a:extLst>
+        </p:cNvPr>
         <p:cNvGrpSpPr/>
         <p:nvPr/>
       </p:nvGrpSpPr>
@@ -10905,7 +12492,7 @@
           <p:cNvPr id="12" name="Slide Number Placeholder 3">
             <a:extLst>
               <a:ext uri="{FF2B5EF4-FFF2-40B4-BE49-F238E27FC236}">
-                <a16:creationId xmlns:a16="http://schemas.microsoft.com/office/drawing/2014/main" id="{9B5AB799-1367-C8B2-5D49-FFCFB097837A}"/>
+                <a16:creationId xmlns:a16="http://schemas.microsoft.com/office/drawing/2014/main" id="{C8C16BF4-2CF1-DE28-0148-6ABB242AFA98}"/>
               </a:ext>
             </a:extLst>
           </p:cNvPr>
@@ -10939,6 +12526,342 @@
                 </a:spcAft>
               </a:pPr>
               <a:t>4</a:t>
+            </a:fld>
+            <a:endParaRPr lang="en-US"/>
+          </a:p>
+        </p:txBody>
+      </p:sp>
+      <p:sp>
+        <p:nvSpPr>
+          <p:cNvPr id="11" name="ZoneTexte 10">
+            <a:extLst>
+              <a:ext uri="{FF2B5EF4-FFF2-40B4-BE49-F238E27FC236}">
+                <a16:creationId xmlns:a16="http://schemas.microsoft.com/office/drawing/2014/main" id="{423212D3-D817-AE5D-F153-06280DF4B3F9}"/>
+              </a:ext>
+            </a:extLst>
+          </p:cNvPr>
+          <p:cNvSpPr txBox="1"/>
+          <p:nvPr/>
+        </p:nvSpPr>
+        <p:spPr>
+          <a:xfrm>
+            <a:off x="3720142" y="292801"/>
+            <a:ext cx="5477773" cy="1077218"/>
+          </a:xfrm>
+          <a:prstGeom prst="rect">
+            <a:avLst/>
+          </a:prstGeom>
+          <a:noFill/>
+        </p:spPr>
+        <p:txBody>
+          <a:bodyPr wrap="square" rtlCol="0">
+            <a:spAutoFit/>
+          </a:bodyPr>
+          <a:lstStyle/>
+          <a:p>
+            <a:pPr algn="ctr"/>
+            <a:r>
+              <a:rPr lang="fr-FR" sz="3200" b="1" dirty="0">
+                <a:solidFill>
+                  <a:schemeClr val="bg1"/>
+                </a:solidFill>
+              </a:rPr>
+              <a:t>DATA WRANGLING</a:t>
+            </a:r>
+            <a:endParaRPr lang="fr-FR" sz="3200" dirty="0">
+              <a:solidFill>
+                <a:schemeClr val="bg1"/>
+              </a:solidFill>
+            </a:endParaRPr>
+          </a:p>
+          <a:p>
+            <a:pPr algn="ctr"/>
+            <a:r>
+              <a:rPr lang="fr-FR" sz="3200" dirty="0">
+                <a:solidFill>
+                  <a:schemeClr val="bg1"/>
+                </a:solidFill>
+              </a:rPr>
+              <a:t> 	</a:t>
+            </a:r>
+          </a:p>
+        </p:txBody>
+      </p:sp>
+      <p:pic>
+        <p:nvPicPr>
+          <p:cNvPr id="3" name="Image 2">
+            <a:extLst>
+              <a:ext uri="{FF2B5EF4-FFF2-40B4-BE49-F238E27FC236}">
+                <a16:creationId xmlns:a16="http://schemas.microsoft.com/office/drawing/2014/main" id="{AFC96897-AD8E-D373-C4F4-9EF0B0F05643}"/>
+              </a:ext>
+            </a:extLst>
+          </p:cNvPr>
+          <p:cNvPicPr>
+            <a:picLocks noChangeAspect="1"/>
+          </p:cNvPicPr>
+          <p:nvPr/>
+        </p:nvPicPr>
+        <p:blipFill>
+          <a:blip r:embed="rId2"/>
+          <a:stretch>
+            <a:fillRect/>
+          </a:stretch>
+        </p:blipFill>
+        <p:spPr>
+          <a:xfrm>
+            <a:off x="3868970" y="4147609"/>
+            <a:ext cx="7459116" cy="1428949"/>
+          </a:xfrm>
+          <a:prstGeom prst="rect">
+            <a:avLst/>
+          </a:prstGeom>
+        </p:spPr>
+      </p:pic>
+      <p:pic>
+        <p:nvPicPr>
+          <p:cNvPr id="5" name="Image 4">
+            <a:extLst>
+              <a:ext uri="{FF2B5EF4-FFF2-40B4-BE49-F238E27FC236}">
+                <a16:creationId xmlns:a16="http://schemas.microsoft.com/office/drawing/2014/main" id="{52C84588-13F5-EADD-9916-FA0CA50171B2}"/>
+              </a:ext>
+            </a:extLst>
+          </p:cNvPr>
+          <p:cNvPicPr>
+            <a:picLocks noChangeAspect="1"/>
+          </p:cNvPicPr>
+          <p:nvPr/>
+        </p:nvPicPr>
+        <p:blipFill>
+          <a:blip r:embed="rId3"/>
+          <a:stretch>
+            <a:fillRect/>
+          </a:stretch>
+        </p:blipFill>
+        <p:spPr>
+          <a:xfrm>
+            <a:off x="3901208" y="1849272"/>
+            <a:ext cx="5115639" cy="609685"/>
+          </a:xfrm>
+          <a:prstGeom prst="rect">
+            <a:avLst/>
+          </a:prstGeom>
+        </p:spPr>
+      </p:pic>
+      <p:pic>
+        <p:nvPicPr>
+          <p:cNvPr id="8" name="Image 7">
+            <a:extLst>
+              <a:ext uri="{FF2B5EF4-FFF2-40B4-BE49-F238E27FC236}">
+                <a16:creationId xmlns:a16="http://schemas.microsoft.com/office/drawing/2014/main" id="{8CB7D903-4C2E-1B5A-F20C-5167F0C12463}"/>
+              </a:ext>
+            </a:extLst>
+          </p:cNvPr>
+          <p:cNvPicPr>
+            <a:picLocks noChangeAspect="1"/>
+          </p:cNvPicPr>
+          <p:nvPr/>
+        </p:nvPicPr>
+        <p:blipFill>
+          <a:blip r:embed="rId4"/>
+          <a:stretch>
+            <a:fillRect/>
+          </a:stretch>
+        </p:blipFill>
+        <p:spPr>
+          <a:xfrm>
+            <a:off x="3901208" y="2633347"/>
+            <a:ext cx="5115639" cy="420213"/>
+          </a:xfrm>
+          <a:prstGeom prst="rect">
+            <a:avLst/>
+          </a:prstGeom>
+        </p:spPr>
+      </p:pic>
+      <p:pic>
+        <p:nvPicPr>
+          <p:cNvPr id="14" name="Image 13">
+            <a:extLst>
+              <a:ext uri="{FF2B5EF4-FFF2-40B4-BE49-F238E27FC236}">
+                <a16:creationId xmlns:a16="http://schemas.microsoft.com/office/drawing/2014/main" id="{2564CBBE-2F8E-7904-FB65-A7A773C43922}"/>
+              </a:ext>
+            </a:extLst>
+          </p:cNvPr>
+          <p:cNvPicPr>
+            <a:picLocks noChangeAspect="1"/>
+          </p:cNvPicPr>
+          <p:nvPr/>
+        </p:nvPicPr>
+        <p:blipFill>
+          <a:blip r:embed="rId5"/>
+          <a:stretch>
+            <a:fillRect/>
+          </a:stretch>
+        </p:blipFill>
+        <p:spPr>
+          <a:xfrm>
+            <a:off x="3868970" y="3280703"/>
+            <a:ext cx="7990568" cy="609685"/>
+          </a:xfrm>
+          <a:prstGeom prst="rect">
+            <a:avLst/>
+          </a:prstGeom>
+        </p:spPr>
+      </p:pic>
+    </p:spTree>
+    <p:extLst>
+      <p:ext uri="{BB962C8B-B14F-4D97-AF65-F5344CB8AC3E}">
+        <p14:creationId xmlns:p14="http://schemas.microsoft.com/office/powerpoint/2010/main" val="4289093736"/>
+      </p:ext>
+    </p:extLst>
+  </p:cSld>
+  <p:clrMapOvr>
+    <a:masterClrMapping/>
+  </p:clrMapOvr>
+  <p:timing>
+    <p:tnLst>
+      <p:par>
+        <p:cTn id="1" dur="indefinite" restart="never" nodeType="tmRoot">
+          <p:childTnLst>
+            <p:seq concurrent="1" nextAc="seek">
+              <p:cTn id="2" dur="indefinite" nodeType="mainSeq">
+                <p:childTnLst>
+                  <p:par>
+                    <p:cTn id="3" fill="hold">
+                      <p:stCondLst>
+                        <p:cond delay="indefinite"/>
+                      </p:stCondLst>
+                      <p:childTnLst>
+                        <p:par>
+                          <p:cTn id="4" fill="hold">
+                            <p:stCondLst>
+                              <p:cond delay="0"/>
+                            </p:stCondLst>
+                            <p:childTnLst>
+                              <p:par>
+                                <p:cTn id="5" presetID="10" presetClass="exit" presetSubtype="0" fill="hold" grpId="0" nodeType="clickEffect">
+                                  <p:stCondLst>
+                                    <p:cond delay="0"/>
+                                  </p:stCondLst>
+                                  <p:childTnLst>
+                                    <p:animEffect transition="out" filter="fade">
+                                      <p:cBhvr>
+                                        <p:cTn id="6" dur="500"/>
+                                        <p:tgtEl>
+                                          <p:spTgt spid="11"/>
+                                        </p:tgtEl>
+                                      </p:cBhvr>
+                                    </p:animEffect>
+                                    <p:set>
+                                      <p:cBhvr>
+                                        <p:cTn id="7" dur="1" fill="hold">
+                                          <p:stCondLst>
+                                            <p:cond delay="499"/>
+                                          </p:stCondLst>
+                                        </p:cTn>
+                                        <p:tgtEl>
+                                          <p:spTgt spid="11"/>
+                                        </p:tgtEl>
+                                        <p:attrNameLst>
+                                          <p:attrName>style.visibility</p:attrName>
+                                        </p:attrNameLst>
+                                      </p:cBhvr>
+                                      <p:to>
+                                        <p:strVal val="hidden"/>
+                                      </p:to>
+                                    </p:set>
+                                  </p:childTnLst>
+                                </p:cTn>
+                              </p:par>
+                            </p:childTnLst>
+                          </p:cTn>
+                        </p:par>
+                      </p:childTnLst>
+                    </p:cTn>
+                  </p:par>
+                </p:childTnLst>
+              </p:cTn>
+              <p:prevCondLst>
+                <p:cond evt="onPrev" delay="0">
+                  <p:tgtEl>
+                    <p:sldTgt/>
+                  </p:tgtEl>
+                </p:cond>
+              </p:prevCondLst>
+              <p:nextCondLst>
+                <p:cond evt="onNext" delay="0">
+                  <p:tgtEl>
+                    <p:sldTgt/>
+                  </p:tgtEl>
+                </p:cond>
+              </p:nextCondLst>
+            </p:seq>
+          </p:childTnLst>
+        </p:cTn>
+      </p:par>
+    </p:tnLst>
+    <p:bldLst>
+      <p:bldP spid="11" grpId="0"/>
+    </p:bldLst>
+  </p:timing>
+</p:sld>
+</file>
+
+<file path=ppt/slides/slide5.xml><?xml version="1.0" encoding="utf-8"?>
+<p:sld xmlns:a="http://schemas.openxmlformats.org/drawingml/2006/main" xmlns:r="http://schemas.openxmlformats.org/officeDocument/2006/relationships" xmlns:p="http://schemas.openxmlformats.org/presentationml/2006/main">
+  <p:cSld>
+    <p:spTree>
+      <p:nvGrpSpPr>
+        <p:cNvPr id="1" name=""/>
+        <p:cNvGrpSpPr/>
+        <p:nvPr/>
+      </p:nvGrpSpPr>
+      <p:grpSpPr>
+        <a:xfrm>
+          <a:off x="0" y="0"/>
+          <a:ext cx="0" cy="0"/>
+          <a:chOff x="0" y="0"/>
+          <a:chExt cx="0" cy="0"/>
+        </a:xfrm>
+      </p:grpSpPr>
+      <p:sp>
+        <p:nvSpPr>
+          <p:cNvPr id="12" name="Slide Number Placeholder 3">
+            <a:extLst>
+              <a:ext uri="{FF2B5EF4-FFF2-40B4-BE49-F238E27FC236}">
+                <a16:creationId xmlns:a16="http://schemas.microsoft.com/office/drawing/2014/main" id="{9B5AB799-1367-C8B2-5D49-FFCFB097837A}"/>
+              </a:ext>
+            </a:extLst>
+          </p:cNvPr>
+          <p:cNvSpPr>
+            <a:spLocks noGrp="1"/>
+          </p:cNvSpPr>
+          <p:nvPr>
+            <p:ph type="sldNum" sz="quarter" idx="12"/>
+          </p:nvPr>
+        </p:nvSpPr>
+        <p:spPr>
+          <a:xfrm>
+            <a:off x="9579428" y="6356350"/>
+            <a:ext cx="1774371" cy="365125"/>
+          </a:xfrm>
+        </p:spPr>
+        <p:txBody>
+          <a:bodyPr/>
+          <a:lstStyle/>
+          <a:p>
+            <a:pPr>
+              <a:spcAft>
+                <a:spcPts val="600"/>
+              </a:spcAft>
+            </a:pPr>
+            <a:fld id="{A49DFD55-3C28-40EF-9E31-A92D2E4017FF}" type="slidenum">
+              <a:rPr lang="en-US" smtClean="0"/>
+              <a:pPr>
+                <a:spcAft>
+                  <a:spcPts val="600"/>
+                </a:spcAft>
+              </a:pPr>
+              <a:t>5</a:t>
             </a:fld>
             <a:endParaRPr lang="en-US"/>
           </a:p>
@@ -11289,348 +13212,6 @@
 </p:sld>
 </file>
 
-<file path=ppt/slides/slide5.xml><?xml version="1.0" encoding="utf-8"?>
-<p:sld xmlns:a="http://schemas.openxmlformats.org/drawingml/2006/main" xmlns:r="http://schemas.openxmlformats.org/officeDocument/2006/relationships" xmlns:p="http://schemas.openxmlformats.org/presentationml/2006/main">
-  <p:cSld>
-    <p:spTree>
-      <p:nvGrpSpPr>
-        <p:cNvPr id="1" name="">
-          <a:extLst>
-            <a:ext uri="{FF2B5EF4-FFF2-40B4-BE49-F238E27FC236}">
-              <a16:creationId xmlns:a16="http://schemas.microsoft.com/office/drawing/2014/main" id="{E5B18CC2-DABC-0FF4-CB56-274F5DF59F5E}"/>
-            </a:ext>
-          </a:extLst>
-        </p:cNvPr>
-        <p:cNvGrpSpPr/>
-        <p:nvPr/>
-      </p:nvGrpSpPr>
-      <p:grpSpPr>
-        <a:xfrm>
-          <a:off x="0" y="0"/>
-          <a:ext cx="0" cy="0"/>
-          <a:chOff x="0" y="0"/>
-          <a:chExt cx="0" cy="0"/>
-        </a:xfrm>
-      </p:grpSpPr>
-      <p:sp>
-        <p:nvSpPr>
-          <p:cNvPr id="12" name="Slide Number Placeholder 3">
-            <a:extLst>
-              <a:ext uri="{FF2B5EF4-FFF2-40B4-BE49-F238E27FC236}">
-                <a16:creationId xmlns:a16="http://schemas.microsoft.com/office/drawing/2014/main" id="{C8C16BF4-2CF1-DE28-0148-6ABB242AFA98}"/>
-              </a:ext>
-            </a:extLst>
-          </p:cNvPr>
-          <p:cNvSpPr>
-            <a:spLocks noGrp="1"/>
-          </p:cNvSpPr>
-          <p:nvPr>
-            <p:ph type="sldNum" sz="quarter" idx="12"/>
-          </p:nvPr>
-        </p:nvSpPr>
-        <p:spPr>
-          <a:xfrm>
-            <a:off x="9579428" y="6356350"/>
-            <a:ext cx="1774371" cy="365125"/>
-          </a:xfrm>
-        </p:spPr>
-        <p:txBody>
-          <a:bodyPr/>
-          <a:lstStyle/>
-          <a:p>
-            <a:pPr>
-              <a:spcAft>
-                <a:spcPts val="600"/>
-              </a:spcAft>
-            </a:pPr>
-            <a:fld id="{A49DFD55-3C28-40EF-9E31-A92D2E4017FF}" type="slidenum">
-              <a:rPr lang="en-US" smtClean="0"/>
-              <a:pPr>
-                <a:spcAft>
-                  <a:spcPts val="600"/>
-                </a:spcAft>
-              </a:pPr>
-              <a:t>5</a:t>
-            </a:fld>
-            <a:endParaRPr lang="en-US"/>
-          </a:p>
-        </p:txBody>
-      </p:sp>
-      <p:sp>
-        <p:nvSpPr>
-          <p:cNvPr id="11" name="ZoneTexte 10">
-            <a:extLst>
-              <a:ext uri="{FF2B5EF4-FFF2-40B4-BE49-F238E27FC236}">
-                <a16:creationId xmlns:a16="http://schemas.microsoft.com/office/drawing/2014/main" id="{423212D3-D817-AE5D-F153-06280DF4B3F9}"/>
-              </a:ext>
-            </a:extLst>
-          </p:cNvPr>
-          <p:cNvSpPr txBox="1"/>
-          <p:nvPr/>
-        </p:nvSpPr>
-        <p:spPr>
-          <a:xfrm>
-            <a:off x="3720142" y="292801"/>
-            <a:ext cx="5477773" cy="1077218"/>
-          </a:xfrm>
-          <a:prstGeom prst="rect">
-            <a:avLst/>
-          </a:prstGeom>
-          <a:noFill/>
-        </p:spPr>
-        <p:txBody>
-          <a:bodyPr wrap="square" rtlCol="0">
-            <a:spAutoFit/>
-          </a:bodyPr>
-          <a:lstStyle/>
-          <a:p>
-            <a:pPr algn="ctr"/>
-            <a:r>
-              <a:rPr lang="fr-FR" sz="3200" b="1" dirty="0">
-                <a:solidFill>
-                  <a:schemeClr val="bg1"/>
-                </a:solidFill>
-              </a:rPr>
-              <a:t>DATA WRANGLING</a:t>
-            </a:r>
-            <a:endParaRPr lang="fr-FR" sz="3200" dirty="0">
-              <a:solidFill>
-                <a:schemeClr val="bg1"/>
-              </a:solidFill>
-            </a:endParaRPr>
-          </a:p>
-          <a:p>
-            <a:pPr algn="ctr"/>
-            <a:r>
-              <a:rPr lang="fr-FR" sz="3200" dirty="0">
-                <a:solidFill>
-                  <a:schemeClr val="bg1"/>
-                </a:solidFill>
-              </a:rPr>
-              <a:t> 	</a:t>
-            </a:r>
-          </a:p>
-        </p:txBody>
-      </p:sp>
-      <p:pic>
-        <p:nvPicPr>
-          <p:cNvPr id="3" name="Image 2">
-            <a:extLst>
-              <a:ext uri="{FF2B5EF4-FFF2-40B4-BE49-F238E27FC236}">
-                <a16:creationId xmlns:a16="http://schemas.microsoft.com/office/drawing/2014/main" id="{AFC96897-AD8E-D373-C4F4-9EF0B0F05643}"/>
-              </a:ext>
-            </a:extLst>
-          </p:cNvPr>
-          <p:cNvPicPr>
-            <a:picLocks noChangeAspect="1"/>
-          </p:cNvPicPr>
-          <p:nvPr/>
-        </p:nvPicPr>
-        <p:blipFill>
-          <a:blip r:embed="rId2"/>
-          <a:stretch>
-            <a:fillRect/>
-          </a:stretch>
-        </p:blipFill>
-        <p:spPr>
-          <a:xfrm>
-            <a:off x="3868970" y="4147609"/>
-            <a:ext cx="7459116" cy="1428949"/>
-          </a:xfrm>
-          <a:prstGeom prst="rect">
-            <a:avLst/>
-          </a:prstGeom>
-        </p:spPr>
-      </p:pic>
-      <p:pic>
-        <p:nvPicPr>
-          <p:cNvPr id="5" name="Image 4">
-            <a:extLst>
-              <a:ext uri="{FF2B5EF4-FFF2-40B4-BE49-F238E27FC236}">
-                <a16:creationId xmlns:a16="http://schemas.microsoft.com/office/drawing/2014/main" id="{52C84588-13F5-EADD-9916-FA0CA50171B2}"/>
-              </a:ext>
-            </a:extLst>
-          </p:cNvPr>
-          <p:cNvPicPr>
-            <a:picLocks noChangeAspect="1"/>
-          </p:cNvPicPr>
-          <p:nvPr/>
-        </p:nvPicPr>
-        <p:blipFill>
-          <a:blip r:embed="rId3"/>
-          <a:stretch>
-            <a:fillRect/>
-          </a:stretch>
-        </p:blipFill>
-        <p:spPr>
-          <a:xfrm>
-            <a:off x="3901208" y="1849272"/>
-            <a:ext cx="5115639" cy="609685"/>
-          </a:xfrm>
-          <a:prstGeom prst="rect">
-            <a:avLst/>
-          </a:prstGeom>
-        </p:spPr>
-      </p:pic>
-      <p:pic>
-        <p:nvPicPr>
-          <p:cNvPr id="8" name="Image 7">
-            <a:extLst>
-              <a:ext uri="{FF2B5EF4-FFF2-40B4-BE49-F238E27FC236}">
-                <a16:creationId xmlns:a16="http://schemas.microsoft.com/office/drawing/2014/main" id="{8CB7D903-4C2E-1B5A-F20C-5167F0C12463}"/>
-              </a:ext>
-            </a:extLst>
-          </p:cNvPr>
-          <p:cNvPicPr>
-            <a:picLocks noChangeAspect="1"/>
-          </p:cNvPicPr>
-          <p:nvPr/>
-        </p:nvPicPr>
-        <p:blipFill>
-          <a:blip r:embed="rId4"/>
-          <a:stretch>
-            <a:fillRect/>
-          </a:stretch>
-        </p:blipFill>
-        <p:spPr>
-          <a:xfrm>
-            <a:off x="3901208" y="2633347"/>
-            <a:ext cx="5115639" cy="420213"/>
-          </a:xfrm>
-          <a:prstGeom prst="rect">
-            <a:avLst/>
-          </a:prstGeom>
-        </p:spPr>
-      </p:pic>
-      <p:pic>
-        <p:nvPicPr>
-          <p:cNvPr id="14" name="Image 13">
-            <a:extLst>
-              <a:ext uri="{FF2B5EF4-FFF2-40B4-BE49-F238E27FC236}">
-                <a16:creationId xmlns:a16="http://schemas.microsoft.com/office/drawing/2014/main" id="{2564CBBE-2F8E-7904-FB65-A7A773C43922}"/>
-              </a:ext>
-            </a:extLst>
-          </p:cNvPr>
-          <p:cNvPicPr>
-            <a:picLocks noChangeAspect="1"/>
-          </p:cNvPicPr>
-          <p:nvPr/>
-        </p:nvPicPr>
-        <p:blipFill>
-          <a:blip r:embed="rId5"/>
-          <a:stretch>
-            <a:fillRect/>
-          </a:stretch>
-        </p:blipFill>
-        <p:spPr>
-          <a:xfrm>
-            <a:off x="3868970" y="3280703"/>
-            <a:ext cx="7990568" cy="609685"/>
-          </a:xfrm>
-          <a:prstGeom prst="rect">
-            <a:avLst/>
-          </a:prstGeom>
-        </p:spPr>
-      </p:pic>
-    </p:spTree>
-    <p:extLst>
-      <p:ext uri="{BB962C8B-B14F-4D97-AF65-F5344CB8AC3E}">
-        <p14:creationId xmlns:p14="http://schemas.microsoft.com/office/powerpoint/2010/main" val="4289093736"/>
-      </p:ext>
-    </p:extLst>
-  </p:cSld>
-  <p:clrMapOvr>
-    <a:masterClrMapping/>
-  </p:clrMapOvr>
-  <p:timing>
-    <p:tnLst>
-      <p:par>
-        <p:cTn id="1" dur="indefinite" restart="never" nodeType="tmRoot">
-          <p:childTnLst>
-            <p:seq concurrent="1" nextAc="seek">
-              <p:cTn id="2" dur="indefinite" nodeType="mainSeq">
-                <p:childTnLst>
-                  <p:par>
-                    <p:cTn id="3" fill="hold">
-                      <p:stCondLst>
-                        <p:cond delay="indefinite"/>
-                      </p:stCondLst>
-                      <p:childTnLst>
-                        <p:par>
-                          <p:cTn id="4" fill="hold">
-                            <p:stCondLst>
-                              <p:cond delay="0"/>
-                            </p:stCondLst>
-                            <p:childTnLst>
-                              <p:par>
-                                <p:cTn id="5" presetID="10" presetClass="exit" presetSubtype="0" fill="hold" grpId="0" nodeType="clickEffect">
-                                  <p:stCondLst>
-                                    <p:cond delay="0"/>
-                                  </p:stCondLst>
-                                  <p:childTnLst>
-                                    <p:animEffect transition="out" filter="fade">
-                                      <p:cBhvr>
-                                        <p:cTn id="6" dur="500"/>
-                                        <p:tgtEl>
-                                          <p:spTgt spid="11"/>
-                                        </p:tgtEl>
-                                      </p:cBhvr>
-                                    </p:animEffect>
-                                    <p:set>
-                                      <p:cBhvr>
-                                        <p:cTn id="7" dur="1" fill="hold">
-                                          <p:stCondLst>
-                                            <p:cond delay="499"/>
-                                          </p:stCondLst>
-                                        </p:cTn>
-                                        <p:tgtEl>
-                                          <p:spTgt spid="11"/>
-                                        </p:tgtEl>
-                                        <p:attrNameLst>
-                                          <p:attrName>style.visibility</p:attrName>
-                                        </p:attrNameLst>
-                                      </p:cBhvr>
-                                      <p:to>
-                                        <p:strVal val="hidden"/>
-                                      </p:to>
-                                    </p:set>
-                                  </p:childTnLst>
-                                </p:cTn>
-                              </p:par>
-                            </p:childTnLst>
-                          </p:cTn>
-                        </p:par>
-                      </p:childTnLst>
-                    </p:cTn>
-                  </p:par>
-                </p:childTnLst>
-              </p:cTn>
-              <p:prevCondLst>
-                <p:cond evt="onPrev" delay="0">
-                  <p:tgtEl>
-                    <p:sldTgt/>
-                  </p:tgtEl>
-                </p:cond>
-              </p:prevCondLst>
-              <p:nextCondLst>
-                <p:cond evt="onNext" delay="0">
-                  <p:tgtEl>
-                    <p:sldTgt/>
-                  </p:tgtEl>
-                </p:cond>
-              </p:nextCondLst>
-            </p:seq>
-          </p:childTnLst>
-        </p:cTn>
-      </p:par>
-    </p:tnLst>
-    <p:bldLst>
-      <p:bldP spid="11" grpId="0"/>
-    </p:bldLst>
-  </p:timing>
-</p:sld>
-</file>
-
 <file path=ppt/slides/slide6.xml><?xml version="1.0" encoding="utf-8"?>
 <p:sld xmlns:a="http://schemas.openxmlformats.org/drawingml/2006/main" xmlns:r="http://schemas.openxmlformats.org/officeDocument/2006/relationships" xmlns:p="http://schemas.openxmlformats.org/presentationml/2006/main">
   <p:cSld>
@@ -12048,7 +13629,7 @@
         <p:cNvPr id="1" name="">
           <a:extLst>
             <a:ext uri="{FF2B5EF4-FFF2-40B4-BE49-F238E27FC236}">
-              <a16:creationId xmlns:a16="http://schemas.microsoft.com/office/drawing/2014/main" id="{939A0F12-8EEB-4F20-CC6A-4306C361B83B}"/>
+              <a16:creationId xmlns:a16="http://schemas.microsoft.com/office/drawing/2014/main" id="{17F3FF5C-A3FD-C85C-4828-BA33EE24A344}"/>
             </a:ext>
           </a:extLst>
         </p:cNvPr>
@@ -12065,77 +13646,93 @@
       </p:grpSpPr>
       <p:sp>
         <p:nvSpPr>
-          <p:cNvPr id="2" name="Title 1">
-            <a:extLst>
-              <a:ext uri="{FF2B5EF4-FFF2-40B4-BE49-F238E27FC236}">
-                <a16:creationId xmlns:a16="http://schemas.microsoft.com/office/drawing/2014/main" id="{DAF97FD9-A64A-BFBC-74E1-CF151A52A439}"/>
-              </a:ext>
-            </a:extLst>
-          </p:cNvPr>
-          <p:cNvSpPr>
-            <a:spLocks noGrp="1"/>
-          </p:cNvSpPr>
-          <p:nvPr>
-            <p:ph type="title"/>
-          </p:nvPr>
-        </p:nvSpPr>
-        <p:spPr>
-          <a:xfrm>
-            <a:off x="2940802" y="233679"/>
-            <a:ext cx="8420100" cy="581981"/>
-          </a:xfrm>
-        </p:spPr>
-        <p:txBody>
-          <a:bodyPr/>
+          <p:cNvPr id="11" name="ZoneTexte 10">
+            <a:extLst>
+              <a:ext uri="{FF2B5EF4-FFF2-40B4-BE49-F238E27FC236}">
+                <a16:creationId xmlns:a16="http://schemas.microsoft.com/office/drawing/2014/main" id="{190B1FC9-264A-29AE-F615-6EC9CE00DCAC}"/>
+              </a:ext>
+            </a:extLst>
+          </p:cNvPr>
+          <p:cNvSpPr txBox="1"/>
+          <p:nvPr/>
+        </p:nvSpPr>
+        <p:spPr>
+          <a:xfrm>
+            <a:off x="1040203" y="1246668"/>
+            <a:ext cx="4170152" cy="1325563"/>
+          </a:xfrm>
+          <a:prstGeom prst="rect">
+            <a:avLst/>
+          </a:prstGeom>
+        </p:spPr>
+        <p:txBody>
+          <a:bodyPr vert="horz" lIns="91440" tIns="45720" rIns="91440" bIns="45720" rtlCol="0" anchor="b">
+            <a:normAutofit/>
+          </a:bodyPr>
           <a:lstStyle/>
           <a:p>
-            <a:r>
-              <a:rPr lang="en-US" dirty="0"/>
-              <a:t>Distances</a:t>
-            </a:r>
-          </a:p>
-        </p:txBody>
-      </p:sp>
-      <p:sp>
-        <p:nvSpPr>
-          <p:cNvPr id="12" name="Text Placeholder 11">
-            <a:extLst>
-              <a:ext uri="{FF2B5EF4-FFF2-40B4-BE49-F238E27FC236}">
-                <a16:creationId xmlns:a16="http://schemas.microsoft.com/office/drawing/2014/main" id="{99748E11-B1CC-D863-D38E-1C08A532C0B8}"/>
-              </a:ext>
-            </a:extLst>
-          </p:cNvPr>
-          <p:cNvSpPr>
-            <a:spLocks noGrp="1"/>
-          </p:cNvSpPr>
-          <p:nvPr>
-            <p:ph type="body" idx="1"/>
-          </p:nvPr>
-        </p:nvSpPr>
-        <p:spPr>
-          <a:xfrm>
-            <a:off x="5408928" y="815660"/>
-            <a:ext cx="1374140" cy="464499"/>
-          </a:xfrm>
-        </p:spPr>
-        <p:txBody>
-          <a:bodyPr/>
-          <a:lstStyle/>
-          <a:p>
-            <a:pPr algn="ctr"/>
-            <a:r>
-              <a:rPr lang="en-US" dirty="0"/>
-              <a:t>Euclidean</a:t>
-            </a:r>
-          </a:p>
-        </p:txBody>
-      </p:sp>
-      <p:sp>
-        <p:nvSpPr>
-          <p:cNvPr id="8" name="Slide Number Placeholder 7">
-            <a:extLst>
-              <a:ext uri="{FF2B5EF4-FFF2-40B4-BE49-F238E27FC236}">
-                <a16:creationId xmlns:a16="http://schemas.microsoft.com/office/drawing/2014/main" id="{E4D965F2-3822-E8E2-7EDB-B77D981A6BB8}"/>
+            <a:pPr>
+              <a:lnSpc>
+                <a:spcPct val="90000"/>
+              </a:lnSpc>
+              <a:spcBef>
+                <a:spcPct val="0"/>
+              </a:spcBef>
+              <a:spcAft>
+                <a:spcPts val="600"/>
+              </a:spcAft>
+            </a:pPr>
+            <a:r>
+              <a:rPr lang="en-US" sz="3200" kern="1200" cap="all" spc="150" baseline="0" dirty="0">
+                <a:solidFill>
+                  <a:schemeClr val="bg1"/>
+                </a:solidFill>
+                <a:latin typeface="+mj-lt"/>
+                <a:ea typeface="+mj-ea"/>
+                <a:cs typeface="+mj-cs"/>
+              </a:rPr>
+              <a:t>Splitting train and test</a:t>
+            </a:r>
+          </a:p>
+        </p:txBody>
+      </p:sp>
+      <p:pic>
+        <p:nvPicPr>
+          <p:cNvPr id="4" name="Image 3" descr="Une image contenant texte, capture d’écran, Police, logiciel&#10;&#10;Description générée automatiquement">
+            <a:extLst>
+              <a:ext uri="{FF2B5EF4-FFF2-40B4-BE49-F238E27FC236}">
+                <a16:creationId xmlns:a16="http://schemas.microsoft.com/office/drawing/2014/main" id="{BEF5FBBB-CA85-29DC-E158-A36F5CF52ACE}"/>
+              </a:ext>
+            </a:extLst>
+          </p:cNvPr>
+          <p:cNvPicPr>
+            <a:picLocks noChangeAspect="1"/>
+          </p:cNvPicPr>
+          <p:nvPr/>
+        </p:nvPicPr>
+        <p:blipFill>
+          <a:blip r:embed="rId2"/>
+          <a:stretch>
+            <a:fillRect/>
+          </a:stretch>
+        </p:blipFill>
+        <p:spPr>
+          <a:xfrm>
+            <a:off x="1133778" y="2572231"/>
+            <a:ext cx="6823745" cy="2797733"/>
+          </a:xfrm>
+          <a:prstGeom prst="rect">
+            <a:avLst/>
+          </a:prstGeom>
+          <a:noFill/>
+        </p:spPr>
+      </p:pic>
+      <p:sp>
+        <p:nvSpPr>
+          <p:cNvPr id="12" name="Slide Number Placeholder 3">
+            <a:extLst>
+              <a:ext uri="{FF2B5EF4-FFF2-40B4-BE49-F238E27FC236}">
+                <a16:creationId xmlns:a16="http://schemas.microsoft.com/office/drawing/2014/main" id="{419E7F12-ABC7-A72D-6B3C-A53ABF18F307}"/>
               </a:ext>
             </a:extLst>
           </p:cNvPr>
@@ -12153,24 +13750,304 @@
           </a:xfrm>
         </p:spPr>
         <p:txBody>
-          <a:bodyPr/>
+          <a:bodyPr vert="horz" lIns="91440" tIns="45720" rIns="91440" bIns="45720" rtlCol="0" anchor="ctr">
+            <a:normAutofit/>
+          </a:bodyPr>
           <a:lstStyle/>
           <a:p>
+            <a:pPr>
+              <a:spcAft>
+                <a:spcPts val="600"/>
+              </a:spcAft>
+            </a:pPr>
             <a:fld id="{A49DFD55-3C28-40EF-9E31-A92D2E4017FF}" type="slidenum">
-              <a:rPr lang="en-US" sz="1400" smtClean="0"/>
-              <a:pPr/>
+              <a:rPr lang="en-US" smtClean="0"/>
+              <a:pPr>
+                <a:spcAft>
+                  <a:spcPts val="600"/>
+                </a:spcAft>
+              </a:pPr>
               <a:t>8</a:t>
             </a:fld>
-            <a:endParaRPr lang="en-US" sz="1400" dirty="0"/>
+            <a:endParaRPr lang="en-US"/>
+          </a:p>
+        </p:txBody>
+      </p:sp>
+    </p:spTree>
+    <p:extLst>
+      <p:ext uri="{BB962C8B-B14F-4D97-AF65-F5344CB8AC3E}">
+        <p14:creationId xmlns:p14="http://schemas.microsoft.com/office/powerpoint/2010/main" val="1330018196"/>
+      </p:ext>
+    </p:extLst>
+  </p:cSld>
+  <p:clrMapOvr>
+    <a:masterClrMapping/>
+  </p:clrMapOvr>
+  <p:timing>
+    <p:tnLst>
+      <p:par>
+        <p:cTn id="1" dur="indefinite" restart="never" nodeType="tmRoot">
+          <p:childTnLst>
+            <p:seq concurrent="1" nextAc="seek">
+              <p:cTn id="2" dur="indefinite" nodeType="mainSeq">
+                <p:childTnLst>
+                  <p:par>
+                    <p:cTn id="3" fill="hold">
+                      <p:stCondLst>
+                        <p:cond delay="indefinite"/>
+                      </p:stCondLst>
+                      <p:childTnLst>
+                        <p:par>
+                          <p:cTn id="4" fill="hold">
+                            <p:stCondLst>
+                              <p:cond delay="0"/>
+                            </p:stCondLst>
+                            <p:childTnLst>
+                              <p:par>
+                                <p:cTn id="5" presetID="10" presetClass="exit" presetSubtype="0" fill="hold" grpId="0" nodeType="clickEffect">
+                                  <p:stCondLst>
+                                    <p:cond delay="0"/>
+                                  </p:stCondLst>
+                                  <p:childTnLst>
+                                    <p:animEffect transition="out" filter="fade">
+                                      <p:cBhvr>
+                                        <p:cTn id="6" dur="500"/>
+                                        <p:tgtEl>
+                                          <p:spTgt spid="11"/>
+                                        </p:tgtEl>
+                                      </p:cBhvr>
+                                    </p:animEffect>
+                                    <p:set>
+                                      <p:cBhvr>
+                                        <p:cTn id="7" dur="1" fill="hold">
+                                          <p:stCondLst>
+                                            <p:cond delay="499"/>
+                                          </p:stCondLst>
+                                        </p:cTn>
+                                        <p:tgtEl>
+                                          <p:spTgt spid="11"/>
+                                        </p:tgtEl>
+                                        <p:attrNameLst>
+                                          <p:attrName>style.visibility</p:attrName>
+                                        </p:attrNameLst>
+                                      </p:cBhvr>
+                                      <p:to>
+                                        <p:strVal val="hidden"/>
+                                      </p:to>
+                                    </p:set>
+                                  </p:childTnLst>
+                                </p:cTn>
+                              </p:par>
+                            </p:childTnLst>
+                          </p:cTn>
+                        </p:par>
+                      </p:childTnLst>
+                    </p:cTn>
+                  </p:par>
+                </p:childTnLst>
+              </p:cTn>
+              <p:prevCondLst>
+                <p:cond evt="onPrev" delay="0">
+                  <p:tgtEl>
+                    <p:sldTgt/>
+                  </p:tgtEl>
+                </p:cond>
+              </p:prevCondLst>
+              <p:nextCondLst>
+                <p:cond evt="onNext" delay="0">
+                  <p:tgtEl>
+                    <p:sldTgt/>
+                  </p:tgtEl>
+                </p:cond>
+              </p:nextCondLst>
+            </p:seq>
+          </p:childTnLst>
+        </p:cTn>
+      </p:par>
+    </p:tnLst>
+    <p:bldLst>
+      <p:bldP spid="11" grpId="0"/>
+    </p:bldLst>
+  </p:timing>
+</p:sld>
+</file>
+
+<file path=ppt/slides/slide9.xml><?xml version="1.0" encoding="utf-8"?>
+<p:sld xmlns:a="http://schemas.openxmlformats.org/drawingml/2006/main" xmlns:r="http://schemas.openxmlformats.org/officeDocument/2006/relationships" xmlns:p="http://schemas.openxmlformats.org/presentationml/2006/main">
+  <p:cSld>
+    <p:spTree>
+      <p:nvGrpSpPr>
+        <p:cNvPr id="1" name="">
+          <a:extLst>
+            <a:ext uri="{FF2B5EF4-FFF2-40B4-BE49-F238E27FC236}">
+              <a16:creationId xmlns:a16="http://schemas.microsoft.com/office/drawing/2014/main" id="{EF9E1479-C0AD-0982-5DDE-29A893FE780B}"/>
+            </a:ext>
+          </a:extLst>
+        </p:cNvPr>
+        <p:cNvGrpSpPr/>
+        <p:nvPr/>
+      </p:nvGrpSpPr>
+      <p:grpSpPr>
+        <a:xfrm>
+          <a:off x="0" y="0"/>
+          <a:ext cx="0" cy="0"/>
+          <a:chOff x="0" y="0"/>
+          <a:chExt cx="0" cy="0"/>
+        </a:xfrm>
+      </p:grpSpPr>
+      <p:sp>
+        <p:nvSpPr>
+          <p:cNvPr id="11" name="ZoneTexte 10">
+            <a:extLst>
+              <a:ext uri="{FF2B5EF4-FFF2-40B4-BE49-F238E27FC236}">
+                <a16:creationId xmlns:a16="http://schemas.microsoft.com/office/drawing/2014/main" id="{B9B26C5F-7DBF-2A22-030D-93A548DCE0C2}"/>
+              </a:ext>
+            </a:extLst>
+          </p:cNvPr>
+          <p:cNvSpPr txBox="1"/>
+          <p:nvPr/>
+        </p:nvSpPr>
+        <p:spPr>
+          <a:xfrm>
+            <a:off x="1040203" y="1246668"/>
+            <a:ext cx="4170152" cy="1325563"/>
+          </a:xfrm>
+          <a:prstGeom prst="rect">
+            <a:avLst/>
+          </a:prstGeom>
+        </p:spPr>
+        <p:txBody>
+          <a:bodyPr vert="horz" lIns="91440" tIns="45720" rIns="91440" bIns="45720" rtlCol="0" anchor="b">
+            <a:normAutofit/>
+          </a:bodyPr>
+          <a:lstStyle/>
+          <a:p>
+            <a:pPr>
+              <a:lnSpc>
+                <a:spcPct val="90000"/>
+              </a:lnSpc>
+              <a:spcBef>
+                <a:spcPct val="0"/>
+              </a:spcBef>
+              <a:spcAft>
+                <a:spcPts val="600"/>
+              </a:spcAft>
+            </a:pPr>
+            <a:r>
+              <a:rPr lang="en-US" sz="3200" kern="1200" cap="all" spc="150" baseline="0" dirty="0">
+                <a:solidFill>
+                  <a:schemeClr val="bg1"/>
+                </a:solidFill>
+                <a:latin typeface="+mj-lt"/>
+                <a:ea typeface="+mj-ea"/>
+                <a:cs typeface="+mj-cs"/>
+              </a:rPr>
+              <a:t>Which</a:t>
+            </a:r>
+            <a:r>
+              <a:rPr lang="en-US" sz="3200" kern="1200" cap="all" spc="150" dirty="0">
+                <a:solidFill>
+                  <a:schemeClr val="bg1"/>
+                </a:solidFill>
+                <a:latin typeface="+mj-lt"/>
+                <a:ea typeface="+mj-ea"/>
+                <a:cs typeface="+mj-cs"/>
+              </a:rPr>
+              <a:t> distance ?</a:t>
+            </a:r>
+            <a:endParaRPr lang="en-US" sz="3200" kern="1200" cap="all" spc="150" baseline="0" dirty="0">
+              <a:solidFill>
+                <a:schemeClr val="bg1"/>
+              </a:solidFill>
+              <a:latin typeface="+mj-lt"/>
+              <a:ea typeface="+mj-ea"/>
+              <a:cs typeface="+mj-cs"/>
+            </a:endParaRPr>
+          </a:p>
+        </p:txBody>
+      </p:sp>
+      <p:sp>
+        <p:nvSpPr>
+          <p:cNvPr id="12" name="Slide Number Placeholder 3">
+            <a:extLst>
+              <a:ext uri="{FF2B5EF4-FFF2-40B4-BE49-F238E27FC236}">
+                <a16:creationId xmlns:a16="http://schemas.microsoft.com/office/drawing/2014/main" id="{AA0C2368-F5A7-8E71-A5E3-A3B0288EA00D}"/>
+              </a:ext>
+            </a:extLst>
+          </p:cNvPr>
+          <p:cNvSpPr>
+            <a:spLocks noGrp="1"/>
+          </p:cNvSpPr>
+          <p:nvPr>
+            <p:ph type="sldNum" sz="quarter" idx="12"/>
+          </p:nvPr>
+        </p:nvSpPr>
+        <p:spPr>
+          <a:xfrm>
+            <a:off x="10373350" y="6356349"/>
+            <a:ext cx="987552" cy="365125"/>
+          </a:xfrm>
+        </p:spPr>
+        <p:txBody>
+          <a:bodyPr vert="horz" lIns="91440" tIns="45720" rIns="91440" bIns="45720" rtlCol="0" anchor="ctr">
+            <a:normAutofit/>
+          </a:bodyPr>
+          <a:lstStyle/>
+          <a:p>
+            <a:pPr>
+              <a:spcAft>
+                <a:spcPts val="600"/>
+              </a:spcAft>
+            </a:pPr>
+            <a:fld id="{A49DFD55-3C28-40EF-9E31-A92D2E4017FF}" type="slidenum">
+              <a:rPr lang="en-US" smtClean="0"/>
+              <a:pPr>
+                <a:spcAft>
+                  <a:spcPts val="600"/>
+                </a:spcAft>
+              </a:pPr>
+              <a:t>9</a:t>
+            </a:fld>
+            <a:endParaRPr lang="en-US"/>
           </a:p>
         </p:txBody>
       </p:sp>
       <p:pic>
         <p:nvPicPr>
-          <p:cNvPr id="7" name="Image 1" descr="Une image contenant texte, capture d’écran, Tracé, diagramme&#10;&#10;Description générée automatiquement">
-            <a:extLst>
-              <a:ext uri="{FF2B5EF4-FFF2-40B4-BE49-F238E27FC236}">
-                <a16:creationId xmlns:a16="http://schemas.microsoft.com/office/drawing/2014/main" id="{FB25449A-F041-13BD-4038-7278B350581B}"/>
+          <p:cNvPr id="3" name="Image 2">
+            <a:extLst>
+              <a:ext uri="{FF2B5EF4-FFF2-40B4-BE49-F238E27FC236}">
+                <a16:creationId xmlns:a16="http://schemas.microsoft.com/office/drawing/2014/main" id="{A6A62395-FC13-AEB5-5064-185308874613}"/>
+              </a:ext>
+            </a:extLst>
+          </p:cNvPr>
+          <p:cNvPicPr>
+            <a:picLocks noChangeAspect="1"/>
+          </p:cNvPicPr>
+          <p:nvPr/>
+        </p:nvPicPr>
+        <p:blipFill>
+          <a:blip r:embed="rId2"/>
+          <a:stretch>
+            <a:fillRect/>
+          </a:stretch>
+        </p:blipFill>
+        <p:spPr>
+          <a:xfrm>
+            <a:off x="1040203" y="2819254"/>
+            <a:ext cx="8792802" cy="2095792"/>
+          </a:xfrm>
+          <a:prstGeom prst="rect">
+            <a:avLst/>
+          </a:prstGeom>
+        </p:spPr>
+      </p:pic>
+      <p:pic>
+        <p:nvPicPr>
+          <p:cNvPr id="8" name="Image 7">
+            <a:extLst>
+              <a:ext uri="{FF2B5EF4-FFF2-40B4-BE49-F238E27FC236}">
+                <a16:creationId xmlns:a16="http://schemas.microsoft.com/office/drawing/2014/main" id="{7DA19FFA-C230-725C-C082-7BF8AAF37212}"/>
               </a:ext>
             </a:extLst>
           </p:cNvPr>
@@ -12187,8 +14064,8 @@
         </p:blipFill>
         <p:spPr>
           <a:xfrm>
-            <a:off x="666396" y="1280159"/>
-            <a:ext cx="10859208" cy="4772450"/>
+            <a:off x="1040203" y="4923911"/>
+            <a:ext cx="4867954" cy="238158"/>
           </a:xfrm>
           <a:prstGeom prst="rect">
             <a:avLst/>
@@ -12198,175 +14075,99 @@
     </p:spTree>
     <p:extLst>
       <p:ext uri="{BB962C8B-B14F-4D97-AF65-F5344CB8AC3E}">
-        <p14:creationId xmlns:p14="http://schemas.microsoft.com/office/powerpoint/2010/main" val="1224820308"/>
+        <p14:creationId xmlns:p14="http://schemas.microsoft.com/office/powerpoint/2010/main" val="2187335743"/>
       </p:ext>
     </p:extLst>
   </p:cSld>
   <p:clrMapOvr>
     <a:masterClrMapping/>
   </p:clrMapOvr>
-</p:sld>
-</file>
-
-<file path=ppt/slides/slide9.xml><?xml version="1.0" encoding="utf-8"?>
-<p:sld xmlns:a="http://schemas.openxmlformats.org/drawingml/2006/main" xmlns:r="http://schemas.openxmlformats.org/officeDocument/2006/relationships" xmlns:p="http://schemas.openxmlformats.org/presentationml/2006/main">
-  <p:cSld>
-    <p:spTree>
-      <p:nvGrpSpPr>
-        <p:cNvPr id="1" name=""/>
-        <p:cNvGrpSpPr/>
-        <p:nvPr/>
-      </p:nvGrpSpPr>
-      <p:grpSpPr>
-        <a:xfrm>
-          <a:off x="0" y="0"/>
-          <a:ext cx="0" cy="0"/>
-          <a:chOff x="0" y="0"/>
-          <a:chExt cx="0" cy="0"/>
-        </a:xfrm>
-      </p:grpSpPr>
-      <p:sp>
-        <p:nvSpPr>
-          <p:cNvPr id="2" name="Title 1">
-            <a:extLst>
-              <a:ext uri="{FF2B5EF4-FFF2-40B4-BE49-F238E27FC236}">
-                <a16:creationId xmlns:a16="http://schemas.microsoft.com/office/drawing/2014/main" id="{A95E2E6A-35EC-1B8E-0FD7-8C67870ACA64}"/>
-              </a:ext>
-            </a:extLst>
-          </p:cNvPr>
-          <p:cNvSpPr>
-            <a:spLocks noGrp="1"/>
-          </p:cNvSpPr>
-          <p:nvPr>
-            <p:ph type="title"/>
-          </p:nvPr>
-        </p:nvSpPr>
-        <p:spPr>
-          <a:xfrm>
-            <a:off x="2940802" y="233679"/>
-            <a:ext cx="8420100" cy="581981"/>
-          </a:xfrm>
-        </p:spPr>
-        <p:txBody>
-          <a:bodyPr/>
-          <a:lstStyle/>
-          <a:p>
-            <a:r>
-              <a:rPr lang="en-US" dirty="0"/>
-              <a:t>Distances</a:t>
-            </a:r>
-          </a:p>
-        </p:txBody>
-      </p:sp>
-      <p:sp>
-        <p:nvSpPr>
-          <p:cNvPr id="12" name="Text Placeholder 11">
-            <a:extLst>
-              <a:ext uri="{FF2B5EF4-FFF2-40B4-BE49-F238E27FC236}">
-                <a16:creationId xmlns:a16="http://schemas.microsoft.com/office/drawing/2014/main" id="{554B61B9-26F6-B304-92CD-03053DAAF2A8}"/>
-              </a:ext>
-            </a:extLst>
-          </p:cNvPr>
-          <p:cNvSpPr>
-            <a:spLocks noGrp="1"/>
-          </p:cNvSpPr>
-          <p:nvPr>
-            <p:ph type="body" idx="1"/>
-          </p:nvPr>
-        </p:nvSpPr>
-        <p:spPr>
-          <a:xfrm>
-            <a:off x="5408928" y="815660"/>
-            <a:ext cx="1374140" cy="464499"/>
-          </a:xfrm>
-        </p:spPr>
-        <p:txBody>
-          <a:bodyPr/>
-          <a:lstStyle/>
-          <a:p>
-            <a:pPr algn="ctr"/>
-            <a:r>
-              <a:rPr lang="en-US" dirty="0"/>
-              <a:t>Euclidean</a:t>
-            </a:r>
-          </a:p>
-        </p:txBody>
-      </p:sp>
-      <p:sp>
-        <p:nvSpPr>
-          <p:cNvPr id="8" name="Slide Number Placeholder 7">
-            <a:extLst>
-              <a:ext uri="{FF2B5EF4-FFF2-40B4-BE49-F238E27FC236}">
-                <a16:creationId xmlns:a16="http://schemas.microsoft.com/office/drawing/2014/main" id="{8F44A959-C2BB-9170-C99C-1A2EDB71B994}"/>
-              </a:ext>
-            </a:extLst>
-          </p:cNvPr>
-          <p:cNvSpPr>
-            <a:spLocks noGrp="1"/>
-          </p:cNvSpPr>
-          <p:nvPr>
-            <p:ph type="sldNum" sz="quarter" idx="12"/>
-          </p:nvPr>
-        </p:nvSpPr>
-        <p:spPr>
-          <a:xfrm>
-            <a:off x="10373350" y="6356349"/>
-            <a:ext cx="987552" cy="365125"/>
-          </a:xfrm>
-        </p:spPr>
-        <p:txBody>
-          <a:bodyPr/>
-          <a:lstStyle/>
-          <a:p>
-            <a:fld id="{A49DFD55-3C28-40EF-9E31-A92D2E4017FF}" type="slidenum">
-              <a:rPr lang="en-US" sz="1400" smtClean="0"/>
-              <a:pPr/>
-              <a:t>9</a:t>
-            </a:fld>
-            <a:endParaRPr lang="en-US" sz="1400" dirty="0"/>
-          </a:p>
-        </p:txBody>
-      </p:sp>
-      <p:pic>
-        <p:nvPicPr>
-          <p:cNvPr id="7" name="Image 1" descr="Une image contenant texte, capture d’écran, Tracé, diagramme&#10;&#10;Description générée automatiquement">
-            <a:extLst>
-              <a:ext uri="{FF2B5EF4-FFF2-40B4-BE49-F238E27FC236}">
-                <a16:creationId xmlns:a16="http://schemas.microsoft.com/office/drawing/2014/main" id="{29B765C2-AEF0-62F9-1F3F-6FE996E60877}"/>
-              </a:ext>
-            </a:extLst>
-          </p:cNvPr>
-          <p:cNvPicPr>
-            <a:picLocks noChangeAspect="1"/>
-          </p:cNvPicPr>
-          <p:nvPr/>
-        </p:nvPicPr>
-        <p:blipFill>
-          <a:blip r:embed="rId3"/>
-          <a:stretch>
-            <a:fillRect/>
-          </a:stretch>
-        </p:blipFill>
-        <p:spPr>
-          <a:xfrm>
-            <a:off x="666396" y="1280159"/>
-            <a:ext cx="10859208" cy="4772450"/>
-          </a:xfrm>
-          <a:prstGeom prst="rect">
-            <a:avLst/>
-          </a:prstGeom>
-        </p:spPr>
-      </p:pic>
-    </p:spTree>
-    <p:extLst>
-      <p:ext uri="{BB962C8B-B14F-4D97-AF65-F5344CB8AC3E}">
-        <p14:creationId xmlns:p14="http://schemas.microsoft.com/office/powerpoint/2010/main" val="103458723"/>
-      </p:ext>
-    </p:extLst>
-  </p:cSld>
-  <p:clrMapOvr>
-    <a:masterClrMapping/>
-  </p:clrMapOvr>
+  <p:timing>
+    <p:tnLst>
+      <p:par>
+        <p:cTn id="1" dur="indefinite" restart="never" nodeType="tmRoot">
+          <p:childTnLst>
+            <p:seq concurrent="1" nextAc="seek">
+              <p:cTn id="2" dur="indefinite" nodeType="mainSeq">
+                <p:childTnLst>
+                  <p:par>
+                    <p:cTn id="3" fill="hold">
+                      <p:stCondLst>
+                        <p:cond delay="indefinite"/>
+                      </p:stCondLst>
+                      <p:childTnLst>
+                        <p:par>
+                          <p:cTn id="4" fill="hold">
+                            <p:stCondLst>
+                              <p:cond delay="0"/>
+                            </p:stCondLst>
+                            <p:childTnLst>
+                              <p:par>
+                                <p:cTn id="5" presetID="10" presetClass="exit" presetSubtype="0" fill="hold" grpId="0" nodeType="clickEffect">
+                                  <p:stCondLst>
+                                    <p:cond delay="0"/>
+                                  </p:stCondLst>
+                                  <p:childTnLst>
+                                    <p:animEffect transition="out" filter="fade">
+                                      <p:cBhvr>
+                                        <p:cTn id="6" dur="500"/>
+                                        <p:tgtEl>
+                                          <p:spTgt spid="11"/>
+                                        </p:tgtEl>
+                                      </p:cBhvr>
+                                    </p:animEffect>
+                                    <p:set>
+                                      <p:cBhvr>
+                                        <p:cTn id="7" dur="1" fill="hold">
+                                          <p:stCondLst>
+                                            <p:cond delay="499"/>
+                                          </p:stCondLst>
+                                        </p:cTn>
+                                        <p:tgtEl>
+                                          <p:spTgt spid="11"/>
+                                        </p:tgtEl>
+                                        <p:attrNameLst>
+                                          <p:attrName>style.visibility</p:attrName>
+                                        </p:attrNameLst>
+                                      </p:cBhvr>
+                                      <p:to>
+                                        <p:strVal val="hidden"/>
+                                      </p:to>
+                                    </p:set>
+                                  </p:childTnLst>
+                                </p:cTn>
+                              </p:par>
+                            </p:childTnLst>
+                          </p:cTn>
+                        </p:par>
+                      </p:childTnLst>
+                    </p:cTn>
+                  </p:par>
+                </p:childTnLst>
+              </p:cTn>
+              <p:prevCondLst>
+                <p:cond evt="onPrev" delay="0">
+                  <p:tgtEl>
+                    <p:sldTgt/>
+                  </p:tgtEl>
+                </p:cond>
+              </p:prevCondLst>
+              <p:nextCondLst>
+                <p:cond evt="onNext" delay="0">
+                  <p:tgtEl>
+                    <p:sldTgt/>
+                  </p:tgtEl>
+                </p:cond>
+              </p:nextCondLst>
+            </p:seq>
+          </p:childTnLst>
+        </p:cTn>
+      </p:par>
+    </p:tnLst>
+    <p:bldLst>
+      <p:bldP spid="11" grpId="0"/>
+    </p:bldLst>
+  </p:timing>
 </p:sld>
 </file>
 
@@ -13474,6 +15275,15 @@
 </file>
 
 <file path=customXml/item2.xml><?xml version="1.0" encoding="utf-8"?>
+<?mso-contentType ?>
+<FormTemplates xmlns="http://schemas.microsoft.com/sharepoint/v3/contenttype/forms">
+  <Display>DocumentLibraryForm</Display>
+  <Edit>DocumentLibraryForm</Edit>
+  <New>DocumentLibraryForm</New>
+</FormTemplates>
+</file>
+
+<file path=customXml/item3.xml><?xml version="1.0" encoding="utf-8"?>
 <p:properties xmlns:p="http://schemas.microsoft.com/office/2006/metadata/properties" xmlns:xsi="http://www.w3.org/2001/XMLSchema-instance" xmlns:pc="http://schemas.microsoft.com/office/infopath/2007/PartnerControls">
   <documentManagement>
     <_ip_UnifiedCompliancePolicyUIAction xmlns="http://schemas.microsoft.com/sharepoint/v3" xsi:nil="true"/>
@@ -13491,15 +15301,6 @@
     <MediaServiceKeyPoints xmlns="71af3243-3dd4-4a8d-8c0d-dd76da1f02a5" xsi:nil="true"/>
   </documentManagement>
 </p:properties>
-</file>
-
-<file path=customXml/item3.xml><?xml version="1.0" encoding="utf-8"?>
-<?mso-contentType ?>
-<FormTemplates xmlns="http://schemas.microsoft.com/sharepoint/v3/contenttype/forms">
-  <Display>DocumentLibraryForm</Display>
-  <Edit>DocumentLibraryForm</Edit>
-  <New>DocumentLibraryForm</New>
-</FormTemplates>
 </file>
 
 <file path=customXml/itemProps1.xml><?xml version="1.0" encoding="utf-8"?>
@@ -13524,6 +15325,14 @@
 </file>
 
 <file path=customXml/itemProps2.xml><?xml version="1.0" encoding="utf-8"?>
+<ds:datastoreItem xmlns:ds="http://schemas.openxmlformats.org/officeDocument/2006/customXml" ds:itemID="{CABF691C-888B-4061-8A6F-D5CE84A0254B}">
+  <ds:schemaRefs>
+    <ds:schemaRef ds:uri="http://schemas.microsoft.com/sharepoint/v3/contenttype/forms"/>
+  </ds:schemaRefs>
+</ds:datastoreItem>
+</file>
+
+<file path=customXml/itemProps3.xml><?xml version="1.0" encoding="utf-8"?>
 <ds:datastoreItem xmlns:ds="http://schemas.openxmlformats.org/officeDocument/2006/customXml" ds:itemID="{49168DCE-134F-4610-A6AA-88CEBE8D71D2}">
   <ds:schemaRefs>
     <ds:schemaRef ds:uri="http://schemas.microsoft.com/office/2006/metadata/properties"/>
@@ -13535,14 +15344,6 @@
 </ds:datastoreItem>
 </file>
 
-<file path=customXml/itemProps3.xml><?xml version="1.0" encoding="utf-8"?>
-<ds:datastoreItem xmlns:ds="http://schemas.openxmlformats.org/officeDocument/2006/customXml" ds:itemID="{CABF691C-888B-4061-8A6F-D5CE84A0254B}">
-  <ds:schemaRefs>
-    <ds:schemaRef ds:uri="http://schemas.microsoft.com/sharepoint/v3/contenttype/forms"/>
-  </ds:schemaRefs>
-</ds:datastoreItem>
-</file>
-
 <file path=docMetadata/LabelInfo.xml><?xml version="1.0" encoding="utf-8"?>
 <clbl:labelList xmlns:clbl="http://schemas.microsoft.com/office/2020/mipLabelMetadata"/>
 </file>
--- a/Spotiflop_ML.pptx
+++ b/Spotiflop_ML.pptx
@@ -330,7 +330,7 @@
           <a:p>
             <a:fld id="{28EEFA9E-C190-4F5C-8394-BD5F1CD55C02}" type="slidenum">
               <a:rPr lang="en-US" smtClean="0"/>
-              <a:t>‹N°›</a:t>
+              <a:t>‹#›</a:t>
             </a:fld>
             <a:endParaRPr lang="en-US" dirty="0"/>
           </a:p>
@@ -587,7 +587,7 @@
           <a:p>
             <a:fld id="{22289C57-55D7-40A4-A101-E74FAC7A092B}" type="slidenum">
               <a:rPr lang="en-US" smtClean="0"/>
-              <a:t>‹N°›</a:t>
+              <a:t>‹#›</a:t>
             </a:fld>
             <a:endParaRPr lang="en-US" dirty="0"/>
           </a:p>
@@ -2582,7 +2582,7 @@
             <a:fld id="{A49DFD55-3C28-40EF-9E31-A92D2E4017FF}" type="slidenum">
               <a:rPr lang="en-US" smtClean="0"/>
               <a:pPr/>
-              <a:t>‹N°›</a:t>
+              <a:t>‹#›</a:t>
             </a:fld>
             <a:endParaRPr lang="en-US" dirty="0"/>
           </a:p>
@@ -3229,7 +3229,7 @@
             <a:fld id="{A49DFD55-3C28-40EF-9E31-A92D2E4017FF}" type="slidenum">
               <a:rPr lang="en-US" smtClean="0"/>
               <a:pPr/>
-              <a:t>‹N°›</a:t>
+              <a:t>‹#›</a:t>
             </a:fld>
             <a:endParaRPr lang="en-US" dirty="0"/>
           </a:p>
@@ -3575,7 +3575,7 @@
             <a:fld id="{A49DFD55-3C28-40EF-9E31-A92D2E4017FF}" type="slidenum">
               <a:rPr lang="en-US" smtClean="0"/>
               <a:pPr/>
-              <a:t>‹N°›</a:t>
+              <a:t>‹#›</a:t>
             </a:fld>
             <a:endParaRPr lang="en-US" dirty="0"/>
           </a:p>
@@ -3850,7 +3850,7 @@
             <a:fld id="{A49DFD55-3C28-40EF-9E31-A92D2E4017FF}" type="slidenum">
               <a:rPr lang="en-US" smtClean="0"/>
               <a:pPr/>
-              <a:t>‹N°›</a:t>
+              <a:t>‹#›</a:t>
             </a:fld>
             <a:endParaRPr lang="en-US" dirty="0"/>
           </a:p>
@@ -4180,7 +4180,7 @@
             <a:fld id="{A49DFD55-3C28-40EF-9E31-A92D2E4017FF}" type="slidenum">
               <a:rPr lang="en-US" smtClean="0"/>
               <a:pPr/>
-              <a:t>‹N°›</a:t>
+              <a:t>‹#›</a:t>
             </a:fld>
             <a:endParaRPr lang="en-US" dirty="0"/>
           </a:p>
@@ -5050,7 +5050,7 @@
             <a:fld id="{A49DFD55-3C28-40EF-9E31-A92D2E4017FF}" type="slidenum">
               <a:rPr lang="en-US" smtClean="0"/>
               <a:pPr/>
-              <a:t>‹N°›</a:t>
+              <a:t>‹#›</a:t>
             </a:fld>
             <a:endParaRPr lang="en-US" dirty="0"/>
           </a:p>
@@ -5762,7 +5762,7 @@
             <a:fld id="{A49DFD55-3C28-40EF-9E31-A92D2E4017FF}" type="slidenum">
               <a:rPr lang="en-US" smtClean="0"/>
               <a:pPr/>
-              <a:t>‹N°›</a:t>
+              <a:t>‹#›</a:t>
             </a:fld>
             <a:endParaRPr lang="en-US" dirty="0"/>
           </a:p>
@@ -6417,7 +6417,7 @@
             <a:fld id="{A49DFD55-3C28-40EF-9E31-A92D2E4017FF}" type="slidenum">
               <a:rPr lang="en-US" smtClean="0"/>
               <a:pPr/>
-              <a:t>‹N°›</a:t>
+              <a:t>‹#›</a:t>
             </a:fld>
             <a:endParaRPr lang="en-US" dirty="0"/>
           </a:p>
@@ -6806,7 +6806,7 @@
             <a:fld id="{A49DFD55-3C28-40EF-9E31-A92D2E4017FF}" type="slidenum">
               <a:rPr lang="en-US" smtClean="0"/>
               <a:pPr/>
-              <a:t>‹N°›</a:t>
+              <a:t>‹#›</a:t>
             </a:fld>
             <a:endParaRPr lang="en-US" dirty="0"/>
           </a:p>
@@ -7212,7 +7212,7 @@
           <a:p>
             <a:fld id="{A49DFD55-3C28-40EF-9E31-A92D2E4017FF}" type="slidenum">
               <a:rPr lang="en-US" smtClean="0"/>
-              <a:t>‹N°›</a:t>
+              <a:t>‹#›</a:t>
             </a:fld>
             <a:endParaRPr lang="en-US" dirty="0"/>
           </a:p>
@@ -9718,6 +9718,384 @@
   <p:clrMapOvr>
     <a:masterClrMapping/>
   </p:clrMapOvr>
+  <p:transition spd="med">
+    <p:pull/>
+  </p:transition>
+  <p:timing>
+    <p:tnLst>
+      <p:par>
+        <p:cTn id="1" dur="indefinite" restart="never" nodeType="tmRoot">
+          <p:childTnLst>
+            <p:seq concurrent="1" nextAc="seek">
+              <p:cTn id="2" dur="indefinite" nodeType="mainSeq">
+                <p:childTnLst>
+                  <p:par>
+                    <p:cTn id="3" fill="hold">
+                      <p:stCondLst>
+                        <p:cond delay="indefinite"/>
+                      </p:stCondLst>
+                      <p:childTnLst>
+                        <p:par>
+                          <p:cTn id="4" fill="hold">
+                            <p:stCondLst>
+                              <p:cond delay="0"/>
+                            </p:stCondLst>
+                            <p:childTnLst>
+                              <p:par>
+                                <p:cTn id="5" presetID="42" presetClass="entr" presetSubtype="0" fill="hold" nodeType="clickEffect">
+                                  <p:stCondLst>
+                                    <p:cond delay="0"/>
+                                  </p:stCondLst>
+                                  <p:childTnLst>
+                                    <p:set>
+                                      <p:cBhvr>
+                                        <p:cTn id="6" dur="1" fill="hold">
+                                          <p:stCondLst>
+                                            <p:cond delay="0"/>
+                                          </p:stCondLst>
+                                        </p:cTn>
+                                        <p:tgtEl>
+                                          <p:spTgt spid="6">
+                                            <p:txEl>
+                                              <p:pRg st="0" end="0"/>
+                                            </p:txEl>
+                                          </p:spTgt>
+                                        </p:tgtEl>
+                                        <p:attrNameLst>
+                                          <p:attrName>style.visibility</p:attrName>
+                                        </p:attrNameLst>
+                                      </p:cBhvr>
+                                      <p:to>
+                                        <p:strVal val="visible"/>
+                                      </p:to>
+                                    </p:set>
+                                    <p:animEffect transition="in" filter="fade">
+                                      <p:cBhvr>
+                                        <p:cTn id="7" dur="250"/>
+                                        <p:tgtEl>
+                                          <p:spTgt spid="6">
+                                            <p:txEl>
+                                              <p:pRg st="0" end="0"/>
+                                            </p:txEl>
+                                          </p:spTgt>
+                                        </p:tgtEl>
+                                      </p:cBhvr>
+                                    </p:animEffect>
+                                    <p:anim calcmode="lin" valueType="num">
+                                      <p:cBhvr>
+                                        <p:cTn id="8" dur="250" fill="hold"/>
+                                        <p:tgtEl>
+                                          <p:spTgt spid="6">
+                                            <p:txEl>
+                                              <p:pRg st="0" end="0"/>
+                                            </p:txEl>
+                                          </p:spTgt>
+                                        </p:tgtEl>
+                                        <p:attrNameLst>
+                                          <p:attrName>ppt_x</p:attrName>
+                                        </p:attrNameLst>
+                                      </p:cBhvr>
+                                      <p:tavLst>
+                                        <p:tav tm="0">
+                                          <p:val>
+                                            <p:strVal val="#ppt_x"/>
+                                          </p:val>
+                                        </p:tav>
+                                        <p:tav tm="100000">
+                                          <p:val>
+                                            <p:strVal val="#ppt_x"/>
+                                          </p:val>
+                                        </p:tav>
+                                      </p:tavLst>
+                                    </p:anim>
+                                    <p:anim calcmode="lin" valueType="num">
+                                      <p:cBhvr>
+                                        <p:cTn id="9" dur="250" fill="hold"/>
+                                        <p:tgtEl>
+                                          <p:spTgt spid="6">
+                                            <p:txEl>
+                                              <p:pRg st="0" end="0"/>
+                                            </p:txEl>
+                                          </p:spTgt>
+                                        </p:tgtEl>
+                                        <p:attrNameLst>
+                                          <p:attrName>ppt_y</p:attrName>
+                                        </p:attrNameLst>
+                                      </p:cBhvr>
+                                      <p:tavLst>
+                                        <p:tav tm="0">
+                                          <p:val>
+                                            <p:strVal val="#ppt_y+.1"/>
+                                          </p:val>
+                                        </p:tav>
+                                        <p:tav tm="100000">
+                                          <p:val>
+                                            <p:strVal val="#ppt_y"/>
+                                          </p:val>
+                                        </p:tav>
+                                      </p:tavLst>
+                                    </p:anim>
+                                  </p:childTnLst>
+                                </p:cTn>
+                              </p:par>
+                            </p:childTnLst>
+                          </p:cTn>
+                        </p:par>
+                      </p:childTnLst>
+                    </p:cTn>
+                  </p:par>
+                  <p:par>
+                    <p:cTn id="10" fill="hold">
+                      <p:stCondLst>
+                        <p:cond delay="indefinite"/>
+                      </p:stCondLst>
+                      <p:childTnLst>
+                        <p:par>
+                          <p:cTn id="11" fill="hold">
+                            <p:stCondLst>
+                              <p:cond delay="0"/>
+                            </p:stCondLst>
+                            <p:childTnLst>
+                              <p:par>
+                                <p:cTn id="12" presetID="42" presetClass="entr" presetSubtype="0" fill="hold" nodeType="clickEffect">
+                                  <p:stCondLst>
+                                    <p:cond delay="0"/>
+                                  </p:stCondLst>
+                                  <p:childTnLst>
+                                    <p:set>
+                                      <p:cBhvr>
+                                        <p:cTn id="13" dur="1" fill="hold">
+                                          <p:stCondLst>
+                                            <p:cond delay="0"/>
+                                          </p:stCondLst>
+                                        </p:cTn>
+                                        <p:tgtEl>
+                                          <p:spTgt spid="6">
+                                            <p:txEl>
+                                              <p:pRg st="1" end="1"/>
+                                            </p:txEl>
+                                          </p:spTgt>
+                                        </p:tgtEl>
+                                        <p:attrNameLst>
+                                          <p:attrName>style.visibility</p:attrName>
+                                        </p:attrNameLst>
+                                      </p:cBhvr>
+                                      <p:to>
+                                        <p:strVal val="visible"/>
+                                      </p:to>
+                                    </p:set>
+                                    <p:animEffect transition="in" filter="fade">
+                                      <p:cBhvr>
+                                        <p:cTn id="14" dur="250"/>
+                                        <p:tgtEl>
+                                          <p:spTgt spid="6">
+                                            <p:txEl>
+                                              <p:pRg st="1" end="1"/>
+                                            </p:txEl>
+                                          </p:spTgt>
+                                        </p:tgtEl>
+                                      </p:cBhvr>
+                                    </p:animEffect>
+                                    <p:anim calcmode="lin" valueType="num">
+                                      <p:cBhvr>
+                                        <p:cTn id="15" dur="250" fill="hold"/>
+                                        <p:tgtEl>
+                                          <p:spTgt spid="6">
+                                            <p:txEl>
+                                              <p:pRg st="1" end="1"/>
+                                            </p:txEl>
+                                          </p:spTgt>
+                                        </p:tgtEl>
+                                        <p:attrNameLst>
+                                          <p:attrName>ppt_x</p:attrName>
+                                        </p:attrNameLst>
+                                      </p:cBhvr>
+                                      <p:tavLst>
+                                        <p:tav tm="0">
+                                          <p:val>
+                                            <p:strVal val="#ppt_x"/>
+                                          </p:val>
+                                        </p:tav>
+                                        <p:tav tm="100000">
+                                          <p:val>
+                                            <p:strVal val="#ppt_x"/>
+                                          </p:val>
+                                        </p:tav>
+                                      </p:tavLst>
+                                    </p:anim>
+                                    <p:anim calcmode="lin" valueType="num">
+                                      <p:cBhvr>
+                                        <p:cTn id="16" dur="250" fill="hold"/>
+                                        <p:tgtEl>
+                                          <p:spTgt spid="6">
+                                            <p:txEl>
+                                              <p:pRg st="1" end="1"/>
+                                            </p:txEl>
+                                          </p:spTgt>
+                                        </p:tgtEl>
+                                        <p:attrNameLst>
+                                          <p:attrName>ppt_y</p:attrName>
+                                        </p:attrNameLst>
+                                      </p:cBhvr>
+                                      <p:tavLst>
+                                        <p:tav tm="0">
+                                          <p:val>
+                                            <p:strVal val="#ppt_y+.1"/>
+                                          </p:val>
+                                        </p:tav>
+                                        <p:tav tm="100000">
+                                          <p:val>
+                                            <p:strVal val="#ppt_y"/>
+                                          </p:val>
+                                        </p:tav>
+                                      </p:tavLst>
+                                    </p:anim>
+                                  </p:childTnLst>
+                                </p:cTn>
+                              </p:par>
+                            </p:childTnLst>
+                          </p:cTn>
+                        </p:par>
+                      </p:childTnLst>
+                    </p:cTn>
+                  </p:par>
+                  <p:par>
+                    <p:cTn id="17" fill="hold">
+                      <p:stCondLst>
+                        <p:cond delay="indefinite"/>
+                      </p:stCondLst>
+                      <p:childTnLst>
+                        <p:par>
+                          <p:cTn id="18" fill="hold">
+                            <p:stCondLst>
+                              <p:cond delay="0"/>
+                            </p:stCondLst>
+                            <p:childTnLst>
+                              <p:par>
+                                <p:cTn id="19" presetID="42" presetClass="entr" presetSubtype="0" fill="hold" nodeType="clickEffect">
+                                  <p:stCondLst>
+                                    <p:cond delay="0"/>
+                                  </p:stCondLst>
+                                  <p:childTnLst>
+                                    <p:set>
+                                      <p:cBhvr>
+                                        <p:cTn id="20" dur="1" fill="hold">
+                                          <p:stCondLst>
+                                            <p:cond delay="0"/>
+                                          </p:stCondLst>
+                                        </p:cTn>
+                                        <p:tgtEl>
+                                          <p:spTgt spid="6">
+                                            <p:txEl>
+                                              <p:pRg st="2" end="2"/>
+                                            </p:txEl>
+                                          </p:spTgt>
+                                        </p:tgtEl>
+                                        <p:attrNameLst>
+                                          <p:attrName>style.visibility</p:attrName>
+                                        </p:attrNameLst>
+                                      </p:cBhvr>
+                                      <p:to>
+                                        <p:strVal val="visible"/>
+                                      </p:to>
+                                    </p:set>
+                                    <p:animEffect transition="in" filter="fade">
+                                      <p:cBhvr>
+                                        <p:cTn id="21" dur="250"/>
+                                        <p:tgtEl>
+                                          <p:spTgt spid="6">
+                                            <p:txEl>
+                                              <p:pRg st="2" end="2"/>
+                                            </p:txEl>
+                                          </p:spTgt>
+                                        </p:tgtEl>
+                                      </p:cBhvr>
+                                    </p:animEffect>
+                                    <p:anim calcmode="lin" valueType="num">
+                                      <p:cBhvr>
+                                        <p:cTn id="22" dur="250" fill="hold"/>
+                                        <p:tgtEl>
+                                          <p:spTgt spid="6">
+                                            <p:txEl>
+                                              <p:pRg st="2" end="2"/>
+                                            </p:txEl>
+                                          </p:spTgt>
+                                        </p:tgtEl>
+                                        <p:attrNameLst>
+                                          <p:attrName>ppt_x</p:attrName>
+                                        </p:attrNameLst>
+                                      </p:cBhvr>
+                                      <p:tavLst>
+                                        <p:tav tm="0">
+                                          <p:val>
+                                            <p:strVal val="#ppt_x"/>
+                                          </p:val>
+                                        </p:tav>
+                                        <p:tav tm="100000">
+                                          <p:val>
+                                            <p:strVal val="#ppt_x"/>
+                                          </p:val>
+                                        </p:tav>
+                                      </p:tavLst>
+                                    </p:anim>
+                                    <p:anim calcmode="lin" valueType="num">
+                                      <p:cBhvr>
+                                        <p:cTn id="23" dur="250" fill="hold"/>
+                                        <p:tgtEl>
+                                          <p:spTgt spid="6">
+                                            <p:txEl>
+                                              <p:pRg st="2" end="2"/>
+                                            </p:txEl>
+                                          </p:spTgt>
+                                        </p:tgtEl>
+                                        <p:attrNameLst>
+                                          <p:attrName>ppt_y</p:attrName>
+                                        </p:attrNameLst>
+                                      </p:cBhvr>
+                                      <p:tavLst>
+                                        <p:tav tm="0">
+                                          <p:val>
+                                            <p:strVal val="#ppt_y+.1"/>
+                                          </p:val>
+                                        </p:tav>
+                                        <p:tav tm="100000">
+                                          <p:val>
+                                            <p:strVal val="#ppt_y"/>
+                                          </p:val>
+                                        </p:tav>
+                                      </p:tavLst>
+                                    </p:anim>
+                                  </p:childTnLst>
+                                </p:cTn>
+                              </p:par>
+                            </p:childTnLst>
+                          </p:cTn>
+                        </p:par>
+                      </p:childTnLst>
+                    </p:cTn>
+                  </p:par>
+                </p:childTnLst>
+              </p:cTn>
+              <p:prevCondLst>
+                <p:cond evt="onPrev" delay="0">
+                  <p:tgtEl>
+                    <p:sldTgt/>
+                  </p:tgtEl>
+                </p:cond>
+              </p:prevCondLst>
+              <p:nextCondLst>
+                <p:cond evt="onNext" delay="0">
+                  <p:tgtEl>
+                    <p:sldTgt/>
+                  </p:tgtEl>
+                </p:cond>
+              </p:nextCondLst>
+            </p:seq>
+          </p:childTnLst>
+        </p:cTn>
+      </p:par>
+    </p:tnLst>
+  </p:timing>
 </p:sld>
 </file>
 
@@ -10078,6 +10456,357 @@
   <p:clrMapOvr>
     <a:masterClrMapping/>
   </p:clrMapOvr>
+  <mc:AlternateContent xmlns:mc="http://schemas.openxmlformats.org/markup-compatibility/2006">
+    <mc:Choice xmlns:p14="http://schemas.microsoft.com/office/powerpoint/2010/main" Requires="p14">
+      <p:transition spd="med" p14:dur="700">
+        <p:fade/>
+      </p:transition>
+    </mc:Choice>
+    <mc:Fallback>
+      <p:transition spd="med">
+        <p:fade/>
+      </p:transition>
+    </mc:Fallback>
+  </mc:AlternateContent>
+  <p:timing>
+    <p:tnLst>
+      <p:par>
+        <p:cTn id="1" dur="indefinite" restart="never" nodeType="tmRoot">
+          <p:childTnLst>
+            <p:seq concurrent="1" nextAc="seek">
+              <p:cTn id="2" dur="indefinite" nodeType="mainSeq">
+                <p:childTnLst>
+                  <p:par>
+                    <p:cTn id="3" fill="hold">
+                      <p:stCondLst>
+                        <p:cond delay="indefinite"/>
+                      </p:stCondLst>
+                      <p:childTnLst>
+                        <p:par>
+                          <p:cTn id="4" fill="hold">
+                            <p:stCondLst>
+                              <p:cond delay="0"/>
+                            </p:stCondLst>
+                            <p:childTnLst>
+                              <p:par>
+                                <p:cTn id="5" presetID="2" presetClass="entr" presetSubtype="8" fill="hold" nodeType="clickEffect">
+                                  <p:stCondLst>
+                                    <p:cond delay="0"/>
+                                  </p:stCondLst>
+                                  <p:childTnLst>
+                                    <p:set>
+                                      <p:cBhvr>
+                                        <p:cTn id="6" dur="1" fill="hold">
+                                          <p:stCondLst>
+                                            <p:cond delay="0"/>
+                                          </p:stCondLst>
+                                        </p:cTn>
+                                        <p:tgtEl>
+                                          <p:spTgt spid="11">
+                                            <p:txEl>
+                                              <p:pRg st="0" end="0"/>
+                                            </p:txEl>
+                                          </p:spTgt>
+                                        </p:tgtEl>
+                                        <p:attrNameLst>
+                                          <p:attrName>style.visibility</p:attrName>
+                                        </p:attrNameLst>
+                                      </p:cBhvr>
+                                      <p:to>
+                                        <p:strVal val="visible"/>
+                                      </p:to>
+                                    </p:set>
+                                    <p:anim calcmode="lin" valueType="num">
+                                      <p:cBhvr additive="base">
+                                        <p:cTn id="7" dur="250" fill="hold"/>
+                                        <p:tgtEl>
+                                          <p:spTgt spid="11">
+                                            <p:txEl>
+                                              <p:pRg st="0" end="0"/>
+                                            </p:txEl>
+                                          </p:spTgt>
+                                        </p:tgtEl>
+                                        <p:attrNameLst>
+                                          <p:attrName>ppt_x</p:attrName>
+                                        </p:attrNameLst>
+                                      </p:cBhvr>
+                                      <p:tavLst>
+                                        <p:tav tm="0">
+                                          <p:val>
+                                            <p:strVal val="0-#ppt_w/2"/>
+                                          </p:val>
+                                        </p:tav>
+                                        <p:tav tm="100000">
+                                          <p:val>
+                                            <p:strVal val="#ppt_x"/>
+                                          </p:val>
+                                        </p:tav>
+                                      </p:tavLst>
+                                    </p:anim>
+                                    <p:anim calcmode="lin" valueType="num">
+                                      <p:cBhvr additive="base">
+                                        <p:cTn id="8" dur="250" fill="hold"/>
+                                        <p:tgtEl>
+                                          <p:spTgt spid="11">
+                                            <p:txEl>
+                                              <p:pRg st="0" end="0"/>
+                                            </p:txEl>
+                                          </p:spTgt>
+                                        </p:tgtEl>
+                                        <p:attrNameLst>
+                                          <p:attrName>ppt_y</p:attrName>
+                                        </p:attrNameLst>
+                                      </p:cBhvr>
+                                      <p:tavLst>
+                                        <p:tav tm="0">
+                                          <p:val>
+                                            <p:strVal val="#ppt_y"/>
+                                          </p:val>
+                                        </p:tav>
+                                        <p:tav tm="100000">
+                                          <p:val>
+                                            <p:strVal val="#ppt_y"/>
+                                          </p:val>
+                                        </p:tav>
+                                      </p:tavLst>
+                                    </p:anim>
+                                  </p:childTnLst>
+                                </p:cTn>
+                              </p:par>
+                            </p:childTnLst>
+                          </p:cTn>
+                        </p:par>
+                      </p:childTnLst>
+                    </p:cTn>
+                  </p:par>
+                  <p:par>
+                    <p:cTn id="9" fill="hold">
+                      <p:stCondLst>
+                        <p:cond delay="indefinite"/>
+                      </p:stCondLst>
+                      <p:childTnLst>
+                        <p:par>
+                          <p:cTn id="10" fill="hold">
+                            <p:stCondLst>
+                              <p:cond delay="0"/>
+                            </p:stCondLst>
+                            <p:childTnLst>
+                              <p:par>
+                                <p:cTn id="11" presetID="2" presetClass="entr" presetSubtype="8" fill="hold" nodeType="clickEffect">
+                                  <p:stCondLst>
+                                    <p:cond delay="0"/>
+                                  </p:stCondLst>
+                                  <p:childTnLst>
+                                    <p:set>
+                                      <p:cBhvr>
+                                        <p:cTn id="12" dur="1" fill="hold">
+                                          <p:stCondLst>
+                                            <p:cond delay="0"/>
+                                          </p:stCondLst>
+                                        </p:cTn>
+                                        <p:tgtEl>
+                                          <p:spTgt spid="11">
+                                            <p:txEl>
+                                              <p:pRg st="1" end="1"/>
+                                            </p:txEl>
+                                          </p:spTgt>
+                                        </p:tgtEl>
+                                        <p:attrNameLst>
+                                          <p:attrName>style.visibility</p:attrName>
+                                        </p:attrNameLst>
+                                      </p:cBhvr>
+                                      <p:to>
+                                        <p:strVal val="visible"/>
+                                      </p:to>
+                                    </p:set>
+                                    <p:anim calcmode="lin" valueType="num">
+                                      <p:cBhvr additive="base">
+                                        <p:cTn id="13" dur="250" fill="hold"/>
+                                        <p:tgtEl>
+                                          <p:spTgt spid="11">
+                                            <p:txEl>
+                                              <p:pRg st="1" end="1"/>
+                                            </p:txEl>
+                                          </p:spTgt>
+                                        </p:tgtEl>
+                                        <p:attrNameLst>
+                                          <p:attrName>ppt_x</p:attrName>
+                                        </p:attrNameLst>
+                                      </p:cBhvr>
+                                      <p:tavLst>
+                                        <p:tav tm="0">
+                                          <p:val>
+                                            <p:strVal val="0-#ppt_w/2"/>
+                                          </p:val>
+                                        </p:tav>
+                                        <p:tav tm="100000">
+                                          <p:val>
+                                            <p:strVal val="#ppt_x"/>
+                                          </p:val>
+                                        </p:tav>
+                                      </p:tavLst>
+                                    </p:anim>
+                                    <p:anim calcmode="lin" valueType="num">
+                                      <p:cBhvr additive="base">
+                                        <p:cTn id="14" dur="250" fill="hold"/>
+                                        <p:tgtEl>
+                                          <p:spTgt spid="11">
+                                            <p:txEl>
+                                              <p:pRg st="1" end="1"/>
+                                            </p:txEl>
+                                          </p:spTgt>
+                                        </p:tgtEl>
+                                        <p:attrNameLst>
+                                          <p:attrName>ppt_y</p:attrName>
+                                        </p:attrNameLst>
+                                      </p:cBhvr>
+                                      <p:tavLst>
+                                        <p:tav tm="0">
+                                          <p:val>
+                                            <p:strVal val="#ppt_y"/>
+                                          </p:val>
+                                        </p:tav>
+                                        <p:tav tm="100000">
+                                          <p:val>
+                                            <p:strVal val="#ppt_y"/>
+                                          </p:val>
+                                        </p:tav>
+                                      </p:tavLst>
+                                    </p:anim>
+                                  </p:childTnLst>
+                                </p:cTn>
+                              </p:par>
+                            </p:childTnLst>
+                          </p:cTn>
+                        </p:par>
+                      </p:childTnLst>
+                    </p:cTn>
+                  </p:par>
+                  <p:par>
+                    <p:cTn id="15" fill="hold">
+                      <p:stCondLst>
+                        <p:cond delay="indefinite"/>
+                      </p:stCondLst>
+                      <p:childTnLst>
+                        <p:par>
+                          <p:cTn id="16" fill="hold">
+                            <p:stCondLst>
+                              <p:cond delay="0"/>
+                            </p:stCondLst>
+                            <p:childTnLst>
+                              <p:par>
+                                <p:cTn id="17" presetID="2" presetClass="entr" presetSubtype="8" fill="hold" nodeType="clickEffect">
+                                  <p:stCondLst>
+                                    <p:cond delay="0"/>
+                                  </p:stCondLst>
+                                  <p:childTnLst>
+                                    <p:set>
+                                      <p:cBhvr>
+                                        <p:cTn id="18" dur="1" fill="hold">
+                                          <p:stCondLst>
+                                            <p:cond delay="0"/>
+                                          </p:stCondLst>
+                                        </p:cTn>
+                                        <p:tgtEl>
+                                          <p:spTgt spid="11">
+                                            <p:txEl>
+                                              <p:pRg st="2" end="2"/>
+                                            </p:txEl>
+                                          </p:spTgt>
+                                        </p:tgtEl>
+                                        <p:attrNameLst>
+                                          <p:attrName>style.visibility</p:attrName>
+                                        </p:attrNameLst>
+                                      </p:cBhvr>
+                                      <p:to>
+                                        <p:strVal val="visible"/>
+                                      </p:to>
+                                    </p:set>
+                                    <p:anim calcmode="lin" valueType="num">
+                                      <p:cBhvr additive="base">
+                                        <p:cTn id="19" dur="250" fill="hold"/>
+                                        <p:tgtEl>
+                                          <p:spTgt spid="11">
+                                            <p:txEl>
+                                              <p:pRg st="2" end="2"/>
+                                            </p:txEl>
+                                          </p:spTgt>
+                                        </p:tgtEl>
+                                        <p:attrNameLst>
+                                          <p:attrName>ppt_x</p:attrName>
+                                        </p:attrNameLst>
+                                      </p:cBhvr>
+                                      <p:tavLst>
+                                        <p:tav tm="0">
+                                          <p:val>
+                                            <p:strVal val="0-#ppt_w/2"/>
+                                          </p:val>
+                                        </p:tav>
+                                        <p:tav tm="100000">
+                                          <p:val>
+                                            <p:strVal val="#ppt_x"/>
+                                          </p:val>
+                                        </p:tav>
+                                      </p:tavLst>
+                                    </p:anim>
+                                    <p:anim calcmode="lin" valueType="num">
+                                      <p:cBhvr additive="base">
+                                        <p:cTn id="20" dur="250" fill="hold"/>
+                                        <p:tgtEl>
+                                          <p:spTgt spid="11">
+                                            <p:txEl>
+                                              <p:pRg st="2" end="2"/>
+                                            </p:txEl>
+                                          </p:spTgt>
+                                        </p:tgtEl>
+                                        <p:attrNameLst>
+                                          <p:attrName>ppt_y</p:attrName>
+                                        </p:attrNameLst>
+                                      </p:cBhvr>
+                                      <p:tavLst>
+                                        <p:tav tm="0">
+                                          <p:val>
+                                            <p:strVal val="#ppt_y"/>
+                                          </p:val>
+                                        </p:tav>
+                                        <p:tav tm="100000">
+                                          <p:val>
+                                            <p:strVal val="#ppt_y"/>
+                                          </p:val>
+                                        </p:tav>
+                                      </p:tavLst>
+                                    </p:anim>
+                                  </p:childTnLst>
+                                </p:cTn>
+                              </p:par>
+                            </p:childTnLst>
+                          </p:cTn>
+                        </p:par>
+                      </p:childTnLst>
+                    </p:cTn>
+                  </p:par>
+                </p:childTnLst>
+              </p:cTn>
+              <p:prevCondLst>
+                <p:cond evt="onPrev" delay="0">
+                  <p:tgtEl>
+                    <p:sldTgt/>
+                  </p:tgtEl>
+                </p:cond>
+              </p:prevCondLst>
+              <p:nextCondLst>
+                <p:cond evt="onNext" delay="0">
+                  <p:tgtEl>
+                    <p:sldTgt/>
+                  </p:tgtEl>
+                </p:cond>
+              </p:nextCondLst>
+            </p:seq>
+          </p:childTnLst>
+        </p:cTn>
+      </p:par>
+    </p:tnLst>
+  </p:timing>
 </p:sld>
 </file>
 
@@ -10650,6 +11379,451 @@
   <p:clrMapOvr>
     <a:masterClrMapping/>
   </p:clrMapOvr>
+  <p:transition spd="slow">
+    <p:push dir="u"/>
+  </p:transition>
+  <p:timing>
+    <p:tnLst>
+      <p:par>
+        <p:cTn id="1" dur="indefinite" restart="never" nodeType="tmRoot">
+          <p:childTnLst>
+            <p:seq concurrent="1" nextAc="seek">
+              <p:cTn id="2" dur="indefinite" nodeType="mainSeq">
+                <p:childTnLst>
+                  <p:par>
+                    <p:cTn id="3" fill="hold">
+                      <p:stCondLst>
+                        <p:cond delay="indefinite"/>
+                      </p:stCondLst>
+                      <p:childTnLst>
+                        <p:par>
+                          <p:cTn id="4" fill="hold">
+                            <p:stCondLst>
+                              <p:cond delay="0"/>
+                            </p:stCondLst>
+                            <p:childTnLst>
+                              <p:par>
+                                <p:cTn id="5" presetID="2" presetClass="entr" presetSubtype="2" fill="hold" nodeType="clickEffect">
+                                  <p:stCondLst>
+                                    <p:cond delay="0"/>
+                                  </p:stCondLst>
+                                  <p:childTnLst>
+                                    <p:set>
+                                      <p:cBhvr>
+                                        <p:cTn id="6" dur="1" fill="hold">
+                                          <p:stCondLst>
+                                            <p:cond delay="0"/>
+                                          </p:stCondLst>
+                                        </p:cTn>
+                                        <p:tgtEl>
+                                          <p:spTgt spid="3">
+                                            <p:txEl>
+                                              <p:pRg st="0" end="0"/>
+                                            </p:txEl>
+                                          </p:spTgt>
+                                        </p:tgtEl>
+                                        <p:attrNameLst>
+                                          <p:attrName>style.visibility</p:attrName>
+                                        </p:attrNameLst>
+                                      </p:cBhvr>
+                                      <p:to>
+                                        <p:strVal val="visible"/>
+                                      </p:to>
+                                    </p:set>
+                                    <p:anim calcmode="lin" valueType="num">
+                                      <p:cBhvr additive="base">
+                                        <p:cTn id="7" dur="250" fill="hold"/>
+                                        <p:tgtEl>
+                                          <p:spTgt spid="3">
+                                            <p:txEl>
+                                              <p:pRg st="0" end="0"/>
+                                            </p:txEl>
+                                          </p:spTgt>
+                                        </p:tgtEl>
+                                        <p:attrNameLst>
+                                          <p:attrName>ppt_x</p:attrName>
+                                        </p:attrNameLst>
+                                      </p:cBhvr>
+                                      <p:tavLst>
+                                        <p:tav tm="0">
+                                          <p:val>
+                                            <p:strVal val="1+#ppt_w/2"/>
+                                          </p:val>
+                                        </p:tav>
+                                        <p:tav tm="100000">
+                                          <p:val>
+                                            <p:strVal val="#ppt_x"/>
+                                          </p:val>
+                                        </p:tav>
+                                      </p:tavLst>
+                                    </p:anim>
+                                    <p:anim calcmode="lin" valueType="num">
+                                      <p:cBhvr additive="base">
+                                        <p:cTn id="8" dur="250" fill="hold"/>
+                                        <p:tgtEl>
+                                          <p:spTgt spid="3">
+                                            <p:txEl>
+                                              <p:pRg st="0" end="0"/>
+                                            </p:txEl>
+                                          </p:spTgt>
+                                        </p:tgtEl>
+                                        <p:attrNameLst>
+                                          <p:attrName>ppt_y</p:attrName>
+                                        </p:attrNameLst>
+                                      </p:cBhvr>
+                                      <p:tavLst>
+                                        <p:tav tm="0">
+                                          <p:val>
+                                            <p:strVal val="#ppt_y"/>
+                                          </p:val>
+                                        </p:tav>
+                                        <p:tav tm="100000">
+                                          <p:val>
+                                            <p:strVal val="#ppt_y"/>
+                                          </p:val>
+                                        </p:tav>
+                                      </p:tavLst>
+                                    </p:anim>
+                                  </p:childTnLst>
+                                </p:cTn>
+                              </p:par>
+                            </p:childTnLst>
+                          </p:cTn>
+                        </p:par>
+                      </p:childTnLst>
+                    </p:cTn>
+                  </p:par>
+                  <p:par>
+                    <p:cTn id="9" fill="hold">
+                      <p:stCondLst>
+                        <p:cond delay="indefinite"/>
+                      </p:stCondLst>
+                      <p:childTnLst>
+                        <p:par>
+                          <p:cTn id="10" fill="hold">
+                            <p:stCondLst>
+                              <p:cond delay="0"/>
+                            </p:stCondLst>
+                            <p:childTnLst>
+                              <p:par>
+                                <p:cTn id="11" presetID="2" presetClass="entr" presetSubtype="2" fill="hold" nodeType="clickEffect">
+                                  <p:stCondLst>
+                                    <p:cond delay="0"/>
+                                  </p:stCondLst>
+                                  <p:childTnLst>
+                                    <p:set>
+                                      <p:cBhvr>
+                                        <p:cTn id="12" dur="1" fill="hold">
+                                          <p:stCondLst>
+                                            <p:cond delay="0"/>
+                                          </p:stCondLst>
+                                        </p:cTn>
+                                        <p:tgtEl>
+                                          <p:spTgt spid="3">
+                                            <p:txEl>
+                                              <p:pRg st="1" end="1"/>
+                                            </p:txEl>
+                                          </p:spTgt>
+                                        </p:tgtEl>
+                                        <p:attrNameLst>
+                                          <p:attrName>style.visibility</p:attrName>
+                                        </p:attrNameLst>
+                                      </p:cBhvr>
+                                      <p:to>
+                                        <p:strVal val="visible"/>
+                                      </p:to>
+                                    </p:set>
+                                    <p:anim calcmode="lin" valueType="num">
+                                      <p:cBhvr additive="base">
+                                        <p:cTn id="13" dur="250" fill="hold"/>
+                                        <p:tgtEl>
+                                          <p:spTgt spid="3">
+                                            <p:txEl>
+                                              <p:pRg st="1" end="1"/>
+                                            </p:txEl>
+                                          </p:spTgt>
+                                        </p:tgtEl>
+                                        <p:attrNameLst>
+                                          <p:attrName>ppt_x</p:attrName>
+                                        </p:attrNameLst>
+                                      </p:cBhvr>
+                                      <p:tavLst>
+                                        <p:tav tm="0">
+                                          <p:val>
+                                            <p:strVal val="1+#ppt_w/2"/>
+                                          </p:val>
+                                        </p:tav>
+                                        <p:tav tm="100000">
+                                          <p:val>
+                                            <p:strVal val="#ppt_x"/>
+                                          </p:val>
+                                        </p:tav>
+                                      </p:tavLst>
+                                    </p:anim>
+                                    <p:anim calcmode="lin" valueType="num">
+                                      <p:cBhvr additive="base">
+                                        <p:cTn id="14" dur="250" fill="hold"/>
+                                        <p:tgtEl>
+                                          <p:spTgt spid="3">
+                                            <p:txEl>
+                                              <p:pRg st="1" end="1"/>
+                                            </p:txEl>
+                                          </p:spTgt>
+                                        </p:tgtEl>
+                                        <p:attrNameLst>
+                                          <p:attrName>ppt_y</p:attrName>
+                                        </p:attrNameLst>
+                                      </p:cBhvr>
+                                      <p:tavLst>
+                                        <p:tav tm="0">
+                                          <p:val>
+                                            <p:strVal val="#ppt_y"/>
+                                          </p:val>
+                                        </p:tav>
+                                        <p:tav tm="100000">
+                                          <p:val>
+                                            <p:strVal val="#ppt_y"/>
+                                          </p:val>
+                                        </p:tav>
+                                      </p:tavLst>
+                                    </p:anim>
+                                  </p:childTnLst>
+                                </p:cTn>
+                              </p:par>
+                            </p:childTnLst>
+                          </p:cTn>
+                        </p:par>
+                      </p:childTnLst>
+                    </p:cTn>
+                  </p:par>
+                  <p:par>
+                    <p:cTn id="15" fill="hold">
+                      <p:stCondLst>
+                        <p:cond delay="indefinite"/>
+                      </p:stCondLst>
+                      <p:childTnLst>
+                        <p:par>
+                          <p:cTn id="16" fill="hold">
+                            <p:stCondLst>
+                              <p:cond delay="0"/>
+                            </p:stCondLst>
+                            <p:childTnLst>
+                              <p:par>
+                                <p:cTn id="17" presetID="2" presetClass="entr" presetSubtype="2" fill="hold" nodeType="clickEffect">
+                                  <p:stCondLst>
+                                    <p:cond delay="0"/>
+                                  </p:stCondLst>
+                                  <p:childTnLst>
+                                    <p:set>
+                                      <p:cBhvr>
+                                        <p:cTn id="18" dur="1" fill="hold">
+                                          <p:stCondLst>
+                                            <p:cond delay="0"/>
+                                          </p:stCondLst>
+                                        </p:cTn>
+                                        <p:tgtEl>
+                                          <p:spTgt spid="3">
+                                            <p:txEl>
+                                              <p:pRg st="2" end="2"/>
+                                            </p:txEl>
+                                          </p:spTgt>
+                                        </p:tgtEl>
+                                        <p:attrNameLst>
+                                          <p:attrName>style.visibility</p:attrName>
+                                        </p:attrNameLst>
+                                      </p:cBhvr>
+                                      <p:to>
+                                        <p:strVal val="visible"/>
+                                      </p:to>
+                                    </p:set>
+                                    <p:anim calcmode="lin" valueType="num">
+                                      <p:cBhvr additive="base">
+                                        <p:cTn id="19" dur="250" fill="hold"/>
+                                        <p:tgtEl>
+                                          <p:spTgt spid="3">
+                                            <p:txEl>
+                                              <p:pRg st="2" end="2"/>
+                                            </p:txEl>
+                                          </p:spTgt>
+                                        </p:tgtEl>
+                                        <p:attrNameLst>
+                                          <p:attrName>ppt_x</p:attrName>
+                                        </p:attrNameLst>
+                                      </p:cBhvr>
+                                      <p:tavLst>
+                                        <p:tav tm="0">
+                                          <p:val>
+                                            <p:strVal val="1+#ppt_w/2"/>
+                                          </p:val>
+                                        </p:tav>
+                                        <p:tav tm="100000">
+                                          <p:val>
+                                            <p:strVal val="#ppt_x"/>
+                                          </p:val>
+                                        </p:tav>
+                                      </p:tavLst>
+                                    </p:anim>
+                                    <p:anim calcmode="lin" valueType="num">
+                                      <p:cBhvr additive="base">
+                                        <p:cTn id="20" dur="250" fill="hold"/>
+                                        <p:tgtEl>
+                                          <p:spTgt spid="3">
+                                            <p:txEl>
+                                              <p:pRg st="2" end="2"/>
+                                            </p:txEl>
+                                          </p:spTgt>
+                                        </p:tgtEl>
+                                        <p:attrNameLst>
+                                          <p:attrName>ppt_y</p:attrName>
+                                        </p:attrNameLst>
+                                      </p:cBhvr>
+                                      <p:tavLst>
+                                        <p:tav tm="0">
+                                          <p:val>
+                                            <p:strVal val="#ppt_y"/>
+                                          </p:val>
+                                        </p:tav>
+                                        <p:tav tm="100000">
+                                          <p:val>
+                                            <p:strVal val="#ppt_y"/>
+                                          </p:val>
+                                        </p:tav>
+                                      </p:tavLst>
+                                    </p:anim>
+                                  </p:childTnLst>
+                                </p:cTn>
+                              </p:par>
+                            </p:childTnLst>
+                          </p:cTn>
+                        </p:par>
+                      </p:childTnLst>
+                    </p:cTn>
+                  </p:par>
+                  <p:par>
+                    <p:cTn id="21" fill="hold">
+                      <p:stCondLst>
+                        <p:cond delay="indefinite"/>
+                      </p:stCondLst>
+                      <p:childTnLst>
+                        <p:par>
+                          <p:cTn id="22" fill="hold">
+                            <p:stCondLst>
+                              <p:cond delay="0"/>
+                            </p:stCondLst>
+                            <p:childTnLst>
+                              <p:par>
+                                <p:cTn id="23" presetID="2" presetClass="entr" presetSubtype="2" fill="hold" nodeType="clickEffect">
+                                  <p:stCondLst>
+                                    <p:cond delay="0"/>
+                                  </p:stCondLst>
+                                  <p:childTnLst>
+                                    <p:set>
+                                      <p:cBhvr>
+                                        <p:cTn id="24" dur="1" fill="hold">
+                                          <p:stCondLst>
+                                            <p:cond delay="0"/>
+                                          </p:stCondLst>
+                                        </p:cTn>
+                                        <p:tgtEl>
+                                          <p:spTgt spid="3">
+                                            <p:txEl>
+                                              <p:pRg st="3" end="3"/>
+                                            </p:txEl>
+                                          </p:spTgt>
+                                        </p:tgtEl>
+                                        <p:attrNameLst>
+                                          <p:attrName>style.visibility</p:attrName>
+                                        </p:attrNameLst>
+                                      </p:cBhvr>
+                                      <p:to>
+                                        <p:strVal val="visible"/>
+                                      </p:to>
+                                    </p:set>
+                                    <p:anim calcmode="lin" valueType="num">
+                                      <p:cBhvr additive="base">
+                                        <p:cTn id="25" dur="250" fill="hold"/>
+                                        <p:tgtEl>
+                                          <p:spTgt spid="3">
+                                            <p:txEl>
+                                              <p:pRg st="3" end="3"/>
+                                            </p:txEl>
+                                          </p:spTgt>
+                                        </p:tgtEl>
+                                        <p:attrNameLst>
+                                          <p:attrName>ppt_x</p:attrName>
+                                        </p:attrNameLst>
+                                      </p:cBhvr>
+                                      <p:tavLst>
+                                        <p:tav tm="0">
+                                          <p:val>
+                                            <p:strVal val="1+#ppt_w/2"/>
+                                          </p:val>
+                                        </p:tav>
+                                        <p:tav tm="100000">
+                                          <p:val>
+                                            <p:strVal val="#ppt_x"/>
+                                          </p:val>
+                                        </p:tav>
+                                      </p:tavLst>
+                                    </p:anim>
+                                    <p:anim calcmode="lin" valueType="num">
+                                      <p:cBhvr additive="base">
+                                        <p:cTn id="26" dur="250" fill="hold"/>
+                                        <p:tgtEl>
+                                          <p:spTgt spid="3">
+                                            <p:txEl>
+                                              <p:pRg st="3" end="3"/>
+                                            </p:txEl>
+                                          </p:spTgt>
+                                        </p:tgtEl>
+                                        <p:attrNameLst>
+                                          <p:attrName>ppt_y</p:attrName>
+                                        </p:attrNameLst>
+                                      </p:cBhvr>
+                                      <p:tavLst>
+                                        <p:tav tm="0">
+                                          <p:val>
+                                            <p:strVal val="#ppt_y"/>
+                                          </p:val>
+                                        </p:tav>
+                                        <p:tav tm="100000">
+                                          <p:val>
+                                            <p:strVal val="#ppt_y"/>
+                                          </p:val>
+                                        </p:tav>
+                                      </p:tavLst>
+                                    </p:anim>
+                                  </p:childTnLst>
+                                </p:cTn>
+                              </p:par>
+                            </p:childTnLst>
+                          </p:cTn>
+                        </p:par>
+                      </p:childTnLst>
+                    </p:cTn>
+                  </p:par>
+                </p:childTnLst>
+              </p:cTn>
+              <p:prevCondLst>
+                <p:cond evt="onPrev" delay="0">
+                  <p:tgtEl>
+                    <p:sldTgt/>
+                  </p:tgtEl>
+                </p:cond>
+              </p:prevCondLst>
+              <p:nextCondLst>
+                <p:cond evt="onNext" delay="0">
+                  <p:tgtEl>
+                    <p:sldTgt/>
+                  </p:tgtEl>
+                </p:cond>
+              </p:nextCondLst>
+            </p:seq>
+          </p:childTnLst>
+        </p:cTn>
+      </p:par>
+    </p:tnLst>
+  </p:timing>
 </p:sld>
 </file>
 
@@ -11109,6 +12283,222 @@
   <p:clrMapOvr>
     <a:masterClrMapping/>
   </p:clrMapOvr>
+  <p:transition spd="slow">
+    <p:push dir="u"/>
+  </p:transition>
+  <p:timing>
+    <p:tnLst>
+      <p:par>
+        <p:cTn id="1" dur="indefinite" restart="never" nodeType="tmRoot">
+          <p:childTnLst>
+            <p:seq concurrent="1" nextAc="seek">
+              <p:cTn id="2" dur="indefinite" nodeType="mainSeq">
+                <p:childTnLst>
+                  <p:par>
+                    <p:cTn id="3" fill="hold">
+                      <p:stCondLst>
+                        <p:cond delay="indefinite"/>
+                      </p:stCondLst>
+                      <p:childTnLst>
+                        <p:par>
+                          <p:cTn id="4" fill="hold">
+                            <p:stCondLst>
+                              <p:cond delay="0"/>
+                            </p:stCondLst>
+                            <p:childTnLst>
+                              <p:par>
+                                <p:cTn id="5" presetID="22" presetClass="entr" presetSubtype="4" fill="hold" nodeType="clickEffect">
+                                  <p:stCondLst>
+                                    <p:cond delay="0"/>
+                                  </p:stCondLst>
+                                  <p:childTnLst>
+                                    <p:set>
+                                      <p:cBhvr>
+                                        <p:cTn id="6" dur="1" fill="hold">
+                                          <p:stCondLst>
+                                            <p:cond delay="0"/>
+                                          </p:stCondLst>
+                                        </p:cTn>
+                                        <p:tgtEl>
+                                          <p:spTgt spid="5">
+                                            <p:txEl>
+                                              <p:pRg st="0" end="0"/>
+                                            </p:txEl>
+                                          </p:spTgt>
+                                        </p:tgtEl>
+                                        <p:attrNameLst>
+                                          <p:attrName>style.visibility</p:attrName>
+                                        </p:attrNameLst>
+                                      </p:cBhvr>
+                                      <p:to>
+                                        <p:strVal val="visible"/>
+                                      </p:to>
+                                    </p:set>
+                                    <p:animEffect transition="in" filter="wipe(down)">
+                                      <p:cBhvr>
+                                        <p:cTn id="7" dur="250"/>
+                                        <p:tgtEl>
+                                          <p:spTgt spid="5">
+                                            <p:txEl>
+                                              <p:pRg st="0" end="0"/>
+                                            </p:txEl>
+                                          </p:spTgt>
+                                        </p:tgtEl>
+                                      </p:cBhvr>
+                                    </p:animEffect>
+                                  </p:childTnLst>
+                                </p:cTn>
+                              </p:par>
+                            </p:childTnLst>
+                          </p:cTn>
+                        </p:par>
+                      </p:childTnLst>
+                    </p:cTn>
+                  </p:par>
+                  <p:par>
+                    <p:cTn id="8" fill="hold">
+                      <p:stCondLst>
+                        <p:cond delay="indefinite"/>
+                      </p:stCondLst>
+                      <p:childTnLst>
+                        <p:par>
+                          <p:cTn id="9" fill="hold">
+                            <p:stCondLst>
+                              <p:cond delay="0"/>
+                            </p:stCondLst>
+                            <p:childTnLst>
+                              <p:par>
+                                <p:cTn id="10" presetID="22" presetClass="entr" presetSubtype="4" fill="hold" nodeType="clickEffect">
+                                  <p:stCondLst>
+                                    <p:cond delay="0"/>
+                                  </p:stCondLst>
+                                  <p:childTnLst>
+                                    <p:set>
+                                      <p:cBhvr>
+                                        <p:cTn id="11" dur="1" fill="hold">
+                                          <p:stCondLst>
+                                            <p:cond delay="0"/>
+                                          </p:stCondLst>
+                                        </p:cTn>
+                                        <p:tgtEl>
+                                          <p:spTgt spid="5">
+                                            <p:txEl>
+                                              <p:pRg st="1" end="1"/>
+                                            </p:txEl>
+                                          </p:spTgt>
+                                        </p:tgtEl>
+                                        <p:attrNameLst>
+                                          <p:attrName>style.visibility</p:attrName>
+                                        </p:attrNameLst>
+                                      </p:cBhvr>
+                                      <p:to>
+                                        <p:strVal val="visible"/>
+                                      </p:to>
+                                    </p:set>
+                                    <p:animEffect transition="in" filter="wipe(down)">
+                                      <p:cBhvr>
+                                        <p:cTn id="12" dur="250"/>
+                                        <p:tgtEl>
+                                          <p:spTgt spid="5">
+                                            <p:txEl>
+                                              <p:pRg st="1" end="1"/>
+                                            </p:txEl>
+                                          </p:spTgt>
+                                        </p:tgtEl>
+                                      </p:cBhvr>
+                                    </p:animEffect>
+                                  </p:childTnLst>
+                                </p:cTn>
+                              </p:par>
+                            </p:childTnLst>
+                          </p:cTn>
+                        </p:par>
+                      </p:childTnLst>
+                    </p:cTn>
+                  </p:par>
+                  <p:par>
+                    <p:cTn id="13" fill="hold">
+                      <p:stCondLst>
+                        <p:cond delay="indefinite"/>
+                      </p:stCondLst>
+                      <p:childTnLst>
+                        <p:par>
+                          <p:cTn id="14" fill="hold">
+                            <p:stCondLst>
+                              <p:cond delay="0"/>
+                            </p:stCondLst>
+                            <p:childTnLst>
+                              <p:par>
+                                <p:cTn id="15" presetID="22" presetClass="entr" presetSubtype="4" fill="hold" nodeType="clickEffect">
+                                  <p:stCondLst>
+                                    <p:cond delay="0"/>
+                                  </p:stCondLst>
+                                  <p:childTnLst>
+                                    <p:set>
+                                      <p:cBhvr>
+                                        <p:cTn id="16" dur="1" fill="hold">
+                                          <p:stCondLst>
+                                            <p:cond delay="0"/>
+                                          </p:stCondLst>
+                                        </p:cTn>
+                                        <p:tgtEl>
+                                          <p:spTgt spid="5">
+                                            <p:txEl>
+                                              <p:pRg st="2" end="2"/>
+                                            </p:txEl>
+                                          </p:spTgt>
+                                        </p:tgtEl>
+                                        <p:attrNameLst>
+                                          <p:attrName>style.visibility</p:attrName>
+                                        </p:attrNameLst>
+                                      </p:cBhvr>
+                                      <p:to>
+                                        <p:strVal val="visible"/>
+                                      </p:to>
+                                    </p:set>
+                                    <p:animEffect transition="in" filter="wipe(down)">
+                                      <p:cBhvr>
+                                        <p:cTn id="17" dur="250"/>
+                                        <p:tgtEl>
+                                          <p:spTgt spid="5">
+                                            <p:txEl>
+                                              <p:pRg st="2" end="2"/>
+                                            </p:txEl>
+                                          </p:spTgt>
+                                        </p:tgtEl>
+                                      </p:cBhvr>
+                                    </p:animEffect>
+                                  </p:childTnLst>
+                                </p:cTn>
+                              </p:par>
+                            </p:childTnLst>
+                          </p:cTn>
+                        </p:par>
+                      </p:childTnLst>
+                    </p:cTn>
+                  </p:par>
+                </p:childTnLst>
+              </p:cTn>
+              <p:prevCondLst>
+                <p:cond evt="onPrev" delay="0">
+                  <p:tgtEl>
+                    <p:sldTgt/>
+                  </p:tgtEl>
+                </p:cond>
+              </p:prevCondLst>
+              <p:nextCondLst>
+                <p:cond evt="onNext" delay="0">
+                  <p:tgtEl>
+                    <p:sldTgt/>
+                  </p:tgtEl>
+                </p:cond>
+              </p:nextCondLst>
+            </p:seq>
+          </p:childTnLst>
+        </p:cTn>
+      </p:par>
+    </p:tnLst>
+  </p:timing>
 </p:sld>
 </file>
 
@@ -11467,6 +12857,384 @@
   <p:clrMapOvr>
     <a:masterClrMapping/>
   </p:clrMapOvr>
+  <p:transition spd="med">
+    <p:pull/>
+  </p:transition>
+  <p:timing>
+    <p:tnLst>
+      <p:par>
+        <p:cTn id="1" dur="indefinite" restart="never" nodeType="tmRoot">
+          <p:childTnLst>
+            <p:seq concurrent="1" nextAc="seek">
+              <p:cTn id="2" dur="indefinite" nodeType="mainSeq">
+                <p:childTnLst>
+                  <p:par>
+                    <p:cTn id="3" fill="hold">
+                      <p:stCondLst>
+                        <p:cond delay="indefinite"/>
+                      </p:stCondLst>
+                      <p:childTnLst>
+                        <p:par>
+                          <p:cTn id="4" fill="hold">
+                            <p:stCondLst>
+                              <p:cond delay="0"/>
+                            </p:stCondLst>
+                            <p:childTnLst>
+                              <p:par>
+                                <p:cTn id="5" presetID="42" presetClass="entr" presetSubtype="0" fill="hold" nodeType="clickEffect">
+                                  <p:stCondLst>
+                                    <p:cond delay="0"/>
+                                  </p:stCondLst>
+                                  <p:childTnLst>
+                                    <p:set>
+                                      <p:cBhvr>
+                                        <p:cTn id="6" dur="1" fill="hold">
+                                          <p:stCondLst>
+                                            <p:cond delay="0"/>
+                                          </p:stCondLst>
+                                        </p:cTn>
+                                        <p:tgtEl>
+                                          <p:spTgt spid="11">
+                                            <p:txEl>
+                                              <p:pRg st="1" end="1"/>
+                                            </p:txEl>
+                                          </p:spTgt>
+                                        </p:tgtEl>
+                                        <p:attrNameLst>
+                                          <p:attrName>style.visibility</p:attrName>
+                                        </p:attrNameLst>
+                                      </p:cBhvr>
+                                      <p:to>
+                                        <p:strVal val="visible"/>
+                                      </p:to>
+                                    </p:set>
+                                    <p:animEffect transition="in" filter="fade">
+                                      <p:cBhvr>
+                                        <p:cTn id="7" dur="250"/>
+                                        <p:tgtEl>
+                                          <p:spTgt spid="11">
+                                            <p:txEl>
+                                              <p:pRg st="1" end="1"/>
+                                            </p:txEl>
+                                          </p:spTgt>
+                                        </p:tgtEl>
+                                      </p:cBhvr>
+                                    </p:animEffect>
+                                    <p:anim calcmode="lin" valueType="num">
+                                      <p:cBhvr>
+                                        <p:cTn id="8" dur="250" fill="hold"/>
+                                        <p:tgtEl>
+                                          <p:spTgt spid="11">
+                                            <p:txEl>
+                                              <p:pRg st="1" end="1"/>
+                                            </p:txEl>
+                                          </p:spTgt>
+                                        </p:tgtEl>
+                                        <p:attrNameLst>
+                                          <p:attrName>ppt_x</p:attrName>
+                                        </p:attrNameLst>
+                                      </p:cBhvr>
+                                      <p:tavLst>
+                                        <p:tav tm="0">
+                                          <p:val>
+                                            <p:strVal val="#ppt_x"/>
+                                          </p:val>
+                                        </p:tav>
+                                        <p:tav tm="100000">
+                                          <p:val>
+                                            <p:strVal val="#ppt_x"/>
+                                          </p:val>
+                                        </p:tav>
+                                      </p:tavLst>
+                                    </p:anim>
+                                    <p:anim calcmode="lin" valueType="num">
+                                      <p:cBhvr>
+                                        <p:cTn id="9" dur="250" fill="hold"/>
+                                        <p:tgtEl>
+                                          <p:spTgt spid="11">
+                                            <p:txEl>
+                                              <p:pRg st="1" end="1"/>
+                                            </p:txEl>
+                                          </p:spTgt>
+                                        </p:tgtEl>
+                                        <p:attrNameLst>
+                                          <p:attrName>ppt_y</p:attrName>
+                                        </p:attrNameLst>
+                                      </p:cBhvr>
+                                      <p:tavLst>
+                                        <p:tav tm="0">
+                                          <p:val>
+                                            <p:strVal val="#ppt_y+.1"/>
+                                          </p:val>
+                                        </p:tav>
+                                        <p:tav tm="100000">
+                                          <p:val>
+                                            <p:strVal val="#ppt_y"/>
+                                          </p:val>
+                                        </p:tav>
+                                      </p:tavLst>
+                                    </p:anim>
+                                  </p:childTnLst>
+                                </p:cTn>
+                              </p:par>
+                            </p:childTnLst>
+                          </p:cTn>
+                        </p:par>
+                      </p:childTnLst>
+                    </p:cTn>
+                  </p:par>
+                  <p:par>
+                    <p:cTn id="10" fill="hold">
+                      <p:stCondLst>
+                        <p:cond delay="indefinite"/>
+                      </p:stCondLst>
+                      <p:childTnLst>
+                        <p:par>
+                          <p:cTn id="11" fill="hold">
+                            <p:stCondLst>
+                              <p:cond delay="0"/>
+                            </p:stCondLst>
+                            <p:childTnLst>
+                              <p:par>
+                                <p:cTn id="12" presetID="42" presetClass="entr" presetSubtype="0" fill="hold" nodeType="clickEffect">
+                                  <p:stCondLst>
+                                    <p:cond delay="0"/>
+                                  </p:stCondLst>
+                                  <p:childTnLst>
+                                    <p:set>
+                                      <p:cBhvr>
+                                        <p:cTn id="13" dur="1" fill="hold">
+                                          <p:stCondLst>
+                                            <p:cond delay="0"/>
+                                          </p:stCondLst>
+                                        </p:cTn>
+                                        <p:tgtEl>
+                                          <p:spTgt spid="11">
+                                            <p:txEl>
+                                              <p:pRg st="2" end="2"/>
+                                            </p:txEl>
+                                          </p:spTgt>
+                                        </p:tgtEl>
+                                        <p:attrNameLst>
+                                          <p:attrName>style.visibility</p:attrName>
+                                        </p:attrNameLst>
+                                      </p:cBhvr>
+                                      <p:to>
+                                        <p:strVal val="visible"/>
+                                      </p:to>
+                                    </p:set>
+                                    <p:animEffect transition="in" filter="fade">
+                                      <p:cBhvr>
+                                        <p:cTn id="14" dur="250"/>
+                                        <p:tgtEl>
+                                          <p:spTgt spid="11">
+                                            <p:txEl>
+                                              <p:pRg st="2" end="2"/>
+                                            </p:txEl>
+                                          </p:spTgt>
+                                        </p:tgtEl>
+                                      </p:cBhvr>
+                                    </p:animEffect>
+                                    <p:anim calcmode="lin" valueType="num">
+                                      <p:cBhvr>
+                                        <p:cTn id="15" dur="250" fill="hold"/>
+                                        <p:tgtEl>
+                                          <p:spTgt spid="11">
+                                            <p:txEl>
+                                              <p:pRg st="2" end="2"/>
+                                            </p:txEl>
+                                          </p:spTgt>
+                                        </p:tgtEl>
+                                        <p:attrNameLst>
+                                          <p:attrName>ppt_x</p:attrName>
+                                        </p:attrNameLst>
+                                      </p:cBhvr>
+                                      <p:tavLst>
+                                        <p:tav tm="0">
+                                          <p:val>
+                                            <p:strVal val="#ppt_x"/>
+                                          </p:val>
+                                        </p:tav>
+                                        <p:tav tm="100000">
+                                          <p:val>
+                                            <p:strVal val="#ppt_x"/>
+                                          </p:val>
+                                        </p:tav>
+                                      </p:tavLst>
+                                    </p:anim>
+                                    <p:anim calcmode="lin" valueType="num">
+                                      <p:cBhvr>
+                                        <p:cTn id="16" dur="250" fill="hold"/>
+                                        <p:tgtEl>
+                                          <p:spTgt spid="11">
+                                            <p:txEl>
+                                              <p:pRg st="2" end="2"/>
+                                            </p:txEl>
+                                          </p:spTgt>
+                                        </p:tgtEl>
+                                        <p:attrNameLst>
+                                          <p:attrName>ppt_y</p:attrName>
+                                        </p:attrNameLst>
+                                      </p:cBhvr>
+                                      <p:tavLst>
+                                        <p:tav tm="0">
+                                          <p:val>
+                                            <p:strVal val="#ppt_y+.1"/>
+                                          </p:val>
+                                        </p:tav>
+                                        <p:tav tm="100000">
+                                          <p:val>
+                                            <p:strVal val="#ppt_y"/>
+                                          </p:val>
+                                        </p:tav>
+                                      </p:tavLst>
+                                    </p:anim>
+                                  </p:childTnLst>
+                                </p:cTn>
+                              </p:par>
+                            </p:childTnLst>
+                          </p:cTn>
+                        </p:par>
+                      </p:childTnLst>
+                    </p:cTn>
+                  </p:par>
+                  <p:par>
+                    <p:cTn id="17" fill="hold">
+                      <p:stCondLst>
+                        <p:cond delay="indefinite"/>
+                      </p:stCondLst>
+                      <p:childTnLst>
+                        <p:par>
+                          <p:cTn id="18" fill="hold">
+                            <p:stCondLst>
+                              <p:cond delay="0"/>
+                            </p:stCondLst>
+                            <p:childTnLst>
+                              <p:par>
+                                <p:cTn id="19" presetID="42" presetClass="entr" presetSubtype="0" fill="hold" nodeType="clickEffect">
+                                  <p:stCondLst>
+                                    <p:cond delay="0"/>
+                                  </p:stCondLst>
+                                  <p:childTnLst>
+                                    <p:set>
+                                      <p:cBhvr>
+                                        <p:cTn id="20" dur="1" fill="hold">
+                                          <p:stCondLst>
+                                            <p:cond delay="0"/>
+                                          </p:stCondLst>
+                                        </p:cTn>
+                                        <p:tgtEl>
+                                          <p:spTgt spid="11">
+                                            <p:txEl>
+                                              <p:pRg st="3" end="3"/>
+                                            </p:txEl>
+                                          </p:spTgt>
+                                        </p:tgtEl>
+                                        <p:attrNameLst>
+                                          <p:attrName>style.visibility</p:attrName>
+                                        </p:attrNameLst>
+                                      </p:cBhvr>
+                                      <p:to>
+                                        <p:strVal val="visible"/>
+                                      </p:to>
+                                    </p:set>
+                                    <p:animEffect transition="in" filter="fade">
+                                      <p:cBhvr>
+                                        <p:cTn id="21" dur="250"/>
+                                        <p:tgtEl>
+                                          <p:spTgt spid="11">
+                                            <p:txEl>
+                                              <p:pRg st="3" end="3"/>
+                                            </p:txEl>
+                                          </p:spTgt>
+                                        </p:tgtEl>
+                                      </p:cBhvr>
+                                    </p:animEffect>
+                                    <p:anim calcmode="lin" valueType="num">
+                                      <p:cBhvr>
+                                        <p:cTn id="22" dur="250" fill="hold"/>
+                                        <p:tgtEl>
+                                          <p:spTgt spid="11">
+                                            <p:txEl>
+                                              <p:pRg st="3" end="3"/>
+                                            </p:txEl>
+                                          </p:spTgt>
+                                        </p:tgtEl>
+                                        <p:attrNameLst>
+                                          <p:attrName>ppt_x</p:attrName>
+                                        </p:attrNameLst>
+                                      </p:cBhvr>
+                                      <p:tavLst>
+                                        <p:tav tm="0">
+                                          <p:val>
+                                            <p:strVal val="#ppt_x"/>
+                                          </p:val>
+                                        </p:tav>
+                                        <p:tav tm="100000">
+                                          <p:val>
+                                            <p:strVal val="#ppt_x"/>
+                                          </p:val>
+                                        </p:tav>
+                                      </p:tavLst>
+                                    </p:anim>
+                                    <p:anim calcmode="lin" valueType="num">
+                                      <p:cBhvr>
+                                        <p:cTn id="23" dur="250" fill="hold"/>
+                                        <p:tgtEl>
+                                          <p:spTgt spid="11">
+                                            <p:txEl>
+                                              <p:pRg st="3" end="3"/>
+                                            </p:txEl>
+                                          </p:spTgt>
+                                        </p:tgtEl>
+                                        <p:attrNameLst>
+                                          <p:attrName>ppt_y</p:attrName>
+                                        </p:attrNameLst>
+                                      </p:cBhvr>
+                                      <p:tavLst>
+                                        <p:tav tm="0">
+                                          <p:val>
+                                            <p:strVal val="#ppt_y+.1"/>
+                                          </p:val>
+                                        </p:tav>
+                                        <p:tav tm="100000">
+                                          <p:val>
+                                            <p:strVal val="#ppt_y"/>
+                                          </p:val>
+                                        </p:tav>
+                                      </p:tavLst>
+                                    </p:anim>
+                                  </p:childTnLst>
+                                </p:cTn>
+                              </p:par>
+                            </p:childTnLst>
+                          </p:cTn>
+                        </p:par>
+                      </p:childTnLst>
+                    </p:cTn>
+                  </p:par>
+                </p:childTnLst>
+              </p:cTn>
+              <p:prevCondLst>
+                <p:cond evt="onPrev" delay="0">
+                  <p:tgtEl>
+                    <p:sldTgt/>
+                  </p:tgtEl>
+                </p:cond>
+              </p:prevCondLst>
+              <p:nextCondLst>
+                <p:cond evt="onNext" delay="0">
+                  <p:tgtEl>
+                    <p:sldTgt/>
+                  </p:tgtEl>
+                </p:cond>
+              </p:nextCondLst>
+            </p:seq>
+          </p:childTnLst>
+        </p:cTn>
+      </p:par>
+    </p:tnLst>
+  </p:timing>
 </p:sld>
 </file>
 
@@ -11705,6 +13473,18 @@
   <p:clrMapOvr>
     <a:masterClrMapping/>
   </p:clrMapOvr>
+  <mc:AlternateContent xmlns:mc="http://schemas.openxmlformats.org/markup-compatibility/2006">
+    <mc:Choice xmlns:p14="http://schemas.microsoft.com/office/powerpoint/2010/main" Requires="p14">
+      <p:transition spd="slow">
+        <p14:reveal/>
+      </p:transition>
+    </mc:Choice>
+    <mc:Fallback>
+      <p:transition spd="slow">
+        <p:fade/>
+      </p:transition>
+    </mc:Fallback>
+  </mc:AlternateContent>
 </p:sld>
 </file>
 
@@ -11833,6 +13613,18 @@
   <p:clrMapOvr>
     <a:masterClrMapping/>
   </p:clrMapOvr>
+  <mc:AlternateContent xmlns:mc="http://schemas.openxmlformats.org/markup-compatibility/2006">
+    <mc:Choice xmlns:p159="http://schemas.microsoft.com/office/powerpoint/2015/09/main" Requires="p159">
+      <p:transition spd="slow">
+        <p159:morph option="byObject"/>
+      </p:transition>
+    </mc:Choice>
+    <mc:Fallback>
+      <p:transition spd="slow">
+        <p:fade/>
+      </p:transition>
+    </mc:Fallback>
+  </mc:AlternateContent>
 </p:sld>
 </file>
 
@@ -11958,6 +13750,18 @@
   <p:clrMapOvr>
     <a:masterClrMapping/>
   </p:clrMapOvr>
+  <mc:AlternateContent xmlns:mc="http://schemas.openxmlformats.org/markup-compatibility/2006">
+    <mc:Choice xmlns:p159="http://schemas.microsoft.com/office/powerpoint/2015/09/main" Requires="p159">
+      <p:transition spd="slow">
+        <p159:morph option="byObject"/>
+      </p:transition>
+    </mc:Choice>
+    <mc:Fallback>
+      <p:transition spd="slow">
+        <p:fade/>
+      </p:transition>
+    </mc:Fallback>
+  </mc:AlternateContent>
 </p:sld>
 </file>
 
@@ -12081,6 +13885,18 @@
   <p:clrMapOvr>
     <a:masterClrMapping/>
   </p:clrMapOvr>
+  <mc:AlternateContent xmlns:mc="http://schemas.openxmlformats.org/markup-compatibility/2006">
+    <mc:Choice xmlns:p159="http://schemas.microsoft.com/office/powerpoint/2015/09/main" Requires="p159">
+      <p:transition spd="slow">
+        <p159:morph option="byObject"/>
+      </p:transition>
+    </mc:Choice>
+    <mc:Fallback>
+      <p:transition spd="slow">
+        <p:fade/>
+      </p:transition>
+    </mc:Fallback>
+  </mc:AlternateContent>
 </p:sld>
 </file>
 
@@ -12206,6 +14022,18 @@
   <p:clrMapOvr>
     <a:masterClrMapping/>
   </p:clrMapOvr>
+  <mc:AlternateContent xmlns:mc="http://schemas.openxmlformats.org/markup-compatibility/2006">
+    <mc:Choice xmlns:p159="http://schemas.microsoft.com/office/powerpoint/2015/09/main" Requires="p159">
+      <p:transition spd="slow">
+        <p159:morph option="byObject"/>
+      </p:transition>
+    </mc:Choice>
+    <mc:Fallback>
+      <p:transition spd="slow">
+        <p:fade/>
+      </p:transition>
+    </mc:Fallback>
+  </mc:AlternateContent>
 </p:sld>
 </file>
 
@@ -12312,6 +14140,9 @@
   <p:clrMapOvr>
     <a:masterClrMapping/>
   </p:clrMapOvr>
+  <p:transition spd="med">
+    <p:pull/>
+  </p:transition>
 </p:sld>
 </file>
 
@@ -14963,6 +16794,15 @@
 </file>
 
 <file path=customXml/item1.xml><?xml version="1.0" encoding="utf-8"?>
+<?mso-contentType ?>
+<FormTemplates xmlns="http://schemas.microsoft.com/sharepoint/v3/contenttype/forms">
+  <Display>DocumentLibraryForm</Display>
+  <Edit>DocumentLibraryForm</Edit>
+  <New>DocumentLibraryForm</New>
+</FormTemplates>
+</file>
+
+<file path=customXml/item2.xml><?xml version="1.0" encoding="utf-8"?>
 <ct:contentTypeSchema xmlns:ct="http://schemas.microsoft.com/office/2006/metadata/contentType" xmlns:ma="http://schemas.microsoft.com/office/2006/metadata/properties/metaAttributes" ct:_="" ma:_="" ma:contentTypeName="Document" ma:contentTypeID="0x01010079F111ED35F8CC479449609E8A0923A6" ma:contentTypeVersion="28" ma:contentTypeDescription="Create a new document." ma:contentTypeScope="" ma:versionID="60f5a4f2d2b0abadcf532d48ebf9cb71">
   <xsd:schema xmlns:xsd="http://www.w3.org/2001/XMLSchema" xmlns:xs="http://www.w3.org/2001/XMLSchema" xmlns:p="http://schemas.microsoft.com/office/2006/metadata/properties" xmlns:ns1="http://schemas.microsoft.com/sharepoint/v3" xmlns:ns2="71af3243-3dd4-4a8d-8c0d-dd76da1f02a5" xmlns:ns3="16c05727-aa75-4e4a-9b5f-8a80a1165891" xmlns:ns4="230e9df3-be65-4c73-a93b-d1236ebd677e" targetNamespace="http://schemas.microsoft.com/office/2006/metadata/properties" ma:root="true" ma:fieldsID="7dd78129e6a1811f84807ad11c651531" ns1:_="" ns2:_="" ns3:_="" ns4:_="">
     <xsd:import namespace="http://schemas.microsoft.com/sharepoint/v3"/>
@@ -15274,15 +17114,6 @@
 </ct:contentTypeSchema>
 </file>
 
-<file path=customXml/item2.xml><?xml version="1.0" encoding="utf-8"?>
-<?mso-contentType ?>
-<FormTemplates xmlns="http://schemas.microsoft.com/sharepoint/v3/contenttype/forms">
-  <Display>DocumentLibraryForm</Display>
-  <Edit>DocumentLibraryForm</Edit>
-  <New>DocumentLibraryForm</New>
-</FormTemplates>
-</file>
-
 <file path=customXml/item3.xml><?xml version="1.0" encoding="utf-8"?>
 <p:properties xmlns:p="http://schemas.microsoft.com/office/2006/metadata/properties" xmlns:xsi="http://www.w3.org/2001/XMLSchema-instance" xmlns:pc="http://schemas.microsoft.com/office/infopath/2007/PartnerControls">
   <documentManagement>
@@ -15304,6 +17135,14 @@
 </file>
 
 <file path=customXml/itemProps1.xml><?xml version="1.0" encoding="utf-8"?>
+<ds:datastoreItem xmlns:ds="http://schemas.openxmlformats.org/officeDocument/2006/customXml" ds:itemID="{CABF691C-888B-4061-8A6F-D5CE84A0254B}">
+  <ds:schemaRefs>
+    <ds:schemaRef ds:uri="http://schemas.microsoft.com/sharepoint/v3/contenttype/forms"/>
+  </ds:schemaRefs>
+</ds:datastoreItem>
+</file>
+
+<file path=customXml/itemProps2.xml><?xml version="1.0" encoding="utf-8"?>
 <ds:datastoreItem xmlns:ds="http://schemas.openxmlformats.org/officeDocument/2006/customXml" ds:itemID="{5EDE3176-A15D-46A3-BDDB-64A0D7363224}">
   <ds:schemaRefs>
     <ds:schemaRef ds:uri="http://schemas.microsoft.com/office/2006/metadata/contentType"/>
@@ -15324,14 +17163,6 @@
 </ds:datastoreItem>
 </file>
 
-<file path=customXml/itemProps2.xml><?xml version="1.0" encoding="utf-8"?>
-<ds:datastoreItem xmlns:ds="http://schemas.openxmlformats.org/officeDocument/2006/customXml" ds:itemID="{CABF691C-888B-4061-8A6F-D5CE84A0254B}">
-  <ds:schemaRefs>
-    <ds:schemaRef ds:uri="http://schemas.microsoft.com/sharepoint/v3/contenttype/forms"/>
-  </ds:schemaRefs>
-</ds:datastoreItem>
-</file>
-
 <file path=customXml/itemProps3.xml><?xml version="1.0" encoding="utf-8"?>
 <ds:datastoreItem xmlns:ds="http://schemas.openxmlformats.org/officeDocument/2006/customXml" ds:itemID="{49168DCE-134F-4610-A6AA-88CEBE8D71D2}">
   <ds:schemaRefs>

--- a/Spotiflop_ML.pptx
+++ b/Spotiflop_ML.pptx
@@ -8047,7 +8047,7 @@
         <p:spPr>
           <a:xfrm>
             <a:off x="1040202" y="579918"/>
-            <a:ext cx="4446197" cy="1325563"/>
+            <a:ext cx="4726116" cy="1325563"/>
           </a:xfrm>
           <a:prstGeom prst="rect">
             <a:avLst/>
@@ -8079,7 +8079,7 @@
                 <a:ea typeface="+mj-ea"/>
                 <a:cs typeface="+mj-cs"/>
               </a:rPr>
-              <a:t>Euclidean Distance</a:t>
+              <a:t>MANHATTAN Distance</a:t>
             </a:r>
           </a:p>
         </p:txBody>
@@ -10456,13 +10456,13 @@
   <p:clrMapOvr>
     <a:masterClrMapping/>
   </p:clrMapOvr>
-  <mc:AlternateContent xmlns:mc="http://schemas.openxmlformats.org/markup-compatibility/2006">
-    <mc:Choice xmlns:p14="http://schemas.microsoft.com/office/powerpoint/2010/main" Requires="p14">
+  <mc:AlternateContent xmlns:mc="http://schemas.openxmlformats.org/markup-compatibility/2006" xmlns:p14="http://schemas.microsoft.com/office/powerpoint/2010/main">
+    <mc:Choice Requires="p14">
       <p:transition spd="med" p14:dur="700">
         <p:fade/>
       </p:transition>
     </mc:Choice>
-    <mc:Fallback>
+    <mc:Fallback xmlns="">
       <p:transition spd="med">
         <p:fade/>
       </p:transition>
@@ -13473,13 +13473,13 @@
   <p:clrMapOvr>
     <a:masterClrMapping/>
   </p:clrMapOvr>
-  <mc:AlternateContent xmlns:mc="http://schemas.openxmlformats.org/markup-compatibility/2006">
-    <mc:Choice xmlns:p14="http://schemas.microsoft.com/office/powerpoint/2010/main" Requires="p14">
+  <mc:AlternateContent xmlns:mc="http://schemas.openxmlformats.org/markup-compatibility/2006" xmlns:p14="http://schemas.microsoft.com/office/powerpoint/2010/main">
+    <mc:Choice Requires="p14">
       <p:transition spd="slow">
         <p14:reveal/>
       </p:transition>
     </mc:Choice>
-    <mc:Fallback>
+    <mc:Fallback xmlns="">
       <p:transition spd="slow">
         <p:fade/>
       </p:transition>
@@ -13613,13 +13613,13 @@
   <p:clrMapOvr>
     <a:masterClrMapping/>
   </p:clrMapOvr>
-  <mc:AlternateContent xmlns:mc="http://schemas.openxmlformats.org/markup-compatibility/2006">
-    <mc:Choice xmlns:p159="http://schemas.microsoft.com/office/powerpoint/2015/09/main" Requires="p159">
+  <mc:AlternateContent xmlns:mc="http://schemas.openxmlformats.org/markup-compatibility/2006" xmlns:p159="http://schemas.microsoft.com/office/powerpoint/2015/09/main">
+    <mc:Choice Requires="p159">
       <p:transition spd="slow">
         <p159:morph option="byObject"/>
       </p:transition>
     </mc:Choice>
-    <mc:Fallback>
+    <mc:Fallback xmlns="">
       <p:transition spd="slow">
         <p:fade/>
       </p:transition>
@@ -13750,13 +13750,13 @@
   <p:clrMapOvr>
     <a:masterClrMapping/>
   </p:clrMapOvr>
-  <mc:AlternateContent xmlns:mc="http://schemas.openxmlformats.org/markup-compatibility/2006">
-    <mc:Choice xmlns:p159="http://schemas.microsoft.com/office/powerpoint/2015/09/main" Requires="p159">
+  <mc:AlternateContent xmlns:mc="http://schemas.openxmlformats.org/markup-compatibility/2006" xmlns:p159="http://schemas.microsoft.com/office/powerpoint/2015/09/main">
+    <mc:Choice Requires="p159">
       <p:transition spd="slow">
         <p159:morph option="byObject"/>
       </p:transition>
     </mc:Choice>
-    <mc:Fallback>
+    <mc:Fallback xmlns="">
       <p:transition spd="slow">
         <p:fade/>
       </p:transition>
@@ -13885,13 +13885,13 @@
   <p:clrMapOvr>
     <a:masterClrMapping/>
   </p:clrMapOvr>
-  <mc:AlternateContent xmlns:mc="http://schemas.openxmlformats.org/markup-compatibility/2006">
-    <mc:Choice xmlns:p159="http://schemas.microsoft.com/office/powerpoint/2015/09/main" Requires="p159">
+  <mc:AlternateContent xmlns:mc="http://schemas.openxmlformats.org/markup-compatibility/2006" xmlns:p159="http://schemas.microsoft.com/office/powerpoint/2015/09/main">
+    <mc:Choice Requires="p159">
       <p:transition spd="slow">
         <p159:morph option="byObject"/>
       </p:transition>
     </mc:Choice>
-    <mc:Fallback>
+    <mc:Fallback xmlns="">
       <p:transition spd="slow">
         <p:fade/>
       </p:transition>
@@ -14022,13 +14022,13 @@
   <p:clrMapOvr>
     <a:masterClrMapping/>
   </p:clrMapOvr>
-  <mc:AlternateContent xmlns:mc="http://schemas.openxmlformats.org/markup-compatibility/2006">
-    <mc:Choice xmlns:p159="http://schemas.microsoft.com/office/powerpoint/2015/09/main" Requires="p159">
+  <mc:AlternateContent xmlns:mc="http://schemas.openxmlformats.org/markup-compatibility/2006" xmlns:p159="http://schemas.microsoft.com/office/powerpoint/2015/09/main">
+    <mc:Choice Requires="p159">
       <p:transition spd="slow">
         <p159:morph option="byObject"/>
       </p:transition>
     </mc:Choice>
-    <mc:Fallback>
+    <mc:Fallback xmlns="">
       <p:transition spd="slow">
         <p:fade/>
       </p:transition>
@@ -16803,6 +16803,26 @@
 </file>
 
 <file path=customXml/item2.xml><?xml version="1.0" encoding="utf-8"?>
+<p:properties xmlns:p="http://schemas.microsoft.com/office/2006/metadata/properties" xmlns:xsi="http://www.w3.org/2001/XMLSchema-instance" xmlns:pc="http://schemas.microsoft.com/office/infopath/2007/PartnerControls">
+  <documentManagement>
+    <_ip_UnifiedCompliancePolicyUIAction xmlns="http://schemas.microsoft.com/sharepoint/v3" xsi:nil="true"/>
+    <Image xmlns="71af3243-3dd4-4a8d-8c0d-dd76da1f02a5">
+      <Url xsi:nil="true"/>
+      <Description xsi:nil="true"/>
+    </Image>
+    <Status xmlns="71af3243-3dd4-4a8d-8c0d-dd76da1f02a5">Not started</Status>
+    <Background xmlns="71af3243-3dd4-4a8d-8c0d-dd76da1f02a5">false</Background>
+    <_ip_UnifiedCompliancePolicyProperties xmlns="http://schemas.microsoft.com/sharepoint/v3" xsi:nil="true"/>
+    <ImageTagsTaxHTField xmlns="71af3243-3dd4-4a8d-8c0d-dd76da1f02a5">
+      <Terms xmlns="http://schemas.microsoft.com/office/infopath/2007/PartnerControls"/>
+    </ImageTagsTaxHTField>
+    <TaxCatchAll xmlns="230e9df3-be65-4c73-a93b-d1236ebd677e" xsi:nil="true"/>
+    <MediaServiceKeyPoints xmlns="71af3243-3dd4-4a8d-8c0d-dd76da1f02a5" xsi:nil="true"/>
+  </documentManagement>
+</p:properties>
+</file>
+
+<file path=customXml/item3.xml><?xml version="1.0" encoding="utf-8"?>
 <ct:contentTypeSchema xmlns:ct="http://schemas.microsoft.com/office/2006/metadata/contentType" xmlns:ma="http://schemas.microsoft.com/office/2006/metadata/properties/metaAttributes" ct:_="" ma:_="" ma:contentTypeName="Document" ma:contentTypeID="0x01010079F111ED35F8CC479449609E8A0923A6" ma:contentTypeVersion="28" ma:contentTypeDescription="Create a new document." ma:contentTypeScope="" ma:versionID="60f5a4f2d2b0abadcf532d48ebf9cb71">
   <xsd:schema xmlns:xsd="http://www.w3.org/2001/XMLSchema" xmlns:xs="http://www.w3.org/2001/XMLSchema" xmlns:p="http://schemas.microsoft.com/office/2006/metadata/properties" xmlns:ns1="http://schemas.microsoft.com/sharepoint/v3" xmlns:ns2="71af3243-3dd4-4a8d-8c0d-dd76da1f02a5" xmlns:ns3="16c05727-aa75-4e4a-9b5f-8a80a1165891" xmlns:ns4="230e9df3-be65-4c73-a93b-d1236ebd677e" targetNamespace="http://schemas.microsoft.com/office/2006/metadata/properties" ma:root="true" ma:fieldsID="7dd78129e6a1811f84807ad11c651531" ns1:_="" ns2:_="" ns3:_="" ns4:_="">
     <xsd:import namespace="http://schemas.microsoft.com/sharepoint/v3"/>
@@ -17114,26 +17134,6 @@
 </ct:contentTypeSchema>
 </file>
 
-<file path=customXml/item3.xml><?xml version="1.0" encoding="utf-8"?>
-<p:properties xmlns:p="http://schemas.microsoft.com/office/2006/metadata/properties" xmlns:xsi="http://www.w3.org/2001/XMLSchema-instance" xmlns:pc="http://schemas.microsoft.com/office/infopath/2007/PartnerControls">
-  <documentManagement>
-    <_ip_UnifiedCompliancePolicyUIAction xmlns="http://schemas.microsoft.com/sharepoint/v3" xsi:nil="true"/>
-    <Image xmlns="71af3243-3dd4-4a8d-8c0d-dd76da1f02a5">
-      <Url xsi:nil="true"/>
-      <Description xsi:nil="true"/>
-    </Image>
-    <Status xmlns="71af3243-3dd4-4a8d-8c0d-dd76da1f02a5">Not started</Status>
-    <Background xmlns="71af3243-3dd4-4a8d-8c0d-dd76da1f02a5">false</Background>
-    <_ip_UnifiedCompliancePolicyProperties xmlns="http://schemas.microsoft.com/sharepoint/v3" xsi:nil="true"/>
-    <ImageTagsTaxHTField xmlns="71af3243-3dd4-4a8d-8c0d-dd76da1f02a5">
-      <Terms xmlns="http://schemas.microsoft.com/office/infopath/2007/PartnerControls"/>
-    </ImageTagsTaxHTField>
-    <TaxCatchAll xmlns="230e9df3-be65-4c73-a93b-d1236ebd677e" xsi:nil="true"/>
-    <MediaServiceKeyPoints xmlns="71af3243-3dd4-4a8d-8c0d-dd76da1f02a5" xsi:nil="true"/>
-  </documentManagement>
-</p:properties>
-</file>
-
 <file path=customXml/itemProps1.xml><?xml version="1.0" encoding="utf-8"?>
 <ds:datastoreItem xmlns:ds="http://schemas.openxmlformats.org/officeDocument/2006/customXml" ds:itemID="{CABF691C-888B-4061-8A6F-D5CE84A0254B}">
   <ds:schemaRefs>
@@ -17143,6 +17143,18 @@
 </file>
 
 <file path=customXml/itemProps2.xml><?xml version="1.0" encoding="utf-8"?>
+<ds:datastoreItem xmlns:ds="http://schemas.openxmlformats.org/officeDocument/2006/customXml" ds:itemID="{49168DCE-134F-4610-A6AA-88CEBE8D71D2}">
+  <ds:schemaRefs>
+    <ds:schemaRef ds:uri="http://schemas.microsoft.com/office/2006/metadata/properties"/>
+    <ds:schemaRef ds:uri="http://schemas.microsoft.com/office/infopath/2007/PartnerControls"/>
+    <ds:schemaRef ds:uri="http://schemas.microsoft.com/sharepoint/v3"/>
+    <ds:schemaRef ds:uri="71af3243-3dd4-4a8d-8c0d-dd76da1f02a5"/>
+    <ds:schemaRef ds:uri="230e9df3-be65-4c73-a93b-d1236ebd677e"/>
+  </ds:schemaRefs>
+</ds:datastoreItem>
+</file>
+
+<file path=customXml/itemProps3.xml><?xml version="1.0" encoding="utf-8"?>
 <ds:datastoreItem xmlns:ds="http://schemas.openxmlformats.org/officeDocument/2006/customXml" ds:itemID="{5EDE3176-A15D-46A3-BDDB-64A0D7363224}">
   <ds:schemaRefs>
     <ds:schemaRef ds:uri="http://schemas.microsoft.com/office/2006/metadata/contentType"/>
@@ -17163,18 +17175,6 @@
 </ds:datastoreItem>
 </file>
 
-<file path=customXml/itemProps3.xml><?xml version="1.0" encoding="utf-8"?>
-<ds:datastoreItem xmlns:ds="http://schemas.openxmlformats.org/officeDocument/2006/customXml" ds:itemID="{49168DCE-134F-4610-A6AA-88CEBE8D71D2}">
-  <ds:schemaRefs>
-    <ds:schemaRef ds:uri="http://schemas.microsoft.com/office/2006/metadata/properties"/>
-    <ds:schemaRef ds:uri="http://schemas.microsoft.com/office/infopath/2007/PartnerControls"/>
-    <ds:schemaRef ds:uri="http://schemas.microsoft.com/sharepoint/v3"/>
-    <ds:schemaRef ds:uri="71af3243-3dd4-4a8d-8c0d-dd76da1f02a5"/>
-    <ds:schemaRef ds:uri="230e9df3-be65-4c73-a93b-d1236ebd677e"/>
-  </ds:schemaRefs>
-</ds:datastoreItem>
-</file>
-
 <file path=docMetadata/LabelInfo.xml><?xml version="1.0" encoding="utf-8"?>
 <clbl:labelList xmlns:clbl="http://schemas.microsoft.com/office/2020/mipLabelMetadata"/>
 </file>
--- a/Spotiflop_ML.pptx
+++ b/Spotiflop_ML.pptx
@@ -252,7 +252,7 @@
           <a:p>
             <a:fld id="{B56F32FC-4BD9-442A-A8C6-51598C909FE3}" type="datetimeFigureOut">
               <a:rPr lang="en-US" smtClean="0"/>
-              <a:t>12/10/2024</a:t>
+              <a:t>12/11/2024</a:t>
             </a:fld>
             <a:endParaRPr lang="en-US" dirty="0"/>
           </a:p>
@@ -429,7 +429,7 @@
           <a:p>
             <a:fld id="{056371FA-A98D-41E8-93F4-09945841298A}" type="datetimeFigureOut">
               <a:rPr lang="en-US" smtClean="0"/>
-              <a:t>12/10/2024</a:t>
+              <a:t>12/11/2024</a:t>
             </a:fld>
             <a:endParaRPr lang="en-US" dirty="0"/>
           </a:p>
@@ -9705,6 +9705,25 @@
               <a:rPr lang="en-US" dirty="0"/>
               <a:t>Vote</a:t>
             </a:r>
+          </a:p>
+          <a:p>
+            <a:pPr marL="285750" indent="-285750">
+              <a:buFontTx/>
+              <a:buChar char="-"/>
+            </a:pPr>
+            <a:r>
+              <a:rPr lang="en-US" dirty="0" err="1"/>
+              <a:t>RandomForestClassifier</a:t>
+            </a:r>
+            <a:r>
+              <a:rPr lang="en-US" dirty="0"/>
+              <a:t>() from </a:t>
+            </a:r>
+            <a:r>
+              <a:rPr lang="en-US" dirty="0" err="1"/>
+              <a:t>sklearn</a:t>
+            </a:r>
+            <a:endParaRPr lang="en-US" dirty="0"/>
           </a:p>
         </p:txBody>
       </p:sp>
@@ -10074,6 +10093,121 @@
                       </p:childTnLst>
                     </p:cTn>
                   </p:par>
+                  <p:par>
+                    <p:cTn id="24" fill="hold">
+                      <p:stCondLst>
+                        <p:cond delay="indefinite"/>
+                      </p:stCondLst>
+                      <p:childTnLst>
+                        <p:par>
+                          <p:cTn id="25" fill="hold">
+                            <p:stCondLst>
+                              <p:cond delay="0"/>
+                            </p:stCondLst>
+                            <p:childTnLst>
+                              <p:par>
+                                <p:cTn id="26" presetID="42" presetClass="entr" presetSubtype="0" fill="hold" nodeType="clickEffect">
+                                  <p:stCondLst>
+                                    <p:cond delay="0"/>
+                                  </p:stCondLst>
+                                  <p:childTnLst>
+                                    <p:set>
+                                      <p:cBhvr>
+                                        <p:cTn id="27" dur="1" fill="hold">
+                                          <p:stCondLst>
+                                            <p:cond delay="0"/>
+                                          </p:stCondLst>
+                                        </p:cTn>
+                                        <p:tgtEl>
+                                          <p:spTgt spid="6">
+                                            <p:txEl>
+                                              <p:pRg st="3" end="3"/>
+                                            </p:txEl>
+                                          </p:spTgt>
+                                        </p:tgtEl>
+                                        <p:attrNameLst>
+                                          <p:attrName>style.visibility</p:attrName>
+                                        </p:attrNameLst>
+                                      </p:cBhvr>
+                                      <p:to>
+                                        <p:strVal val="visible"/>
+                                      </p:to>
+                                    </p:set>
+                                    <p:animEffect transition="in" filter="fade">
+                                      <p:cBhvr>
+                                        <p:cTn id="28" dur="250"/>
+                                        <p:tgtEl>
+                                          <p:spTgt spid="6">
+                                            <p:txEl>
+                                              <p:pRg st="3" end="3"/>
+                                            </p:txEl>
+                                          </p:spTgt>
+                                        </p:tgtEl>
+                                      </p:cBhvr>
+                                    </p:animEffect>
+                                    <p:anim calcmode="lin" valueType="num">
+                                      <p:cBhvr>
+                                        <p:cTn id="29" dur="250" fill="hold"/>
+                                        <p:tgtEl>
+                                          <p:spTgt spid="6">
+                                            <p:txEl>
+                                              <p:pRg st="3" end="3"/>
+                                            </p:txEl>
+                                          </p:spTgt>
+                                        </p:tgtEl>
+                                        <p:attrNameLst>
+                                          <p:attrName>ppt_x</p:attrName>
+                                        </p:attrNameLst>
+                                      </p:cBhvr>
+                                      <p:tavLst>
+                                        <p:tav tm="0">
+                                          <p:val>
+                                            <p:strVal val="#ppt_x"/>
+                                          </p:val>
+                                        </p:tav>
+                                        <p:tav tm="100000">
+                                          <p:val>
+                                            <p:strVal val="#ppt_x"/>
+                                          </p:val>
+                                        </p:tav>
+                                      </p:tavLst>
+                                    </p:anim>
+                                    <p:anim calcmode="lin" valueType="num">
+                                      <p:cBhvr>
+                                        <p:cTn id="30" dur="250" fill="hold"/>
+                                        <p:tgtEl>
+                                          <p:spTgt spid="6">
+                                            <p:txEl>
+                                              <p:pRg st="3" end="3"/>
+                                            </p:txEl>
+                                          </p:spTgt>
+                                        </p:tgtEl>
+                                        <p:attrNameLst>
+                                          <p:attrName>ppt_y</p:attrName>
+                                        </p:attrNameLst>
+                                      </p:cBhvr>
+                                      <p:tavLst>
+                                        <p:tav tm="0">
+                                          <p:val>
+                                            <p:strVal val="#ppt_y+.1"/>
+                                          </p:val>
+                                        </p:tav>
+                                        <p:tav tm="100000">
+                                          <p:val>
+                                            <p:strVal val="#ppt_y"/>
+                                          </p:val>
+                                        </p:tav>
+                                      </p:tavLst>
+                                    </p:anim>
+                                  </p:childTnLst>
+                                </p:cTn>
+                              </p:par>
+                            </p:childTnLst>
+                          </p:cTn>
+                        </p:par>
+                      </p:childTnLst>
+                    </p:cTn>
+                  </p:par>
                 </p:childTnLst>
               </p:cTn>
               <p:prevCondLst>
@@ -10456,13 +10590,13 @@
   <p:clrMapOvr>
     <a:masterClrMapping/>
   </p:clrMapOvr>
-  <mc:AlternateContent xmlns:mc="http://schemas.openxmlformats.org/markup-compatibility/2006">
-    <mc:Choice xmlns:p14="http://schemas.microsoft.com/office/powerpoint/2010/main" Requires="p14">
+  <mc:AlternateContent xmlns:mc="http://schemas.openxmlformats.org/markup-compatibility/2006" xmlns:p14="http://schemas.microsoft.com/office/powerpoint/2010/main">
+    <mc:Choice Requires="p14">
       <p:transition spd="med" p14:dur="700">
         <p:fade/>
       </p:transition>
     </mc:Choice>
-    <mc:Fallback>
+    <mc:Fallback xmlns="">
       <p:transition spd="med">
         <p:fade/>
       </p:transition>
@@ -12115,6 +12249,33 @@
               <a:buFontTx/>
               <a:buChar char="-"/>
             </a:pPr>
+            <a:r>
+              <a:rPr lang="en-US" dirty="0">
+                <a:solidFill>
+                  <a:schemeClr val="bg1"/>
+                </a:solidFill>
+              </a:rPr>
+              <a:t>SVC() from </a:t>
+            </a:r>
+            <a:r>
+              <a:rPr lang="en-US" dirty="0" err="1">
+                <a:solidFill>
+                  <a:schemeClr val="bg1"/>
+                </a:solidFill>
+              </a:rPr>
+              <a:t>sklearn</a:t>
+            </a:r>
+            <a:endParaRPr lang="en-US" dirty="0">
+              <a:solidFill>
+                <a:schemeClr val="bg1"/>
+              </a:solidFill>
+            </a:endParaRPr>
+          </a:p>
+          <a:p>
+            <a:pPr marL="285750" indent="-285750" algn="l">
+              <a:buFontTx/>
+              <a:buChar char="-"/>
+            </a:pPr>
             <a:endParaRPr lang="en-US" dirty="0">
               <a:solidFill>
                 <a:schemeClr val="bg1"/>
@@ -12463,6 +12624,67 @@
                                           <p:spTgt spid="5">
                                             <p:txEl>
                                               <p:pRg st="2" end="2"/>
+                                            </p:txEl>
+                                          </p:spTgt>
+                                        </p:tgtEl>
+                                      </p:cBhvr>
+                                    </p:animEffect>
+                                  </p:childTnLst>
+                                </p:cTn>
+                              </p:par>
+                            </p:childTnLst>
+                          </p:cTn>
+                        </p:par>
+                      </p:childTnLst>
+                    </p:cTn>
+                  </p:par>
+                  <p:par>
+                    <p:cTn id="18" fill="hold">
+                      <p:stCondLst>
+                        <p:cond delay="indefinite"/>
+                      </p:stCondLst>
+                      <p:childTnLst>
+                        <p:par>
+                          <p:cTn id="19" fill="hold">
+                            <p:stCondLst>
+                              <p:cond delay="0"/>
+                            </p:stCondLst>
+                            <p:childTnLst>
+                              <p:par>
+                                <p:cTn id="20" presetID="22" presetClass="entr" presetSubtype="4" fill="hold" nodeType="clickEffect">
+                                  <p:stCondLst>
+                                    <p:cond delay="0"/>
+                                  </p:stCondLst>
+                                  <p:childTnLst>
+                                    <p:set>
+                                      <p:cBhvr>
+                                        <p:cTn id="21" dur="1" fill="hold">
+                                          <p:stCondLst>
+                                            <p:cond delay="0"/>
+                                          </p:stCondLst>
+                                        </p:cTn>
+                                        <p:tgtEl>
+                                          <p:spTgt spid="5">
+                                            <p:txEl>
+                                              <p:pRg st="3" end="3"/>
+                                            </p:txEl>
+                                          </p:spTgt>
+                                        </p:tgtEl>
+                                        <p:attrNameLst>
+                                          <p:attrName>style.visibility</p:attrName>
+                                        </p:attrNameLst>
+                                      </p:cBhvr>
+                                      <p:to>
+                                        <p:strVal val="visible"/>
+                                      </p:to>
+                                    </p:set>
+                                    <p:animEffect transition="in" filter="wipe(down)">
+                                      <p:cBhvr>
+                                        <p:cTn id="22" dur="250"/>
+                                        <p:tgtEl>
+                                          <p:spTgt spid="5">
+                                            <p:txEl>
+                                              <p:pRg st="3" end="3"/>
                                             </p:txEl>
                                           </p:spTgt>
                                         </p:tgtEl>
@@ -13473,13 +13695,13 @@
   <p:clrMapOvr>
     <a:masterClrMapping/>
   </p:clrMapOvr>
-  <mc:AlternateContent xmlns:mc="http://schemas.openxmlformats.org/markup-compatibility/2006">
-    <mc:Choice xmlns:p14="http://schemas.microsoft.com/office/powerpoint/2010/main" Requires="p14">
+  <mc:AlternateContent xmlns:mc="http://schemas.openxmlformats.org/markup-compatibility/2006" xmlns:p14="http://schemas.microsoft.com/office/powerpoint/2010/main">
+    <mc:Choice Requires="p14">
       <p:transition spd="slow">
         <p14:reveal/>
       </p:transition>
     </mc:Choice>
-    <mc:Fallback>
+    <mc:Fallback xmlns="">
       <p:transition spd="slow">
         <p:fade/>
       </p:transition>
@@ -13613,13 +13835,13 @@
   <p:clrMapOvr>
     <a:masterClrMapping/>
   </p:clrMapOvr>
-  <mc:AlternateContent xmlns:mc="http://schemas.openxmlformats.org/markup-compatibility/2006">
-    <mc:Choice xmlns:p159="http://schemas.microsoft.com/office/powerpoint/2015/09/main" Requires="p159">
+  <mc:AlternateContent xmlns:mc="http://schemas.openxmlformats.org/markup-compatibility/2006" xmlns:p159="http://schemas.microsoft.com/office/powerpoint/2015/09/main">
+    <mc:Choice Requires="p159">
       <p:transition spd="slow">
         <p159:morph option="byObject"/>
       </p:transition>
     </mc:Choice>
-    <mc:Fallback>
+    <mc:Fallback xmlns="">
       <p:transition spd="slow">
         <p:fade/>
       </p:transition>
@@ -13750,13 +13972,13 @@
   <p:clrMapOvr>
     <a:masterClrMapping/>
   </p:clrMapOvr>
-  <mc:AlternateContent xmlns:mc="http://schemas.openxmlformats.org/markup-compatibility/2006">
-    <mc:Choice xmlns:p159="http://schemas.microsoft.com/office/powerpoint/2015/09/main" Requires="p159">
+  <mc:AlternateContent xmlns:mc="http://schemas.openxmlformats.org/markup-compatibility/2006" xmlns:p159="http://schemas.microsoft.com/office/powerpoint/2015/09/main">
+    <mc:Choice Requires="p159">
       <p:transition spd="slow">
         <p159:morph option="byObject"/>
       </p:transition>
     </mc:Choice>
-    <mc:Fallback>
+    <mc:Fallback xmlns="">
       <p:transition spd="slow">
         <p:fade/>
       </p:transition>
@@ -13885,13 +14107,13 @@
   <p:clrMapOvr>
     <a:masterClrMapping/>
   </p:clrMapOvr>
-  <mc:AlternateContent xmlns:mc="http://schemas.openxmlformats.org/markup-compatibility/2006">
-    <mc:Choice xmlns:p159="http://schemas.microsoft.com/office/powerpoint/2015/09/main" Requires="p159">
+  <mc:AlternateContent xmlns:mc="http://schemas.openxmlformats.org/markup-compatibility/2006" xmlns:p159="http://schemas.microsoft.com/office/powerpoint/2015/09/main">
+    <mc:Choice Requires="p159">
       <p:transition spd="slow">
         <p159:morph option="byObject"/>
       </p:transition>
     </mc:Choice>
-    <mc:Fallback>
+    <mc:Fallback xmlns="">
       <p:transition spd="slow">
         <p:fade/>
       </p:transition>
@@ -14022,13 +14244,13 @@
   <p:clrMapOvr>
     <a:masterClrMapping/>
   </p:clrMapOvr>
-  <mc:AlternateContent xmlns:mc="http://schemas.openxmlformats.org/markup-compatibility/2006">
-    <mc:Choice xmlns:p159="http://schemas.microsoft.com/office/powerpoint/2015/09/main" Requires="p159">
+  <mc:AlternateContent xmlns:mc="http://schemas.openxmlformats.org/markup-compatibility/2006" xmlns:p159="http://schemas.microsoft.com/office/powerpoint/2015/09/main">
+    <mc:Choice Requires="p159">
       <p:transition spd="slow">
         <p159:morph option="byObject"/>
       </p:transition>
     </mc:Choice>
-    <mc:Fallback>
+    <mc:Fallback xmlns="">
       <p:transition spd="slow">
         <p:fade/>
       </p:transition>
@@ -16794,15 +17016,6 @@
 </file>
 
 <file path=customXml/item1.xml><?xml version="1.0" encoding="utf-8"?>
-<?mso-contentType ?>
-<FormTemplates xmlns="http://schemas.microsoft.com/sharepoint/v3/contenttype/forms">
-  <Display>DocumentLibraryForm</Display>
-  <Edit>DocumentLibraryForm</Edit>
-  <New>DocumentLibraryForm</New>
-</FormTemplates>
-</file>
-
-<file path=customXml/item2.xml><?xml version="1.0" encoding="utf-8"?>
 <ct:contentTypeSchema xmlns:ct="http://schemas.microsoft.com/office/2006/metadata/contentType" xmlns:ma="http://schemas.microsoft.com/office/2006/metadata/properties/metaAttributes" ct:_="" ma:_="" ma:contentTypeName="Document" ma:contentTypeID="0x01010079F111ED35F8CC479449609E8A0923A6" ma:contentTypeVersion="28" ma:contentTypeDescription="Create a new document." ma:contentTypeScope="" ma:versionID="60f5a4f2d2b0abadcf532d48ebf9cb71">
   <xsd:schema xmlns:xsd="http://www.w3.org/2001/XMLSchema" xmlns:xs="http://www.w3.org/2001/XMLSchema" xmlns:p="http://schemas.microsoft.com/office/2006/metadata/properties" xmlns:ns1="http://schemas.microsoft.com/sharepoint/v3" xmlns:ns2="71af3243-3dd4-4a8d-8c0d-dd76da1f02a5" xmlns:ns3="16c05727-aa75-4e4a-9b5f-8a80a1165891" xmlns:ns4="230e9df3-be65-4c73-a93b-d1236ebd677e" targetNamespace="http://schemas.microsoft.com/office/2006/metadata/properties" ma:root="true" ma:fieldsID="7dd78129e6a1811f84807ad11c651531" ns1:_="" ns2:_="" ns3:_="" ns4:_="">
     <xsd:import namespace="http://schemas.microsoft.com/sharepoint/v3"/>
@@ -17114,6 +17327,15 @@
 </ct:contentTypeSchema>
 </file>
 
+<file path=customXml/item2.xml><?xml version="1.0" encoding="utf-8"?>
+<?mso-contentType ?>
+<FormTemplates xmlns="http://schemas.microsoft.com/sharepoint/v3/contenttype/forms">
+  <Display>DocumentLibraryForm</Display>
+  <Edit>DocumentLibraryForm</Edit>
+  <New>DocumentLibraryForm</New>
+</FormTemplates>
+</file>
+
 <file path=customXml/item3.xml><?xml version="1.0" encoding="utf-8"?>
 <p:properties xmlns:p="http://schemas.microsoft.com/office/2006/metadata/properties" xmlns:xsi="http://www.w3.org/2001/XMLSchema-instance" xmlns:pc="http://schemas.microsoft.com/office/infopath/2007/PartnerControls">
   <documentManagement>
@@ -17135,14 +17357,6 @@
 </file>
 
 <file path=customXml/itemProps1.xml><?xml version="1.0" encoding="utf-8"?>
-<ds:datastoreItem xmlns:ds="http://schemas.openxmlformats.org/officeDocument/2006/customXml" ds:itemID="{CABF691C-888B-4061-8A6F-D5CE84A0254B}">
-  <ds:schemaRefs>
-    <ds:schemaRef ds:uri="http://schemas.microsoft.com/sharepoint/v3/contenttype/forms"/>
-  </ds:schemaRefs>
-</ds:datastoreItem>
-</file>
-
-<file path=customXml/itemProps2.xml><?xml version="1.0" encoding="utf-8"?>
 <ds:datastoreItem xmlns:ds="http://schemas.openxmlformats.org/officeDocument/2006/customXml" ds:itemID="{5EDE3176-A15D-46A3-BDDB-64A0D7363224}">
   <ds:schemaRefs>
     <ds:schemaRef ds:uri="http://schemas.microsoft.com/office/2006/metadata/contentType"/>
@@ -17163,6 +17377,14 @@
 </ds:datastoreItem>
 </file>
 
+<file path=customXml/itemProps2.xml><?xml version="1.0" encoding="utf-8"?>
+<ds:datastoreItem xmlns:ds="http://schemas.openxmlformats.org/officeDocument/2006/customXml" ds:itemID="{CABF691C-888B-4061-8A6F-D5CE84A0254B}">
+  <ds:schemaRefs>
+    <ds:schemaRef ds:uri="http://schemas.microsoft.com/sharepoint/v3/contenttype/forms"/>
+  </ds:schemaRefs>
+</ds:datastoreItem>
+</file>
+
 <file path=customXml/itemProps3.xml><?xml version="1.0" encoding="utf-8"?>
 <ds:datastoreItem xmlns:ds="http://schemas.openxmlformats.org/officeDocument/2006/customXml" ds:itemID="{49168DCE-134F-4610-A6AA-88CEBE8D71D2}">
   <ds:schemaRefs>

--- a/Spotiflop_ML.pptx
+++ b/Spotiflop_ML.pptx
@@ -252,7 +252,7 @@
           <a:p>
             <a:fld id="{B56F32FC-4BD9-442A-A8C6-51598C909FE3}" type="datetimeFigureOut">
               <a:rPr lang="en-US" smtClean="0"/>
-              <a:t>12/10/2024</a:t>
+              <a:t>12/11/2024</a:t>
             </a:fld>
             <a:endParaRPr lang="en-US" dirty="0"/>
           </a:p>
@@ -429,7 +429,7 @@
           <a:p>
             <a:fld id="{056371FA-A98D-41E8-93F4-09945841298A}" type="datetimeFigureOut">
               <a:rPr lang="en-US" smtClean="0"/>
-              <a:t>12/10/2024</a:t>
+              <a:t>12/11/2024</a:t>
             </a:fld>
             <a:endParaRPr lang="en-US" dirty="0"/>
           </a:p>
@@ -9705,6 +9705,25 @@
               <a:rPr lang="en-US" dirty="0"/>
               <a:t>Vote</a:t>
             </a:r>
+          </a:p>
+          <a:p>
+            <a:pPr marL="285750" indent="-285750">
+              <a:buFontTx/>
+              <a:buChar char="-"/>
+            </a:pPr>
+            <a:r>
+              <a:rPr lang="en-US" dirty="0" err="1"/>
+              <a:t>RandomForestClassifier</a:t>
+            </a:r>
+            <a:r>
+              <a:rPr lang="en-US" dirty="0"/>
+              <a:t>() from </a:t>
+            </a:r>
+            <a:r>
+              <a:rPr lang="en-US" dirty="0" err="1"/>
+              <a:t>sklearn</a:t>
+            </a:r>
+            <a:endParaRPr lang="en-US" dirty="0"/>
           </a:p>
         </p:txBody>
       </p:sp>
@@ -10045,6 +10064,121 @@
                                           <p:spTgt spid="6">
                                             <p:txEl>
                                               <p:pRg st="2" end="2"/>
+                                            </p:txEl>
+                                          </p:spTgt>
+                                        </p:tgtEl>
+                                        <p:attrNameLst>
+                                          <p:attrName>ppt_y</p:attrName>
+                                        </p:attrNameLst>
+                                      </p:cBhvr>
+                                      <p:tavLst>
+                                        <p:tav tm="0">
+                                          <p:val>
+                                            <p:strVal val="#ppt_y+.1"/>
+                                          </p:val>
+                                        </p:tav>
+                                        <p:tav tm="100000">
+                                          <p:val>
+                                            <p:strVal val="#ppt_y"/>
+                                          </p:val>
+                                        </p:tav>
+                                      </p:tavLst>
+                                    </p:anim>
+                                  </p:childTnLst>
+                                </p:cTn>
+                              </p:par>
+                            </p:childTnLst>
+                          </p:cTn>
+                        </p:par>
+                      </p:childTnLst>
+                    </p:cTn>
+                  </p:par>
+                  <p:par>
+                    <p:cTn id="24" fill="hold">
+                      <p:stCondLst>
+                        <p:cond delay="indefinite"/>
+                      </p:stCondLst>
+                      <p:childTnLst>
+                        <p:par>
+                          <p:cTn id="25" fill="hold">
+                            <p:stCondLst>
+                              <p:cond delay="0"/>
+                            </p:stCondLst>
+                            <p:childTnLst>
+                              <p:par>
+                                <p:cTn id="26" presetID="42" presetClass="entr" presetSubtype="0" fill="hold" nodeType="clickEffect">
+                                  <p:stCondLst>
+                                    <p:cond delay="0"/>
+                                  </p:stCondLst>
+                                  <p:childTnLst>
+                                    <p:set>
+                                      <p:cBhvr>
+                                        <p:cTn id="27" dur="1" fill="hold">
+                                          <p:stCondLst>
+                                            <p:cond delay="0"/>
+                                          </p:stCondLst>
+                                        </p:cTn>
+                                        <p:tgtEl>
+                                          <p:spTgt spid="6">
+                                            <p:txEl>
+                                              <p:pRg st="3" end="3"/>
+                                            </p:txEl>
+                                          </p:spTgt>
+                                        </p:tgtEl>
+                                        <p:attrNameLst>
+                                          <p:attrName>style.visibility</p:attrName>
+                                        </p:attrNameLst>
+                                      </p:cBhvr>
+                                      <p:to>
+                                        <p:strVal val="visible"/>
+                                      </p:to>
+                                    </p:set>
+                                    <p:animEffect transition="in" filter="fade">
+                                      <p:cBhvr>
+                                        <p:cTn id="28" dur="250"/>
+                                        <p:tgtEl>
+                                          <p:spTgt spid="6">
+                                            <p:txEl>
+                                              <p:pRg st="3" end="3"/>
+                                            </p:txEl>
+                                          </p:spTgt>
+                                        </p:tgtEl>
+                                      </p:cBhvr>
+                                    </p:animEffect>
+                                    <p:anim calcmode="lin" valueType="num">
+                                      <p:cBhvr>
+                                        <p:cTn id="29" dur="250" fill="hold"/>
+                                        <p:tgtEl>
+                                          <p:spTgt spid="6">
+                                            <p:txEl>
+                                              <p:pRg st="3" end="3"/>
+                                            </p:txEl>
+                                          </p:spTgt>
+                                        </p:tgtEl>
+                                        <p:attrNameLst>
+                                          <p:attrName>ppt_x</p:attrName>
+                                        </p:attrNameLst>
+                                      </p:cBhvr>
+                                      <p:tavLst>
+                                        <p:tav tm="0">
+                                          <p:val>
+                                            <p:strVal val="#ppt_x"/>
+                                          </p:val>
+                                        </p:tav>
+                                        <p:tav tm="100000">
+                                          <p:val>
+                                            <p:strVal val="#ppt_x"/>
+                                          </p:val>
+                                        </p:tav>
+                                      </p:tavLst>
+                                    </p:anim>
+                                    <p:anim calcmode="lin" valueType="num">
+                                      <p:cBhvr>
+                                        <p:cTn id="30" dur="250" fill="hold"/>
+                                        <p:tgtEl>
+                                          <p:spTgt spid="6">
+                                            <p:txEl>
+                                              <p:pRg st="3" end="3"/>
                                             </p:txEl>
                                           </p:spTgt>
                                         </p:tgtEl>
@@ -12115,6 +12249,30 @@
               <a:buFontTx/>
               <a:buChar char="-"/>
             </a:pPr>
+            <a:r>
+              <a:rPr lang="en-US" dirty="0" err="1">
+                <a:solidFill>
+                  <a:schemeClr val="bg1"/>
+                </a:solidFill>
+              </a:rPr>
+              <a:t>Svm</a:t>
+            </a:r>
+            <a:r>
+              <a:rPr lang="en-US" dirty="0">
+                <a:solidFill>
+                  <a:schemeClr val="bg1"/>
+                </a:solidFill>
+              </a:rPr>
+              <a:t>() from </a:t>
+            </a:r>
+            <a:r>
+              <a:rPr lang="en-US" dirty="0" err="1">
+                <a:solidFill>
+                  <a:schemeClr val="bg1"/>
+                </a:solidFill>
+              </a:rPr>
+              <a:t>sklearn</a:t>
+            </a:r>
             <a:endParaRPr lang="en-US" dirty="0">
               <a:solidFill>
                 <a:schemeClr val="bg1"/>
@@ -12463,6 +12621,67 @@
                                           <p:spTgt spid="5">
                                             <p:txEl>
                                               <p:pRg st="2" end="2"/>
+                                            </p:txEl>
+                                          </p:spTgt>
+                                        </p:tgtEl>
+                                      </p:cBhvr>
+                                    </p:animEffect>
+                                  </p:childTnLst>
+                                </p:cTn>
+                              </p:par>
+                            </p:childTnLst>
+                          </p:cTn>
+                        </p:par>
+                      </p:childTnLst>
+                    </p:cTn>
+                  </p:par>
+                  <p:par>
+                    <p:cTn id="18" fill="hold">
+                      <p:stCondLst>
+                        <p:cond delay="indefinite"/>
+                      </p:stCondLst>
+                      <p:childTnLst>
+                        <p:par>
+                          <p:cTn id="19" fill="hold">
+                            <p:stCondLst>
+                              <p:cond delay="0"/>
+                            </p:stCondLst>
+                            <p:childTnLst>
+                              <p:par>
+                                <p:cTn id="20" presetID="22" presetClass="entr" presetSubtype="4" fill="hold" nodeType="clickEffect">
+                                  <p:stCondLst>
+                                    <p:cond delay="0"/>
+                                  </p:stCondLst>
+                                  <p:childTnLst>
+                                    <p:set>
+                                      <p:cBhvr>
+                                        <p:cTn id="21" dur="1" fill="hold">
+                                          <p:stCondLst>
+                                            <p:cond delay="0"/>
+                                          </p:stCondLst>
+                                        </p:cTn>
+                                        <p:tgtEl>
+                                          <p:spTgt spid="5">
+                                            <p:txEl>
+                                              <p:pRg st="3" end="3"/>
+                                            </p:txEl>
+                                          </p:spTgt>
+                                        </p:tgtEl>
+                                        <p:attrNameLst>
+                                          <p:attrName>style.visibility</p:attrName>
+                                        </p:attrNameLst>
+                                      </p:cBhvr>
+                                      <p:to>
+                                        <p:strVal val="visible"/>
+                                      </p:to>
+                                    </p:set>
+                                    <p:animEffect transition="in" filter="wipe(down)">
+                                      <p:cBhvr>
+                                        <p:cTn id="22" dur="250"/>
+                                        <p:tgtEl>
+                                          <p:spTgt spid="5">
+                                            <p:txEl>
+                                              <p:pRg st="3" end="3"/>
                                             </p:txEl>
                                           </p:spTgt>
                                         </p:tgtEl>
@@ -16794,15 +17013,6 @@
 </file>
 
 <file path=customXml/item1.xml><?xml version="1.0" encoding="utf-8"?>
-<?mso-contentType ?>
-<FormTemplates xmlns="http://schemas.microsoft.com/sharepoint/v3/contenttype/forms">
-  <Display>DocumentLibraryForm</Display>
-  <Edit>DocumentLibraryForm</Edit>
-  <New>DocumentLibraryForm</New>
-</FormTemplates>
-</file>
-
-<file path=customXml/item2.xml><?xml version="1.0" encoding="utf-8"?>
 <p:properties xmlns:p="http://schemas.microsoft.com/office/2006/metadata/properties" xmlns:xsi="http://www.w3.org/2001/XMLSchema-instance" xmlns:pc="http://schemas.microsoft.com/office/infopath/2007/PartnerControls">
   <documentManagement>
     <_ip_UnifiedCompliancePolicyUIAction xmlns="http://schemas.microsoft.com/sharepoint/v3" xsi:nil="true"/>
@@ -16820,6 +17030,15 @@
     <MediaServiceKeyPoints xmlns="71af3243-3dd4-4a8d-8c0d-dd76da1f02a5" xsi:nil="true"/>
   </documentManagement>
 </p:properties>
+</file>
+
+<file path=customXml/item2.xml><?xml version="1.0" encoding="utf-8"?>
+<?mso-contentType ?>
+<FormTemplates xmlns="http://schemas.microsoft.com/sharepoint/v3/contenttype/forms">
+  <Display>DocumentLibraryForm</Display>
+  <Edit>DocumentLibraryForm</Edit>
+  <New>DocumentLibraryForm</New>
+</FormTemplates>
 </file>
 
 <file path=customXml/item3.xml><?xml version="1.0" encoding="utf-8"?>
@@ -17135,14 +17354,6 @@
 </file>
 
 <file path=customXml/itemProps1.xml><?xml version="1.0" encoding="utf-8"?>
-<ds:datastoreItem xmlns:ds="http://schemas.openxmlformats.org/officeDocument/2006/customXml" ds:itemID="{CABF691C-888B-4061-8A6F-D5CE84A0254B}">
-  <ds:schemaRefs>
-    <ds:schemaRef ds:uri="http://schemas.microsoft.com/sharepoint/v3/contenttype/forms"/>
-  </ds:schemaRefs>
-</ds:datastoreItem>
-</file>
-
-<file path=customXml/itemProps2.xml><?xml version="1.0" encoding="utf-8"?>
 <ds:datastoreItem xmlns:ds="http://schemas.openxmlformats.org/officeDocument/2006/customXml" ds:itemID="{49168DCE-134F-4610-A6AA-88CEBE8D71D2}">
   <ds:schemaRefs>
     <ds:schemaRef ds:uri="http://schemas.microsoft.com/office/2006/metadata/properties"/>
@@ -17150,6 +17361,14 @@
     <ds:schemaRef ds:uri="http://schemas.microsoft.com/sharepoint/v3"/>
     <ds:schemaRef ds:uri="71af3243-3dd4-4a8d-8c0d-dd76da1f02a5"/>
     <ds:schemaRef ds:uri="230e9df3-be65-4c73-a93b-d1236ebd677e"/>
+  </ds:schemaRefs>
+</ds:datastoreItem>
+</file>
+
+<file path=customXml/itemProps2.xml><?xml version="1.0" encoding="utf-8"?>
+<ds:datastoreItem xmlns:ds="http://schemas.openxmlformats.org/officeDocument/2006/customXml" ds:itemID="{CABF691C-888B-4061-8A6F-D5CE84A0254B}">
+  <ds:schemaRefs>
+    <ds:schemaRef ds:uri="http://schemas.microsoft.com/sharepoint/v3/contenttype/forms"/>
   </ds:schemaRefs>
 </ds:datastoreItem>
 </file>

--- a/Spotiflop_ML.pptx
+++ b/Spotiflop_ML.pptx
@@ -1277,6 +1277,10 @@
           <a:bodyPr/>
           <a:lstStyle/>
           <a:p>
+            <a:r>
+              <a:rPr lang="en-GB" dirty="0"/>
+              <a:t>It explains how many of the correctly predicted cases actually turned out to be positive. </a:t>
+            </a:r>
             <a:endParaRPr lang="en-US" dirty="0"/>
           </a:p>
         </p:txBody>
@@ -1361,6 +1365,278 @@
           <a:bodyPr/>
           <a:lstStyle/>
           <a:p>
+            <a:r>
+              <a:rPr lang="en-GB" dirty="0"/>
+              <a:t>It explains how many of the actual positive cases we were able to predict correctly with our model.</a:t>
+            </a:r>
+            <a:endParaRPr lang="fr-FR" dirty="0"/>
+          </a:p>
+        </p:txBody>
+      </p:sp>
+      <p:sp>
+        <p:nvSpPr>
+          <p:cNvPr id="4" name="Slide Number Placeholder 3"/>
+          <p:cNvSpPr>
+            <a:spLocks noGrp="1"/>
+          </p:cNvSpPr>
+          <p:nvPr>
+            <p:ph type="sldNum" sz="quarter" idx="5"/>
+          </p:nvPr>
+        </p:nvSpPr>
+        <p:spPr/>
+        <p:txBody>
+          <a:bodyPr/>
+          <a:lstStyle/>
+          <a:p>
+            <a:fld id="{22289C57-55D7-40A4-A101-E74FAC7A092B}" type="slidenum">
+              <a:rPr lang="en-US" smtClean="0"/>
+              <a:t>24</a:t>
+            </a:fld>
+            <a:endParaRPr lang="en-US" dirty="0"/>
+          </a:p>
+        </p:txBody>
+      </p:sp>
+    </p:spTree>
+    <p:extLst>
+      <p:ext uri="{BB962C8B-B14F-4D97-AF65-F5344CB8AC3E}">
+        <p14:creationId xmlns:p14="http://schemas.microsoft.com/office/powerpoint/2010/main" val="2889901581"/>
+      </p:ext>
+    </p:extLst>
+  </p:cSld>
+  <p:clrMapOvr>
+    <a:masterClrMapping/>
+  </p:clrMapOvr>
+</p:notes>
+</file>
+
+<file path=ppt/notesSlides/notesSlide16.xml><?xml version="1.0" encoding="utf-8"?>
+<p:notes xmlns:a="http://schemas.openxmlformats.org/drawingml/2006/main" xmlns:r="http://schemas.openxmlformats.org/officeDocument/2006/relationships" xmlns:p="http://schemas.openxmlformats.org/presentationml/2006/main">
+  <p:cSld>
+    <p:spTree>
+      <p:nvGrpSpPr>
+        <p:cNvPr id="1" name=""/>
+        <p:cNvGrpSpPr/>
+        <p:nvPr/>
+      </p:nvGrpSpPr>
+      <p:grpSpPr>
+        <a:xfrm>
+          <a:off x="0" y="0"/>
+          <a:ext cx="0" cy="0"/>
+          <a:chOff x="0" y="0"/>
+          <a:chExt cx="0" cy="0"/>
+        </a:xfrm>
+      </p:grpSpPr>
+      <p:sp>
+        <p:nvSpPr>
+          <p:cNvPr id="2" name="Slide Image Placeholder 1"/>
+          <p:cNvSpPr>
+            <a:spLocks noGrp="1" noRot="1" noChangeAspect="1"/>
+          </p:cNvSpPr>
+          <p:nvPr>
+            <p:ph type="sldImg"/>
+          </p:nvPr>
+        </p:nvSpPr>
+        <p:spPr/>
+      </p:sp>
+      <p:sp>
+        <p:nvSpPr>
+          <p:cNvPr id="3" name="Notes Placeholder 2"/>
+          <p:cNvSpPr>
+            <a:spLocks noGrp="1"/>
+          </p:cNvSpPr>
+          <p:nvPr>
+            <p:ph type="body" idx="1"/>
+          </p:nvPr>
+        </p:nvSpPr>
+        <p:spPr/>
+        <p:txBody>
+          <a:bodyPr/>
+          <a:lstStyle/>
+          <a:p>
+            <a:r>
+              <a:rPr lang="en-GB" dirty="0"/>
+              <a:t>Proportion of actual negatives correctly predicted negative</a:t>
+            </a:r>
+            <a:endParaRPr lang="fr-FR" dirty="0"/>
+          </a:p>
+        </p:txBody>
+      </p:sp>
+      <p:sp>
+        <p:nvSpPr>
+          <p:cNvPr id="4" name="Slide Number Placeholder 3"/>
+          <p:cNvSpPr>
+            <a:spLocks noGrp="1"/>
+          </p:cNvSpPr>
+          <p:nvPr>
+            <p:ph type="sldNum" sz="quarter" idx="5"/>
+          </p:nvPr>
+        </p:nvSpPr>
+        <p:spPr/>
+        <p:txBody>
+          <a:bodyPr/>
+          <a:lstStyle/>
+          <a:p>
+            <a:fld id="{22289C57-55D7-40A4-A101-E74FAC7A092B}" type="slidenum">
+              <a:rPr lang="en-US" smtClean="0"/>
+              <a:t>25</a:t>
+            </a:fld>
+            <a:endParaRPr lang="en-US" dirty="0"/>
+          </a:p>
+        </p:txBody>
+      </p:sp>
+    </p:spTree>
+    <p:extLst>
+      <p:ext uri="{BB962C8B-B14F-4D97-AF65-F5344CB8AC3E}">
+        <p14:creationId xmlns:p14="http://schemas.microsoft.com/office/powerpoint/2010/main" val="2685331670"/>
+      </p:ext>
+    </p:extLst>
+  </p:cSld>
+  <p:clrMapOvr>
+    <a:masterClrMapping/>
+  </p:clrMapOvr>
+</p:notes>
+</file>
+
+<file path=ppt/notesSlides/notesSlide17.xml><?xml version="1.0" encoding="utf-8"?>
+<p:notes xmlns:a="http://schemas.openxmlformats.org/drawingml/2006/main" xmlns:r="http://schemas.openxmlformats.org/officeDocument/2006/relationships" xmlns:p="http://schemas.openxmlformats.org/presentationml/2006/main">
+  <p:cSld>
+    <p:spTree>
+      <p:nvGrpSpPr>
+        <p:cNvPr id="1" name=""/>
+        <p:cNvGrpSpPr/>
+        <p:nvPr/>
+      </p:nvGrpSpPr>
+      <p:grpSpPr>
+        <a:xfrm>
+          <a:off x="0" y="0"/>
+          <a:ext cx="0" cy="0"/>
+          <a:chOff x="0" y="0"/>
+          <a:chExt cx="0" cy="0"/>
+        </a:xfrm>
+      </p:grpSpPr>
+      <p:sp>
+        <p:nvSpPr>
+          <p:cNvPr id="2" name="Slide Image Placeholder 1"/>
+          <p:cNvSpPr>
+            <a:spLocks noGrp="1" noRot="1" noChangeAspect="1"/>
+          </p:cNvSpPr>
+          <p:nvPr>
+            <p:ph type="sldImg"/>
+          </p:nvPr>
+        </p:nvSpPr>
+        <p:spPr/>
+      </p:sp>
+      <p:sp>
+        <p:nvSpPr>
+          <p:cNvPr id="3" name="Notes Placeholder 2"/>
+          <p:cNvSpPr>
+            <a:spLocks noGrp="1"/>
+          </p:cNvSpPr>
+          <p:nvPr>
+            <p:ph type="body" idx="1"/>
+          </p:nvPr>
+        </p:nvSpPr>
+        <p:spPr/>
+        <p:txBody>
+          <a:bodyPr/>
+          <a:lstStyle/>
+          <a:p>
+            <a:r>
+              <a:rPr lang="en-GB" dirty="0"/>
+              <a:t>F1 Score is the harmonic mean of precision and recall</a:t>
+            </a:r>
+            <a:endParaRPr lang="fr-FR" dirty="0"/>
+          </a:p>
+        </p:txBody>
+      </p:sp>
+      <p:sp>
+        <p:nvSpPr>
+          <p:cNvPr id="4" name="Slide Number Placeholder 3"/>
+          <p:cNvSpPr>
+            <a:spLocks noGrp="1"/>
+          </p:cNvSpPr>
+          <p:nvPr>
+            <p:ph type="sldNum" sz="quarter" idx="5"/>
+          </p:nvPr>
+        </p:nvSpPr>
+        <p:spPr/>
+        <p:txBody>
+          <a:bodyPr/>
+          <a:lstStyle/>
+          <a:p>
+            <a:fld id="{22289C57-55D7-40A4-A101-E74FAC7A092B}" type="slidenum">
+              <a:rPr lang="en-US" smtClean="0"/>
+              <a:t>26</a:t>
+            </a:fld>
+            <a:endParaRPr lang="en-US" dirty="0"/>
+          </a:p>
+        </p:txBody>
+      </p:sp>
+    </p:spTree>
+    <p:extLst>
+      <p:ext uri="{BB962C8B-B14F-4D97-AF65-F5344CB8AC3E}">
+        <p14:creationId xmlns:p14="http://schemas.microsoft.com/office/powerpoint/2010/main" val="2830283325"/>
+      </p:ext>
+    </p:extLst>
+  </p:cSld>
+  <p:clrMapOvr>
+    <a:masterClrMapping/>
+  </p:clrMapOvr>
+</p:notes>
+</file>
+
+<file path=ppt/notesSlides/notesSlide18.xml><?xml version="1.0" encoding="utf-8"?>
+<p:notes xmlns:a="http://schemas.openxmlformats.org/drawingml/2006/main" xmlns:r="http://schemas.openxmlformats.org/officeDocument/2006/relationships" xmlns:p="http://schemas.openxmlformats.org/presentationml/2006/main">
+  <p:cSld>
+    <p:spTree>
+      <p:nvGrpSpPr>
+        <p:cNvPr id="1" name=""/>
+        <p:cNvGrpSpPr/>
+        <p:nvPr/>
+      </p:nvGrpSpPr>
+      <p:grpSpPr>
+        <a:xfrm>
+          <a:off x="0" y="0"/>
+          <a:ext cx="0" cy="0"/>
+          <a:chOff x="0" y="0"/>
+          <a:chExt cx="0" cy="0"/>
+        </a:xfrm>
+      </p:grpSpPr>
+      <p:sp>
+        <p:nvSpPr>
+          <p:cNvPr id="2" name="Slide Image Placeholder 1"/>
+          <p:cNvSpPr>
+            <a:spLocks noGrp="1" noRot="1" noChangeAspect="1"/>
+          </p:cNvSpPr>
+          <p:nvPr>
+            <p:ph type="sldImg"/>
+          </p:nvPr>
+        </p:nvSpPr>
+        <p:spPr/>
+      </p:sp>
+      <p:sp>
+        <p:nvSpPr>
+          <p:cNvPr id="3" name="Notes Placeholder 2"/>
+          <p:cNvSpPr>
+            <a:spLocks noGrp="1"/>
+          </p:cNvSpPr>
+          <p:nvPr>
+            <p:ph type="body" idx="1"/>
+          </p:nvPr>
+        </p:nvSpPr>
+        <p:spPr/>
+        <p:txBody>
+          <a:bodyPr/>
+          <a:lstStyle/>
+          <a:p>
+            <a:r>
+              <a:rPr lang="en-US" dirty="0"/>
+              <a:t>Random </a:t>
+            </a:r>
+            <a:r>
+              <a:rPr lang="en-US"/>
+              <a:t>Forest Classifier</a:t>
+            </a:r>
             <a:endParaRPr lang="en-US" dirty="0"/>
           </a:p>
         </p:txBody>
@@ -13879,7 +14155,7 @@
           <p:nvPr/>
         </p:nvPicPr>
         <p:blipFill>
-          <a:blip r:embed="rId2"/>
+          <a:blip r:embed="rId3"/>
           <a:stretch>
             <a:fillRect/>
           </a:stretch>
@@ -14016,7 +14292,7 @@
           <p:nvPr/>
         </p:nvPicPr>
         <p:blipFill>
-          <a:blip r:embed="rId2"/>
+          <a:blip r:embed="rId3"/>
           <a:stretch>
             <a:fillRect/>
           </a:stretch>
@@ -14151,7 +14427,7 @@
           <p:nvPr/>
         </p:nvPicPr>
         <p:blipFill>
-          <a:blip r:embed="rId2"/>
+          <a:blip r:embed="rId3"/>
           <a:stretch>
             <a:fillRect/>
           </a:stretch>
@@ -17033,15 +17309,6 @@
 </file>
 
 <file path=customXml/item2.xml><?xml version="1.0" encoding="utf-8"?>
-<?mso-contentType ?>
-<FormTemplates xmlns="http://schemas.microsoft.com/sharepoint/v3/contenttype/forms">
-  <Display>DocumentLibraryForm</Display>
-  <Edit>DocumentLibraryForm</Edit>
-  <New>DocumentLibraryForm</New>
-</FormTemplates>
-</file>
-
-<file path=customXml/item3.xml><?xml version="1.0" encoding="utf-8"?>
 <ct:contentTypeSchema xmlns:ct="http://schemas.microsoft.com/office/2006/metadata/contentType" xmlns:ma="http://schemas.microsoft.com/office/2006/metadata/properties/metaAttributes" ct:_="" ma:_="" ma:contentTypeName="Document" ma:contentTypeID="0x01010079F111ED35F8CC479449609E8A0923A6" ma:contentTypeVersion="28" ma:contentTypeDescription="Create a new document." ma:contentTypeScope="" ma:versionID="60f5a4f2d2b0abadcf532d48ebf9cb71">
   <xsd:schema xmlns:xsd="http://www.w3.org/2001/XMLSchema" xmlns:xs="http://www.w3.org/2001/XMLSchema" xmlns:p="http://schemas.microsoft.com/office/2006/metadata/properties" xmlns:ns1="http://schemas.microsoft.com/sharepoint/v3" xmlns:ns2="71af3243-3dd4-4a8d-8c0d-dd76da1f02a5" xmlns:ns3="16c05727-aa75-4e4a-9b5f-8a80a1165891" xmlns:ns4="230e9df3-be65-4c73-a93b-d1236ebd677e" targetNamespace="http://schemas.microsoft.com/office/2006/metadata/properties" ma:root="true" ma:fieldsID="7dd78129e6a1811f84807ad11c651531" ns1:_="" ns2:_="" ns3:_="" ns4:_="">
     <xsd:import namespace="http://schemas.microsoft.com/sharepoint/v3"/>
@@ -17353,6 +17620,15 @@
 </ct:contentTypeSchema>
 </file>
 
+<file path=customXml/item3.xml><?xml version="1.0" encoding="utf-8"?>
+<?mso-contentType ?>
+<FormTemplates xmlns="http://schemas.microsoft.com/sharepoint/v3/contenttype/forms">
+  <Display>DocumentLibraryForm</Display>
+  <Edit>DocumentLibraryForm</Edit>
+  <New>DocumentLibraryForm</New>
+</FormTemplates>
+</file>
+
 <file path=customXml/itemProps1.xml><?xml version="1.0" encoding="utf-8"?>
 <ds:datastoreItem xmlns:ds="http://schemas.openxmlformats.org/officeDocument/2006/customXml" ds:itemID="{49168DCE-134F-4610-A6AA-88CEBE8D71D2}">
   <ds:schemaRefs>
@@ -17366,14 +17642,6 @@
 </file>
 
 <file path=customXml/itemProps2.xml><?xml version="1.0" encoding="utf-8"?>
-<ds:datastoreItem xmlns:ds="http://schemas.openxmlformats.org/officeDocument/2006/customXml" ds:itemID="{CABF691C-888B-4061-8A6F-D5CE84A0254B}">
-  <ds:schemaRefs>
-    <ds:schemaRef ds:uri="http://schemas.microsoft.com/sharepoint/v3/contenttype/forms"/>
-  </ds:schemaRefs>
-</ds:datastoreItem>
-</file>
-
-<file path=customXml/itemProps3.xml><?xml version="1.0" encoding="utf-8"?>
 <ds:datastoreItem xmlns:ds="http://schemas.openxmlformats.org/officeDocument/2006/customXml" ds:itemID="{5EDE3176-A15D-46A3-BDDB-64A0D7363224}">
   <ds:schemaRefs>
     <ds:schemaRef ds:uri="http://schemas.microsoft.com/office/2006/metadata/contentType"/>
@@ -17394,6 +17662,14 @@
 </ds:datastoreItem>
 </file>
 
+<file path=customXml/itemProps3.xml><?xml version="1.0" encoding="utf-8"?>
+<ds:datastoreItem xmlns:ds="http://schemas.openxmlformats.org/officeDocument/2006/customXml" ds:itemID="{CABF691C-888B-4061-8A6F-D5CE84A0254B}">
+  <ds:schemaRefs>
+    <ds:schemaRef ds:uri="http://schemas.microsoft.com/sharepoint/v3/contenttype/forms"/>
+  </ds:schemaRefs>
+</ds:datastoreItem>
+</file>
+
 <file path=docMetadata/LabelInfo.xml><?xml version="1.0" encoding="utf-8"?>
 <clbl:labelList xmlns:clbl="http://schemas.microsoft.com/office/2020/mipLabelMetadata"/>
 </file>